--- a/docs/邵亚东.pptx
+++ b/docs/邵亚东.pptx
@@ -5,29 +5,32 @@
     <p:sldMasterId id="2147483648" r:id="rId1"/>
   </p:sldMasterIdLst>
   <p:notesMasterIdLst>
-    <p:notesMasterId r:id="rId4"/>
+    <p:notesMasterId r:id="rId20"/>
   </p:notesMasterIdLst>
   <p:sldIdLst>
-    <p:sldId id="256" r:id="rId3"/>
-    <p:sldId id="257" r:id="rId5"/>
-    <p:sldId id="258" r:id="rId6"/>
-    <p:sldId id="259" r:id="rId7"/>
-    <p:sldId id="260" r:id="rId8"/>
-    <p:sldId id="261" r:id="rId9"/>
-    <p:sldId id="262" r:id="rId10"/>
-    <p:sldId id="269" r:id="rId11"/>
-    <p:sldId id="270" r:id="rId12"/>
-    <p:sldId id="271" r:id="rId13"/>
-    <p:sldId id="283" r:id="rId14"/>
-    <p:sldId id="284" r:id="rId15"/>
-    <p:sldId id="285" r:id="rId16"/>
-    <p:sldId id="286" r:id="rId17"/>
-    <p:sldId id="287" r:id="rId18"/>
+    <p:sldId id="256" r:id="rId2"/>
+    <p:sldId id="257" r:id="rId3"/>
+    <p:sldId id="258" r:id="rId4"/>
+    <p:sldId id="259" r:id="rId5"/>
+    <p:sldId id="260" r:id="rId6"/>
+    <p:sldId id="261" r:id="rId7"/>
+    <p:sldId id="262" r:id="rId8"/>
+    <p:sldId id="269" r:id="rId9"/>
+    <p:sldId id="270" r:id="rId10"/>
+    <p:sldId id="271" r:id="rId11"/>
+    <p:sldId id="288" r:id="rId12"/>
+    <p:sldId id="289" r:id="rId13"/>
+    <p:sldId id="290" r:id="rId14"/>
+    <p:sldId id="283" r:id="rId15"/>
+    <p:sldId id="284" r:id="rId16"/>
+    <p:sldId id="285" r:id="rId17"/>
+    <p:sldId id="286" r:id="rId18"/>
+    <p:sldId id="287" r:id="rId19"/>
   </p:sldIdLst>
   <p:sldSz cx="12192000" cy="6858000"/>
   <p:notesSz cx="6858000" cy="9144000"/>
   <p:custDataLst>
-    <p:tags r:id="rId22"/>
+    <p:tags r:id="rId21"/>
   </p:custDataLst>
   <p:defaultTextStyle>
     <a:defPPr>
@@ -209,6 +212,8 @@
           <a:p>
             <a:fld id="{5DF210F2-9884-44B6-AE81-5396B13D808F}" type="datetimeFigureOut">
               <a:rPr lang="zh-CN" altLang="en-US" smtClean="0"/>
+              <a:pPr/>
+              <a:t>2022/11/28</a:t>
             </a:fld>
             <a:endParaRPr lang="zh-CN" altLang="en-US"/>
           </a:p>
@@ -277,7 +282,6 @@
               <a:rPr lang="zh-CN" altLang="en-US" smtClean="0"/>
               <a:t>单击此处编辑母版文本样式</a:t>
             </a:r>
-            <a:endParaRPr lang="zh-CN" altLang="en-US" smtClean="0"/>
           </a:p>
           <a:p>
             <a:pPr lvl="1"/>
@@ -285,7 +289,6 @@
               <a:rPr lang="zh-CN" altLang="en-US" smtClean="0"/>
               <a:t>第二级</a:t>
             </a:r>
-            <a:endParaRPr lang="zh-CN" altLang="en-US" smtClean="0"/>
           </a:p>
           <a:p>
             <a:pPr lvl="2"/>
@@ -293,7 +296,6 @@
               <a:rPr lang="zh-CN" altLang="en-US" smtClean="0"/>
               <a:t>第三级</a:t>
             </a:r>
-            <a:endParaRPr lang="zh-CN" altLang="en-US" smtClean="0"/>
           </a:p>
           <a:p>
             <a:pPr lvl="3"/>
@@ -301,7 +303,6 @@
               <a:rPr lang="zh-CN" altLang="en-US" smtClean="0"/>
               <a:t>第四级</a:t>
             </a:r>
-            <a:endParaRPr lang="zh-CN" altLang="en-US" smtClean="0"/>
           </a:p>
           <a:p>
             <a:pPr lvl="4"/>
@@ -373,6 +374,8 @@
           <a:p>
             <a:fld id="{6FB30AC4-09EC-42CF-9565-6CC02A45EE76}" type="slidenum">
               <a:rPr lang="zh-CN" altLang="en-US" smtClean="0"/>
+              <a:pPr/>
+              <a:t>‹#›</a:t>
             </a:fld>
             <a:endParaRPr lang="zh-CN" altLang="en-US"/>
           </a:p>
@@ -541,6 +544,8 @@
           <a:p>
             <a:fld id="{74E7DC6A-F9F9-48DB-9FE7-E174AE05389F}" type="slidenum">
               <a:rPr lang="zh-CN" altLang="en-US" smtClean="0"/>
+              <a:pPr/>
+              <a:t>1</a:t>
             </a:fld>
             <a:endParaRPr lang="zh-CN" altLang="en-US"/>
           </a:p>
@@ -619,6 +624,8 @@
           <a:p>
             <a:fld id="{74E7DC6A-F9F9-48DB-9FE7-E174AE05389F}" type="slidenum">
               <a:rPr lang="zh-CN" altLang="en-US" smtClean="0"/>
+              <a:pPr/>
+              <a:t>10</a:t>
             </a:fld>
             <a:endParaRPr lang="zh-CN" altLang="en-US"/>
           </a:p>
@@ -697,6 +704,8 @@
           <a:p>
             <a:fld id="{74E7DC6A-F9F9-48DB-9FE7-E174AE05389F}" type="slidenum">
               <a:rPr lang="zh-CN" altLang="en-US" smtClean="0"/>
+              <a:pPr/>
+              <a:t>11</a:t>
             </a:fld>
             <a:endParaRPr lang="zh-CN" altLang="en-US"/>
           </a:p>
@@ -775,6 +784,8 @@
           <a:p>
             <a:fld id="{74E7DC6A-F9F9-48DB-9FE7-E174AE05389F}" type="slidenum">
               <a:rPr lang="zh-CN" altLang="en-US" smtClean="0"/>
+              <a:pPr/>
+              <a:t>12</a:t>
             </a:fld>
             <a:endParaRPr lang="zh-CN" altLang="en-US"/>
           </a:p>
@@ -853,6 +864,8 @@
           <a:p>
             <a:fld id="{74E7DC6A-F9F9-48DB-9FE7-E174AE05389F}" type="slidenum">
               <a:rPr lang="zh-CN" altLang="en-US" smtClean="0"/>
+              <a:pPr/>
+              <a:t>13</a:t>
             </a:fld>
             <a:endParaRPr lang="zh-CN" altLang="en-US"/>
           </a:p>
@@ -931,6 +944,8 @@
           <a:p>
             <a:fld id="{74E7DC6A-F9F9-48DB-9FE7-E174AE05389F}" type="slidenum">
               <a:rPr lang="zh-CN" altLang="en-US" smtClean="0"/>
+              <a:pPr/>
+              <a:t>14</a:t>
             </a:fld>
             <a:endParaRPr lang="zh-CN" altLang="en-US"/>
           </a:p>
@@ -1009,6 +1024,248 @@
           <a:p>
             <a:fld id="{74E7DC6A-F9F9-48DB-9FE7-E174AE05389F}" type="slidenum">
               <a:rPr lang="zh-CN" altLang="en-US" smtClean="0"/>
+              <a:pPr/>
+              <a:t>15</a:t>
+            </a:fld>
+            <a:endParaRPr lang="zh-CN" altLang="en-US"/>
+          </a:p>
+        </p:txBody>
+      </p:sp>
+    </p:spTree>
+  </p:cSld>
+  <p:clrMapOvr>
+    <a:masterClrMapping/>
+  </p:clrMapOvr>
+</p:notes>
+</file>
+
+<file path=ppt/notesSlides/notesSlide16.xml><?xml version="1.0" encoding="utf-8"?>
+<p:notes xmlns:a="http://schemas.openxmlformats.org/drawingml/2006/main" xmlns:r="http://schemas.openxmlformats.org/officeDocument/2006/relationships" xmlns:p="http://schemas.openxmlformats.org/presentationml/2006/main">
+  <p:cSld>
+    <p:spTree>
+      <p:nvGrpSpPr>
+        <p:cNvPr id="1" name=""/>
+        <p:cNvGrpSpPr/>
+        <p:nvPr/>
+      </p:nvGrpSpPr>
+      <p:grpSpPr>
+        <a:xfrm>
+          <a:off x="0" y="0"/>
+          <a:ext cx="0" cy="0"/>
+          <a:chOff x="0" y="0"/>
+          <a:chExt cx="0" cy="0"/>
+        </a:xfrm>
+      </p:grpSpPr>
+      <p:sp>
+        <p:nvSpPr>
+          <p:cNvPr id="2" name="幻灯片图像占位符 1"/>
+          <p:cNvSpPr>
+            <a:spLocks noGrp="1" noRot="1" noChangeAspect="1"/>
+          </p:cNvSpPr>
+          <p:nvPr>
+            <p:ph type="sldImg"/>
+          </p:nvPr>
+        </p:nvSpPr>
+        <p:spPr/>
+      </p:sp>
+      <p:sp>
+        <p:nvSpPr>
+          <p:cNvPr id="3" name="备注占位符 2"/>
+          <p:cNvSpPr>
+            <a:spLocks noGrp="1"/>
+          </p:cNvSpPr>
+          <p:nvPr>
+            <p:ph type="body" idx="1"/>
+          </p:nvPr>
+        </p:nvSpPr>
+        <p:spPr/>
+        <p:txBody>
+          <a:bodyPr/>
+          <a:lstStyle/>
+          <a:p>
+            <a:endParaRPr lang="zh-CN" altLang="en-US"/>
+          </a:p>
+        </p:txBody>
+      </p:sp>
+      <p:sp>
+        <p:nvSpPr>
+          <p:cNvPr id="4" name="灯片编号占位符 3"/>
+          <p:cNvSpPr>
+            <a:spLocks noGrp="1"/>
+          </p:cNvSpPr>
+          <p:nvPr>
+            <p:ph type="sldNum" sz="quarter" idx="10"/>
+          </p:nvPr>
+        </p:nvSpPr>
+        <p:spPr/>
+        <p:txBody>
+          <a:bodyPr/>
+          <a:lstStyle/>
+          <a:p>
+            <a:fld id="{74E7DC6A-F9F9-48DB-9FE7-E174AE05389F}" type="slidenum">
+              <a:rPr lang="zh-CN" altLang="en-US" smtClean="0"/>
+              <a:pPr/>
+              <a:t>16</a:t>
+            </a:fld>
+            <a:endParaRPr lang="zh-CN" altLang="en-US"/>
+          </a:p>
+        </p:txBody>
+      </p:sp>
+    </p:spTree>
+  </p:cSld>
+  <p:clrMapOvr>
+    <a:masterClrMapping/>
+  </p:clrMapOvr>
+</p:notes>
+</file>
+
+<file path=ppt/notesSlides/notesSlide17.xml><?xml version="1.0" encoding="utf-8"?>
+<p:notes xmlns:a="http://schemas.openxmlformats.org/drawingml/2006/main" xmlns:r="http://schemas.openxmlformats.org/officeDocument/2006/relationships" xmlns:p="http://schemas.openxmlformats.org/presentationml/2006/main">
+  <p:cSld>
+    <p:spTree>
+      <p:nvGrpSpPr>
+        <p:cNvPr id="1" name=""/>
+        <p:cNvGrpSpPr/>
+        <p:nvPr/>
+      </p:nvGrpSpPr>
+      <p:grpSpPr>
+        <a:xfrm>
+          <a:off x="0" y="0"/>
+          <a:ext cx="0" cy="0"/>
+          <a:chOff x="0" y="0"/>
+          <a:chExt cx="0" cy="0"/>
+        </a:xfrm>
+      </p:grpSpPr>
+      <p:sp>
+        <p:nvSpPr>
+          <p:cNvPr id="2" name="幻灯片图像占位符 1"/>
+          <p:cNvSpPr>
+            <a:spLocks noGrp="1" noRot="1" noChangeAspect="1"/>
+          </p:cNvSpPr>
+          <p:nvPr>
+            <p:ph type="sldImg"/>
+          </p:nvPr>
+        </p:nvSpPr>
+        <p:spPr/>
+      </p:sp>
+      <p:sp>
+        <p:nvSpPr>
+          <p:cNvPr id="3" name="备注占位符 2"/>
+          <p:cNvSpPr>
+            <a:spLocks noGrp="1"/>
+          </p:cNvSpPr>
+          <p:nvPr>
+            <p:ph type="body" idx="1"/>
+          </p:nvPr>
+        </p:nvSpPr>
+        <p:spPr/>
+        <p:txBody>
+          <a:bodyPr/>
+          <a:lstStyle/>
+          <a:p>
+            <a:endParaRPr lang="zh-CN" altLang="en-US"/>
+          </a:p>
+        </p:txBody>
+      </p:sp>
+      <p:sp>
+        <p:nvSpPr>
+          <p:cNvPr id="4" name="灯片编号占位符 3"/>
+          <p:cNvSpPr>
+            <a:spLocks noGrp="1"/>
+          </p:cNvSpPr>
+          <p:nvPr>
+            <p:ph type="sldNum" sz="quarter" idx="10"/>
+          </p:nvPr>
+        </p:nvSpPr>
+        <p:spPr/>
+        <p:txBody>
+          <a:bodyPr/>
+          <a:lstStyle/>
+          <a:p>
+            <a:fld id="{74E7DC6A-F9F9-48DB-9FE7-E174AE05389F}" type="slidenum">
+              <a:rPr lang="zh-CN" altLang="en-US" smtClean="0"/>
+              <a:pPr/>
+              <a:t>17</a:t>
+            </a:fld>
+            <a:endParaRPr lang="zh-CN" altLang="en-US"/>
+          </a:p>
+        </p:txBody>
+      </p:sp>
+    </p:spTree>
+  </p:cSld>
+  <p:clrMapOvr>
+    <a:masterClrMapping/>
+  </p:clrMapOvr>
+</p:notes>
+</file>
+
+<file path=ppt/notesSlides/notesSlide18.xml><?xml version="1.0" encoding="utf-8"?>
+<p:notes xmlns:a="http://schemas.openxmlformats.org/drawingml/2006/main" xmlns:r="http://schemas.openxmlformats.org/officeDocument/2006/relationships" xmlns:p="http://schemas.openxmlformats.org/presentationml/2006/main">
+  <p:cSld>
+    <p:spTree>
+      <p:nvGrpSpPr>
+        <p:cNvPr id="1" name=""/>
+        <p:cNvGrpSpPr/>
+        <p:nvPr/>
+      </p:nvGrpSpPr>
+      <p:grpSpPr>
+        <a:xfrm>
+          <a:off x="0" y="0"/>
+          <a:ext cx="0" cy="0"/>
+          <a:chOff x="0" y="0"/>
+          <a:chExt cx="0" cy="0"/>
+        </a:xfrm>
+      </p:grpSpPr>
+      <p:sp>
+        <p:nvSpPr>
+          <p:cNvPr id="2" name="幻灯片图像占位符 1"/>
+          <p:cNvSpPr>
+            <a:spLocks noGrp="1" noRot="1" noChangeAspect="1"/>
+          </p:cNvSpPr>
+          <p:nvPr>
+            <p:ph type="sldImg"/>
+          </p:nvPr>
+        </p:nvSpPr>
+        <p:spPr/>
+      </p:sp>
+      <p:sp>
+        <p:nvSpPr>
+          <p:cNvPr id="3" name="备注占位符 2"/>
+          <p:cNvSpPr>
+            <a:spLocks noGrp="1"/>
+          </p:cNvSpPr>
+          <p:nvPr>
+            <p:ph type="body" idx="1"/>
+          </p:nvPr>
+        </p:nvSpPr>
+        <p:spPr/>
+        <p:txBody>
+          <a:bodyPr/>
+          <a:lstStyle/>
+          <a:p>
+            <a:endParaRPr lang="zh-CN" altLang="en-US"/>
+          </a:p>
+        </p:txBody>
+      </p:sp>
+      <p:sp>
+        <p:nvSpPr>
+          <p:cNvPr id="4" name="灯片编号占位符 3"/>
+          <p:cNvSpPr>
+            <a:spLocks noGrp="1"/>
+          </p:cNvSpPr>
+          <p:nvPr>
+            <p:ph type="sldNum" sz="quarter" idx="10"/>
+          </p:nvPr>
+        </p:nvSpPr>
+        <p:spPr/>
+        <p:txBody>
+          <a:bodyPr/>
+          <a:lstStyle/>
+          <a:p>
+            <a:fld id="{74E7DC6A-F9F9-48DB-9FE7-E174AE05389F}" type="slidenum">
+              <a:rPr lang="zh-CN" altLang="en-US" smtClean="0"/>
+              <a:pPr/>
+              <a:t>18</a:t>
             </a:fld>
             <a:endParaRPr lang="zh-CN" altLang="en-US"/>
           </a:p>
@@ -1087,6 +1344,8 @@
           <a:p>
             <a:fld id="{74E7DC6A-F9F9-48DB-9FE7-E174AE05389F}" type="slidenum">
               <a:rPr lang="zh-CN" altLang="en-US" smtClean="0"/>
+              <a:pPr/>
+              <a:t>2</a:t>
             </a:fld>
             <a:endParaRPr lang="zh-CN" altLang="en-US"/>
           </a:p>
@@ -1165,6 +1424,8 @@
           <a:p>
             <a:fld id="{74E7DC6A-F9F9-48DB-9FE7-E174AE05389F}" type="slidenum">
               <a:rPr lang="zh-CN" altLang="en-US" smtClean="0"/>
+              <a:pPr/>
+              <a:t>3</a:t>
             </a:fld>
             <a:endParaRPr lang="zh-CN" altLang="en-US"/>
           </a:p>
@@ -1243,6 +1504,8 @@
           <a:p>
             <a:fld id="{74E7DC6A-F9F9-48DB-9FE7-E174AE05389F}" type="slidenum">
               <a:rPr lang="zh-CN" altLang="en-US" smtClean="0"/>
+              <a:pPr/>
+              <a:t>4</a:t>
             </a:fld>
             <a:endParaRPr lang="zh-CN" altLang="en-US"/>
           </a:p>
@@ -1321,6 +1584,8 @@
           <a:p>
             <a:fld id="{74E7DC6A-F9F9-48DB-9FE7-E174AE05389F}" type="slidenum">
               <a:rPr lang="zh-CN" altLang="en-US" smtClean="0"/>
+              <a:pPr/>
+              <a:t>5</a:t>
             </a:fld>
             <a:endParaRPr lang="zh-CN" altLang="en-US"/>
           </a:p>
@@ -1399,6 +1664,8 @@
           <a:p>
             <a:fld id="{74E7DC6A-F9F9-48DB-9FE7-E174AE05389F}" type="slidenum">
               <a:rPr lang="zh-CN" altLang="en-US" smtClean="0"/>
+              <a:pPr/>
+              <a:t>6</a:t>
             </a:fld>
             <a:endParaRPr lang="zh-CN" altLang="en-US"/>
           </a:p>
@@ -1477,6 +1744,8 @@
           <a:p>
             <a:fld id="{74E7DC6A-F9F9-48DB-9FE7-E174AE05389F}" type="slidenum">
               <a:rPr lang="zh-CN" altLang="en-US" smtClean="0"/>
+              <a:pPr/>
+              <a:t>7</a:t>
             </a:fld>
             <a:endParaRPr lang="zh-CN" altLang="en-US"/>
           </a:p>
@@ -1555,6 +1824,8 @@
           <a:p>
             <a:fld id="{74E7DC6A-F9F9-48DB-9FE7-E174AE05389F}" type="slidenum">
               <a:rPr lang="zh-CN" altLang="en-US" smtClean="0"/>
+              <a:pPr/>
+              <a:t>8</a:t>
             </a:fld>
             <a:endParaRPr lang="zh-CN" altLang="en-US"/>
           </a:p>
@@ -1633,6 +1904,8 @@
           <a:p>
             <a:fld id="{74E7DC6A-F9F9-48DB-9FE7-E174AE05389F}" type="slidenum">
               <a:rPr lang="zh-CN" altLang="en-US" smtClean="0"/>
+              <a:pPr/>
+              <a:t>9</a:t>
             </a:fld>
             <a:endParaRPr lang="zh-CN" altLang="en-US"/>
           </a:p>
@@ -1777,6 +2050,8 @@
           <a:p>
             <a:fld id="{D997B5FA-0921-464F-AAE1-844C04324D75}" type="datetimeFigureOut">
               <a:rPr lang="zh-CN" altLang="en-US" smtClean="0"/>
+              <a:pPr/>
+              <a:t>2022/11/28</a:t>
             </a:fld>
             <a:endParaRPr lang="zh-CN" altLang="en-US"/>
           </a:p>
@@ -1818,6 +2093,8 @@
           <a:p>
             <a:fld id="{565CE74E-AB26-4998-AD42-012C4C1AD076}" type="slidenum">
               <a:rPr lang="zh-CN" altLang="en-US" smtClean="0"/>
+              <a:pPr/>
+              <a:t>‹#›</a:t>
             </a:fld>
             <a:endParaRPr lang="zh-CN" altLang="en-US"/>
           </a:p>
@@ -1891,7 +2168,6 @@
               <a:rPr lang="zh-CN" altLang="en-US" smtClean="0"/>
               <a:t>单击此处编辑母版文本样式</a:t>
             </a:r>
-            <a:endParaRPr lang="zh-CN" altLang="en-US" smtClean="0"/>
           </a:p>
           <a:p>
             <a:pPr lvl="1"/>
@@ -1899,7 +2175,6 @@
               <a:rPr lang="zh-CN" altLang="en-US" smtClean="0"/>
               <a:t>第二级</a:t>
             </a:r>
-            <a:endParaRPr lang="zh-CN" altLang="en-US" smtClean="0"/>
           </a:p>
           <a:p>
             <a:pPr lvl="2"/>
@@ -1907,7 +2182,6 @@
               <a:rPr lang="zh-CN" altLang="en-US" smtClean="0"/>
               <a:t>第三级</a:t>
             </a:r>
-            <a:endParaRPr lang="zh-CN" altLang="en-US" smtClean="0"/>
           </a:p>
           <a:p>
             <a:pPr lvl="3"/>
@@ -1915,7 +2189,6 @@
               <a:rPr lang="zh-CN" altLang="en-US" smtClean="0"/>
               <a:t>第四级</a:t>
             </a:r>
-            <a:endParaRPr lang="zh-CN" altLang="en-US" smtClean="0"/>
           </a:p>
           <a:p>
             <a:pPr lvl="4"/>
@@ -1944,6 +2217,8 @@
           <a:p>
             <a:fld id="{D997B5FA-0921-464F-AAE1-844C04324D75}" type="datetimeFigureOut">
               <a:rPr lang="zh-CN" altLang="en-US" smtClean="0"/>
+              <a:pPr/>
+              <a:t>2022/11/28</a:t>
             </a:fld>
             <a:endParaRPr lang="zh-CN" altLang="en-US"/>
           </a:p>
@@ -1985,6 +2260,8 @@
           <a:p>
             <a:fld id="{565CE74E-AB26-4998-AD42-012C4C1AD076}" type="slidenum">
               <a:rPr lang="zh-CN" altLang="en-US" smtClean="0"/>
+              <a:pPr/>
+              <a:t>‹#›</a:t>
             </a:fld>
             <a:endParaRPr lang="zh-CN" altLang="en-US"/>
           </a:p>
@@ -2068,7 +2345,6 @@
               <a:rPr lang="zh-CN" altLang="en-US" smtClean="0"/>
               <a:t>单击此处编辑母版文本样式</a:t>
             </a:r>
-            <a:endParaRPr lang="zh-CN" altLang="en-US" smtClean="0"/>
           </a:p>
           <a:p>
             <a:pPr lvl="1"/>
@@ -2076,7 +2352,6 @@
               <a:rPr lang="zh-CN" altLang="en-US" smtClean="0"/>
               <a:t>第二级</a:t>
             </a:r>
-            <a:endParaRPr lang="zh-CN" altLang="en-US" smtClean="0"/>
           </a:p>
           <a:p>
             <a:pPr lvl="2"/>
@@ -2084,7 +2359,6 @@
               <a:rPr lang="zh-CN" altLang="en-US" smtClean="0"/>
               <a:t>第三级</a:t>
             </a:r>
-            <a:endParaRPr lang="zh-CN" altLang="en-US" smtClean="0"/>
           </a:p>
           <a:p>
             <a:pPr lvl="3"/>
@@ -2092,7 +2366,6 @@
               <a:rPr lang="zh-CN" altLang="en-US" smtClean="0"/>
               <a:t>第四级</a:t>
             </a:r>
-            <a:endParaRPr lang="zh-CN" altLang="en-US" smtClean="0"/>
           </a:p>
           <a:p>
             <a:pPr lvl="4"/>
@@ -2121,6 +2394,8 @@
           <a:p>
             <a:fld id="{D997B5FA-0921-464F-AAE1-844C04324D75}" type="datetimeFigureOut">
               <a:rPr lang="zh-CN" altLang="en-US" smtClean="0"/>
+              <a:pPr/>
+              <a:t>2022/11/28</a:t>
             </a:fld>
             <a:endParaRPr lang="zh-CN" altLang="en-US"/>
           </a:p>
@@ -2162,6 +2437,8 @@
           <a:p>
             <a:fld id="{565CE74E-AB26-4998-AD42-012C4C1AD076}" type="slidenum">
               <a:rPr lang="zh-CN" altLang="en-US" smtClean="0"/>
+              <a:pPr/>
+              <a:t>‹#›</a:t>
             </a:fld>
             <a:endParaRPr lang="zh-CN" altLang="en-US"/>
           </a:p>
@@ -2198,7 +2475,7 @@
     <a:masterClrMapping/>
   </p:clrMapOvr>
   <mc:AlternateContent xmlns:mc="http://schemas.openxmlformats.org/markup-compatibility/2006">
-    <mc:Choice xmlns:p14="http://schemas.microsoft.com/office/powerpoint/2010/main" Requires="p14">
+    <mc:Choice xmlns:p14="http://schemas.microsoft.com/office/powerpoint/2010/main" xmlns="" Requires="p14">
       <p:transition spd="slow" p14:dur="2000" advTm="3000"/>
     </mc:Choice>
     <mc:Fallback>
@@ -2268,7 +2545,6 @@
               <a:rPr lang="zh-CN" altLang="en-US" smtClean="0"/>
               <a:t>单击此处编辑母版文本样式</a:t>
             </a:r>
-            <a:endParaRPr lang="zh-CN" altLang="en-US" smtClean="0"/>
           </a:p>
           <a:p>
             <a:pPr lvl="1"/>
@@ -2276,7 +2552,6 @@
               <a:rPr lang="zh-CN" altLang="en-US" smtClean="0"/>
               <a:t>第二级</a:t>
             </a:r>
-            <a:endParaRPr lang="zh-CN" altLang="en-US" smtClean="0"/>
           </a:p>
           <a:p>
             <a:pPr lvl="2"/>
@@ -2284,7 +2559,6 @@
               <a:rPr lang="zh-CN" altLang="en-US" smtClean="0"/>
               <a:t>第三级</a:t>
             </a:r>
-            <a:endParaRPr lang="zh-CN" altLang="en-US" smtClean="0"/>
           </a:p>
           <a:p>
             <a:pPr lvl="3"/>
@@ -2292,7 +2566,6 @@
               <a:rPr lang="zh-CN" altLang="en-US" smtClean="0"/>
               <a:t>第四级</a:t>
             </a:r>
-            <a:endParaRPr lang="zh-CN" altLang="en-US" smtClean="0"/>
           </a:p>
           <a:p>
             <a:pPr lvl="4"/>
@@ -2321,6 +2594,8 @@
           <a:p>
             <a:fld id="{D997B5FA-0921-464F-AAE1-844C04324D75}" type="datetimeFigureOut">
               <a:rPr lang="zh-CN" altLang="en-US" smtClean="0"/>
+              <a:pPr/>
+              <a:t>2022/11/28</a:t>
             </a:fld>
             <a:endParaRPr lang="zh-CN" altLang="en-US"/>
           </a:p>
@@ -2362,6 +2637,8 @@
           <a:p>
             <a:fld id="{565CE74E-AB26-4998-AD42-012C4C1AD076}" type="slidenum">
               <a:rPr lang="zh-CN" altLang="en-US" smtClean="0"/>
+              <a:pPr/>
+              <a:t>‹#›</a:t>
             </a:fld>
             <a:endParaRPr lang="zh-CN" altLang="en-US"/>
           </a:p>
@@ -2540,7 +2817,6 @@
               <a:rPr lang="zh-CN" altLang="en-US" smtClean="0"/>
               <a:t>单击此处编辑母版文本样式</a:t>
             </a:r>
-            <a:endParaRPr lang="zh-CN" altLang="en-US" smtClean="0"/>
           </a:p>
         </p:txBody>
       </p:sp>
@@ -2561,6 +2837,8 @@
           <a:p>
             <a:fld id="{D997B5FA-0921-464F-AAE1-844C04324D75}" type="datetimeFigureOut">
               <a:rPr lang="zh-CN" altLang="en-US" smtClean="0"/>
+              <a:pPr/>
+              <a:t>2022/11/28</a:t>
             </a:fld>
             <a:endParaRPr lang="zh-CN" altLang="en-US"/>
           </a:p>
@@ -2602,6 +2880,8 @@
           <a:p>
             <a:fld id="{565CE74E-AB26-4998-AD42-012C4C1AD076}" type="slidenum">
               <a:rPr lang="zh-CN" altLang="en-US" smtClean="0"/>
+              <a:pPr/>
+              <a:t>‹#›</a:t>
             </a:fld>
             <a:endParaRPr lang="zh-CN" altLang="en-US"/>
           </a:p>
@@ -2680,7 +2960,6 @@
               <a:rPr lang="zh-CN" altLang="en-US" smtClean="0"/>
               <a:t>单击此处编辑母版文本样式</a:t>
             </a:r>
-            <a:endParaRPr lang="zh-CN" altLang="en-US" smtClean="0"/>
           </a:p>
           <a:p>
             <a:pPr lvl="1"/>
@@ -2688,7 +2967,6 @@
               <a:rPr lang="zh-CN" altLang="en-US" smtClean="0"/>
               <a:t>第二级</a:t>
             </a:r>
-            <a:endParaRPr lang="zh-CN" altLang="en-US" smtClean="0"/>
           </a:p>
           <a:p>
             <a:pPr lvl="2"/>
@@ -2696,7 +2974,6 @@
               <a:rPr lang="zh-CN" altLang="en-US" smtClean="0"/>
               <a:t>第三级</a:t>
             </a:r>
-            <a:endParaRPr lang="zh-CN" altLang="en-US" smtClean="0"/>
           </a:p>
           <a:p>
             <a:pPr lvl="3"/>
@@ -2704,7 +2981,6 @@
               <a:rPr lang="zh-CN" altLang="en-US" smtClean="0"/>
               <a:t>第四级</a:t>
             </a:r>
-            <a:endParaRPr lang="zh-CN" altLang="en-US" smtClean="0"/>
           </a:p>
           <a:p>
             <a:pPr lvl="4"/>
@@ -2741,7 +3017,6 @@
               <a:rPr lang="zh-CN" altLang="en-US" smtClean="0"/>
               <a:t>单击此处编辑母版文本样式</a:t>
             </a:r>
-            <a:endParaRPr lang="zh-CN" altLang="en-US" smtClean="0"/>
           </a:p>
           <a:p>
             <a:pPr lvl="1"/>
@@ -2749,7 +3024,6 @@
               <a:rPr lang="zh-CN" altLang="en-US" smtClean="0"/>
               <a:t>第二级</a:t>
             </a:r>
-            <a:endParaRPr lang="zh-CN" altLang="en-US" smtClean="0"/>
           </a:p>
           <a:p>
             <a:pPr lvl="2"/>
@@ -2757,7 +3031,6 @@
               <a:rPr lang="zh-CN" altLang="en-US" smtClean="0"/>
               <a:t>第三级</a:t>
             </a:r>
-            <a:endParaRPr lang="zh-CN" altLang="en-US" smtClean="0"/>
           </a:p>
           <a:p>
             <a:pPr lvl="3"/>
@@ -2765,7 +3038,6 @@
               <a:rPr lang="zh-CN" altLang="en-US" smtClean="0"/>
               <a:t>第四级</a:t>
             </a:r>
-            <a:endParaRPr lang="zh-CN" altLang="en-US" smtClean="0"/>
           </a:p>
           <a:p>
             <a:pPr lvl="4"/>
@@ -2794,6 +3066,8 @@
           <a:p>
             <a:fld id="{D997B5FA-0921-464F-AAE1-844C04324D75}" type="datetimeFigureOut">
               <a:rPr lang="zh-CN" altLang="en-US" smtClean="0"/>
+              <a:pPr/>
+              <a:t>2022/11/28</a:t>
             </a:fld>
             <a:endParaRPr lang="zh-CN" altLang="en-US"/>
           </a:p>
@@ -2835,6 +3109,8 @@
           <a:p>
             <a:fld id="{565CE74E-AB26-4998-AD42-012C4C1AD076}" type="slidenum">
               <a:rPr lang="zh-CN" altLang="en-US" smtClean="0"/>
+              <a:pPr/>
+              <a:t>‹#›</a:t>
             </a:fld>
             <a:endParaRPr lang="zh-CN" altLang="en-US"/>
           </a:p>
@@ -2955,7 +3231,6 @@
               <a:rPr lang="zh-CN" altLang="en-US" smtClean="0"/>
               <a:t>单击此处编辑母版文本样式</a:t>
             </a:r>
-            <a:endParaRPr lang="zh-CN" altLang="en-US" smtClean="0"/>
           </a:p>
         </p:txBody>
       </p:sp>
@@ -2984,7 +3259,6 @@
               <a:rPr lang="zh-CN" altLang="en-US" smtClean="0"/>
               <a:t>单击此处编辑母版文本样式</a:t>
             </a:r>
-            <a:endParaRPr lang="zh-CN" altLang="en-US" smtClean="0"/>
           </a:p>
           <a:p>
             <a:pPr lvl="1"/>
@@ -2992,7 +3266,6 @@
               <a:rPr lang="zh-CN" altLang="en-US" smtClean="0"/>
               <a:t>第二级</a:t>
             </a:r>
-            <a:endParaRPr lang="zh-CN" altLang="en-US" smtClean="0"/>
           </a:p>
           <a:p>
             <a:pPr lvl="2"/>
@@ -3000,7 +3273,6 @@
               <a:rPr lang="zh-CN" altLang="en-US" smtClean="0"/>
               <a:t>第三级</a:t>
             </a:r>
-            <a:endParaRPr lang="zh-CN" altLang="en-US" smtClean="0"/>
           </a:p>
           <a:p>
             <a:pPr lvl="3"/>
@@ -3008,7 +3280,6 @@
               <a:rPr lang="zh-CN" altLang="en-US" smtClean="0"/>
               <a:t>第四级</a:t>
             </a:r>
-            <a:endParaRPr lang="zh-CN" altLang="en-US" smtClean="0"/>
           </a:p>
           <a:p>
             <a:pPr lvl="4"/>
@@ -3082,7 +3353,6 @@
               <a:rPr lang="zh-CN" altLang="en-US" smtClean="0"/>
               <a:t>单击此处编辑母版文本样式</a:t>
             </a:r>
-            <a:endParaRPr lang="zh-CN" altLang="en-US" smtClean="0"/>
           </a:p>
         </p:txBody>
       </p:sp>
@@ -3111,7 +3381,6 @@
               <a:rPr lang="zh-CN" altLang="en-US" smtClean="0"/>
               <a:t>单击此处编辑母版文本样式</a:t>
             </a:r>
-            <a:endParaRPr lang="zh-CN" altLang="en-US" smtClean="0"/>
           </a:p>
           <a:p>
             <a:pPr lvl="1"/>
@@ -3119,7 +3388,6 @@
               <a:rPr lang="zh-CN" altLang="en-US" smtClean="0"/>
               <a:t>第二级</a:t>
             </a:r>
-            <a:endParaRPr lang="zh-CN" altLang="en-US" smtClean="0"/>
           </a:p>
           <a:p>
             <a:pPr lvl="2"/>
@@ -3127,7 +3395,6 @@
               <a:rPr lang="zh-CN" altLang="en-US" smtClean="0"/>
               <a:t>第三级</a:t>
             </a:r>
-            <a:endParaRPr lang="zh-CN" altLang="en-US" smtClean="0"/>
           </a:p>
           <a:p>
             <a:pPr lvl="3"/>
@@ -3135,7 +3402,6 @@
               <a:rPr lang="zh-CN" altLang="en-US" smtClean="0"/>
               <a:t>第四级</a:t>
             </a:r>
-            <a:endParaRPr lang="zh-CN" altLang="en-US" smtClean="0"/>
           </a:p>
           <a:p>
             <a:pPr lvl="4"/>
@@ -3164,6 +3430,8 @@
           <a:p>
             <a:fld id="{D997B5FA-0921-464F-AAE1-844C04324D75}" type="datetimeFigureOut">
               <a:rPr lang="zh-CN" altLang="en-US" smtClean="0"/>
+              <a:pPr/>
+              <a:t>2022/11/28</a:t>
             </a:fld>
             <a:endParaRPr lang="zh-CN" altLang="en-US"/>
           </a:p>
@@ -3205,6 +3473,8 @@
           <a:p>
             <a:fld id="{565CE74E-AB26-4998-AD42-012C4C1AD076}" type="slidenum">
               <a:rPr lang="zh-CN" altLang="en-US" smtClean="0"/>
+              <a:pPr/>
+              <a:t>‹#›</a:t>
             </a:fld>
             <a:endParaRPr lang="zh-CN" altLang="en-US"/>
           </a:p>
@@ -3275,6 +3545,8 @@
           <a:p>
             <a:fld id="{D997B5FA-0921-464F-AAE1-844C04324D75}" type="datetimeFigureOut">
               <a:rPr lang="zh-CN" altLang="en-US" smtClean="0"/>
+              <a:pPr/>
+              <a:t>2022/11/28</a:t>
             </a:fld>
             <a:endParaRPr lang="zh-CN" altLang="en-US"/>
           </a:p>
@@ -3316,6 +3588,8 @@
           <a:p>
             <a:fld id="{565CE74E-AB26-4998-AD42-012C4C1AD076}" type="slidenum">
               <a:rPr lang="zh-CN" altLang="en-US" smtClean="0"/>
+              <a:pPr/>
+              <a:t>‹#›</a:t>
             </a:fld>
             <a:endParaRPr lang="zh-CN" altLang="en-US"/>
           </a:p>
@@ -3363,6 +3637,8 @@
           <a:p>
             <a:fld id="{D997B5FA-0921-464F-AAE1-844C04324D75}" type="datetimeFigureOut">
               <a:rPr lang="zh-CN" altLang="en-US" smtClean="0"/>
+              <a:pPr/>
+              <a:t>2022/11/28</a:t>
             </a:fld>
             <a:endParaRPr lang="zh-CN" altLang="en-US"/>
           </a:p>
@@ -3404,6 +3680,8 @@
           <a:p>
             <a:fld id="{565CE74E-AB26-4998-AD42-012C4C1AD076}" type="slidenum">
               <a:rPr lang="zh-CN" altLang="en-US" smtClean="0"/>
+              <a:pPr/>
+              <a:t>‹#›</a:t>
             </a:fld>
             <a:endParaRPr lang="zh-CN" altLang="en-US"/>
           </a:p>
@@ -3519,7 +3797,6 @@
               <a:rPr lang="zh-CN" altLang="en-US" smtClean="0"/>
               <a:t>单击此处编辑母版文本样式</a:t>
             </a:r>
-            <a:endParaRPr lang="zh-CN" altLang="en-US" smtClean="0"/>
           </a:p>
           <a:p>
             <a:pPr lvl="1"/>
@@ -3527,7 +3804,6 @@
               <a:rPr lang="zh-CN" altLang="en-US" smtClean="0"/>
               <a:t>第二级</a:t>
             </a:r>
-            <a:endParaRPr lang="zh-CN" altLang="en-US" smtClean="0"/>
           </a:p>
           <a:p>
             <a:pPr lvl="2"/>
@@ -3535,7 +3811,6 @@
               <a:rPr lang="zh-CN" altLang="en-US" smtClean="0"/>
               <a:t>第三级</a:t>
             </a:r>
-            <a:endParaRPr lang="zh-CN" altLang="en-US" smtClean="0"/>
           </a:p>
           <a:p>
             <a:pPr lvl="3"/>
@@ -3543,7 +3818,6 @@
               <a:rPr lang="zh-CN" altLang="en-US" smtClean="0"/>
               <a:t>第四级</a:t>
             </a:r>
-            <a:endParaRPr lang="zh-CN" altLang="en-US" smtClean="0"/>
           </a:p>
           <a:p>
             <a:pPr lvl="4"/>
@@ -3617,7 +3891,6 @@
               <a:rPr lang="zh-CN" altLang="en-US" smtClean="0"/>
               <a:t>单击此处编辑母版文本样式</a:t>
             </a:r>
-            <a:endParaRPr lang="zh-CN" altLang="en-US" smtClean="0"/>
           </a:p>
         </p:txBody>
       </p:sp>
@@ -3638,6 +3911,8 @@
           <a:p>
             <a:fld id="{D997B5FA-0921-464F-AAE1-844C04324D75}" type="datetimeFigureOut">
               <a:rPr lang="zh-CN" altLang="en-US" smtClean="0"/>
+              <a:pPr/>
+              <a:t>2022/11/28</a:t>
             </a:fld>
             <a:endParaRPr lang="zh-CN" altLang="en-US"/>
           </a:p>
@@ -3679,6 +3954,8 @@
           <a:p>
             <a:fld id="{565CE74E-AB26-4998-AD42-012C4C1AD076}" type="slidenum">
               <a:rPr lang="zh-CN" altLang="en-US" smtClean="0"/>
+              <a:pPr/>
+              <a:t>‹#›</a:t>
             </a:fld>
             <a:endParaRPr lang="zh-CN" altLang="en-US"/>
           </a:p>
@@ -3864,7 +4141,6 @@
               <a:rPr lang="zh-CN" altLang="en-US" smtClean="0"/>
               <a:t>单击此处编辑母版文本样式</a:t>
             </a:r>
-            <a:endParaRPr lang="zh-CN" altLang="en-US" smtClean="0"/>
           </a:p>
         </p:txBody>
       </p:sp>
@@ -3885,6 +4161,8 @@
           <a:p>
             <a:fld id="{D997B5FA-0921-464F-AAE1-844C04324D75}" type="datetimeFigureOut">
               <a:rPr lang="zh-CN" altLang="en-US" smtClean="0"/>
+              <a:pPr/>
+              <a:t>2022/11/28</a:t>
             </a:fld>
             <a:endParaRPr lang="zh-CN" altLang="en-US"/>
           </a:p>
@@ -3926,6 +4204,8 @@
           <a:p>
             <a:fld id="{565CE74E-AB26-4998-AD42-012C4C1AD076}" type="slidenum">
               <a:rPr lang="zh-CN" altLang="en-US" smtClean="0"/>
+              <a:pPr/>
+              <a:t>‹#›</a:t>
             </a:fld>
             <a:endParaRPr lang="zh-CN" altLang="en-US"/>
           </a:p>
@@ -4024,7 +4304,6 @@
               <a:rPr lang="zh-CN" altLang="en-US" smtClean="0"/>
               <a:t>单击此处编辑母版文本样式</a:t>
             </a:r>
-            <a:endParaRPr lang="zh-CN" altLang="en-US" smtClean="0"/>
           </a:p>
           <a:p>
             <a:pPr lvl="1"/>
@@ -4032,7 +4311,6 @@
               <a:rPr lang="zh-CN" altLang="en-US" smtClean="0"/>
               <a:t>第二级</a:t>
             </a:r>
-            <a:endParaRPr lang="zh-CN" altLang="en-US" smtClean="0"/>
           </a:p>
           <a:p>
             <a:pPr lvl="2"/>
@@ -4040,7 +4318,6 @@
               <a:rPr lang="zh-CN" altLang="en-US" smtClean="0"/>
               <a:t>第三级</a:t>
             </a:r>
-            <a:endParaRPr lang="zh-CN" altLang="en-US" smtClean="0"/>
           </a:p>
           <a:p>
             <a:pPr lvl="3"/>
@@ -4048,7 +4325,6 @@
               <a:rPr lang="zh-CN" altLang="en-US" smtClean="0"/>
               <a:t>第四级</a:t>
             </a:r>
-            <a:endParaRPr lang="zh-CN" altLang="en-US" smtClean="0"/>
           </a:p>
           <a:p>
             <a:pPr lvl="4"/>
@@ -4095,6 +4371,8 @@
           <a:p>
             <a:fld id="{D997B5FA-0921-464F-AAE1-844C04324D75}" type="datetimeFigureOut">
               <a:rPr lang="zh-CN" altLang="en-US" smtClean="0"/>
+              <a:pPr/>
+              <a:t>2022/11/28</a:t>
             </a:fld>
             <a:endParaRPr lang="zh-CN" altLang="en-US"/>
           </a:p>
@@ -4172,6 +4450,8 @@
           <a:p>
             <a:fld id="{565CE74E-AB26-4998-AD42-012C4C1AD076}" type="slidenum">
               <a:rPr lang="zh-CN" altLang="en-US" smtClean="0"/>
+              <a:pPr/>
+              <a:t>‹#›</a:t>
             </a:fld>
             <a:endParaRPr lang="zh-CN" altLang="en-US"/>
           </a:p>
@@ -4503,10 +4783,10 @@
           <p:nvPr/>
         </p:nvPicPr>
         <p:blipFill>
-          <a:blip r:embed="rId1">
+          <a:blip r:embed="rId3">
             <a:extLst>
               <a:ext uri="{28A0092B-C50C-407E-A947-70E740481C1C}">
-                <a14:useLocalDpi xmlns:a14="http://schemas.microsoft.com/office/drawing/2010/main" val="0"/>
+                <a14:useLocalDpi xmlns:a14="http://schemas.microsoft.com/office/drawing/2010/main" xmlns="" val="0"/>
               </a:ext>
             </a:extLst>
           </a:blip>
@@ -4662,7 +4942,7 @@
         <p:spPr>
           <a:xfrm>
             <a:off x="859399" y="2573648"/>
-            <a:ext cx="10900111" cy="1764585"/>
+            <a:ext cx="10900111" cy="1785100"/>
           </a:xfrm>
           <a:prstGeom prst="rect">
             <a:avLst/>
@@ -4701,7 +4981,134 @@
                 <a:cs typeface="+mn-ea"/>
                 <a:sym typeface="+mn-lt"/>
               </a:rPr>
-              <a:t>基于深度强化学习的合金材料参数优化研究</a:t>
+              <a:t>基于深度强化学习</a:t>
+            </a:r>
+            <a:r>
+              <a:rPr lang="zh-CN" altLang="en-US" sz="5300" b="1" dirty="0" smtClean="0">
+                <a:solidFill>
+                  <a:schemeClr val="bg1"/>
+                </a:solidFill>
+                <a:effectLst>
+                  <a:outerShdw blurRad="50800" dist="38100" dir="5400000" algn="t" rotWithShape="0">
+                    <a:prstClr val="black">
+                      <a:alpha val="21000"/>
+                    </a:prstClr>
+                  </a:outerShdw>
+                </a:effectLst>
+                <a:latin typeface="思源宋体 CN Heavy" panose="02020900000000000000" pitchFamily="18" charset="-122"/>
+                <a:ea typeface="思源宋体 CN Heavy" panose="02020900000000000000" pitchFamily="18" charset="-122"/>
+                <a:cs typeface="+mn-ea"/>
+                <a:sym typeface="+mn-lt"/>
+              </a:rPr>
+              <a:t>的</a:t>
+            </a:r>
+            <a:r>
+              <a:rPr lang="en-US" altLang="zh-CN" sz="5400" b="1" dirty="0" smtClean="0">
+                <a:solidFill>
+                  <a:schemeClr val="bg1"/>
+                </a:solidFill>
+                <a:cs typeface="+mn-ea"/>
+                <a:sym typeface="+mn-lt"/>
+              </a:rPr>
+              <a:t>Mg-</a:t>
+            </a:r>
+            <a:r>
+              <a:rPr lang="en-US" altLang="zh-CN" sz="5400" b="1" dirty="0" err="1" smtClean="0">
+                <a:solidFill>
+                  <a:schemeClr val="bg1"/>
+                </a:solidFill>
+                <a:cs typeface="+mn-ea"/>
+                <a:sym typeface="+mn-lt"/>
+              </a:rPr>
+              <a:t>Gd</a:t>
+            </a:r>
+            <a:r>
+              <a:rPr lang="en-US" altLang="zh-CN" sz="5400" b="1" dirty="0" smtClean="0">
+                <a:solidFill>
+                  <a:schemeClr val="bg1"/>
+                </a:solidFill>
+                <a:cs typeface="+mn-ea"/>
+                <a:sym typeface="+mn-lt"/>
+              </a:rPr>
+              <a:t>-</a:t>
+            </a:r>
+            <a:r>
+              <a:rPr lang="en-US" altLang="zh-CN" sz="5400" b="1" dirty="0" err="1" smtClean="0">
+                <a:solidFill>
+                  <a:schemeClr val="bg1"/>
+                </a:solidFill>
+                <a:cs typeface="+mn-ea"/>
+                <a:sym typeface="+mn-lt"/>
+              </a:rPr>
+              <a:t>Nd</a:t>
+            </a:r>
+            <a:r>
+              <a:rPr lang="en-US" altLang="zh-CN" sz="5400" b="1" dirty="0" smtClean="0">
+                <a:solidFill>
+                  <a:schemeClr val="bg1"/>
+                </a:solidFill>
+                <a:cs typeface="+mn-ea"/>
+                <a:sym typeface="+mn-lt"/>
+              </a:rPr>
+              <a:t>-</a:t>
+            </a:r>
+            <a:r>
+              <a:rPr lang="en-US" altLang="zh-CN" sz="5400" b="1" dirty="0" err="1" smtClean="0">
+                <a:solidFill>
+                  <a:schemeClr val="bg1"/>
+                </a:solidFill>
+                <a:cs typeface="+mn-ea"/>
+                <a:sym typeface="+mn-lt"/>
+              </a:rPr>
+              <a:t>Ln</a:t>
+            </a:r>
+            <a:r>
+              <a:rPr lang="zh-CN" altLang="en-US" sz="5400" b="1" dirty="0" smtClean="0">
+                <a:solidFill>
+                  <a:schemeClr val="bg1"/>
+                </a:solidFill>
+                <a:cs typeface="+mn-ea"/>
+                <a:sym typeface="+mn-lt"/>
+              </a:rPr>
+              <a:t>合金</a:t>
+            </a:r>
+            <a:r>
+              <a:rPr lang="zh-CN" altLang="en-US" sz="5300" b="1" dirty="0" smtClean="0">
+                <a:solidFill>
+                  <a:schemeClr val="bg1"/>
+                </a:solidFill>
+                <a:effectLst>
+                  <a:outerShdw blurRad="50800" dist="38100" dir="5400000" algn="t" rotWithShape="0">
+                    <a:prstClr val="black">
+                      <a:alpha val="21000"/>
+                    </a:prstClr>
+                  </a:outerShdw>
+                </a:effectLst>
+                <a:latin typeface="思源宋体 CN Heavy" panose="02020900000000000000" pitchFamily="18" charset="-122"/>
+                <a:ea typeface="思源宋体 CN Heavy" panose="02020900000000000000" pitchFamily="18" charset="-122"/>
+                <a:cs typeface="+mn-ea"/>
+                <a:sym typeface="+mn-lt"/>
+              </a:rPr>
+              <a:t>参数</a:t>
+            </a:r>
+            <a:r>
+              <a:rPr lang="zh-CN" altLang="en-US" sz="5300" b="1" dirty="0" smtClean="0">
+                <a:solidFill>
+                  <a:schemeClr val="bg1"/>
+                </a:solidFill>
+                <a:effectLst>
+                  <a:outerShdw blurRad="50800" dist="38100" dir="5400000" algn="t" rotWithShape="0">
+                    <a:prstClr val="black">
+                      <a:alpha val="21000"/>
+                    </a:prstClr>
+                  </a:outerShdw>
+                </a:effectLst>
+                <a:latin typeface="思源宋体 CN Heavy" panose="02020900000000000000" pitchFamily="18" charset="-122"/>
+                <a:ea typeface="思源宋体 CN Heavy" panose="02020900000000000000" pitchFamily="18" charset="-122"/>
+                <a:cs typeface="+mn-ea"/>
+                <a:sym typeface="+mn-lt"/>
+              </a:rPr>
+              <a:t>优化研究</a:t>
             </a:r>
             <a:endParaRPr lang="zh-CN" altLang="en-US" sz="5300" b="1" dirty="0">
               <a:solidFill>
@@ -4731,10 +5138,10 @@
           <p:nvPr/>
         </p:nvPicPr>
         <p:blipFill>
-          <a:blip r:embed="rId2" cstate="print">
+          <a:blip r:embed="rId4" cstate="print">
             <a:extLst>
               <a:ext uri="{28A0092B-C50C-407E-A947-70E740481C1C}">
-                <a14:useLocalDpi xmlns:a14="http://schemas.microsoft.com/office/drawing/2010/main" val="0"/>
+                <a14:useLocalDpi xmlns:a14="http://schemas.microsoft.com/office/drawing/2010/main" xmlns="" val="0"/>
               </a:ext>
             </a:extLst>
           </a:blip>
@@ -4761,7 +5168,7 @@
           <p:nvPr/>
         </p:nvPicPr>
         <p:blipFill>
-          <a:blip r:embed="rId3">
+          <a:blip r:embed="rId5">
             <a:clrChange>
               <a:clrFrom>
                 <a:srgbClr val="FFFFFF"/>
@@ -4774,7 +5181,7 @@
             </a:clrChange>
             <a:extLst>
               <a:ext uri="{28A0092B-C50C-407E-A947-70E740481C1C}">
-                <a14:useLocalDpi xmlns:a14="http://schemas.microsoft.com/office/drawing/2010/main" val="0"/>
+                <a14:useLocalDpi xmlns:a14="http://schemas.microsoft.com/office/drawing/2010/main" xmlns="" val="0"/>
               </a:ext>
             </a:extLst>
           </a:blip>
@@ -5070,7 +5477,7 @@
     <a:masterClrMapping/>
   </p:clrMapOvr>
   <mc:AlternateContent xmlns:mc="http://schemas.openxmlformats.org/markup-compatibility/2006">
-    <mc:Choice xmlns:p14="http://schemas.microsoft.com/office/powerpoint/2010/main" Requires="p14">
+    <mc:Choice xmlns:p14="http://schemas.microsoft.com/office/powerpoint/2010/main" xmlns="" Requires="p14">
       <p:transition spd="slow" p14:dur="2000" advTm="3000"/>
     </mc:Choice>
     <mc:Fallback>
@@ -5120,11 +5527,11 @@
           <a:lstStyle/>
           <a:p>
             <a:r>
-              <a:rPr lang="en-US" altLang="zh-CN" sz="3200" b="1" dirty="0">
+              <a:rPr lang="en-US" altLang="zh-CN" sz="3200" b="1" dirty="0" smtClean="0">
                 <a:cs typeface="+mn-ea"/>
                 <a:sym typeface="+mn-lt"/>
               </a:rPr>
-              <a:t>2.10 </a:t>
+              <a:t>2.4 </a:t>
             </a:r>
             <a:r>
               <a:rPr lang="zh-CN" altLang="en-US" sz="3200" b="1" dirty="0">
@@ -5133,10 +5540,6 @@
               </a:rPr>
               <a:t>计算溶解层数</a:t>
             </a:r>
-            <a:endParaRPr lang="zh-CN" altLang="en-US" sz="3200" b="1" dirty="0">
-              <a:cs typeface="+mn-ea"/>
-              <a:sym typeface="+mn-lt"/>
-            </a:endParaRPr>
           </a:p>
         </p:txBody>
       </p:sp>
@@ -5361,10 +5764,10 @@
           <p:nvPr/>
         </p:nvPicPr>
         <p:blipFill>
-          <a:blip r:embed="rId1" cstate="print">
+          <a:blip r:embed="rId3" cstate="print">
             <a:extLst>
               <a:ext uri="{28A0092B-C50C-407E-A947-70E740481C1C}">
-                <a14:useLocalDpi xmlns:a14="http://schemas.microsoft.com/office/drawing/2010/main" val="0"/>
+                <a14:useLocalDpi xmlns:a14="http://schemas.microsoft.com/office/drawing/2010/main" xmlns="" val="0"/>
               </a:ext>
             </a:extLst>
           </a:blip>
@@ -5573,6 +5976,7 @@
           <a:bodyPr wrap="square" rtlCol="0">
             <a:spAutoFit/>
           </a:bodyPr>
+          <a:lstStyle/>
           <a:p>
             <a:pPr>
               <a:lnSpc>
@@ -5635,10 +6039,6 @@
               </a:rPr>
               <a:t>mol</a:t>
             </a:r>
-            <a:endParaRPr lang="en-US" altLang="zh-CN" sz="2400" dirty="0">
-              <a:latin typeface="微软雅黑" panose="020B0503020204020204" charset="-122"/>
-              <a:ea typeface="微软雅黑" panose="020B0503020204020204" charset="-122"/>
-            </a:endParaRPr>
           </a:p>
           <a:p>
             <a:pPr>
@@ -5723,10 +6123,6 @@
               </a:rPr>
               <a:t>C</a:t>
             </a:r>
-            <a:endParaRPr lang="en-US" altLang="zh-CN" sz="2400" dirty="0">
-              <a:latin typeface="微软雅黑" panose="020B0503020204020204" charset="-122"/>
-              <a:ea typeface="微软雅黑" panose="020B0503020204020204" charset="-122"/>
-            </a:endParaRPr>
           </a:p>
           <a:p>
             <a:pPr>
@@ -5839,10 +6235,6 @@
               </a:rPr>
               <a:t>C</a:t>
             </a:r>
-            <a:endParaRPr lang="en-US" altLang="zh-CN" sz="2400" dirty="0">
-              <a:latin typeface="微软雅黑" panose="020B0503020204020204" charset="-122"/>
-              <a:ea typeface="微软雅黑" panose="020B0503020204020204" charset="-122"/>
-            </a:endParaRPr>
           </a:p>
           <a:p>
             <a:pPr>
@@ -5960,7 +6352,7 @@
         </p:txBody>
       </p:sp>
       <mc:AlternateContent xmlns:mc="http://schemas.openxmlformats.org/markup-compatibility/2006">
-        <mc:Choice xmlns:a14="http://schemas.microsoft.com/office/drawing/2010/main" Requires="a14">
+        <mc:Choice xmlns:a14="http://schemas.microsoft.com/office/drawing/2010/main" xmlns="" Requires="a14">
           <p:sp>
             <p:nvSpPr>
               <p:cNvPr id="5" name="文本框 4"/>
@@ -6110,7 +6502,7 @@
                 <a:avLst/>
               </a:prstGeom>
               <a:blipFill rotWithShape="1">
-                <a:blip r:embed="rId2"/>
+                <a:blip r:embed="rId4"/>
                 <a:stretch>
                   <a:fillRect l="-12" t="-73" r="12" b="56"/>
                 </a:stretch>
@@ -6137,7 +6529,7 @@
     <a:masterClrMapping/>
   </p:clrMapOvr>
   <mc:AlternateContent xmlns:mc="http://schemas.openxmlformats.org/markup-compatibility/2006">
-    <mc:Choice xmlns:p14="http://schemas.microsoft.com/office/powerpoint/2010/main" Requires="p14">
+    <mc:Choice xmlns:p14="http://schemas.microsoft.com/office/powerpoint/2010/main" xmlns="" Requires="p14">
       <p:transition p14:dur="0" advTm="3000"/>
     </mc:Choice>
     <mc:Fallback>
@@ -6148,6 +6540,3167 @@
 </file>
 
 <file path=ppt/slides/slide11.xml><?xml version="1.0" encoding="utf-8"?>
+<p:sld xmlns:a="http://schemas.openxmlformats.org/drawingml/2006/main" xmlns:r="http://schemas.openxmlformats.org/officeDocument/2006/relationships" xmlns:p="http://schemas.openxmlformats.org/presentationml/2006/main">
+  <p:cSld>
+    <p:spTree>
+      <p:nvGrpSpPr>
+        <p:cNvPr id="1" name=""/>
+        <p:cNvGrpSpPr/>
+        <p:nvPr/>
+      </p:nvGrpSpPr>
+      <p:grpSpPr>
+        <a:xfrm>
+          <a:off x="0" y="0"/>
+          <a:ext cx="0" cy="0"/>
+          <a:chOff x="0" y="0"/>
+          <a:chExt cx="0" cy="0"/>
+        </a:xfrm>
+      </p:grpSpPr>
+      <p:sp>
+        <p:nvSpPr>
+          <p:cNvPr id="6" name="文本框 5"/>
+          <p:cNvSpPr txBox="1"/>
+          <p:nvPr/>
+        </p:nvSpPr>
+        <p:spPr>
+          <a:xfrm>
+            <a:off x="468551" y="188764"/>
+            <a:ext cx="3969991" cy="615549"/>
+          </a:xfrm>
+          <a:prstGeom prst="rect">
+            <a:avLst/>
+          </a:prstGeom>
+          <a:noFill/>
+        </p:spPr>
+        <p:txBody>
+          <a:bodyPr wrap="square" lIns="121917" tIns="60958" rIns="121917" bIns="60958" rtlCol="0">
+            <a:spAutoFit/>
+          </a:bodyPr>
+          <a:lstStyle/>
+          <a:p>
+            <a:r>
+              <a:rPr lang="en-US" altLang="zh-CN" sz="3200" b="1" dirty="0" smtClean="0">
+                <a:cs typeface="+mn-ea"/>
+                <a:sym typeface="+mn-lt"/>
+              </a:rPr>
+              <a:t>2.5 </a:t>
+            </a:r>
+            <a:r>
+              <a:rPr lang="zh-CN" altLang="en-US" sz="3200" b="1" dirty="0" smtClean="0">
+                <a:cs typeface="+mn-ea"/>
+                <a:sym typeface="+mn-lt"/>
+              </a:rPr>
+              <a:t>模拟退火算法</a:t>
+            </a:r>
+            <a:endParaRPr lang="zh-CN" altLang="en-US" sz="3200" b="1" dirty="0">
+              <a:cs typeface="+mn-ea"/>
+              <a:sym typeface="+mn-lt"/>
+            </a:endParaRPr>
+          </a:p>
+        </p:txBody>
+      </p:sp>
+      <p:sp>
+        <p:nvSpPr>
+          <p:cNvPr id="107" name="Text Placeholder 34"/>
+          <p:cNvSpPr txBox="1"/>
+          <p:nvPr/>
+        </p:nvSpPr>
+        <p:spPr>
+          <a:xfrm>
+            <a:off x="334010" y="957580"/>
+            <a:ext cx="11328400" cy="1064895"/>
+          </a:xfrm>
+          <a:prstGeom prst="rect">
+            <a:avLst/>
+          </a:prstGeom>
+        </p:spPr>
+        <p:txBody>
+          <a:bodyPr lIns="91438" tIns="45719" rIns="91438" bIns="45719">
+            <a:noAutofit/>
+          </a:bodyPr>
+          <a:lstStyle>
+            <a:lvl1pPr marL="0" indent="0" algn="l" defTabSz="914400" rtl="0" eaLnBrk="1" latinLnBrk="0" hangingPunct="1">
+              <a:lnSpc>
+                <a:spcPct val="90000"/>
+              </a:lnSpc>
+              <a:spcBef>
+                <a:spcPts val="1000"/>
+              </a:spcBef>
+              <a:buFontTx/>
+              <a:buNone/>
+              <a:defRPr sz="1600" kern="1200">
+                <a:solidFill>
+                  <a:schemeClr val="tx1"/>
+                </a:solidFill>
+                <a:latin typeface="+mn-lt"/>
+                <a:ea typeface="+mn-ea"/>
+                <a:cs typeface="+mn-cs"/>
+              </a:defRPr>
+            </a:lvl1pPr>
+            <a:lvl2pPr marL="457200" indent="0" algn="l" defTabSz="914400" rtl="0" eaLnBrk="1" latinLnBrk="0" hangingPunct="1">
+              <a:lnSpc>
+                <a:spcPct val="90000"/>
+              </a:lnSpc>
+              <a:spcBef>
+                <a:spcPts val="500"/>
+              </a:spcBef>
+              <a:buFontTx/>
+              <a:buNone/>
+              <a:defRPr sz="1400" kern="1200">
+                <a:solidFill>
+                  <a:schemeClr val="tx1"/>
+                </a:solidFill>
+                <a:latin typeface="+mn-lt"/>
+                <a:ea typeface="+mn-ea"/>
+                <a:cs typeface="+mn-cs"/>
+              </a:defRPr>
+            </a:lvl2pPr>
+            <a:lvl3pPr marL="914400" indent="0" algn="l" defTabSz="914400" rtl="0" eaLnBrk="1" latinLnBrk="0" hangingPunct="1">
+              <a:lnSpc>
+                <a:spcPct val="90000"/>
+              </a:lnSpc>
+              <a:spcBef>
+                <a:spcPts val="500"/>
+              </a:spcBef>
+              <a:buFontTx/>
+              <a:buNone/>
+              <a:defRPr sz="1200" kern="1200">
+                <a:solidFill>
+                  <a:schemeClr val="tx1"/>
+                </a:solidFill>
+                <a:latin typeface="+mn-lt"/>
+                <a:ea typeface="+mn-ea"/>
+                <a:cs typeface="+mn-cs"/>
+              </a:defRPr>
+            </a:lvl3pPr>
+            <a:lvl4pPr marL="1371600" indent="0" algn="l" defTabSz="914400" rtl="0" eaLnBrk="1" latinLnBrk="0" hangingPunct="1">
+              <a:lnSpc>
+                <a:spcPct val="90000"/>
+              </a:lnSpc>
+              <a:spcBef>
+                <a:spcPts val="500"/>
+              </a:spcBef>
+              <a:buFontTx/>
+              <a:buNone/>
+              <a:defRPr sz="1100" kern="1200">
+                <a:solidFill>
+                  <a:schemeClr val="tx1"/>
+                </a:solidFill>
+                <a:latin typeface="+mn-lt"/>
+                <a:ea typeface="+mn-ea"/>
+                <a:cs typeface="+mn-cs"/>
+              </a:defRPr>
+            </a:lvl4pPr>
+            <a:lvl5pPr marL="1828800" indent="0" algn="l" defTabSz="914400" rtl="0" eaLnBrk="1" latinLnBrk="0" hangingPunct="1">
+              <a:lnSpc>
+                <a:spcPct val="90000"/>
+              </a:lnSpc>
+              <a:spcBef>
+                <a:spcPts val="500"/>
+              </a:spcBef>
+              <a:buFontTx/>
+              <a:buNone/>
+              <a:defRPr sz="1100" kern="1200">
+                <a:solidFill>
+                  <a:schemeClr val="tx1"/>
+                </a:solidFill>
+                <a:latin typeface="+mn-lt"/>
+                <a:ea typeface="+mn-ea"/>
+                <a:cs typeface="+mn-cs"/>
+              </a:defRPr>
+            </a:lvl5pPr>
+            <a:lvl6pPr marL="2514600" indent="-228600" algn="l" defTabSz="914400" rtl="0" eaLnBrk="1" latinLnBrk="0" hangingPunct="1">
+              <a:lnSpc>
+                <a:spcPct val="90000"/>
+              </a:lnSpc>
+              <a:spcBef>
+                <a:spcPts val="500"/>
+              </a:spcBef>
+              <a:buFont typeface="Arial" panose="020B0604020202020204" pitchFamily="34" charset="0"/>
+              <a:buChar char="•"/>
+              <a:defRPr sz="1800" kern="1200">
+                <a:solidFill>
+                  <a:schemeClr val="tx1"/>
+                </a:solidFill>
+                <a:latin typeface="+mn-lt"/>
+                <a:ea typeface="+mn-ea"/>
+                <a:cs typeface="+mn-cs"/>
+              </a:defRPr>
+            </a:lvl6pPr>
+            <a:lvl7pPr marL="2971800" indent="-228600" algn="l" defTabSz="914400" rtl="0" eaLnBrk="1" latinLnBrk="0" hangingPunct="1">
+              <a:lnSpc>
+                <a:spcPct val="90000"/>
+              </a:lnSpc>
+              <a:spcBef>
+                <a:spcPts val="500"/>
+              </a:spcBef>
+              <a:buFont typeface="Arial" panose="020B0604020202020204" pitchFamily="34" charset="0"/>
+              <a:buChar char="•"/>
+              <a:defRPr sz="1800" kern="1200">
+                <a:solidFill>
+                  <a:schemeClr val="tx1"/>
+                </a:solidFill>
+                <a:latin typeface="+mn-lt"/>
+                <a:ea typeface="+mn-ea"/>
+                <a:cs typeface="+mn-cs"/>
+              </a:defRPr>
+            </a:lvl7pPr>
+            <a:lvl8pPr marL="3429000" indent="-228600" algn="l" defTabSz="914400" rtl="0" eaLnBrk="1" latinLnBrk="0" hangingPunct="1">
+              <a:lnSpc>
+                <a:spcPct val="90000"/>
+              </a:lnSpc>
+              <a:spcBef>
+                <a:spcPts val="500"/>
+              </a:spcBef>
+              <a:buFont typeface="Arial" panose="020B0604020202020204" pitchFamily="34" charset="0"/>
+              <a:buChar char="•"/>
+              <a:defRPr sz="1800" kern="1200">
+                <a:solidFill>
+                  <a:schemeClr val="tx1"/>
+                </a:solidFill>
+                <a:latin typeface="+mn-lt"/>
+                <a:ea typeface="+mn-ea"/>
+                <a:cs typeface="+mn-cs"/>
+              </a:defRPr>
+            </a:lvl8pPr>
+            <a:lvl9pPr marL="3886200" indent="-228600" algn="l" defTabSz="914400" rtl="0" eaLnBrk="1" latinLnBrk="0" hangingPunct="1">
+              <a:lnSpc>
+                <a:spcPct val="90000"/>
+              </a:lnSpc>
+              <a:spcBef>
+                <a:spcPts val="500"/>
+              </a:spcBef>
+              <a:buFont typeface="Arial" panose="020B0604020202020204" pitchFamily="34" charset="0"/>
+              <a:buChar char="•"/>
+              <a:defRPr sz="1800" kern="1200">
+                <a:solidFill>
+                  <a:schemeClr val="tx1"/>
+                </a:solidFill>
+                <a:latin typeface="+mn-lt"/>
+                <a:ea typeface="+mn-ea"/>
+                <a:cs typeface="+mn-cs"/>
+              </a:defRPr>
+            </a:lvl9pPr>
+          </a:lstStyle>
+          <a:p>
+            <a:pPr>
+              <a:lnSpc>
+                <a:spcPct val="120000"/>
+              </a:lnSpc>
+              <a:buClr>
+                <a:schemeClr val="accent1"/>
+              </a:buClr>
+            </a:pPr>
+            <a:r>
+              <a:rPr lang="zh-CN" altLang="en-US" sz="2100" b="1" dirty="0">
+                <a:cs typeface="+mn-ea"/>
+                <a:sym typeface="+mn-lt"/>
+              </a:rPr>
+              <a:t>        针对存在的不同的金属，它们在溶液中溶解快慢不一，产生了溶解的层数差，对于本实验的</a:t>
+            </a:r>
+            <a:r>
+              <a:rPr lang="en-US" altLang="zh-CN" sz="2100" b="1" dirty="0">
+                <a:cs typeface="+mn-ea"/>
+                <a:sym typeface="+mn-lt"/>
+              </a:rPr>
+              <a:t>Mg-Gd-Nd-Ln</a:t>
+            </a:r>
+            <a:endParaRPr lang="en-US" altLang="zh-CN" b="1" dirty="0">
+              <a:sym typeface="+mn-lt"/>
+            </a:endParaRPr>
+          </a:p>
+        </p:txBody>
+      </p:sp>
+      <p:pic>
+        <p:nvPicPr>
+          <p:cNvPr id="16" name="图片 15"/>
+          <p:cNvPicPr>
+            <a:picLocks noChangeAspect="1"/>
+          </p:cNvPicPr>
+          <p:nvPr/>
+        </p:nvPicPr>
+        <p:blipFill>
+          <a:blip r:embed="rId3" cstate="print">
+            <a:extLst>
+              <a:ext uri="{28A0092B-C50C-407E-A947-70E740481C1C}">
+                <a14:useLocalDpi xmlns:a14="http://schemas.microsoft.com/office/drawing/2010/main" xmlns="" val="0"/>
+              </a:ext>
+            </a:extLst>
+          </a:blip>
+          <a:stretch>
+            <a:fillRect/>
+          </a:stretch>
+        </p:blipFill>
+        <p:spPr>
+          <a:xfrm>
+            <a:off x="10235985" y="93024"/>
+            <a:ext cx="1956015" cy="655627"/>
+          </a:xfrm>
+          <a:prstGeom prst="rect">
+            <a:avLst/>
+          </a:prstGeom>
+        </p:spPr>
+      </p:pic>
+      <p:sp>
+        <p:nvSpPr>
+          <p:cNvPr id="4" name="矩形 3"/>
+          <p:cNvSpPr/>
+          <p:nvPr/>
+        </p:nvSpPr>
+        <p:spPr>
+          <a:xfrm flipV="1">
+            <a:off x="-21773" y="6707968"/>
+            <a:ext cx="12213772" cy="188760"/>
+          </a:xfrm>
+          <a:prstGeom prst="rect">
+            <a:avLst/>
+          </a:prstGeom>
+          <a:solidFill>
+            <a:schemeClr val="accent5"/>
+          </a:solidFill>
+          <a:ln w="28575">
+            <a:noFill/>
+          </a:ln>
+          <a:effectLst>
+            <a:outerShdw blurRad="698500" dist="190500" dir="8100000" algn="tr" rotWithShape="0">
+              <a:prstClr val="black">
+                <a:alpha val="30000"/>
+              </a:prstClr>
+            </a:outerShdw>
+          </a:effectLst>
+        </p:spPr>
+        <p:style>
+          <a:lnRef idx="2">
+            <a:schemeClr val="accent1">
+              <a:shade val="50000"/>
+            </a:schemeClr>
+          </a:lnRef>
+          <a:fillRef idx="1">
+            <a:schemeClr val="accent1"/>
+          </a:fillRef>
+          <a:effectRef idx="0">
+            <a:schemeClr val="accent1"/>
+          </a:effectRef>
+          <a:fontRef idx="minor">
+            <a:schemeClr val="lt1"/>
+          </a:fontRef>
+        </p:style>
+        <p:txBody>
+          <a:bodyPr lIns="121917" tIns="60958" rIns="121917" bIns="60958" rtlCol="0" anchor="ctr"/>
+          <a:lstStyle/>
+          <a:p>
+            <a:pPr algn="ctr"/>
+            <a:endParaRPr lang="zh-CN" altLang="en-US">
+              <a:solidFill>
+                <a:schemeClr val="tx1"/>
+              </a:solidFill>
+            </a:endParaRPr>
+          </a:p>
+        </p:txBody>
+      </p:sp>
+      <p:sp>
+        <p:nvSpPr>
+          <p:cNvPr id="14" name="菱形 13"/>
+          <p:cNvSpPr/>
+          <p:nvPr/>
+        </p:nvSpPr>
+        <p:spPr>
+          <a:xfrm>
+            <a:off x="-313507" y="181525"/>
+            <a:ext cx="583473" cy="591048"/>
+          </a:xfrm>
+          <a:prstGeom prst="diamond">
+            <a:avLst/>
+          </a:prstGeom>
+          <a:solidFill>
+            <a:schemeClr val="accent1"/>
+          </a:solidFill>
+          <a:ln w="28575">
+            <a:noFill/>
+          </a:ln>
+          <a:effectLst>
+            <a:outerShdw blurRad="698500" dist="190500" dir="8100000" algn="tr" rotWithShape="0">
+              <a:prstClr val="black">
+                <a:alpha val="30000"/>
+              </a:prstClr>
+            </a:outerShdw>
+          </a:effectLst>
+        </p:spPr>
+        <p:style>
+          <a:lnRef idx="2">
+            <a:schemeClr val="accent1">
+              <a:shade val="50000"/>
+            </a:schemeClr>
+          </a:lnRef>
+          <a:fillRef idx="1">
+            <a:schemeClr val="accent1"/>
+          </a:fillRef>
+          <a:effectRef idx="0">
+            <a:schemeClr val="accent1"/>
+          </a:effectRef>
+          <a:fontRef idx="minor">
+            <a:schemeClr val="lt1"/>
+          </a:fontRef>
+        </p:style>
+        <p:txBody>
+          <a:bodyPr lIns="121917" tIns="60958" rIns="121917" bIns="60958" rtlCol="0" anchor="ctr"/>
+          <a:lstStyle/>
+          <a:p>
+            <a:pPr algn="ctr"/>
+            <a:endParaRPr lang="zh-CN" altLang="en-US">
+              <a:solidFill>
+                <a:schemeClr val="tx1"/>
+              </a:solidFill>
+            </a:endParaRPr>
+          </a:p>
+        </p:txBody>
+      </p:sp>
+      <p:sp>
+        <p:nvSpPr>
+          <p:cNvPr id="15" name="菱形 14"/>
+          <p:cNvSpPr/>
+          <p:nvPr/>
+        </p:nvSpPr>
+        <p:spPr>
+          <a:xfrm>
+            <a:off x="-157791" y="205311"/>
+            <a:ext cx="583473" cy="591048"/>
+          </a:xfrm>
+          <a:prstGeom prst="diamond">
+            <a:avLst/>
+          </a:prstGeom>
+          <a:solidFill>
+            <a:schemeClr val="tx1"/>
+          </a:solidFill>
+          <a:ln w="28575">
+            <a:noFill/>
+          </a:ln>
+          <a:effectLst>
+            <a:outerShdw blurRad="698500" dist="190500" dir="8100000" algn="tr" rotWithShape="0">
+              <a:prstClr val="black">
+                <a:alpha val="30000"/>
+              </a:prstClr>
+            </a:outerShdw>
+          </a:effectLst>
+        </p:spPr>
+        <p:style>
+          <a:lnRef idx="2">
+            <a:schemeClr val="accent1">
+              <a:shade val="50000"/>
+            </a:schemeClr>
+          </a:lnRef>
+          <a:fillRef idx="1">
+            <a:schemeClr val="accent1"/>
+          </a:fillRef>
+          <a:effectRef idx="0">
+            <a:schemeClr val="accent1"/>
+          </a:effectRef>
+          <a:fontRef idx="minor">
+            <a:schemeClr val="lt1"/>
+          </a:fontRef>
+        </p:style>
+        <p:txBody>
+          <a:bodyPr lIns="121917" tIns="60958" rIns="121917" bIns="60958" rtlCol="0" anchor="ctr"/>
+          <a:lstStyle/>
+          <a:p>
+            <a:pPr algn="ctr"/>
+            <a:endParaRPr lang="zh-CN" altLang="en-US">
+              <a:solidFill>
+                <a:schemeClr val="tx1"/>
+              </a:solidFill>
+            </a:endParaRPr>
+          </a:p>
+        </p:txBody>
+      </p:sp>
+      <p:sp>
+        <p:nvSpPr>
+          <p:cNvPr id="3" name="文本框 2"/>
+          <p:cNvSpPr txBox="1"/>
+          <p:nvPr/>
+        </p:nvSpPr>
+        <p:spPr>
+          <a:xfrm>
+            <a:off x="2352854" y="2425933"/>
+            <a:ext cx="7848872" cy="3784600"/>
+          </a:xfrm>
+          <a:prstGeom prst="rect">
+            <a:avLst/>
+          </a:prstGeom>
+          <a:noFill/>
+        </p:spPr>
+        <p:txBody>
+          <a:bodyPr wrap="square" rtlCol="0">
+            <a:spAutoFit/>
+          </a:bodyPr>
+          <a:lstStyle/>
+          <a:p>
+            <a:pPr>
+              <a:lnSpc>
+                <a:spcPct val="200000"/>
+              </a:lnSpc>
+            </a:pPr>
+            <a:r>
+              <a:rPr lang="zh-CN" altLang="en-US" sz="2400" dirty="0">
+                <a:latin typeface="微软雅黑" panose="020B0503020204020204" charset="-122"/>
+                <a:ea typeface="微软雅黑" panose="020B0503020204020204" charset="-122"/>
+              </a:rPr>
+              <a:t>第一原子层中</a:t>
+            </a:r>
+            <a:r>
+              <a:rPr lang="en-US" altLang="zh-CN" sz="2400" dirty="0">
+                <a:latin typeface="微软雅黑" panose="020B0503020204020204" charset="-122"/>
+                <a:ea typeface="微软雅黑" panose="020B0503020204020204" charset="-122"/>
+              </a:rPr>
+              <a:t>Mg</a:t>
+            </a:r>
+            <a:r>
+              <a:rPr lang="zh-CN" altLang="en-US" sz="2400" dirty="0">
+                <a:latin typeface="微软雅黑" panose="020B0503020204020204" charset="-122"/>
+                <a:ea typeface="微软雅黑" panose="020B0503020204020204" charset="-122"/>
+              </a:rPr>
+              <a:t>的物质的量 </a:t>
+            </a:r>
+            <a:r>
+              <a:rPr lang="en-US" altLang="zh-CN" sz="2400" dirty="0">
+                <a:latin typeface="微软雅黑" panose="020B0503020204020204" charset="-122"/>
+                <a:ea typeface="微软雅黑" panose="020B0503020204020204" charset="-122"/>
+              </a:rPr>
+              <a:t>N=2.04</a:t>
+            </a:r>
+            <a:r>
+              <a:rPr lang="en-US" altLang="zh-CN" sz="2400" dirty="0">
+                <a:latin typeface="等线" panose="02010600030101010101" pitchFamily="2" charset="-122"/>
+                <a:ea typeface="等线" panose="02010600030101010101" pitchFamily="2" charset="-122"/>
+              </a:rPr>
+              <a:t>ⅹ</a:t>
+            </a:r>
+            <a:r>
+              <a:rPr lang="en-US" altLang="zh-CN" sz="2400" dirty="0">
+                <a:latin typeface="微软雅黑" panose="020B0503020204020204" charset="-122"/>
+                <a:ea typeface="微软雅黑" panose="020B0503020204020204" charset="-122"/>
+              </a:rPr>
+              <a:t>10</a:t>
+            </a:r>
+            <a:r>
+              <a:rPr lang="en-US" altLang="zh-CN" sz="2400" baseline="30000" dirty="0">
+                <a:latin typeface="微软雅黑" panose="020B0503020204020204" charset="-122"/>
+                <a:ea typeface="微软雅黑" panose="020B0503020204020204" charset="-122"/>
+              </a:rPr>
+              <a:t>-5 </a:t>
+            </a:r>
+            <a:r>
+              <a:rPr lang="en-US" altLang="zh-CN" sz="2400" dirty="0">
+                <a:latin typeface="微软雅黑" panose="020B0503020204020204" charset="-122"/>
+                <a:ea typeface="微软雅黑" panose="020B0503020204020204" charset="-122"/>
+              </a:rPr>
+              <a:t>mol</a:t>
+            </a:r>
+          </a:p>
+          <a:p>
+            <a:pPr>
+              <a:lnSpc>
+                <a:spcPct val="200000"/>
+              </a:lnSpc>
+            </a:pPr>
+            <a:r>
+              <a:rPr lang="zh-CN" altLang="en-US" sz="2400" dirty="0">
+                <a:latin typeface="微软雅黑" panose="020B0503020204020204" charset="-122"/>
+                <a:ea typeface="微软雅黑" panose="020B0503020204020204" charset="-122"/>
+              </a:rPr>
+              <a:t>第一原子层中</a:t>
+            </a:r>
+            <a:r>
+              <a:rPr lang="en-US" altLang="zh-CN" sz="2400" dirty="0">
+                <a:latin typeface="微软雅黑" panose="020B0503020204020204" charset="-122"/>
+                <a:ea typeface="微软雅黑" panose="020B0503020204020204" charset="-122"/>
+              </a:rPr>
+              <a:t>Mg</a:t>
+            </a:r>
+            <a:r>
+              <a:rPr lang="zh-CN" altLang="en-US" sz="2400" dirty="0">
+                <a:latin typeface="微软雅黑" panose="020B0503020204020204" charset="-122"/>
+                <a:ea typeface="微软雅黑" panose="020B0503020204020204" charset="-122"/>
+              </a:rPr>
+              <a:t>能产生的电量 </a:t>
+            </a:r>
+            <a:r>
+              <a:rPr lang="en-US" altLang="zh-CN" sz="2400" dirty="0" err="1">
+                <a:latin typeface="微软雅黑" panose="020B0503020204020204" charset="-122"/>
+                <a:ea typeface="微软雅黑" panose="020B0503020204020204" charset="-122"/>
+              </a:rPr>
+              <a:t>N</a:t>
+            </a:r>
+            <a:r>
+              <a:rPr lang="en-US" altLang="zh-CN" sz="2400" dirty="0" err="1">
+                <a:latin typeface="等线" panose="02010600030101010101" pitchFamily="2" charset="-122"/>
+                <a:ea typeface="等线" panose="02010600030101010101" pitchFamily="2" charset="-122"/>
+              </a:rPr>
+              <a:t>ⅹ</a:t>
+            </a:r>
+            <a:r>
+              <a:rPr lang="en-US" altLang="zh-CN" sz="2400" dirty="0" err="1">
+                <a:latin typeface="微软雅黑" panose="020B0503020204020204" charset="-122"/>
+                <a:ea typeface="微软雅黑" panose="020B0503020204020204" charset="-122"/>
+              </a:rPr>
+              <a:t>n</a:t>
+            </a:r>
+            <a:r>
+              <a:rPr lang="en-US" altLang="zh-CN" sz="2400" dirty="0" err="1">
+                <a:latin typeface="等线" panose="02010600030101010101" pitchFamily="2" charset="-122"/>
+                <a:ea typeface="等线" panose="02010600030101010101" pitchFamily="2" charset="-122"/>
+              </a:rPr>
+              <a:t>ⅹ</a:t>
+            </a:r>
+            <a:r>
+              <a:rPr lang="en-US" altLang="zh-CN" sz="2400" dirty="0" err="1">
+                <a:latin typeface="微软雅黑" panose="020B0503020204020204" charset="-122"/>
+                <a:ea typeface="微软雅黑" panose="020B0503020204020204" charset="-122"/>
+              </a:rPr>
+              <a:t>F</a:t>
+            </a:r>
+            <a:r>
+              <a:rPr lang="en-US" altLang="zh-CN" sz="2400" dirty="0">
+                <a:latin typeface="微软雅黑" panose="020B0503020204020204" charset="-122"/>
+                <a:ea typeface="微软雅黑" panose="020B0503020204020204" charset="-122"/>
+              </a:rPr>
+              <a:t>= 3.93</a:t>
+            </a:r>
+            <a:r>
+              <a:rPr lang="en-US" altLang="zh-CN" sz="2400" baseline="30000" dirty="0">
+                <a:latin typeface="微软雅黑" panose="020B0503020204020204" charset="-122"/>
+                <a:ea typeface="微软雅黑" panose="020B0503020204020204" charset="-122"/>
+              </a:rPr>
+              <a:t> </a:t>
+            </a:r>
+            <a:r>
+              <a:rPr lang="en-US" altLang="zh-CN" sz="2400" dirty="0">
+                <a:latin typeface="微软雅黑" panose="020B0503020204020204" charset="-122"/>
+                <a:ea typeface="微软雅黑" panose="020B0503020204020204" charset="-122"/>
+              </a:rPr>
+              <a:t>C</a:t>
+            </a:r>
+          </a:p>
+          <a:p>
+            <a:pPr>
+              <a:lnSpc>
+                <a:spcPct val="200000"/>
+              </a:lnSpc>
+            </a:pPr>
+            <a:r>
+              <a:rPr lang="zh-CN" altLang="en-US" sz="2400" dirty="0">
+                <a:latin typeface="微软雅黑" panose="020B0503020204020204" charset="-122"/>
+                <a:ea typeface="微软雅黑" panose="020B0503020204020204" charset="-122"/>
+              </a:rPr>
+              <a:t>一秒</a:t>
+            </a:r>
+            <a:r>
+              <a:rPr lang="en-US" altLang="zh-CN" sz="2400" dirty="0">
+                <a:latin typeface="微软雅黑" panose="020B0503020204020204" charset="-122"/>
+                <a:ea typeface="微软雅黑" panose="020B0503020204020204" charset="-122"/>
+              </a:rPr>
+              <a:t>Mg</a:t>
+            </a:r>
+            <a:r>
+              <a:rPr lang="zh-CN" altLang="en-US" sz="2400" dirty="0">
+                <a:latin typeface="微软雅黑" panose="020B0503020204020204" charset="-122"/>
+                <a:ea typeface="微软雅黑" panose="020B0503020204020204" charset="-122"/>
+              </a:rPr>
+              <a:t>能产生的电量</a:t>
+            </a:r>
+            <a:r>
+              <a:rPr lang="en-US" altLang="zh-CN" sz="2400" dirty="0">
+                <a:latin typeface="微软雅黑" panose="020B0503020204020204" charset="-122"/>
+                <a:ea typeface="微软雅黑" panose="020B0503020204020204" charset="-122"/>
+              </a:rPr>
+              <a:t> </a:t>
+            </a:r>
+            <a:r>
+              <a:rPr lang="en-US" altLang="zh-CN" sz="2400" dirty="0" err="1">
+                <a:latin typeface="微软雅黑" panose="020B0503020204020204" charset="-122"/>
+                <a:ea typeface="微软雅黑" panose="020B0503020204020204" charset="-122"/>
+              </a:rPr>
+              <a:t>i</a:t>
+            </a:r>
+            <a:r>
+              <a:rPr lang="en-US" altLang="zh-CN" sz="2400" baseline="-25000" dirty="0" err="1">
+                <a:latin typeface="微软雅黑" panose="020B0503020204020204" charset="-122"/>
+                <a:ea typeface="微软雅黑" panose="020B0503020204020204" charset="-122"/>
+              </a:rPr>
+              <a:t>Mg</a:t>
+            </a:r>
+            <a:r>
+              <a:rPr lang="en-US" altLang="zh-CN" sz="2400" dirty="0" err="1">
+                <a:latin typeface="等线" panose="02010600030101010101" pitchFamily="2" charset="-122"/>
+                <a:ea typeface="等线" panose="02010600030101010101" pitchFamily="2" charset="-122"/>
+              </a:rPr>
+              <a:t>ⅹ</a:t>
+            </a:r>
+            <a:r>
+              <a:rPr lang="en-US" altLang="zh-CN" sz="2400" dirty="0" err="1">
+                <a:latin typeface="微软雅黑" panose="020B0503020204020204" charset="-122"/>
+                <a:ea typeface="微软雅黑" panose="020B0503020204020204" charset="-122"/>
+              </a:rPr>
+              <a:t>A</a:t>
+            </a:r>
+            <a:r>
+              <a:rPr lang="en-US" altLang="zh-CN" sz="2400" dirty="0" err="1">
+                <a:latin typeface="等线" panose="02010600030101010101" pitchFamily="2" charset="-122"/>
+                <a:ea typeface="等线" panose="02010600030101010101" pitchFamily="2" charset="-122"/>
+              </a:rPr>
+              <a:t>ⅹ</a:t>
+            </a:r>
+            <a:r>
+              <a:rPr lang="en-US" altLang="zh-CN" sz="2400" dirty="0" err="1">
+                <a:latin typeface="微软雅黑" panose="020B0503020204020204" charset="-122"/>
+                <a:ea typeface="微软雅黑" panose="020B0503020204020204" charset="-122"/>
+              </a:rPr>
+              <a:t>t</a:t>
+            </a:r>
+            <a:r>
+              <a:rPr lang="en-US" altLang="zh-CN" sz="2400" dirty="0">
+                <a:latin typeface="微软雅黑" panose="020B0503020204020204" charset="-122"/>
+                <a:ea typeface="微软雅黑" panose="020B0503020204020204" charset="-122"/>
+              </a:rPr>
+              <a:t> = 3.81</a:t>
+            </a:r>
+            <a:r>
+              <a:rPr lang="en-US" altLang="zh-CN" sz="2400" dirty="0">
+                <a:latin typeface="等线" panose="02010600030101010101" pitchFamily="2" charset="-122"/>
+                <a:ea typeface="等线" panose="02010600030101010101" pitchFamily="2" charset="-122"/>
+              </a:rPr>
+              <a:t>ⅹ</a:t>
+            </a:r>
+            <a:r>
+              <a:rPr lang="en-US" altLang="zh-CN" sz="2400" dirty="0">
+                <a:latin typeface="微软雅黑" panose="020B0503020204020204" charset="-122"/>
+                <a:ea typeface="微软雅黑" panose="020B0503020204020204" charset="-122"/>
+              </a:rPr>
+              <a:t>10</a:t>
+            </a:r>
+            <a:r>
+              <a:rPr lang="en-US" altLang="zh-CN" sz="2400" baseline="30000" dirty="0">
+                <a:latin typeface="微软雅黑" panose="020B0503020204020204" charset="-122"/>
+                <a:ea typeface="微软雅黑" panose="020B0503020204020204" charset="-122"/>
+              </a:rPr>
+              <a:t>8 </a:t>
+            </a:r>
+            <a:r>
+              <a:rPr lang="en-US" altLang="zh-CN" sz="2400" dirty="0">
+                <a:latin typeface="微软雅黑" panose="020B0503020204020204" charset="-122"/>
+                <a:ea typeface="微软雅黑" panose="020B0503020204020204" charset="-122"/>
+              </a:rPr>
+              <a:t>C</a:t>
+            </a:r>
+          </a:p>
+          <a:p>
+            <a:pPr>
+              <a:lnSpc>
+                <a:spcPct val="200000"/>
+              </a:lnSpc>
+            </a:pPr>
+            <a:endParaRPr lang="en-US" altLang="zh-CN" sz="2400" dirty="0">
+              <a:latin typeface="微软雅黑" panose="020B0503020204020204" charset="-122"/>
+              <a:ea typeface="微软雅黑" panose="020B0503020204020204" charset="-122"/>
+            </a:endParaRPr>
+          </a:p>
+          <a:p>
+            <a:pPr>
+              <a:lnSpc>
+                <a:spcPct val="200000"/>
+              </a:lnSpc>
+            </a:pPr>
+            <a:r>
+              <a:rPr lang="en-US" altLang="zh-CN" sz="2400" dirty="0">
+                <a:latin typeface="微软雅黑" panose="020B0503020204020204" charset="-122"/>
+                <a:ea typeface="微软雅黑" panose="020B0503020204020204" charset="-122"/>
+              </a:rPr>
+              <a:t>1s</a:t>
+            </a:r>
+            <a:r>
+              <a:rPr lang="zh-CN" altLang="en-US" sz="2400" dirty="0">
+                <a:latin typeface="微软雅黑" panose="020B0503020204020204" charset="-122"/>
+                <a:ea typeface="微软雅黑" panose="020B0503020204020204" charset="-122"/>
+              </a:rPr>
+              <a:t>，</a:t>
+            </a:r>
+            <a:r>
+              <a:rPr lang="en-US" altLang="zh-CN" sz="2400" dirty="0">
+                <a:latin typeface="微软雅黑" panose="020B0503020204020204" charset="-122"/>
+                <a:ea typeface="微软雅黑" panose="020B0503020204020204" charset="-122"/>
+              </a:rPr>
+              <a:t> Mg</a:t>
+            </a:r>
+            <a:r>
+              <a:rPr lang="zh-CN" altLang="en-US" sz="2400" dirty="0">
+                <a:latin typeface="微软雅黑" panose="020B0503020204020204" charset="-122"/>
+                <a:ea typeface="微软雅黑" panose="020B0503020204020204" charset="-122"/>
+              </a:rPr>
+              <a:t>可以完全溶解</a:t>
+            </a:r>
+            <a:r>
+              <a:rPr lang="en-US" altLang="zh-CN" sz="2400" dirty="0">
+                <a:latin typeface="微软雅黑" panose="020B0503020204020204" charset="-122"/>
+                <a:ea typeface="微软雅黑" panose="020B0503020204020204" charset="-122"/>
+              </a:rPr>
+              <a:t>L</a:t>
+            </a:r>
+            <a:r>
+              <a:rPr lang="en-US" altLang="zh-CN" sz="2400" baseline="-25000" dirty="0">
+                <a:latin typeface="微软雅黑" panose="020B0503020204020204" charset="-122"/>
+                <a:ea typeface="微软雅黑" panose="020B0503020204020204" charset="-122"/>
+              </a:rPr>
+              <a:t>0</a:t>
+            </a:r>
+            <a:r>
+              <a:rPr lang="en-US" altLang="zh-CN" sz="2400" dirty="0">
+                <a:latin typeface="微软雅黑" panose="020B0503020204020204" charset="-122"/>
+                <a:ea typeface="微软雅黑" panose="020B0503020204020204" charset="-122"/>
+              </a:rPr>
+              <a:t>=</a:t>
+            </a:r>
+            <a:r>
+              <a:rPr lang="zh-CN" altLang="en-US" sz="2400" dirty="0">
+                <a:latin typeface="微软雅黑" panose="020B0503020204020204" charset="-122"/>
+                <a:ea typeface="微软雅黑" panose="020B0503020204020204" charset="-122"/>
+              </a:rPr>
+              <a:t> </a:t>
+            </a:r>
+            <a:r>
+              <a:rPr lang="en-US" altLang="zh-CN" sz="2400" dirty="0">
+                <a:latin typeface="微软雅黑" panose="020B0503020204020204" charset="-122"/>
+                <a:ea typeface="微软雅黑" panose="020B0503020204020204" charset="-122"/>
+              </a:rPr>
+              <a:t>9.7</a:t>
+            </a:r>
+            <a:r>
+              <a:rPr lang="en-US" altLang="zh-CN" sz="2400" dirty="0">
+                <a:latin typeface="等线" panose="02010600030101010101" pitchFamily="2" charset="-122"/>
+                <a:ea typeface="等线" panose="02010600030101010101" pitchFamily="2" charset="-122"/>
+              </a:rPr>
+              <a:t>ⅹ</a:t>
+            </a:r>
+            <a:r>
+              <a:rPr lang="en-US" altLang="zh-CN" sz="2400" dirty="0">
+                <a:latin typeface="微软雅黑" panose="020B0503020204020204" charset="-122"/>
+                <a:ea typeface="微软雅黑" panose="020B0503020204020204" charset="-122"/>
+              </a:rPr>
+              <a:t>10</a:t>
+            </a:r>
+            <a:r>
+              <a:rPr lang="en-US" altLang="zh-CN" sz="2400" baseline="30000" dirty="0">
+                <a:latin typeface="微软雅黑" panose="020B0503020204020204" charset="-122"/>
+                <a:ea typeface="微软雅黑" panose="020B0503020204020204" charset="-122"/>
+              </a:rPr>
+              <a:t>7</a:t>
+            </a:r>
+            <a:r>
+              <a:rPr lang="zh-CN" altLang="en-US" sz="2400" dirty="0">
+                <a:latin typeface="微软雅黑" panose="020B0503020204020204" charset="-122"/>
+                <a:ea typeface="微软雅黑" panose="020B0503020204020204" charset="-122"/>
+              </a:rPr>
+              <a:t>层</a:t>
+            </a:r>
+            <a:endParaRPr lang="en-US" altLang="zh-CN" sz="2400" dirty="0">
+              <a:latin typeface="微软雅黑" panose="020B0503020204020204" charset="-122"/>
+              <a:ea typeface="微软雅黑" panose="020B0503020204020204" charset="-122"/>
+            </a:endParaRPr>
+          </a:p>
+        </p:txBody>
+      </p:sp>
+      <mc:AlternateContent xmlns:mc="http://schemas.openxmlformats.org/markup-compatibility/2006">
+        <mc:Choice xmlns:a14="http://schemas.microsoft.com/office/drawing/2010/main" xmlns="" Requires="a14">
+          <p:sp>
+            <p:nvSpPr>
+              <p:cNvPr id="5" name="文本框 4"/>
+              <p:cNvSpPr txBox="1"/>
+              <p:nvPr/>
+            </p:nvSpPr>
+            <p:spPr>
+              <a:xfrm>
+                <a:off x="3016791" y="4898891"/>
+                <a:ext cx="4572000" cy="683777"/>
+              </a:xfrm>
+              <a:prstGeom prst="rect">
+                <a:avLst/>
+              </a:prstGeom>
+              <a:noFill/>
+            </p:spPr>
+            <p:txBody>
+              <a:bodyPr wrap="square">
+                <a:spAutoFit/>
+              </a:bodyPr>
+              <a:p>
+                <a14:m>
+                  <m:oMathPara xmlns:m="http://schemas.openxmlformats.org/officeDocument/2006/math">
+                    <m:oMathParaPr>
+                      <m:jc m:val="centerGroup"/>
+                    </m:oMathParaPr>
+                    <m:oMath xmlns:m="http://schemas.openxmlformats.org/officeDocument/2006/math">
+                      <m:sSub>
+                        <m:sSubPr>
+                          <m:ctrlPr>
+                            <a:rPr lang="zh-CN" altLang="en-US" sz="2000" i="1" smtClean="0">
+                              <a:solidFill>
+                                <a:srgbClr val="836967"/>
+                              </a:solidFill>
+                              <a:latin typeface="Cambria Math" panose="02040503050406030204" pitchFamily="18" charset="0"/>
+                            </a:rPr>
+                          </m:ctrlPr>
+                        </m:sSubPr>
+                        <m:e>
+                          <m:r>
+                            <a:rPr lang="zh-CN" altLang="en-US" sz="2000" i="1">
+                              <a:latin typeface="Cambria Math" panose="02040503050406030204" pitchFamily="18" charset="0"/>
+                            </a:rPr>
+                            <m:t>𝐿</m:t>
+                          </m:r>
+                        </m:e>
+                        <m:sub>
+                          <m:r>
+                            <a:rPr lang="zh-CN" altLang="en-US" sz="2000" i="0">
+                              <a:latin typeface="Cambria Math" panose="02040503050406030204" pitchFamily="18" charset="0"/>
+                            </a:rPr>
+                            <m:t>0</m:t>
+                          </m:r>
+                        </m:sub>
+                      </m:sSub>
+                      <m:r>
+                        <a:rPr lang="zh-CN" altLang="en-US" sz="2000" i="0">
+                          <a:latin typeface="Cambria Math" panose="02040503050406030204" pitchFamily="18" charset="0"/>
+                        </a:rPr>
+                        <m:t>=</m:t>
+                      </m:r>
+                      <m:f>
+                        <m:fPr>
+                          <m:ctrlPr>
+                            <a:rPr lang="zh-CN" altLang="en-US" sz="2000" i="1">
+                              <a:solidFill>
+                                <a:srgbClr val="836967"/>
+                              </a:solidFill>
+                              <a:latin typeface="Cambria Math" panose="02040503050406030204" pitchFamily="18" charset="0"/>
+                            </a:rPr>
+                          </m:ctrlPr>
+                        </m:fPr>
+                        <m:num>
+                          <m:sSub>
+                            <m:sSubPr>
+                              <m:ctrlPr>
+                                <a:rPr lang="zh-CN" altLang="en-US" sz="2000" i="1">
+                                  <a:solidFill>
+                                    <a:srgbClr val="836967"/>
+                                  </a:solidFill>
+                                  <a:latin typeface="Cambria Math" panose="02040503050406030204" pitchFamily="18" charset="0"/>
+                                </a:rPr>
+                              </m:ctrlPr>
+                            </m:sSubPr>
+                            <m:e>
+                              <m:r>
+                                <a:rPr lang="zh-CN" altLang="en-US" sz="2000" i="1">
+                                  <a:latin typeface="Cambria Math" panose="02040503050406030204" pitchFamily="18" charset="0"/>
+                                </a:rPr>
+                                <m:t>𝑖</m:t>
+                              </m:r>
+                            </m:e>
+                            <m:sub>
+                              <m:r>
+                                <m:rPr>
+                                  <m:sty m:val="p"/>
+                                </m:rPr>
+                                <a:rPr lang="en-US" altLang="zh-CN" sz="2000" b="0" i="0" smtClean="0">
+                                  <a:latin typeface="Cambria Math" panose="02040503050406030204" pitchFamily="18" charset="0"/>
+                                </a:rPr>
+                                <m:t>Mg</m:t>
+                              </m:r>
+                            </m:sub>
+                          </m:sSub>
+                          <m:r>
+                            <a:rPr lang="zh-CN" altLang="en-US" sz="2000" i="1">
+                              <a:latin typeface="Cambria Math" panose="02040503050406030204" pitchFamily="18" charset="0"/>
+                            </a:rPr>
+                            <m:t>𝐴𝑡</m:t>
+                          </m:r>
+                        </m:num>
+                        <m:den>
+                          <m:r>
+                            <a:rPr lang="zh-CN" altLang="en-US" sz="2000" i="1">
+                              <a:latin typeface="Cambria Math" panose="02040503050406030204" pitchFamily="18" charset="0"/>
+                            </a:rPr>
+                            <m:t>𝑁𝑛𝐹</m:t>
+                          </m:r>
+                        </m:den>
+                      </m:f>
+                    </m:oMath>
+                  </m:oMathPara>
+                </a14:m>
+                <a:endParaRPr lang="zh-CN" altLang="en-US" sz="2000" dirty="0">
+                  <a:latin typeface="Times New Roman" panose="02020603050405020304" pitchFamily="18" charset="0"/>
+                  <a:cs typeface="Times New Roman" panose="02020603050405020304" pitchFamily="18" charset="0"/>
+                </a:endParaRPr>
+              </a:p>
+            </p:txBody>
+          </p:sp>
+        </mc:Choice>
+        <mc:Fallback>
+          <p:sp>
+            <p:nvSpPr>
+              <p:cNvPr id="5" name="文本框 4"/>
+              <p:cNvSpPr txBox="1">
+                <a:spLocks noRot="1" noChangeAspect="1" noMove="1" noResize="1" noEditPoints="1" noAdjustHandles="1" noChangeArrowheads="1" noChangeShapeType="1" noTextEdit="1"/>
+              </p:cNvSpPr>
+              <p:nvPr/>
+            </p:nvSpPr>
+            <p:spPr>
+              <a:xfrm>
+                <a:off x="3016791" y="4898891"/>
+                <a:ext cx="4572000" cy="683777"/>
+              </a:xfrm>
+              <a:prstGeom prst="rect">
+                <a:avLst/>
+              </a:prstGeom>
+              <a:blipFill rotWithShape="1">
+                <a:blip r:embed="rId4"/>
+                <a:stretch>
+                  <a:fillRect l="-12" t="-73" r="12" b="56"/>
+                </a:stretch>
+              </a:blipFill>
+            </p:spPr>
+            <p:txBody>
+              <a:bodyPr/>
+              <a:lstStyle/>
+              <a:p>
+                <a:r>
+                  <a:rPr lang="zh-CN" altLang="en-US">
+                    <a:noFill/>
+                  </a:rPr>
+                  <a:t> </a:t>
+                </a:r>
+              </a:p>
+            </p:txBody>
+          </p:sp>
+        </mc:Fallback>
+      </mc:AlternateContent>
+    </p:spTree>
+  </p:cSld>
+  <p:clrMapOvr>
+    <a:masterClrMapping/>
+  </p:clrMapOvr>
+  <mc:AlternateContent xmlns:mc="http://schemas.openxmlformats.org/markup-compatibility/2006">
+    <mc:Choice xmlns:p14="http://schemas.microsoft.com/office/powerpoint/2010/main" xmlns="" Requires="p14">
+      <p:transition p14:dur="0" advTm="3000"/>
+    </mc:Choice>
+    <mc:Fallback>
+      <p:transition advTm="3000"/>
+    </mc:Fallback>
+  </mc:AlternateContent>
+</p:sld>
+</file>
+
+<file path=ppt/slides/slide12.xml><?xml version="1.0" encoding="utf-8"?>
+<p:sld xmlns:a="http://schemas.openxmlformats.org/drawingml/2006/main" xmlns:r="http://schemas.openxmlformats.org/officeDocument/2006/relationships" xmlns:p="http://schemas.openxmlformats.org/presentationml/2006/main">
+  <p:cSld>
+    <p:spTree>
+      <p:nvGrpSpPr>
+        <p:cNvPr id="1" name=""/>
+        <p:cNvGrpSpPr/>
+        <p:nvPr/>
+      </p:nvGrpSpPr>
+      <p:grpSpPr>
+        <a:xfrm>
+          <a:off x="0" y="0"/>
+          <a:ext cx="0" cy="0"/>
+          <a:chOff x="0" y="0"/>
+          <a:chExt cx="0" cy="0"/>
+        </a:xfrm>
+      </p:grpSpPr>
+      <p:sp>
+        <p:nvSpPr>
+          <p:cNvPr id="6" name="文本框 5"/>
+          <p:cNvSpPr txBox="1"/>
+          <p:nvPr/>
+        </p:nvSpPr>
+        <p:spPr>
+          <a:xfrm>
+            <a:off x="468551" y="188764"/>
+            <a:ext cx="3969991" cy="612775"/>
+          </a:xfrm>
+          <a:prstGeom prst="rect">
+            <a:avLst/>
+          </a:prstGeom>
+          <a:noFill/>
+        </p:spPr>
+        <p:txBody>
+          <a:bodyPr wrap="square" lIns="121917" tIns="60958" rIns="121917" bIns="60958" rtlCol="0">
+            <a:spAutoFit/>
+          </a:bodyPr>
+          <a:lstStyle/>
+          <a:p>
+            <a:r>
+              <a:rPr lang="en-US" altLang="zh-CN" sz="3200" b="1" dirty="0" smtClean="0">
+                <a:cs typeface="+mn-ea"/>
+                <a:sym typeface="+mn-lt"/>
+              </a:rPr>
+              <a:t>2.6 </a:t>
+            </a:r>
+            <a:r>
+              <a:rPr lang="en-US" altLang="zh-CN" sz="3200" b="1" dirty="0" smtClean="0">
+                <a:cs typeface="+mn-ea"/>
+                <a:sym typeface="+mn-lt"/>
+              </a:rPr>
+              <a:t>DDPG</a:t>
+            </a:r>
+            <a:endParaRPr lang="zh-CN" altLang="en-US" sz="3200" b="1" dirty="0">
+              <a:cs typeface="+mn-ea"/>
+              <a:sym typeface="+mn-lt"/>
+            </a:endParaRPr>
+          </a:p>
+        </p:txBody>
+      </p:sp>
+      <p:sp>
+        <p:nvSpPr>
+          <p:cNvPr id="107" name="Text Placeholder 34"/>
+          <p:cNvSpPr txBox="1"/>
+          <p:nvPr/>
+        </p:nvSpPr>
+        <p:spPr>
+          <a:xfrm>
+            <a:off x="334010" y="957580"/>
+            <a:ext cx="11328400" cy="1064895"/>
+          </a:xfrm>
+          <a:prstGeom prst="rect">
+            <a:avLst/>
+          </a:prstGeom>
+        </p:spPr>
+        <p:txBody>
+          <a:bodyPr lIns="91438" tIns="45719" rIns="91438" bIns="45719">
+            <a:noAutofit/>
+          </a:bodyPr>
+          <a:lstStyle>
+            <a:lvl1pPr marL="0" indent="0" algn="l" defTabSz="914400" rtl="0" eaLnBrk="1" latinLnBrk="0" hangingPunct="1">
+              <a:lnSpc>
+                <a:spcPct val="90000"/>
+              </a:lnSpc>
+              <a:spcBef>
+                <a:spcPts val="1000"/>
+              </a:spcBef>
+              <a:buFontTx/>
+              <a:buNone/>
+              <a:defRPr sz="1600" kern="1200">
+                <a:solidFill>
+                  <a:schemeClr val="tx1"/>
+                </a:solidFill>
+                <a:latin typeface="+mn-lt"/>
+                <a:ea typeface="+mn-ea"/>
+                <a:cs typeface="+mn-cs"/>
+              </a:defRPr>
+            </a:lvl1pPr>
+            <a:lvl2pPr marL="457200" indent="0" algn="l" defTabSz="914400" rtl="0" eaLnBrk="1" latinLnBrk="0" hangingPunct="1">
+              <a:lnSpc>
+                <a:spcPct val="90000"/>
+              </a:lnSpc>
+              <a:spcBef>
+                <a:spcPts val="500"/>
+              </a:spcBef>
+              <a:buFontTx/>
+              <a:buNone/>
+              <a:defRPr sz="1400" kern="1200">
+                <a:solidFill>
+                  <a:schemeClr val="tx1"/>
+                </a:solidFill>
+                <a:latin typeface="+mn-lt"/>
+                <a:ea typeface="+mn-ea"/>
+                <a:cs typeface="+mn-cs"/>
+              </a:defRPr>
+            </a:lvl2pPr>
+            <a:lvl3pPr marL="914400" indent="0" algn="l" defTabSz="914400" rtl="0" eaLnBrk="1" latinLnBrk="0" hangingPunct="1">
+              <a:lnSpc>
+                <a:spcPct val="90000"/>
+              </a:lnSpc>
+              <a:spcBef>
+                <a:spcPts val="500"/>
+              </a:spcBef>
+              <a:buFontTx/>
+              <a:buNone/>
+              <a:defRPr sz="1200" kern="1200">
+                <a:solidFill>
+                  <a:schemeClr val="tx1"/>
+                </a:solidFill>
+                <a:latin typeface="+mn-lt"/>
+                <a:ea typeface="+mn-ea"/>
+                <a:cs typeface="+mn-cs"/>
+              </a:defRPr>
+            </a:lvl3pPr>
+            <a:lvl4pPr marL="1371600" indent="0" algn="l" defTabSz="914400" rtl="0" eaLnBrk="1" latinLnBrk="0" hangingPunct="1">
+              <a:lnSpc>
+                <a:spcPct val="90000"/>
+              </a:lnSpc>
+              <a:spcBef>
+                <a:spcPts val="500"/>
+              </a:spcBef>
+              <a:buFontTx/>
+              <a:buNone/>
+              <a:defRPr sz="1100" kern="1200">
+                <a:solidFill>
+                  <a:schemeClr val="tx1"/>
+                </a:solidFill>
+                <a:latin typeface="+mn-lt"/>
+                <a:ea typeface="+mn-ea"/>
+                <a:cs typeface="+mn-cs"/>
+              </a:defRPr>
+            </a:lvl4pPr>
+            <a:lvl5pPr marL="1828800" indent="0" algn="l" defTabSz="914400" rtl="0" eaLnBrk="1" latinLnBrk="0" hangingPunct="1">
+              <a:lnSpc>
+                <a:spcPct val="90000"/>
+              </a:lnSpc>
+              <a:spcBef>
+                <a:spcPts val="500"/>
+              </a:spcBef>
+              <a:buFontTx/>
+              <a:buNone/>
+              <a:defRPr sz="1100" kern="1200">
+                <a:solidFill>
+                  <a:schemeClr val="tx1"/>
+                </a:solidFill>
+                <a:latin typeface="+mn-lt"/>
+                <a:ea typeface="+mn-ea"/>
+                <a:cs typeface="+mn-cs"/>
+              </a:defRPr>
+            </a:lvl5pPr>
+            <a:lvl6pPr marL="2514600" indent="-228600" algn="l" defTabSz="914400" rtl="0" eaLnBrk="1" latinLnBrk="0" hangingPunct="1">
+              <a:lnSpc>
+                <a:spcPct val="90000"/>
+              </a:lnSpc>
+              <a:spcBef>
+                <a:spcPts val="500"/>
+              </a:spcBef>
+              <a:buFont typeface="Arial" panose="020B0604020202020204" pitchFamily="34" charset="0"/>
+              <a:buChar char="•"/>
+              <a:defRPr sz="1800" kern="1200">
+                <a:solidFill>
+                  <a:schemeClr val="tx1"/>
+                </a:solidFill>
+                <a:latin typeface="+mn-lt"/>
+                <a:ea typeface="+mn-ea"/>
+                <a:cs typeface="+mn-cs"/>
+              </a:defRPr>
+            </a:lvl6pPr>
+            <a:lvl7pPr marL="2971800" indent="-228600" algn="l" defTabSz="914400" rtl="0" eaLnBrk="1" latinLnBrk="0" hangingPunct="1">
+              <a:lnSpc>
+                <a:spcPct val="90000"/>
+              </a:lnSpc>
+              <a:spcBef>
+                <a:spcPts val="500"/>
+              </a:spcBef>
+              <a:buFont typeface="Arial" panose="020B0604020202020204" pitchFamily="34" charset="0"/>
+              <a:buChar char="•"/>
+              <a:defRPr sz="1800" kern="1200">
+                <a:solidFill>
+                  <a:schemeClr val="tx1"/>
+                </a:solidFill>
+                <a:latin typeface="+mn-lt"/>
+                <a:ea typeface="+mn-ea"/>
+                <a:cs typeface="+mn-cs"/>
+              </a:defRPr>
+            </a:lvl7pPr>
+            <a:lvl8pPr marL="3429000" indent="-228600" algn="l" defTabSz="914400" rtl="0" eaLnBrk="1" latinLnBrk="0" hangingPunct="1">
+              <a:lnSpc>
+                <a:spcPct val="90000"/>
+              </a:lnSpc>
+              <a:spcBef>
+                <a:spcPts val="500"/>
+              </a:spcBef>
+              <a:buFont typeface="Arial" panose="020B0604020202020204" pitchFamily="34" charset="0"/>
+              <a:buChar char="•"/>
+              <a:defRPr sz="1800" kern="1200">
+                <a:solidFill>
+                  <a:schemeClr val="tx1"/>
+                </a:solidFill>
+                <a:latin typeface="+mn-lt"/>
+                <a:ea typeface="+mn-ea"/>
+                <a:cs typeface="+mn-cs"/>
+              </a:defRPr>
+            </a:lvl8pPr>
+            <a:lvl9pPr marL="3886200" indent="-228600" algn="l" defTabSz="914400" rtl="0" eaLnBrk="1" latinLnBrk="0" hangingPunct="1">
+              <a:lnSpc>
+                <a:spcPct val="90000"/>
+              </a:lnSpc>
+              <a:spcBef>
+                <a:spcPts val="500"/>
+              </a:spcBef>
+              <a:buFont typeface="Arial" panose="020B0604020202020204" pitchFamily="34" charset="0"/>
+              <a:buChar char="•"/>
+              <a:defRPr sz="1800" kern="1200">
+                <a:solidFill>
+                  <a:schemeClr val="tx1"/>
+                </a:solidFill>
+                <a:latin typeface="+mn-lt"/>
+                <a:ea typeface="+mn-ea"/>
+                <a:cs typeface="+mn-cs"/>
+              </a:defRPr>
+            </a:lvl9pPr>
+          </a:lstStyle>
+          <a:p>
+            <a:pPr>
+              <a:lnSpc>
+                <a:spcPct val="120000"/>
+              </a:lnSpc>
+              <a:buClr>
+                <a:schemeClr val="accent1"/>
+              </a:buClr>
+            </a:pPr>
+            <a:r>
+              <a:rPr lang="zh-CN" altLang="en-US" sz="2100" b="1" dirty="0">
+                <a:cs typeface="+mn-ea"/>
+                <a:sym typeface="+mn-lt"/>
+              </a:rPr>
+              <a:t>        针对存在的不同的金属，它们在溶液中溶解快慢不一，产生了溶解的层数差，对于本实验的</a:t>
+            </a:r>
+            <a:r>
+              <a:rPr lang="en-US" altLang="zh-CN" sz="2100" b="1" dirty="0">
+                <a:cs typeface="+mn-ea"/>
+                <a:sym typeface="+mn-lt"/>
+              </a:rPr>
+              <a:t>Mg-Gd-Nd-Ln</a:t>
+            </a:r>
+            <a:endParaRPr lang="en-US" altLang="zh-CN" b="1" dirty="0">
+              <a:sym typeface="+mn-lt"/>
+            </a:endParaRPr>
+          </a:p>
+        </p:txBody>
+      </p:sp>
+      <p:pic>
+        <p:nvPicPr>
+          <p:cNvPr id="16" name="图片 15"/>
+          <p:cNvPicPr>
+            <a:picLocks noChangeAspect="1"/>
+          </p:cNvPicPr>
+          <p:nvPr/>
+        </p:nvPicPr>
+        <p:blipFill>
+          <a:blip r:embed="rId3" cstate="print">
+            <a:extLst>
+              <a:ext uri="{28A0092B-C50C-407E-A947-70E740481C1C}">
+                <a14:useLocalDpi xmlns:a14="http://schemas.microsoft.com/office/drawing/2010/main" xmlns="" val="0"/>
+              </a:ext>
+            </a:extLst>
+          </a:blip>
+          <a:stretch>
+            <a:fillRect/>
+          </a:stretch>
+        </p:blipFill>
+        <p:spPr>
+          <a:xfrm>
+            <a:off x="10235985" y="93024"/>
+            <a:ext cx="1956015" cy="655627"/>
+          </a:xfrm>
+          <a:prstGeom prst="rect">
+            <a:avLst/>
+          </a:prstGeom>
+        </p:spPr>
+      </p:pic>
+      <p:sp>
+        <p:nvSpPr>
+          <p:cNvPr id="4" name="矩形 3"/>
+          <p:cNvSpPr/>
+          <p:nvPr/>
+        </p:nvSpPr>
+        <p:spPr>
+          <a:xfrm flipV="1">
+            <a:off x="-21773" y="6707968"/>
+            <a:ext cx="12213772" cy="188760"/>
+          </a:xfrm>
+          <a:prstGeom prst="rect">
+            <a:avLst/>
+          </a:prstGeom>
+          <a:solidFill>
+            <a:schemeClr val="accent5"/>
+          </a:solidFill>
+          <a:ln w="28575">
+            <a:noFill/>
+          </a:ln>
+          <a:effectLst>
+            <a:outerShdw blurRad="698500" dist="190500" dir="8100000" algn="tr" rotWithShape="0">
+              <a:prstClr val="black">
+                <a:alpha val="30000"/>
+              </a:prstClr>
+            </a:outerShdw>
+          </a:effectLst>
+        </p:spPr>
+        <p:style>
+          <a:lnRef idx="2">
+            <a:schemeClr val="accent1">
+              <a:shade val="50000"/>
+            </a:schemeClr>
+          </a:lnRef>
+          <a:fillRef idx="1">
+            <a:schemeClr val="accent1"/>
+          </a:fillRef>
+          <a:effectRef idx="0">
+            <a:schemeClr val="accent1"/>
+          </a:effectRef>
+          <a:fontRef idx="minor">
+            <a:schemeClr val="lt1"/>
+          </a:fontRef>
+        </p:style>
+        <p:txBody>
+          <a:bodyPr lIns="121917" tIns="60958" rIns="121917" bIns="60958" rtlCol="0" anchor="ctr"/>
+          <a:lstStyle/>
+          <a:p>
+            <a:pPr algn="ctr"/>
+            <a:endParaRPr lang="zh-CN" altLang="en-US">
+              <a:solidFill>
+                <a:schemeClr val="tx1"/>
+              </a:solidFill>
+            </a:endParaRPr>
+          </a:p>
+        </p:txBody>
+      </p:sp>
+      <p:sp>
+        <p:nvSpPr>
+          <p:cNvPr id="14" name="菱形 13"/>
+          <p:cNvSpPr/>
+          <p:nvPr/>
+        </p:nvSpPr>
+        <p:spPr>
+          <a:xfrm>
+            <a:off x="-313507" y="181525"/>
+            <a:ext cx="583473" cy="591048"/>
+          </a:xfrm>
+          <a:prstGeom prst="diamond">
+            <a:avLst/>
+          </a:prstGeom>
+          <a:solidFill>
+            <a:schemeClr val="accent1"/>
+          </a:solidFill>
+          <a:ln w="28575">
+            <a:noFill/>
+          </a:ln>
+          <a:effectLst>
+            <a:outerShdw blurRad="698500" dist="190500" dir="8100000" algn="tr" rotWithShape="0">
+              <a:prstClr val="black">
+                <a:alpha val="30000"/>
+              </a:prstClr>
+            </a:outerShdw>
+          </a:effectLst>
+        </p:spPr>
+        <p:style>
+          <a:lnRef idx="2">
+            <a:schemeClr val="accent1">
+              <a:shade val="50000"/>
+            </a:schemeClr>
+          </a:lnRef>
+          <a:fillRef idx="1">
+            <a:schemeClr val="accent1"/>
+          </a:fillRef>
+          <a:effectRef idx="0">
+            <a:schemeClr val="accent1"/>
+          </a:effectRef>
+          <a:fontRef idx="minor">
+            <a:schemeClr val="lt1"/>
+          </a:fontRef>
+        </p:style>
+        <p:txBody>
+          <a:bodyPr lIns="121917" tIns="60958" rIns="121917" bIns="60958" rtlCol="0" anchor="ctr"/>
+          <a:lstStyle/>
+          <a:p>
+            <a:pPr algn="ctr"/>
+            <a:endParaRPr lang="zh-CN" altLang="en-US">
+              <a:solidFill>
+                <a:schemeClr val="tx1"/>
+              </a:solidFill>
+            </a:endParaRPr>
+          </a:p>
+        </p:txBody>
+      </p:sp>
+      <p:sp>
+        <p:nvSpPr>
+          <p:cNvPr id="15" name="菱形 14"/>
+          <p:cNvSpPr/>
+          <p:nvPr/>
+        </p:nvSpPr>
+        <p:spPr>
+          <a:xfrm>
+            <a:off x="-157791" y="205311"/>
+            <a:ext cx="583473" cy="591048"/>
+          </a:xfrm>
+          <a:prstGeom prst="diamond">
+            <a:avLst/>
+          </a:prstGeom>
+          <a:solidFill>
+            <a:schemeClr val="tx1"/>
+          </a:solidFill>
+          <a:ln w="28575">
+            <a:noFill/>
+          </a:ln>
+          <a:effectLst>
+            <a:outerShdw blurRad="698500" dist="190500" dir="8100000" algn="tr" rotWithShape="0">
+              <a:prstClr val="black">
+                <a:alpha val="30000"/>
+              </a:prstClr>
+            </a:outerShdw>
+          </a:effectLst>
+        </p:spPr>
+        <p:style>
+          <a:lnRef idx="2">
+            <a:schemeClr val="accent1">
+              <a:shade val="50000"/>
+            </a:schemeClr>
+          </a:lnRef>
+          <a:fillRef idx="1">
+            <a:schemeClr val="accent1"/>
+          </a:fillRef>
+          <a:effectRef idx="0">
+            <a:schemeClr val="accent1"/>
+          </a:effectRef>
+          <a:fontRef idx="minor">
+            <a:schemeClr val="lt1"/>
+          </a:fontRef>
+        </p:style>
+        <p:txBody>
+          <a:bodyPr lIns="121917" tIns="60958" rIns="121917" bIns="60958" rtlCol="0" anchor="ctr"/>
+          <a:lstStyle/>
+          <a:p>
+            <a:pPr algn="ctr"/>
+            <a:endParaRPr lang="zh-CN" altLang="en-US">
+              <a:solidFill>
+                <a:schemeClr val="tx1"/>
+              </a:solidFill>
+            </a:endParaRPr>
+          </a:p>
+        </p:txBody>
+      </p:sp>
+      <p:sp>
+        <p:nvSpPr>
+          <p:cNvPr id="3" name="文本框 2"/>
+          <p:cNvSpPr txBox="1"/>
+          <p:nvPr/>
+        </p:nvSpPr>
+        <p:spPr>
+          <a:xfrm>
+            <a:off x="2352854" y="2425933"/>
+            <a:ext cx="7848872" cy="3784600"/>
+          </a:xfrm>
+          <a:prstGeom prst="rect">
+            <a:avLst/>
+          </a:prstGeom>
+          <a:noFill/>
+        </p:spPr>
+        <p:txBody>
+          <a:bodyPr wrap="square" rtlCol="0">
+            <a:spAutoFit/>
+          </a:bodyPr>
+          <a:lstStyle/>
+          <a:p>
+            <a:pPr>
+              <a:lnSpc>
+                <a:spcPct val="200000"/>
+              </a:lnSpc>
+            </a:pPr>
+            <a:r>
+              <a:rPr lang="zh-CN" altLang="en-US" sz="2400" dirty="0">
+                <a:latin typeface="微软雅黑" panose="020B0503020204020204" charset="-122"/>
+                <a:ea typeface="微软雅黑" panose="020B0503020204020204" charset="-122"/>
+              </a:rPr>
+              <a:t>第一原子层中</a:t>
+            </a:r>
+            <a:r>
+              <a:rPr lang="en-US" altLang="zh-CN" sz="2400" dirty="0">
+                <a:latin typeface="微软雅黑" panose="020B0503020204020204" charset="-122"/>
+                <a:ea typeface="微软雅黑" panose="020B0503020204020204" charset="-122"/>
+              </a:rPr>
+              <a:t>Mg</a:t>
+            </a:r>
+            <a:r>
+              <a:rPr lang="zh-CN" altLang="en-US" sz="2400" dirty="0">
+                <a:latin typeface="微软雅黑" panose="020B0503020204020204" charset="-122"/>
+                <a:ea typeface="微软雅黑" panose="020B0503020204020204" charset="-122"/>
+              </a:rPr>
+              <a:t>的物质的量 </a:t>
+            </a:r>
+            <a:r>
+              <a:rPr lang="en-US" altLang="zh-CN" sz="2400" dirty="0">
+                <a:latin typeface="微软雅黑" panose="020B0503020204020204" charset="-122"/>
+                <a:ea typeface="微软雅黑" panose="020B0503020204020204" charset="-122"/>
+              </a:rPr>
+              <a:t>N=2.04</a:t>
+            </a:r>
+            <a:r>
+              <a:rPr lang="en-US" altLang="zh-CN" sz="2400" dirty="0">
+                <a:latin typeface="等线" panose="02010600030101010101" pitchFamily="2" charset="-122"/>
+                <a:ea typeface="等线" panose="02010600030101010101" pitchFamily="2" charset="-122"/>
+              </a:rPr>
+              <a:t>ⅹ</a:t>
+            </a:r>
+            <a:r>
+              <a:rPr lang="en-US" altLang="zh-CN" sz="2400" dirty="0">
+                <a:latin typeface="微软雅黑" panose="020B0503020204020204" charset="-122"/>
+                <a:ea typeface="微软雅黑" panose="020B0503020204020204" charset="-122"/>
+              </a:rPr>
+              <a:t>10</a:t>
+            </a:r>
+            <a:r>
+              <a:rPr lang="en-US" altLang="zh-CN" sz="2400" baseline="30000" dirty="0">
+                <a:latin typeface="微软雅黑" panose="020B0503020204020204" charset="-122"/>
+                <a:ea typeface="微软雅黑" panose="020B0503020204020204" charset="-122"/>
+              </a:rPr>
+              <a:t>-5 </a:t>
+            </a:r>
+            <a:r>
+              <a:rPr lang="en-US" altLang="zh-CN" sz="2400" dirty="0">
+                <a:latin typeface="微软雅黑" panose="020B0503020204020204" charset="-122"/>
+                <a:ea typeface="微软雅黑" panose="020B0503020204020204" charset="-122"/>
+              </a:rPr>
+              <a:t>mol</a:t>
+            </a:r>
+          </a:p>
+          <a:p>
+            <a:pPr>
+              <a:lnSpc>
+                <a:spcPct val="200000"/>
+              </a:lnSpc>
+            </a:pPr>
+            <a:r>
+              <a:rPr lang="zh-CN" altLang="en-US" sz="2400" dirty="0">
+                <a:latin typeface="微软雅黑" panose="020B0503020204020204" charset="-122"/>
+                <a:ea typeface="微软雅黑" panose="020B0503020204020204" charset="-122"/>
+              </a:rPr>
+              <a:t>第一原子层中</a:t>
+            </a:r>
+            <a:r>
+              <a:rPr lang="en-US" altLang="zh-CN" sz="2400" dirty="0">
+                <a:latin typeface="微软雅黑" panose="020B0503020204020204" charset="-122"/>
+                <a:ea typeface="微软雅黑" panose="020B0503020204020204" charset="-122"/>
+              </a:rPr>
+              <a:t>Mg</a:t>
+            </a:r>
+            <a:r>
+              <a:rPr lang="zh-CN" altLang="en-US" sz="2400" dirty="0">
+                <a:latin typeface="微软雅黑" panose="020B0503020204020204" charset="-122"/>
+                <a:ea typeface="微软雅黑" panose="020B0503020204020204" charset="-122"/>
+              </a:rPr>
+              <a:t>能产生的电量 </a:t>
+            </a:r>
+            <a:r>
+              <a:rPr lang="en-US" altLang="zh-CN" sz="2400" dirty="0" err="1">
+                <a:latin typeface="微软雅黑" panose="020B0503020204020204" charset="-122"/>
+                <a:ea typeface="微软雅黑" panose="020B0503020204020204" charset="-122"/>
+              </a:rPr>
+              <a:t>N</a:t>
+            </a:r>
+            <a:r>
+              <a:rPr lang="en-US" altLang="zh-CN" sz="2400" dirty="0" err="1">
+                <a:latin typeface="等线" panose="02010600030101010101" pitchFamily="2" charset="-122"/>
+                <a:ea typeface="等线" panose="02010600030101010101" pitchFamily="2" charset="-122"/>
+              </a:rPr>
+              <a:t>ⅹ</a:t>
+            </a:r>
+            <a:r>
+              <a:rPr lang="en-US" altLang="zh-CN" sz="2400" dirty="0" err="1">
+                <a:latin typeface="微软雅黑" panose="020B0503020204020204" charset="-122"/>
+                <a:ea typeface="微软雅黑" panose="020B0503020204020204" charset="-122"/>
+              </a:rPr>
+              <a:t>n</a:t>
+            </a:r>
+            <a:r>
+              <a:rPr lang="en-US" altLang="zh-CN" sz="2400" dirty="0" err="1">
+                <a:latin typeface="等线" panose="02010600030101010101" pitchFamily="2" charset="-122"/>
+                <a:ea typeface="等线" panose="02010600030101010101" pitchFamily="2" charset="-122"/>
+              </a:rPr>
+              <a:t>ⅹ</a:t>
+            </a:r>
+            <a:r>
+              <a:rPr lang="en-US" altLang="zh-CN" sz="2400" dirty="0" err="1">
+                <a:latin typeface="微软雅黑" panose="020B0503020204020204" charset="-122"/>
+                <a:ea typeface="微软雅黑" panose="020B0503020204020204" charset="-122"/>
+              </a:rPr>
+              <a:t>F</a:t>
+            </a:r>
+            <a:r>
+              <a:rPr lang="en-US" altLang="zh-CN" sz="2400" dirty="0">
+                <a:latin typeface="微软雅黑" panose="020B0503020204020204" charset="-122"/>
+                <a:ea typeface="微软雅黑" panose="020B0503020204020204" charset="-122"/>
+              </a:rPr>
+              <a:t>= 3.93</a:t>
+            </a:r>
+            <a:r>
+              <a:rPr lang="en-US" altLang="zh-CN" sz="2400" baseline="30000" dirty="0">
+                <a:latin typeface="微软雅黑" panose="020B0503020204020204" charset="-122"/>
+                <a:ea typeface="微软雅黑" panose="020B0503020204020204" charset="-122"/>
+              </a:rPr>
+              <a:t> </a:t>
+            </a:r>
+            <a:r>
+              <a:rPr lang="en-US" altLang="zh-CN" sz="2400" dirty="0">
+                <a:latin typeface="微软雅黑" panose="020B0503020204020204" charset="-122"/>
+                <a:ea typeface="微软雅黑" panose="020B0503020204020204" charset="-122"/>
+              </a:rPr>
+              <a:t>C</a:t>
+            </a:r>
+          </a:p>
+          <a:p>
+            <a:pPr>
+              <a:lnSpc>
+                <a:spcPct val="200000"/>
+              </a:lnSpc>
+            </a:pPr>
+            <a:r>
+              <a:rPr lang="zh-CN" altLang="en-US" sz="2400" dirty="0">
+                <a:latin typeface="微软雅黑" panose="020B0503020204020204" charset="-122"/>
+                <a:ea typeface="微软雅黑" panose="020B0503020204020204" charset="-122"/>
+              </a:rPr>
+              <a:t>一秒</a:t>
+            </a:r>
+            <a:r>
+              <a:rPr lang="en-US" altLang="zh-CN" sz="2400" dirty="0">
+                <a:latin typeface="微软雅黑" panose="020B0503020204020204" charset="-122"/>
+                <a:ea typeface="微软雅黑" panose="020B0503020204020204" charset="-122"/>
+              </a:rPr>
+              <a:t>Mg</a:t>
+            </a:r>
+            <a:r>
+              <a:rPr lang="zh-CN" altLang="en-US" sz="2400" dirty="0">
+                <a:latin typeface="微软雅黑" panose="020B0503020204020204" charset="-122"/>
+                <a:ea typeface="微软雅黑" panose="020B0503020204020204" charset="-122"/>
+              </a:rPr>
+              <a:t>能产生的电量</a:t>
+            </a:r>
+            <a:r>
+              <a:rPr lang="en-US" altLang="zh-CN" sz="2400" dirty="0">
+                <a:latin typeface="微软雅黑" panose="020B0503020204020204" charset="-122"/>
+                <a:ea typeface="微软雅黑" panose="020B0503020204020204" charset="-122"/>
+              </a:rPr>
+              <a:t> </a:t>
+            </a:r>
+            <a:r>
+              <a:rPr lang="en-US" altLang="zh-CN" sz="2400" dirty="0" err="1">
+                <a:latin typeface="微软雅黑" panose="020B0503020204020204" charset="-122"/>
+                <a:ea typeface="微软雅黑" panose="020B0503020204020204" charset="-122"/>
+              </a:rPr>
+              <a:t>i</a:t>
+            </a:r>
+            <a:r>
+              <a:rPr lang="en-US" altLang="zh-CN" sz="2400" baseline="-25000" dirty="0" err="1">
+                <a:latin typeface="微软雅黑" panose="020B0503020204020204" charset="-122"/>
+                <a:ea typeface="微软雅黑" panose="020B0503020204020204" charset="-122"/>
+              </a:rPr>
+              <a:t>Mg</a:t>
+            </a:r>
+            <a:r>
+              <a:rPr lang="en-US" altLang="zh-CN" sz="2400" dirty="0" err="1">
+                <a:latin typeface="等线" panose="02010600030101010101" pitchFamily="2" charset="-122"/>
+                <a:ea typeface="等线" panose="02010600030101010101" pitchFamily="2" charset="-122"/>
+              </a:rPr>
+              <a:t>ⅹ</a:t>
+            </a:r>
+            <a:r>
+              <a:rPr lang="en-US" altLang="zh-CN" sz="2400" dirty="0" err="1">
+                <a:latin typeface="微软雅黑" panose="020B0503020204020204" charset="-122"/>
+                <a:ea typeface="微软雅黑" panose="020B0503020204020204" charset="-122"/>
+              </a:rPr>
+              <a:t>A</a:t>
+            </a:r>
+            <a:r>
+              <a:rPr lang="en-US" altLang="zh-CN" sz="2400" dirty="0" err="1">
+                <a:latin typeface="等线" panose="02010600030101010101" pitchFamily="2" charset="-122"/>
+                <a:ea typeface="等线" panose="02010600030101010101" pitchFamily="2" charset="-122"/>
+              </a:rPr>
+              <a:t>ⅹ</a:t>
+            </a:r>
+            <a:r>
+              <a:rPr lang="en-US" altLang="zh-CN" sz="2400" dirty="0" err="1">
+                <a:latin typeface="微软雅黑" panose="020B0503020204020204" charset="-122"/>
+                <a:ea typeface="微软雅黑" panose="020B0503020204020204" charset="-122"/>
+              </a:rPr>
+              <a:t>t</a:t>
+            </a:r>
+            <a:r>
+              <a:rPr lang="en-US" altLang="zh-CN" sz="2400" dirty="0">
+                <a:latin typeface="微软雅黑" panose="020B0503020204020204" charset="-122"/>
+                <a:ea typeface="微软雅黑" panose="020B0503020204020204" charset="-122"/>
+              </a:rPr>
+              <a:t> = 3.81</a:t>
+            </a:r>
+            <a:r>
+              <a:rPr lang="en-US" altLang="zh-CN" sz="2400" dirty="0">
+                <a:latin typeface="等线" panose="02010600030101010101" pitchFamily="2" charset="-122"/>
+                <a:ea typeface="等线" panose="02010600030101010101" pitchFamily="2" charset="-122"/>
+              </a:rPr>
+              <a:t>ⅹ</a:t>
+            </a:r>
+            <a:r>
+              <a:rPr lang="en-US" altLang="zh-CN" sz="2400" dirty="0">
+                <a:latin typeface="微软雅黑" panose="020B0503020204020204" charset="-122"/>
+                <a:ea typeface="微软雅黑" panose="020B0503020204020204" charset="-122"/>
+              </a:rPr>
+              <a:t>10</a:t>
+            </a:r>
+            <a:r>
+              <a:rPr lang="en-US" altLang="zh-CN" sz="2400" baseline="30000" dirty="0">
+                <a:latin typeface="微软雅黑" panose="020B0503020204020204" charset="-122"/>
+                <a:ea typeface="微软雅黑" panose="020B0503020204020204" charset="-122"/>
+              </a:rPr>
+              <a:t>8 </a:t>
+            </a:r>
+            <a:r>
+              <a:rPr lang="en-US" altLang="zh-CN" sz="2400" dirty="0">
+                <a:latin typeface="微软雅黑" panose="020B0503020204020204" charset="-122"/>
+                <a:ea typeface="微软雅黑" panose="020B0503020204020204" charset="-122"/>
+              </a:rPr>
+              <a:t>C</a:t>
+            </a:r>
+          </a:p>
+          <a:p>
+            <a:pPr>
+              <a:lnSpc>
+                <a:spcPct val="200000"/>
+              </a:lnSpc>
+            </a:pPr>
+            <a:endParaRPr lang="en-US" altLang="zh-CN" sz="2400" dirty="0">
+              <a:latin typeface="微软雅黑" panose="020B0503020204020204" charset="-122"/>
+              <a:ea typeface="微软雅黑" panose="020B0503020204020204" charset="-122"/>
+            </a:endParaRPr>
+          </a:p>
+          <a:p>
+            <a:pPr>
+              <a:lnSpc>
+                <a:spcPct val="200000"/>
+              </a:lnSpc>
+            </a:pPr>
+            <a:r>
+              <a:rPr lang="en-US" altLang="zh-CN" sz="2400" dirty="0">
+                <a:latin typeface="微软雅黑" panose="020B0503020204020204" charset="-122"/>
+                <a:ea typeface="微软雅黑" panose="020B0503020204020204" charset="-122"/>
+              </a:rPr>
+              <a:t>1s</a:t>
+            </a:r>
+            <a:r>
+              <a:rPr lang="zh-CN" altLang="en-US" sz="2400" dirty="0">
+                <a:latin typeface="微软雅黑" panose="020B0503020204020204" charset="-122"/>
+                <a:ea typeface="微软雅黑" panose="020B0503020204020204" charset="-122"/>
+              </a:rPr>
+              <a:t>，</a:t>
+            </a:r>
+            <a:r>
+              <a:rPr lang="en-US" altLang="zh-CN" sz="2400" dirty="0">
+                <a:latin typeface="微软雅黑" panose="020B0503020204020204" charset="-122"/>
+                <a:ea typeface="微软雅黑" panose="020B0503020204020204" charset="-122"/>
+              </a:rPr>
+              <a:t> Mg</a:t>
+            </a:r>
+            <a:r>
+              <a:rPr lang="zh-CN" altLang="en-US" sz="2400" dirty="0">
+                <a:latin typeface="微软雅黑" panose="020B0503020204020204" charset="-122"/>
+                <a:ea typeface="微软雅黑" panose="020B0503020204020204" charset="-122"/>
+              </a:rPr>
+              <a:t>可以完全溶解</a:t>
+            </a:r>
+            <a:r>
+              <a:rPr lang="en-US" altLang="zh-CN" sz="2400" dirty="0">
+                <a:latin typeface="微软雅黑" panose="020B0503020204020204" charset="-122"/>
+                <a:ea typeface="微软雅黑" panose="020B0503020204020204" charset="-122"/>
+              </a:rPr>
+              <a:t>L</a:t>
+            </a:r>
+            <a:r>
+              <a:rPr lang="en-US" altLang="zh-CN" sz="2400" baseline="-25000" dirty="0">
+                <a:latin typeface="微软雅黑" panose="020B0503020204020204" charset="-122"/>
+                <a:ea typeface="微软雅黑" panose="020B0503020204020204" charset="-122"/>
+              </a:rPr>
+              <a:t>0</a:t>
+            </a:r>
+            <a:r>
+              <a:rPr lang="en-US" altLang="zh-CN" sz="2400" dirty="0">
+                <a:latin typeface="微软雅黑" panose="020B0503020204020204" charset="-122"/>
+                <a:ea typeface="微软雅黑" panose="020B0503020204020204" charset="-122"/>
+              </a:rPr>
+              <a:t>=</a:t>
+            </a:r>
+            <a:r>
+              <a:rPr lang="zh-CN" altLang="en-US" sz="2400" dirty="0">
+                <a:latin typeface="微软雅黑" panose="020B0503020204020204" charset="-122"/>
+                <a:ea typeface="微软雅黑" panose="020B0503020204020204" charset="-122"/>
+              </a:rPr>
+              <a:t> </a:t>
+            </a:r>
+            <a:r>
+              <a:rPr lang="en-US" altLang="zh-CN" sz="2400" dirty="0">
+                <a:latin typeface="微软雅黑" panose="020B0503020204020204" charset="-122"/>
+                <a:ea typeface="微软雅黑" panose="020B0503020204020204" charset="-122"/>
+              </a:rPr>
+              <a:t>9.7</a:t>
+            </a:r>
+            <a:r>
+              <a:rPr lang="en-US" altLang="zh-CN" sz="2400" dirty="0">
+                <a:latin typeface="等线" panose="02010600030101010101" pitchFamily="2" charset="-122"/>
+                <a:ea typeface="等线" panose="02010600030101010101" pitchFamily="2" charset="-122"/>
+              </a:rPr>
+              <a:t>ⅹ</a:t>
+            </a:r>
+            <a:r>
+              <a:rPr lang="en-US" altLang="zh-CN" sz="2400" dirty="0">
+                <a:latin typeface="微软雅黑" panose="020B0503020204020204" charset="-122"/>
+                <a:ea typeface="微软雅黑" panose="020B0503020204020204" charset="-122"/>
+              </a:rPr>
+              <a:t>10</a:t>
+            </a:r>
+            <a:r>
+              <a:rPr lang="en-US" altLang="zh-CN" sz="2400" baseline="30000" dirty="0">
+                <a:latin typeface="微软雅黑" panose="020B0503020204020204" charset="-122"/>
+                <a:ea typeface="微软雅黑" panose="020B0503020204020204" charset="-122"/>
+              </a:rPr>
+              <a:t>7</a:t>
+            </a:r>
+            <a:r>
+              <a:rPr lang="zh-CN" altLang="en-US" sz="2400" dirty="0">
+                <a:latin typeface="微软雅黑" panose="020B0503020204020204" charset="-122"/>
+                <a:ea typeface="微软雅黑" panose="020B0503020204020204" charset="-122"/>
+              </a:rPr>
+              <a:t>层</a:t>
+            </a:r>
+            <a:endParaRPr lang="en-US" altLang="zh-CN" sz="2400" dirty="0">
+              <a:latin typeface="微软雅黑" panose="020B0503020204020204" charset="-122"/>
+              <a:ea typeface="微软雅黑" panose="020B0503020204020204" charset="-122"/>
+            </a:endParaRPr>
+          </a:p>
+        </p:txBody>
+      </p:sp>
+      <mc:AlternateContent xmlns:mc="http://schemas.openxmlformats.org/markup-compatibility/2006">
+        <mc:Choice xmlns:a14="http://schemas.microsoft.com/office/drawing/2010/main" xmlns="" Requires="a14">
+          <p:sp>
+            <p:nvSpPr>
+              <p:cNvPr id="5" name="文本框 4"/>
+              <p:cNvSpPr txBox="1"/>
+              <p:nvPr/>
+            </p:nvSpPr>
+            <p:spPr>
+              <a:xfrm>
+                <a:off x="3016791" y="4898891"/>
+                <a:ext cx="4572000" cy="683777"/>
+              </a:xfrm>
+              <a:prstGeom prst="rect">
+                <a:avLst/>
+              </a:prstGeom>
+              <a:noFill/>
+            </p:spPr>
+            <p:txBody>
+              <a:bodyPr wrap="square">
+                <a:spAutoFit/>
+              </a:bodyPr>
+              <a:p>
+                <a14:m>
+                  <m:oMathPara xmlns:m="http://schemas.openxmlformats.org/officeDocument/2006/math">
+                    <m:oMathParaPr>
+                      <m:jc m:val="centerGroup"/>
+                    </m:oMathParaPr>
+                    <m:oMath xmlns:m="http://schemas.openxmlformats.org/officeDocument/2006/math">
+                      <m:sSub>
+                        <m:sSubPr>
+                          <m:ctrlPr>
+                            <a:rPr lang="zh-CN" altLang="en-US" sz="2000" i="1" smtClean="0">
+                              <a:solidFill>
+                                <a:srgbClr val="836967"/>
+                              </a:solidFill>
+                              <a:latin typeface="Cambria Math" panose="02040503050406030204" pitchFamily="18" charset="0"/>
+                            </a:rPr>
+                          </m:ctrlPr>
+                        </m:sSubPr>
+                        <m:e>
+                          <m:r>
+                            <a:rPr lang="zh-CN" altLang="en-US" sz="2000" i="1">
+                              <a:latin typeface="Cambria Math" panose="02040503050406030204" pitchFamily="18" charset="0"/>
+                            </a:rPr>
+                            <m:t>𝐿</m:t>
+                          </m:r>
+                        </m:e>
+                        <m:sub>
+                          <m:r>
+                            <a:rPr lang="zh-CN" altLang="en-US" sz="2000" i="0">
+                              <a:latin typeface="Cambria Math" panose="02040503050406030204" pitchFamily="18" charset="0"/>
+                            </a:rPr>
+                            <m:t>0</m:t>
+                          </m:r>
+                        </m:sub>
+                      </m:sSub>
+                      <m:r>
+                        <a:rPr lang="zh-CN" altLang="en-US" sz="2000" i="0">
+                          <a:latin typeface="Cambria Math" panose="02040503050406030204" pitchFamily="18" charset="0"/>
+                        </a:rPr>
+                        <m:t>=</m:t>
+                      </m:r>
+                      <m:f>
+                        <m:fPr>
+                          <m:ctrlPr>
+                            <a:rPr lang="zh-CN" altLang="en-US" sz="2000" i="1">
+                              <a:solidFill>
+                                <a:srgbClr val="836967"/>
+                              </a:solidFill>
+                              <a:latin typeface="Cambria Math" panose="02040503050406030204" pitchFamily="18" charset="0"/>
+                            </a:rPr>
+                          </m:ctrlPr>
+                        </m:fPr>
+                        <m:num>
+                          <m:sSub>
+                            <m:sSubPr>
+                              <m:ctrlPr>
+                                <a:rPr lang="zh-CN" altLang="en-US" sz="2000" i="1">
+                                  <a:solidFill>
+                                    <a:srgbClr val="836967"/>
+                                  </a:solidFill>
+                                  <a:latin typeface="Cambria Math" panose="02040503050406030204" pitchFamily="18" charset="0"/>
+                                </a:rPr>
+                              </m:ctrlPr>
+                            </m:sSubPr>
+                            <m:e>
+                              <m:r>
+                                <a:rPr lang="zh-CN" altLang="en-US" sz="2000" i="1">
+                                  <a:latin typeface="Cambria Math" panose="02040503050406030204" pitchFamily="18" charset="0"/>
+                                </a:rPr>
+                                <m:t>𝑖</m:t>
+                              </m:r>
+                            </m:e>
+                            <m:sub>
+                              <m:r>
+                                <m:rPr>
+                                  <m:sty m:val="p"/>
+                                </m:rPr>
+                                <a:rPr lang="en-US" altLang="zh-CN" sz="2000" b="0" i="0" smtClean="0">
+                                  <a:latin typeface="Cambria Math" panose="02040503050406030204" pitchFamily="18" charset="0"/>
+                                </a:rPr>
+                                <m:t>Mg</m:t>
+                              </m:r>
+                            </m:sub>
+                          </m:sSub>
+                          <m:r>
+                            <a:rPr lang="zh-CN" altLang="en-US" sz="2000" i="1">
+                              <a:latin typeface="Cambria Math" panose="02040503050406030204" pitchFamily="18" charset="0"/>
+                            </a:rPr>
+                            <m:t>𝐴𝑡</m:t>
+                          </m:r>
+                        </m:num>
+                        <m:den>
+                          <m:r>
+                            <a:rPr lang="zh-CN" altLang="en-US" sz="2000" i="1">
+                              <a:latin typeface="Cambria Math" panose="02040503050406030204" pitchFamily="18" charset="0"/>
+                            </a:rPr>
+                            <m:t>𝑁𝑛𝐹</m:t>
+                          </m:r>
+                        </m:den>
+                      </m:f>
+                    </m:oMath>
+                  </m:oMathPara>
+                </a14:m>
+                <a:endParaRPr lang="zh-CN" altLang="en-US" sz="2000" dirty="0">
+                  <a:latin typeface="Times New Roman" panose="02020603050405020304" pitchFamily="18" charset="0"/>
+                  <a:cs typeface="Times New Roman" panose="02020603050405020304" pitchFamily="18" charset="0"/>
+                </a:endParaRPr>
+              </a:p>
+            </p:txBody>
+          </p:sp>
+        </mc:Choice>
+        <mc:Fallback>
+          <p:sp>
+            <p:nvSpPr>
+              <p:cNvPr id="5" name="文本框 4"/>
+              <p:cNvSpPr txBox="1">
+                <a:spLocks noRot="1" noChangeAspect="1" noMove="1" noResize="1" noEditPoints="1" noAdjustHandles="1" noChangeArrowheads="1" noChangeShapeType="1" noTextEdit="1"/>
+              </p:cNvSpPr>
+              <p:nvPr/>
+            </p:nvSpPr>
+            <p:spPr>
+              <a:xfrm>
+                <a:off x="3016791" y="4898891"/>
+                <a:ext cx="4572000" cy="683777"/>
+              </a:xfrm>
+              <a:prstGeom prst="rect">
+                <a:avLst/>
+              </a:prstGeom>
+              <a:blipFill rotWithShape="1">
+                <a:blip r:embed="rId4"/>
+                <a:stretch>
+                  <a:fillRect l="-12" t="-73" r="12" b="56"/>
+                </a:stretch>
+              </a:blipFill>
+            </p:spPr>
+            <p:txBody>
+              <a:bodyPr/>
+              <a:lstStyle/>
+              <a:p>
+                <a:r>
+                  <a:rPr lang="zh-CN" altLang="en-US">
+                    <a:noFill/>
+                  </a:rPr>
+                  <a:t> </a:t>
+                </a:r>
+              </a:p>
+            </p:txBody>
+          </p:sp>
+        </mc:Fallback>
+      </mc:AlternateContent>
+    </p:spTree>
+  </p:cSld>
+  <p:clrMapOvr>
+    <a:masterClrMapping/>
+  </p:clrMapOvr>
+  <mc:AlternateContent xmlns:mc="http://schemas.openxmlformats.org/markup-compatibility/2006">
+    <mc:Choice xmlns:p14="http://schemas.microsoft.com/office/powerpoint/2010/main" xmlns="" Requires="p14">
+      <p:transition p14:dur="0" advTm="3000"/>
+    </mc:Choice>
+    <mc:Fallback>
+      <p:transition advTm="3000"/>
+    </mc:Fallback>
+  </mc:AlternateContent>
+</p:sld>
+</file>
+
+<file path=ppt/slides/slide13.xml><?xml version="1.0" encoding="utf-8"?>
+<p:sld xmlns:a="http://schemas.openxmlformats.org/drawingml/2006/main" xmlns:r="http://schemas.openxmlformats.org/officeDocument/2006/relationships" xmlns:p="http://schemas.openxmlformats.org/presentationml/2006/main">
+  <p:cSld>
+    <p:spTree>
+      <p:nvGrpSpPr>
+        <p:cNvPr id="1" name=""/>
+        <p:cNvGrpSpPr/>
+        <p:nvPr/>
+      </p:nvGrpSpPr>
+      <p:grpSpPr>
+        <a:xfrm>
+          <a:off x="0" y="0"/>
+          <a:ext cx="0" cy="0"/>
+          <a:chOff x="0" y="0"/>
+          <a:chExt cx="0" cy="0"/>
+        </a:xfrm>
+      </p:grpSpPr>
+      <p:sp>
+        <p:nvSpPr>
+          <p:cNvPr id="6" name="文本框 5"/>
+          <p:cNvSpPr txBox="1"/>
+          <p:nvPr/>
+        </p:nvSpPr>
+        <p:spPr>
+          <a:xfrm>
+            <a:off x="468551" y="188764"/>
+            <a:ext cx="3969991" cy="612775"/>
+          </a:xfrm>
+          <a:prstGeom prst="rect">
+            <a:avLst/>
+          </a:prstGeom>
+          <a:noFill/>
+        </p:spPr>
+        <p:txBody>
+          <a:bodyPr wrap="square" lIns="121917" tIns="60958" rIns="121917" bIns="60958" rtlCol="0">
+            <a:spAutoFit/>
+          </a:bodyPr>
+          <a:lstStyle/>
+          <a:p>
+            <a:r>
+              <a:rPr lang="en-US" altLang="zh-CN" sz="3200" b="1" dirty="0" smtClean="0">
+                <a:cs typeface="+mn-ea"/>
+                <a:sym typeface="+mn-lt"/>
+              </a:rPr>
+              <a:t>2.6 A3C</a:t>
+            </a:r>
+            <a:endParaRPr lang="zh-CN" altLang="en-US" sz="3200" b="1" dirty="0">
+              <a:cs typeface="+mn-ea"/>
+              <a:sym typeface="+mn-lt"/>
+            </a:endParaRPr>
+          </a:p>
+        </p:txBody>
+      </p:sp>
+      <p:sp>
+        <p:nvSpPr>
+          <p:cNvPr id="107" name="Text Placeholder 34"/>
+          <p:cNvSpPr txBox="1"/>
+          <p:nvPr/>
+        </p:nvSpPr>
+        <p:spPr>
+          <a:xfrm>
+            <a:off x="334010" y="957580"/>
+            <a:ext cx="11328400" cy="1064895"/>
+          </a:xfrm>
+          <a:prstGeom prst="rect">
+            <a:avLst/>
+          </a:prstGeom>
+        </p:spPr>
+        <p:txBody>
+          <a:bodyPr lIns="91438" tIns="45719" rIns="91438" bIns="45719">
+            <a:noAutofit/>
+          </a:bodyPr>
+          <a:lstStyle>
+            <a:lvl1pPr marL="0" indent="0" algn="l" defTabSz="914400" rtl="0" eaLnBrk="1" latinLnBrk="0" hangingPunct="1">
+              <a:lnSpc>
+                <a:spcPct val="90000"/>
+              </a:lnSpc>
+              <a:spcBef>
+                <a:spcPts val="1000"/>
+              </a:spcBef>
+              <a:buFontTx/>
+              <a:buNone/>
+              <a:defRPr sz="1600" kern="1200">
+                <a:solidFill>
+                  <a:schemeClr val="tx1"/>
+                </a:solidFill>
+                <a:latin typeface="+mn-lt"/>
+                <a:ea typeface="+mn-ea"/>
+                <a:cs typeface="+mn-cs"/>
+              </a:defRPr>
+            </a:lvl1pPr>
+            <a:lvl2pPr marL="457200" indent="0" algn="l" defTabSz="914400" rtl="0" eaLnBrk="1" latinLnBrk="0" hangingPunct="1">
+              <a:lnSpc>
+                <a:spcPct val="90000"/>
+              </a:lnSpc>
+              <a:spcBef>
+                <a:spcPts val="500"/>
+              </a:spcBef>
+              <a:buFontTx/>
+              <a:buNone/>
+              <a:defRPr sz="1400" kern="1200">
+                <a:solidFill>
+                  <a:schemeClr val="tx1"/>
+                </a:solidFill>
+                <a:latin typeface="+mn-lt"/>
+                <a:ea typeface="+mn-ea"/>
+                <a:cs typeface="+mn-cs"/>
+              </a:defRPr>
+            </a:lvl2pPr>
+            <a:lvl3pPr marL="914400" indent="0" algn="l" defTabSz="914400" rtl="0" eaLnBrk="1" latinLnBrk="0" hangingPunct="1">
+              <a:lnSpc>
+                <a:spcPct val="90000"/>
+              </a:lnSpc>
+              <a:spcBef>
+                <a:spcPts val="500"/>
+              </a:spcBef>
+              <a:buFontTx/>
+              <a:buNone/>
+              <a:defRPr sz="1200" kern="1200">
+                <a:solidFill>
+                  <a:schemeClr val="tx1"/>
+                </a:solidFill>
+                <a:latin typeface="+mn-lt"/>
+                <a:ea typeface="+mn-ea"/>
+                <a:cs typeface="+mn-cs"/>
+              </a:defRPr>
+            </a:lvl3pPr>
+            <a:lvl4pPr marL="1371600" indent="0" algn="l" defTabSz="914400" rtl="0" eaLnBrk="1" latinLnBrk="0" hangingPunct="1">
+              <a:lnSpc>
+                <a:spcPct val="90000"/>
+              </a:lnSpc>
+              <a:spcBef>
+                <a:spcPts val="500"/>
+              </a:spcBef>
+              <a:buFontTx/>
+              <a:buNone/>
+              <a:defRPr sz="1100" kern="1200">
+                <a:solidFill>
+                  <a:schemeClr val="tx1"/>
+                </a:solidFill>
+                <a:latin typeface="+mn-lt"/>
+                <a:ea typeface="+mn-ea"/>
+                <a:cs typeface="+mn-cs"/>
+              </a:defRPr>
+            </a:lvl4pPr>
+            <a:lvl5pPr marL="1828800" indent="0" algn="l" defTabSz="914400" rtl="0" eaLnBrk="1" latinLnBrk="0" hangingPunct="1">
+              <a:lnSpc>
+                <a:spcPct val="90000"/>
+              </a:lnSpc>
+              <a:spcBef>
+                <a:spcPts val="500"/>
+              </a:spcBef>
+              <a:buFontTx/>
+              <a:buNone/>
+              <a:defRPr sz="1100" kern="1200">
+                <a:solidFill>
+                  <a:schemeClr val="tx1"/>
+                </a:solidFill>
+                <a:latin typeface="+mn-lt"/>
+                <a:ea typeface="+mn-ea"/>
+                <a:cs typeface="+mn-cs"/>
+              </a:defRPr>
+            </a:lvl5pPr>
+            <a:lvl6pPr marL="2514600" indent="-228600" algn="l" defTabSz="914400" rtl="0" eaLnBrk="1" latinLnBrk="0" hangingPunct="1">
+              <a:lnSpc>
+                <a:spcPct val="90000"/>
+              </a:lnSpc>
+              <a:spcBef>
+                <a:spcPts val="500"/>
+              </a:spcBef>
+              <a:buFont typeface="Arial" panose="020B0604020202020204" pitchFamily="34" charset="0"/>
+              <a:buChar char="•"/>
+              <a:defRPr sz="1800" kern="1200">
+                <a:solidFill>
+                  <a:schemeClr val="tx1"/>
+                </a:solidFill>
+                <a:latin typeface="+mn-lt"/>
+                <a:ea typeface="+mn-ea"/>
+                <a:cs typeface="+mn-cs"/>
+              </a:defRPr>
+            </a:lvl6pPr>
+            <a:lvl7pPr marL="2971800" indent="-228600" algn="l" defTabSz="914400" rtl="0" eaLnBrk="1" latinLnBrk="0" hangingPunct="1">
+              <a:lnSpc>
+                <a:spcPct val="90000"/>
+              </a:lnSpc>
+              <a:spcBef>
+                <a:spcPts val="500"/>
+              </a:spcBef>
+              <a:buFont typeface="Arial" panose="020B0604020202020204" pitchFamily="34" charset="0"/>
+              <a:buChar char="•"/>
+              <a:defRPr sz="1800" kern="1200">
+                <a:solidFill>
+                  <a:schemeClr val="tx1"/>
+                </a:solidFill>
+                <a:latin typeface="+mn-lt"/>
+                <a:ea typeface="+mn-ea"/>
+                <a:cs typeface="+mn-cs"/>
+              </a:defRPr>
+            </a:lvl7pPr>
+            <a:lvl8pPr marL="3429000" indent="-228600" algn="l" defTabSz="914400" rtl="0" eaLnBrk="1" latinLnBrk="0" hangingPunct="1">
+              <a:lnSpc>
+                <a:spcPct val="90000"/>
+              </a:lnSpc>
+              <a:spcBef>
+                <a:spcPts val="500"/>
+              </a:spcBef>
+              <a:buFont typeface="Arial" panose="020B0604020202020204" pitchFamily="34" charset="0"/>
+              <a:buChar char="•"/>
+              <a:defRPr sz="1800" kern="1200">
+                <a:solidFill>
+                  <a:schemeClr val="tx1"/>
+                </a:solidFill>
+                <a:latin typeface="+mn-lt"/>
+                <a:ea typeface="+mn-ea"/>
+                <a:cs typeface="+mn-cs"/>
+              </a:defRPr>
+            </a:lvl8pPr>
+            <a:lvl9pPr marL="3886200" indent="-228600" algn="l" defTabSz="914400" rtl="0" eaLnBrk="1" latinLnBrk="0" hangingPunct="1">
+              <a:lnSpc>
+                <a:spcPct val="90000"/>
+              </a:lnSpc>
+              <a:spcBef>
+                <a:spcPts val="500"/>
+              </a:spcBef>
+              <a:buFont typeface="Arial" panose="020B0604020202020204" pitchFamily="34" charset="0"/>
+              <a:buChar char="•"/>
+              <a:defRPr sz="1800" kern="1200">
+                <a:solidFill>
+                  <a:schemeClr val="tx1"/>
+                </a:solidFill>
+                <a:latin typeface="+mn-lt"/>
+                <a:ea typeface="+mn-ea"/>
+                <a:cs typeface="+mn-cs"/>
+              </a:defRPr>
+            </a:lvl9pPr>
+          </a:lstStyle>
+          <a:p>
+            <a:pPr>
+              <a:lnSpc>
+                <a:spcPct val="120000"/>
+              </a:lnSpc>
+              <a:buClr>
+                <a:schemeClr val="accent1"/>
+              </a:buClr>
+            </a:pPr>
+            <a:r>
+              <a:rPr lang="zh-CN" altLang="en-US" sz="2100" b="1" dirty="0">
+                <a:cs typeface="+mn-ea"/>
+                <a:sym typeface="+mn-lt"/>
+              </a:rPr>
+              <a:t>        针对存在的不同的金属，它们在溶液中溶解快慢不一，产生了溶解的层数差，对于本实验的</a:t>
+            </a:r>
+            <a:r>
+              <a:rPr lang="en-US" altLang="zh-CN" sz="2100" b="1" dirty="0">
+                <a:cs typeface="+mn-ea"/>
+                <a:sym typeface="+mn-lt"/>
+              </a:rPr>
+              <a:t>Mg-Gd-Nd-Ln</a:t>
+            </a:r>
+            <a:endParaRPr lang="en-US" altLang="zh-CN" b="1" dirty="0">
+              <a:sym typeface="+mn-lt"/>
+            </a:endParaRPr>
+          </a:p>
+        </p:txBody>
+      </p:sp>
+      <p:pic>
+        <p:nvPicPr>
+          <p:cNvPr id="16" name="图片 15"/>
+          <p:cNvPicPr>
+            <a:picLocks noChangeAspect="1"/>
+          </p:cNvPicPr>
+          <p:nvPr/>
+        </p:nvPicPr>
+        <p:blipFill>
+          <a:blip r:embed="rId3" cstate="print">
+            <a:extLst>
+              <a:ext uri="{28A0092B-C50C-407E-A947-70E740481C1C}">
+                <a14:useLocalDpi xmlns:a14="http://schemas.microsoft.com/office/drawing/2010/main" xmlns="" val="0"/>
+              </a:ext>
+            </a:extLst>
+          </a:blip>
+          <a:stretch>
+            <a:fillRect/>
+          </a:stretch>
+        </p:blipFill>
+        <p:spPr>
+          <a:xfrm>
+            <a:off x="10235985" y="93024"/>
+            <a:ext cx="1956015" cy="655627"/>
+          </a:xfrm>
+          <a:prstGeom prst="rect">
+            <a:avLst/>
+          </a:prstGeom>
+        </p:spPr>
+      </p:pic>
+      <p:sp>
+        <p:nvSpPr>
+          <p:cNvPr id="4" name="矩形 3"/>
+          <p:cNvSpPr/>
+          <p:nvPr/>
+        </p:nvSpPr>
+        <p:spPr>
+          <a:xfrm flipV="1">
+            <a:off x="-21773" y="6707968"/>
+            <a:ext cx="12213772" cy="188760"/>
+          </a:xfrm>
+          <a:prstGeom prst="rect">
+            <a:avLst/>
+          </a:prstGeom>
+          <a:solidFill>
+            <a:schemeClr val="accent5"/>
+          </a:solidFill>
+          <a:ln w="28575">
+            <a:noFill/>
+          </a:ln>
+          <a:effectLst>
+            <a:outerShdw blurRad="698500" dist="190500" dir="8100000" algn="tr" rotWithShape="0">
+              <a:prstClr val="black">
+                <a:alpha val="30000"/>
+              </a:prstClr>
+            </a:outerShdw>
+          </a:effectLst>
+        </p:spPr>
+        <p:style>
+          <a:lnRef idx="2">
+            <a:schemeClr val="accent1">
+              <a:shade val="50000"/>
+            </a:schemeClr>
+          </a:lnRef>
+          <a:fillRef idx="1">
+            <a:schemeClr val="accent1"/>
+          </a:fillRef>
+          <a:effectRef idx="0">
+            <a:schemeClr val="accent1"/>
+          </a:effectRef>
+          <a:fontRef idx="minor">
+            <a:schemeClr val="lt1"/>
+          </a:fontRef>
+        </p:style>
+        <p:txBody>
+          <a:bodyPr lIns="121917" tIns="60958" rIns="121917" bIns="60958" rtlCol="0" anchor="ctr"/>
+          <a:lstStyle/>
+          <a:p>
+            <a:pPr algn="ctr"/>
+            <a:endParaRPr lang="zh-CN" altLang="en-US">
+              <a:solidFill>
+                <a:schemeClr val="tx1"/>
+              </a:solidFill>
+            </a:endParaRPr>
+          </a:p>
+        </p:txBody>
+      </p:sp>
+      <p:sp>
+        <p:nvSpPr>
+          <p:cNvPr id="14" name="菱形 13"/>
+          <p:cNvSpPr/>
+          <p:nvPr/>
+        </p:nvSpPr>
+        <p:spPr>
+          <a:xfrm>
+            <a:off x="-313507" y="181525"/>
+            <a:ext cx="583473" cy="591048"/>
+          </a:xfrm>
+          <a:prstGeom prst="diamond">
+            <a:avLst/>
+          </a:prstGeom>
+          <a:solidFill>
+            <a:schemeClr val="accent1"/>
+          </a:solidFill>
+          <a:ln w="28575">
+            <a:noFill/>
+          </a:ln>
+          <a:effectLst>
+            <a:outerShdw blurRad="698500" dist="190500" dir="8100000" algn="tr" rotWithShape="0">
+              <a:prstClr val="black">
+                <a:alpha val="30000"/>
+              </a:prstClr>
+            </a:outerShdw>
+          </a:effectLst>
+        </p:spPr>
+        <p:style>
+          <a:lnRef idx="2">
+            <a:schemeClr val="accent1">
+              <a:shade val="50000"/>
+            </a:schemeClr>
+          </a:lnRef>
+          <a:fillRef idx="1">
+            <a:schemeClr val="accent1"/>
+          </a:fillRef>
+          <a:effectRef idx="0">
+            <a:schemeClr val="accent1"/>
+          </a:effectRef>
+          <a:fontRef idx="minor">
+            <a:schemeClr val="lt1"/>
+          </a:fontRef>
+        </p:style>
+        <p:txBody>
+          <a:bodyPr lIns="121917" tIns="60958" rIns="121917" bIns="60958" rtlCol="0" anchor="ctr"/>
+          <a:lstStyle/>
+          <a:p>
+            <a:pPr algn="ctr"/>
+            <a:endParaRPr lang="zh-CN" altLang="en-US">
+              <a:solidFill>
+                <a:schemeClr val="tx1"/>
+              </a:solidFill>
+            </a:endParaRPr>
+          </a:p>
+        </p:txBody>
+      </p:sp>
+      <p:sp>
+        <p:nvSpPr>
+          <p:cNvPr id="15" name="菱形 14"/>
+          <p:cNvSpPr/>
+          <p:nvPr/>
+        </p:nvSpPr>
+        <p:spPr>
+          <a:xfrm>
+            <a:off x="-157791" y="205311"/>
+            <a:ext cx="583473" cy="591048"/>
+          </a:xfrm>
+          <a:prstGeom prst="diamond">
+            <a:avLst/>
+          </a:prstGeom>
+          <a:solidFill>
+            <a:schemeClr val="tx1"/>
+          </a:solidFill>
+          <a:ln w="28575">
+            <a:noFill/>
+          </a:ln>
+          <a:effectLst>
+            <a:outerShdw blurRad="698500" dist="190500" dir="8100000" algn="tr" rotWithShape="0">
+              <a:prstClr val="black">
+                <a:alpha val="30000"/>
+              </a:prstClr>
+            </a:outerShdw>
+          </a:effectLst>
+        </p:spPr>
+        <p:style>
+          <a:lnRef idx="2">
+            <a:schemeClr val="accent1">
+              <a:shade val="50000"/>
+            </a:schemeClr>
+          </a:lnRef>
+          <a:fillRef idx="1">
+            <a:schemeClr val="accent1"/>
+          </a:fillRef>
+          <a:effectRef idx="0">
+            <a:schemeClr val="accent1"/>
+          </a:effectRef>
+          <a:fontRef idx="minor">
+            <a:schemeClr val="lt1"/>
+          </a:fontRef>
+        </p:style>
+        <p:txBody>
+          <a:bodyPr lIns="121917" tIns="60958" rIns="121917" bIns="60958" rtlCol="0" anchor="ctr"/>
+          <a:lstStyle/>
+          <a:p>
+            <a:pPr algn="ctr"/>
+            <a:endParaRPr lang="zh-CN" altLang="en-US">
+              <a:solidFill>
+                <a:schemeClr val="tx1"/>
+              </a:solidFill>
+            </a:endParaRPr>
+          </a:p>
+        </p:txBody>
+      </p:sp>
+      <p:sp>
+        <p:nvSpPr>
+          <p:cNvPr id="3" name="文本框 2"/>
+          <p:cNvSpPr txBox="1"/>
+          <p:nvPr/>
+        </p:nvSpPr>
+        <p:spPr>
+          <a:xfrm>
+            <a:off x="2352854" y="2425933"/>
+            <a:ext cx="7848872" cy="3784600"/>
+          </a:xfrm>
+          <a:prstGeom prst="rect">
+            <a:avLst/>
+          </a:prstGeom>
+          <a:noFill/>
+        </p:spPr>
+        <p:txBody>
+          <a:bodyPr wrap="square" rtlCol="0">
+            <a:spAutoFit/>
+          </a:bodyPr>
+          <a:lstStyle/>
+          <a:p>
+            <a:pPr>
+              <a:lnSpc>
+                <a:spcPct val="200000"/>
+              </a:lnSpc>
+            </a:pPr>
+            <a:r>
+              <a:rPr lang="zh-CN" altLang="en-US" sz="2400" dirty="0">
+                <a:latin typeface="微软雅黑" panose="020B0503020204020204" charset="-122"/>
+                <a:ea typeface="微软雅黑" panose="020B0503020204020204" charset="-122"/>
+              </a:rPr>
+              <a:t>第一原子层中</a:t>
+            </a:r>
+            <a:r>
+              <a:rPr lang="en-US" altLang="zh-CN" sz="2400" dirty="0">
+                <a:latin typeface="微软雅黑" panose="020B0503020204020204" charset="-122"/>
+                <a:ea typeface="微软雅黑" panose="020B0503020204020204" charset="-122"/>
+              </a:rPr>
+              <a:t>Mg</a:t>
+            </a:r>
+            <a:r>
+              <a:rPr lang="zh-CN" altLang="en-US" sz="2400" dirty="0">
+                <a:latin typeface="微软雅黑" panose="020B0503020204020204" charset="-122"/>
+                <a:ea typeface="微软雅黑" panose="020B0503020204020204" charset="-122"/>
+              </a:rPr>
+              <a:t>的物质的量 </a:t>
+            </a:r>
+            <a:r>
+              <a:rPr lang="en-US" altLang="zh-CN" sz="2400" dirty="0">
+                <a:latin typeface="微软雅黑" panose="020B0503020204020204" charset="-122"/>
+                <a:ea typeface="微软雅黑" panose="020B0503020204020204" charset="-122"/>
+              </a:rPr>
+              <a:t>N=2.04</a:t>
+            </a:r>
+            <a:r>
+              <a:rPr lang="en-US" altLang="zh-CN" sz="2400" dirty="0">
+                <a:latin typeface="等线" panose="02010600030101010101" pitchFamily="2" charset="-122"/>
+                <a:ea typeface="等线" panose="02010600030101010101" pitchFamily="2" charset="-122"/>
+              </a:rPr>
+              <a:t>ⅹ</a:t>
+            </a:r>
+            <a:r>
+              <a:rPr lang="en-US" altLang="zh-CN" sz="2400" dirty="0">
+                <a:latin typeface="微软雅黑" panose="020B0503020204020204" charset="-122"/>
+                <a:ea typeface="微软雅黑" panose="020B0503020204020204" charset="-122"/>
+              </a:rPr>
+              <a:t>10</a:t>
+            </a:r>
+            <a:r>
+              <a:rPr lang="en-US" altLang="zh-CN" sz="2400" baseline="30000" dirty="0">
+                <a:latin typeface="微软雅黑" panose="020B0503020204020204" charset="-122"/>
+                <a:ea typeface="微软雅黑" panose="020B0503020204020204" charset="-122"/>
+              </a:rPr>
+              <a:t>-5 </a:t>
+            </a:r>
+            <a:r>
+              <a:rPr lang="en-US" altLang="zh-CN" sz="2400" dirty="0">
+                <a:latin typeface="微软雅黑" panose="020B0503020204020204" charset="-122"/>
+                <a:ea typeface="微软雅黑" panose="020B0503020204020204" charset="-122"/>
+              </a:rPr>
+              <a:t>mol</a:t>
+            </a:r>
+          </a:p>
+          <a:p>
+            <a:pPr>
+              <a:lnSpc>
+                <a:spcPct val="200000"/>
+              </a:lnSpc>
+            </a:pPr>
+            <a:r>
+              <a:rPr lang="zh-CN" altLang="en-US" sz="2400" dirty="0">
+                <a:latin typeface="微软雅黑" panose="020B0503020204020204" charset="-122"/>
+                <a:ea typeface="微软雅黑" panose="020B0503020204020204" charset="-122"/>
+              </a:rPr>
+              <a:t>第一原子层中</a:t>
+            </a:r>
+            <a:r>
+              <a:rPr lang="en-US" altLang="zh-CN" sz="2400" dirty="0">
+                <a:latin typeface="微软雅黑" panose="020B0503020204020204" charset="-122"/>
+                <a:ea typeface="微软雅黑" panose="020B0503020204020204" charset="-122"/>
+              </a:rPr>
+              <a:t>Mg</a:t>
+            </a:r>
+            <a:r>
+              <a:rPr lang="zh-CN" altLang="en-US" sz="2400" dirty="0">
+                <a:latin typeface="微软雅黑" panose="020B0503020204020204" charset="-122"/>
+                <a:ea typeface="微软雅黑" panose="020B0503020204020204" charset="-122"/>
+              </a:rPr>
+              <a:t>能产生的电量 </a:t>
+            </a:r>
+            <a:r>
+              <a:rPr lang="en-US" altLang="zh-CN" sz="2400" dirty="0" err="1">
+                <a:latin typeface="微软雅黑" panose="020B0503020204020204" charset="-122"/>
+                <a:ea typeface="微软雅黑" panose="020B0503020204020204" charset="-122"/>
+              </a:rPr>
+              <a:t>N</a:t>
+            </a:r>
+            <a:r>
+              <a:rPr lang="en-US" altLang="zh-CN" sz="2400" dirty="0" err="1">
+                <a:latin typeface="等线" panose="02010600030101010101" pitchFamily="2" charset="-122"/>
+                <a:ea typeface="等线" panose="02010600030101010101" pitchFamily="2" charset="-122"/>
+              </a:rPr>
+              <a:t>ⅹ</a:t>
+            </a:r>
+            <a:r>
+              <a:rPr lang="en-US" altLang="zh-CN" sz="2400" dirty="0" err="1">
+                <a:latin typeface="微软雅黑" panose="020B0503020204020204" charset="-122"/>
+                <a:ea typeface="微软雅黑" panose="020B0503020204020204" charset="-122"/>
+              </a:rPr>
+              <a:t>n</a:t>
+            </a:r>
+            <a:r>
+              <a:rPr lang="en-US" altLang="zh-CN" sz="2400" dirty="0" err="1">
+                <a:latin typeface="等线" panose="02010600030101010101" pitchFamily="2" charset="-122"/>
+                <a:ea typeface="等线" panose="02010600030101010101" pitchFamily="2" charset="-122"/>
+              </a:rPr>
+              <a:t>ⅹ</a:t>
+            </a:r>
+            <a:r>
+              <a:rPr lang="en-US" altLang="zh-CN" sz="2400" dirty="0" err="1">
+                <a:latin typeface="微软雅黑" panose="020B0503020204020204" charset="-122"/>
+                <a:ea typeface="微软雅黑" panose="020B0503020204020204" charset="-122"/>
+              </a:rPr>
+              <a:t>F</a:t>
+            </a:r>
+            <a:r>
+              <a:rPr lang="en-US" altLang="zh-CN" sz="2400" dirty="0">
+                <a:latin typeface="微软雅黑" panose="020B0503020204020204" charset="-122"/>
+                <a:ea typeface="微软雅黑" panose="020B0503020204020204" charset="-122"/>
+              </a:rPr>
+              <a:t>= 3.93</a:t>
+            </a:r>
+            <a:r>
+              <a:rPr lang="en-US" altLang="zh-CN" sz="2400" baseline="30000" dirty="0">
+                <a:latin typeface="微软雅黑" panose="020B0503020204020204" charset="-122"/>
+                <a:ea typeface="微软雅黑" panose="020B0503020204020204" charset="-122"/>
+              </a:rPr>
+              <a:t> </a:t>
+            </a:r>
+            <a:r>
+              <a:rPr lang="en-US" altLang="zh-CN" sz="2400" dirty="0">
+                <a:latin typeface="微软雅黑" panose="020B0503020204020204" charset="-122"/>
+                <a:ea typeface="微软雅黑" panose="020B0503020204020204" charset="-122"/>
+              </a:rPr>
+              <a:t>C</a:t>
+            </a:r>
+          </a:p>
+          <a:p>
+            <a:pPr>
+              <a:lnSpc>
+                <a:spcPct val="200000"/>
+              </a:lnSpc>
+            </a:pPr>
+            <a:r>
+              <a:rPr lang="zh-CN" altLang="en-US" sz="2400" dirty="0">
+                <a:latin typeface="微软雅黑" panose="020B0503020204020204" charset="-122"/>
+                <a:ea typeface="微软雅黑" panose="020B0503020204020204" charset="-122"/>
+              </a:rPr>
+              <a:t>一秒</a:t>
+            </a:r>
+            <a:r>
+              <a:rPr lang="en-US" altLang="zh-CN" sz="2400" dirty="0">
+                <a:latin typeface="微软雅黑" panose="020B0503020204020204" charset="-122"/>
+                <a:ea typeface="微软雅黑" panose="020B0503020204020204" charset="-122"/>
+              </a:rPr>
+              <a:t>Mg</a:t>
+            </a:r>
+            <a:r>
+              <a:rPr lang="zh-CN" altLang="en-US" sz="2400" dirty="0">
+                <a:latin typeface="微软雅黑" panose="020B0503020204020204" charset="-122"/>
+                <a:ea typeface="微软雅黑" panose="020B0503020204020204" charset="-122"/>
+              </a:rPr>
+              <a:t>能产生的电量</a:t>
+            </a:r>
+            <a:r>
+              <a:rPr lang="en-US" altLang="zh-CN" sz="2400" dirty="0">
+                <a:latin typeface="微软雅黑" panose="020B0503020204020204" charset="-122"/>
+                <a:ea typeface="微软雅黑" panose="020B0503020204020204" charset="-122"/>
+              </a:rPr>
+              <a:t> </a:t>
+            </a:r>
+            <a:r>
+              <a:rPr lang="en-US" altLang="zh-CN" sz="2400" dirty="0" err="1">
+                <a:latin typeface="微软雅黑" panose="020B0503020204020204" charset="-122"/>
+                <a:ea typeface="微软雅黑" panose="020B0503020204020204" charset="-122"/>
+              </a:rPr>
+              <a:t>i</a:t>
+            </a:r>
+            <a:r>
+              <a:rPr lang="en-US" altLang="zh-CN" sz="2400" baseline="-25000" dirty="0" err="1">
+                <a:latin typeface="微软雅黑" panose="020B0503020204020204" charset="-122"/>
+                <a:ea typeface="微软雅黑" panose="020B0503020204020204" charset="-122"/>
+              </a:rPr>
+              <a:t>Mg</a:t>
+            </a:r>
+            <a:r>
+              <a:rPr lang="en-US" altLang="zh-CN" sz="2400" dirty="0" err="1">
+                <a:latin typeface="等线" panose="02010600030101010101" pitchFamily="2" charset="-122"/>
+                <a:ea typeface="等线" panose="02010600030101010101" pitchFamily="2" charset="-122"/>
+              </a:rPr>
+              <a:t>ⅹ</a:t>
+            </a:r>
+            <a:r>
+              <a:rPr lang="en-US" altLang="zh-CN" sz="2400" dirty="0" err="1">
+                <a:latin typeface="微软雅黑" panose="020B0503020204020204" charset="-122"/>
+                <a:ea typeface="微软雅黑" panose="020B0503020204020204" charset="-122"/>
+              </a:rPr>
+              <a:t>A</a:t>
+            </a:r>
+            <a:r>
+              <a:rPr lang="en-US" altLang="zh-CN" sz="2400" dirty="0" err="1">
+                <a:latin typeface="等线" panose="02010600030101010101" pitchFamily="2" charset="-122"/>
+                <a:ea typeface="等线" panose="02010600030101010101" pitchFamily="2" charset="-122"/>
+              </a:rPr>
+              <a:t>ⅹ</a:t>
+            </a:r>
+            <a:r>
+              <a:rPr lang="en-US" altLang="zh-CN" sz="2400" dirty="0" err="1">
+                <a:latin typeface="微软雅黑" panose="020B0503020204020204" charset="-122"/>
+                <a:ea typeface="微软雅黑" panose="020B0503020204020204" charset="-122"/>
+              </a:rPr>
+              <a:t>t</a:t>
+            </a:r>
+            <a:r>
+              <a:rPr lang="en-US" altLang="zh-CN" sz="2400" dirty="0">
+                <a:latin typeface="微软雅黑" panose="020B0503020204020204" charset="-122"/>
+                <a:ea typeface="微软雅黑" panose="020B0503020204020204" charset="-122"/>
+              </a:rPr>
+              <a:t> = 3.81</a:t>
+            </a:r>
+            <a:r>
+              <a:rPr lang="en-US" altLang="zh-CN" sz="2400" dirty="0">
+                <a:latin typeface="等线" panose="02010600030101010101" pitchFamily="2" charset="-122"/>
+                <a:ea typeface="等线" panose="02010600030101010101" pitchFamily="2" charset="-122"/>
+              </a:rPr>
+              <a:t>ⅹ</a:t>
+            </a:r>
+            <a:r>
+              <a:rPr lang="en-US" altLang="zh-CN" sz="2400" dirty="0">
+                <a:latin typeface="微软雅黑" panose="020B0503020204020204" charset="-122"/>
+                <a:ea typeface="微软雅黑" panose="020B0503020204020204" charset="-122"/>
+              </a:rPr>
+              <a:t>10</a:t>
+            </a:r>
+            <a:r>
+              <a:rPr lang="en-US" altLang="zh-CN" sz="2400" baseline="30000" dirty="0">
+                <a:latin typeface="微软雅黑" panose="020B0503020204020204" charset="-122"/>
+                <a:ea typeface="微软雅黑" panose="020B0503020204020204" charset="-122"/>
+              </a:rPr>
+              <a:t>8 </a:t>
+            </a:r>
+            <a:r>
+              <a:rPr lang="en-US" altLang="zh-CN" sz="2400" dirty="0">
+                <a:latin typeface="微软雅黑" panose="020B0503020204020204" charset="-122"/>
+                <a:ea typeface="微软雅黑" panose="020B0503020204020204" charset="-122"/>
+              </a:rPr>
+              <a:t>C</a:t>
+            </a:r>
+          </a:p>
+          <a:p>
+            <a:pPr>
+              <a:lnSpc>
+                <a:spcPct val="200000"/>
+              </a:lnSpc>
+            </a:pPr>
+            <a:endParaRPr lang="en-US" altLang="zh-CN" sz="2400" dirty="0">
+              <a:latin typeface="微软雅黑" panose="020B0503020204020204" charset="-122"/>
+              <a:ea typeface="微软雅黑" panose="020B0503020204020204" charset="-122"/>
+            </a:endParaRPr>
+          </a:p>
+          <a:p>
+            <a:pPr>
+              <a:lnSpc>
+                <a:spcPct val="200000"/>
+              </a:lnSpc>
+            </a:pPr>
+            <a:r>
+              <a:rPr lang="en-US" altLang="zh-CN" sz="2400" dirty="0">
+                <a:latin typeface="微软雅黑" panose="020B0503020204020204" charset="-122"/>
+                <a:ea typeface="微软雅黑" panose="020B0503020204020204" charset="-122"/>
+              </a:rPr>
+              <a:t>1s</a:t>
+            </a:r>
+            <a:r>
+              <a:rPr lang="zh-CN" altLang="en-US" sz="2400" dirty="0">
+                <a:latin typeface="微软雅黑" panose="020B0503020204020204" charset="-122"/>
+                <a:ea typeface="微软雅黑" panose="020B0503020204020204" charset="-122"/>
+              </a:rPr>
+              <a:t>，</a:t>
+            </a:r>
+            <a:r>
+              <a:rPr lang="en-US" altLang="zh-CN" sz="2400" dirty="0">
+                <a:latin typeface="微软雅黑" panose="020B0503020204020204" charset="-122"/>
+                <a:ea typeface="微软雅黑" panose="020B0503020204020204" charset="-122"/>
+              </a:rPr>
+              <a:t> Mg</a:t>
+            </a:r>
+            <a:r>
+              <a:rPr lang="zh-CN" altLang="en-US" sz="2400" dirty="0">
+                <a:latin typeface="微软雅黑" panose="020B0503020204020204" charset="-122"/>
+                <a:ea typeface="微软雅黑" panose="020B0503020204020204" charset="-122"/>
+              </a:rPr>
+              <a:t>可以完全溶解</a:t>
+            </a:r>
+            <a:r>
+              <a:rPr lang="en-US" altLang="zh-CN" sz="2400" dirty="0">
+                <a:latin typeface="微软雅黑" panose="020B0503020204020204" charset="-122"/>
+                <a:ea typeface="微软雅黑" panose="020B0503020204020204" charset="-122"/>
+              </a:rPr>
+              <a:t>L</a:t>
+            </a:r>
+            <a:r>
+              <a:rPr lang="en-US" altLang="zh-CN" sz="2400" baseline="-25000" dirty="0">
+                <a:latin typeface="微软雅黑" panose="020B0503020204020204" charset="-122"/>
+                <a:ea typeface="微软雅黑" panose="020B0503020204020204" charset="-122"/>
+              </a:rPr>
+              <a:t>0</a:t>
+            </a:r>
+            <a:r>
+              <a:rPr lang="en-US" altLang="zh-CN" sz="2400" dirty="0">
+                <a:latin typeface="微软雅黑" panose="020B0503020204020204" charset="-122"/>
+                <a:ea typeface="微软雅黑" panose="020B0503020204020204" charset="-122"/>
+              </a:rPr>
+              <a:t>=</a:t>
+            </a:r>
+            <a:r>
+              <a:rPr lang="zh-CN" altLang="en-US" sz="2400" dirty="0">
+                <a:latin typeface="微软雅黑" panose="020B0503020204020204" charset="-122"/>
+                <a:ea typeface="微软雅黑" panose="020B0503020204020204" charset="-122"/>
+              </a:rPr>
+              <a:t> </a:t>
+            </a:r>
+            <a:r>
+              <a:rPr lang="en-US" altLang="zh-CN" sz="2400" dirty="0">
+                <a:latin typeface="微软雅黑" panose="020B0503020204020204" charset="-122"/>
+                <a:ea typeface="微软雅黑" panose="020B0503020204020204" charset="-122"/>
+              </a:rPr>
+              <a:t>9.7</a:t>
+            </a:r>
+            <a:r>
+              <a:rPr lang="en-US" altLang="zh-CN" sz="2400" dirty="0">
+                <a:latin typeface="等线" panose="02010600030101010101" pitchFamily="2" charset="-122"/>
+                <a:ea typeface="等线" panose="02010600030101010101" pitchFamily="2" charset="-122"/>
+              </a:rPr>
+              <a:t>ⅹ</a:t>
+            </a:r>
+            <a:r>
+              <a:rPr lang="en-US" altLang="zh-CN" sz="2400" dirty="0">
+                <a:latin typeface="微软雅黑" panose="020B0503020204020204" charset="-122"/>
+                <a:ea typeface="微软雅黑" panose="020B0503020204020204" charset="-122"/>
+              </a:rPr>
+              <a:t>10</a:t>
+            </a:r>
+            <a:r>
+              <a:rPr lang="en-US" altLang="zh-CN" sz="2400" baseline="30000" dirty="0">
+                <a:latin typeface="微软雅黑" panose="020B0503020204020204" charset="-122"/>
+                <a:ea typeface="微软雅黑" panose="020B0503020204020204" charset="-122"/>
+              </a:rPr>
+              <a:t>7</a:t>
+            </a:r>
+            <a:r>
+              <a:rPr lang="zh-CN" altLang="en-US" sz="2400" dirty="0">
+                <a:latin typeface="微软雅黑" panose="020B0503020204020204" charset="-122"/>
+                <a:ea typeface="微软雅黑" panose="020B0503020204020204" charset="-122"/>
+              </a:rPr>
+              <a:t>层</a:t>
+            </a:r>
+            <a:endParaRPr lang="en-US" altLang="zh-CN" sz="2400" dirty="0">
+              <a:latin typeface="微软雅黑" panose="020B0503020204020204" charset="-122"/>
+              <a:ea typeface="微软雅黑" panose="020B0503020204020204" charset="-122"/>
+            </a:endParaRPr>
+          </a:p>
+        </p:txBody>
+      </p:sp>
+      <mc:AlternateContent xmlns:mc="http://schemas.openxmlformats.org/markup-compatibility/2006">
+        <mc:Choice xmlns:a14="http://schemas.microsoft.com/office/drawing/2010/main" xmlns="" Requires="a14">
+          <p:sp>
+            <p:nvSpPr>
+              <p:cNvPr id="5" name="文本框 4"/>
+              <p:cNvSpPr txBox="1"/>
+              <p:nvPr/>
+            </p:nvSpPr>
+            <p:spPr>
+              <a:xfrm>
+                <a:off x="3016791" y="4898891"/>
+                <a:ext cx="4572000" cy="683777"/>
+              </a:xfrm>
+              <a:prstGeom prst="rect">
+                <a:avLst/>
+              </a:prstGeom>
+              <a:noFill/>
+            </p:spPr>
+            <p:txBody>
+              <a:bodyPr wrap="square">
+                <a:spAutoFit/>
+              </a:bodyPr>
+              <a:p>
+                <a14:m>
+                  <m:oMathPara xmlns:m="http://schemas.openxmlformats.org/officeDocument/2006/math">
+                    <m:oMathParaPr>
+                      <m:jc m:val="centerGroup"/>
+                    </m:oMathParaPr>
+                    <m:oMath xmlns:m="http://schemas.openxmlformats.org/officeDocument/2006/math">
+                      <m:sSub>
+                        <m:sSubPr>
+                          <m:ctrlPr>
+                            <a:rPr lang="zh-CN" altLang="en-US" sz="2000" i="1" smtClean="0">
+                              <a:solidFill>
+                                <a:srgbClr val="836967"/>
+                              </a:solidFill>
+                              <a:latin typeface="Cambria Math" panose="02040503050406030204" pitchFamily="18" charset="0"/>
+                            </a:rPr>
+                          </m:ctrlPr>
+                        </m:sSubPr>
+                        <m:e>
+                          <m:r>
+                            <a:rPr lang="zh-CN" altLang="en-US" sz="2000" i="1">
+                              <a:latin typeface="Cambria Math" panose="02040503050406030204" pitchFamily="18" charset="0"/>
+                            </a:rPr>
+                            <m:t>𝐿</m:t>
+                          </m:r>
+                        </m:e>
+                        <m:sub>
+                          <m:r>
+                            <a:rPr lang="zh-CN" altLang="en-US" sz="2000" i="0">
+                              <a:latin typeface="Cambria Math" panose="02040503050406030204" pitchFamily="18" charset="0"/>
+                            </a:rPr>
+                            <m:t>0</m:t>
+                          </m:r>
+                        </m:sub>
+                      </m:sSub>
+                      <m:r>
+                        <a:rPr lang="zh-CN" altLang="en-US" sz="2000" i="0">
+                          <a:latin typeface="Cambria Math" panose="02040503050406030204" pitchFamily="18" charset="0"/>
+                        </a:rPr>
+                        <m:t>=</m:t>
+                      </m:r>
+                      <m:f>
+                        <m:fPr>
+                          <m:ctrlPr>
+                            <a:rPr lang="zh-CN" altLang="en-US" sz="2000" i="1">
+                              <a:solidFill>
+                                <a:srgbClr val="836967"/>
+                              </a:solidFill>
+                              <a:latin typeface="Cambria Math" panose="02040503050406030204" pitchFamily="18" charset="0"/>
+                            </a:rPr>
+                          </m:ctrlPr>
+                        </m:fPr>
+                        <m:num>
+                          <m:sSub>
+                            <m:sSubPr>
+                              <m:ctrlPr>
+                                <a:rPr lang="zh-CN" altLang="en-US" sz="2000" i="1">
+                                  <a:solidFill>
+                                    <a:srgbClr val="836967"/>
+                                  </a:solidFill>
+                                  <a:latin typeface="Cambria Math" panose="02040503050406030204" pitchFamily="18" charset="0"/>
+                                </a:rPr>
+                              </m:ctrlPr>
+                            </m:sSubPr>
+                            <m:e>
+                              <m:r>
+                                <a:rPr lang="zh-CN" altLang="en-US" sz="2000" i="1">
+                                  <a:latin typeface="Cambria Math" panose="02040503050406030204" pitchFamily="18" charset="0"/>
+                                </a:rPr>
+                                <m:t>𝑖</m:t>
+                              </m:r>
+                            </m:e>
+                            <m:sub>
+                              <m:r>
+                                <m:rPr>
+                                  <m:sty m:val="p"/>
+                                </m:rPr>
+                                <a:rPr lang="en-US" altLang="zh-CN" sz="2000" b="0" i="0" smtClean="0">
+                                  <a:latin typeface="Cambria Math" panose="02040503050406030204" pitchFamily="18" charset="0"/>
+                                </a:rPr>
+                                <m:t>Mg</m:t>
+                              </m:r>
+                            </m:sub>
+                          </m:sSub>
+                          <m:r>
+                            <a:rPr lang="zh-CN" altLang="en-US" sz="2000" i="1">
+                              <a:latin typeface="Cambria Math" panose="02040503050406030204" pitchFamily="18" charset="0"/>
+                            </a:rPr>
+                            <m:t>𝐴𝑡</m:t>
+                          </m:r>
+                        </m:num>
+                        <m:den>
+                          <m:r>
+                            <a:rPr lang="zh-CN" altLang="en-US" sz="2000" i="1">
+                              <a:latin typeface="Cambria Math" panose="02040503050406030204" pitchFamily="18" charset="0"/>
+                            </a:rPr>
+                            <m:t>𝑁𝑛𝐹</m:t>
+                          </m:r>
+                        </m:den>
+                      </m:f>
+                    </m:oMath>
+                  </m:oMathPara>
+                </a14:m>
+                <a:endParaRPr lang="zh-CN" altLang="en-US" sz="2000" dirty="0">
+                  <a:latin typeface="Times New Roman" panose="02020603050405020304" pitchFamily="18" charset="0"/>
+                  <a:cs typeface="Times New Roman" panose="02020603050405020304" pitchFamily="18" charset="0"/>
+                </a:endParaRPr>
+              </a:p>
+            </p:txBody>
+          </p:sp>
+        </mc:Choice>
+        <mc:Fallback>
+          <p:sp>
+            <p:nvSpPr>
+              <p:cNvPr id="5" name="文本框 4"/>
+              <p:cNvSpPr txBox="1">
+                <a:spLocks noRot="1" noChangeAspect="1" noMove="1" noResize="1" noEditPoints="1" noAdjustHandles="1" noChangeArrowheads="1" noChangeShapeType="1" noTextEdit="1"/>
+              </p:cNvSpPr>
+              <p:nvPr/>
+            </p:nvSpPr>
+            <p:spPr>
+              <a:xfrm>
+                <a:off x="3016791" y="4898891"/>
+                <a:ext cx="4572000" cy="683777"/>
+              </a:xfrm>
+              <a:prstGeom prst="rect">
+                <a:avLst/>
+              </a:prstGeom>
+              <a:blipFill rotWithShape="1">
+                <a:blip r:embed="rId4"/>
+                <a:stretch>
+                  <a:fillRect l="-12" t="-73" r="12" b="56"/>
+                </a:stretch>
+              </a:blipFill>
+            </p:spPr>
+            <p:txBody>
+              <a:bodyPr/>
+              <a:lstStyle/>
+              <a:p>
+                <a:r>
+                  <a:rPr lang="zh-CN" altLang="en-US">
+                    <a:noFill/>
+                  </a:rPr>
+                  <a:t> </a:t>
+                </a:r>
+              </a:p>
+            </p:txBody>
+          </p:sp>
+        </mc:Fallback>
+      </mc:AlternateContent>
+    </p:spTree>
+  </p:cSld>
+  <p:clrMapOvr>
+    <a:masterClrMapping/>
+  </p:clrMapOvr>
+  <mc:AlternateContent xmlns:mc="http://schemas.openxmlformats.org/markup-compatibility/2006">
+    <mc:Choice xmlns:p14="http://schemas.microsoft.com/office/powerpoint/2010/main" xmlns="" Requires="p14">
+      <p:transition p14:dur="0" advTm="3000"/>
+    </mc:Choice>
+    <mc:Fallback>
+      <p:transition advTm="3000"/>
+    </mc:Fallback>
+  </mc:AlternateContent>
+</p:sld>
+</file>
+
+<file path=ppt/slides/slide14.xml><?xml version="1.0" encoding="utf-8"?>
 <p:sld xmlns:a="http://schemas.openxmlformats.org/drawingml/2006/main" xmlns:r="http://schemas.openxmlformats.org/officeDocument/2006/relationships" xmlns:p="http://schemas.openxmlformats.org/presentationml/2006/main">
   <p:cSld>
     <p:spTree>
@@ -6264,15 +9817,6 @@
                 </a:rPr>
                 <a:t>目   录</a:t>
               </a:r>
-              <a:endParaRPr lang="zh-CN" altLang="en-US" sz="2700" b="1" dirty="0">
-                <a:solidFill>
-                  <a:schemeClr val="tx1">
-                    <a:lumMod val="85000"/>
-                    <a:lumOff val="15000"/>
-                  </a:schemeClr>
-                </a:solidFill>
-                <a:latin typeface="Century Gothic" panose="020B0502020202020204" pitchFamily="34" charset="0"/>
-              </a:endParaRPr>
             </a:p>
           </p:txBody>
         </p:sp>
@@ -6685,15 +10229,6 @@
                 </a:rPr>
                 <a:t>课题背景</a:t>
               </a:r>
-              <a:endParaRPr lang="zh-CN" altLang="en-US" sz="3200" dirty="0">
-                <a:solidFill>
-                  <a:schemeClr val="tx1">
-                    <a:lumMod val="85000"/>
-                    <a:lumOff val="15000"/>
-                  </a:schemeClr>
-                </a:solidFill>
-                <a:latin typeface="+mn-ea"/>
-              </a:endParaRPr>
             </a:p>
           </p:txBody>
         </p:sp>
@@ -6940,15 +10475,6 @@
                 </a:rPr>
                 <a:t>工作进展</a:t>
               </a:r>
-              <a:endParaRPr lang="zh-CN" altLang="en-US" sz="3200" dirty="0">
-                <a:solidFill>
-                  <a:schemeClr val="tx1">
-                    <a:lumMod val="85000"/>
-                    <a:lumOff val="15000"/>
-                  </a:schemeClr>
-                </a:solidFill>
-                <a:latin typeface="+mn-ea"/>
-              </a:endParaRPr>
             </a:p>
           </p:txBody>
         </p:sp>
@@ -7491,7 +11017,7 @@
     <a:masterClrMapping/>
   </p:clrMapOvr>
   <mc:AlternateContent xmlns:mc="http://schemas.openxmlformats.org/markup-compatibility/2006">
-    <mc:Choice xmlns:p14="http://schemas.microsoft.com/office/powerpoint/2010/main" Requires="p14">
+    <mc:Choice xmlns:p14="http://schemas.microsoft.com/office/powerpoint/2010/main" xmlns="" Requires="p14">
       <p:transition p14:dur="0" advTm="3000"/>
     </mc:Choice>
     <mc:Fallback>
@@ -7501,7 +11027,7 @@
 </p:sld>
 </file>
 
-<file path=ppt/slides/slide12.xml><?xml version="1.0" encoding="utf-8"?>
+<file path=ppt/slides/slide15.xml><?xml version="1.0" encoding="utf-8"?>
 <p:sld xmlns:a="http://schemas.openxmlformats.org/drawingml/2006/main" xmlns:r="http://schemas.openxmlformats.org/officeDocument/2006/relationships" xmlns:p="http://schemas.openxmlformats.org/presentationml/2006/main">
   <p:cSld>
     <p:spTree>
@@ -7567,10 +11093,10 @@
           <p:nvPr/>
         </p:nvPicPr>
         <p:blipFill>
-          <a:blip r:embed="rId1" cstate="print">
+          <a:blip r:embed="rId3" cstate="print">
             <a:extLst>
               <a:ext uri="{28A0092B-C50C-407E-A947-70E740481C1C}">
-                <a14:useLocalDpi xmlns:a14="http://schemas.microsoft.com/office/drawing/2010/main" val="0"/>
+                <a14:useLocalDpi xmlns:a14="http://schemas.microsoft.com/office/drawing/2010/main" xmlns="" val="0"/>
               </a:ext>
             </a:extLst>
           </a:blip>
@@ -7930,10 +11456,6 @@
               </a:rPr>
               <a:t>网络，融合深度图像特征并结合掩膜模块和注意力机制进行更准确的点云分割。</a:t>
             </a:r>
-            <a:endParaRPr lang="zh-CN" altLang="en-US" sz="1900" b="1" dirty="0">
-              <a:latin typeface="+mn-ea"/>
-              <a:sym typeface="微软雅黑" panose="020B0503020204020204" charset="-122"/>
-            </a:endParaRPr>
           </a:p>
         </p:txBody>
       </p:sp>
@@ -8242,7 +11764,7 @@
     <a:masterClrMapping/>
   </p:clrMapOvr>
   <mc:AlternateContent xmlns:mc="http://schemas.openxmlformats.org/markup-compatibility/2006">
-    <mc:Choice xmlns:p14="http://schemas.microsoft.com/office/powerpoint/2010/main" Requires="p14">
+    <mc:Choice xmlns:p14="http://schemas.microsoft.com/office/powerpoint/2010/main" xmlns="" Requires="p14">
       <p:transition p14:dur="0" advTm="3000"/>
     </mc:Choice>
     <mc:Fallback>
@@ -8252,7 +11774,7 @@
 </p:sld>
 </file>
 
-<file path=ppt/slides/slide13.xml><?xml version="1.0" encoding="utf-8"?>
+<file path=ppt/slides/slide16.xml><?xml version="1.0" encoding="utf-8"?>
 <p:sld xmlns:a="http://schemas.openxmlformats.org/drawingml/2006/main" xmlns:r="http://schemas.openxmlformats.org/officeDocument/2006/relationships" xmlns:p="http://schemas.openxmlformats.org/presentationml/2006/main">
   <p:cSld>
     <p:spTree>
@@ -8369,15 +11891,6 @@
                 </a:rPr>
                 <a:t>目   录</a:t>
               </a:r>
-              <a:endParaRPr lang="zh-CN" altLang="en-US" sz="2700" b="1" dirty="0">
-                <a:solidFill>
-                  <a:schemeClr val="tx1">
-                    <a:lumMod val="85000"/>
-                    <a:lumOff val="15000"/>
-                  </a:schemeClr>
-                </a:solidFill>
-                <a:latin typeface="Century Gothic" panose="020B0502020202020204" pitchFamily="34" charset="0"/>
-              </a:endParaRPr>
             </a:p>
           </p:txBody>
         </p:sp>
@@ -8790,15 +12303,6 @@
                 </a:rPr>
                 <a:t>课题背景</a:t>
               </a:r>
-              <a:endParaRPr lang="zh-CN" altLang="en-US" sz="3200" dirty="0">
-                <a:solidFill>
-                  <a:schemeClr val="tx1">
-                    <a:lumMod val="85000"/>
-                    <a:lumOff val="15000"/>
-                  </a:schemeClr>
-                </a:solidFill>
-                <a:latin typeface="+mn-ea"/>
-              </a:endParaRPr>
             </a:p>
           </p:txBody>
         </p:sp>
@@ -9045,15 +12549,6 @@
                 </a:rPr>
                 <a:t>工作进展</a:t>
               </a:r>
-              <a:endParaRPr lang="zh-CN" altLang="en-US" sz="3200" dirty="0">
-                <a:solidFill>
-                  <a:schemeClr val="tx1">
-                    <a:lumMod val="85000"/>
-                    <a:lumOff val="15000"/>
-                  </a:schemeClr>
-                </a:solidFill>
-                <a:latin typeface="+mn-ea"/>
-              </a:endParaRPr>
             </a:p>
           </p:txBody>
         </p:sp>
@@ -9596,7 +13091,7 @@
     <a:masterClrMapping/>
   </p:clrMapOvr>
   <mc:AlternateContent xmlns:mc="http://schemas.openxmlformats.org/markup-compatibility/2006">
-    <mc:Choice xmlns:p14="http://schemas.microsoft.com/office/powerpoint/2010/main" Requires="p14">
+    <mc:Choice xmlns:p14="http://schemas.microsoft.com/office/powerpoint/2010/main" xmlns="" Requires="p14">
       <p:transition p14:dur="0" advTm="3000"/>
     </mc:Choice>
     <mc:Fallback>
@@ -9606,7 +13101,7 @@
 </p:sld>
 </file>
 
-<file path=ppt/slides/slide14.xml><?xml version="1.0" encoding="utf-8"?>
+<file path=ppt/slides/slide17.xml><?xml version="1.0" encoding="utf-8"?>
 <p:sld xmlns:a="http://schemas.openxmlformats.org/drawingml/2006/main" xmlns:r="http://schemas.openxmlformats.org/officeDocument/2006/relationships" xmlns:p="http://schemas.openxmlformats.org/presentationml/2006/main">
   <p:cSld>
     <p:spTree>
@@ -9672,10 +13167,10 @@
           <p:nvPr/>
         </p:nvPicPr>
         <p:blipFill>
-          <a:blip r:embed="rId1" cstate="print">
+          <a:blip r:embed="rId3" cstate="print">
             <a:extLst>
               <a:ext uri="{28A0092B-C50C-407E-A947-70E740481C1C}">
-                <a14:useLocalDpi xmlns:a14="http://schemas.microsoft.com/office/drawing/2010/main" val="0"/>
+                <a14:useLocalDpi xmlns:a14="http://schemas.microsoft.com/office/drawing/2010/main" xmlns="" val="0"/>
               </a:ext>
             </a:extLst>
           </a:blip>
@@ -9873,7 +13368,7 @@
         <p:spPr>
           <a:xfrm>
             <a:off x="581397" y="1307351"/>
-            <a:ext cx="10920321" cy="1232659"/>
+            <a:ext cx="10920321" cy="852555"/>
           </a:xfrm>
           <a:prstGeom prst="rect">
             <a:avLst/>
@@ -9924,19 +13419,57 @@
               <a:rPr lang="zh-CN" altLang="en-US" sz="1900" b="1" dirty="0">
                 <a:sym typeface="+mn-lt"/>
               </a:rPr>
-              <a:t>进一步优化</a:t>
-            </a:r>
-            <a:r>
-              <a:rPr lang="en-US" altLang="zh-CN" sz="1900" b="1" dirty="0" err="1">
+              <a:t>进一步</a:t>
+            </a:r>
+            <a:r>
+              <a:rPr lang="zh-CN" altLang="en-US" sz="1900" b="1" dirty="0" smtClean="0">
                 <a:sym typeface="+mn-lt"/>
               </a:rPr>
-              <a:t>SfM</a:t>
-            </a:r>
+              <a:t>优化深度强化学习网络结构，达到更好效果</a:t>
+            </a:r>
+            <a:endParaRPr lang="en-US" altLang="zh-CN" sz="1900" b="1" dirty="0">
+              <a:latin typeface="+mn-ea"/>
+              <a:sym typeface="微软雅黑" panose="020B0503020204020204" charset="-122"/>
+            </a:endParaRPr>
+          </a:p>
+        </p:txBody>
+      </p:sp>
+      <p:sp>
+        <p:nvSpPr>
+          <p:cNvPr id="8" name="TextBox 37"/>
+          <p:cNvSpPr txBox="1"/>
+          <p:nvPr/>
+        </p:nvSpPr>
+        <p:spPr>
+          <a:xfrm>
+            <a:off x="570509" y="2507650"/>
+            <a:ext cx="9362385" cy="852555"/>
+          </a:xfrm>
+          <a:prstGeom prst="rect">
+            <a:avLst/>
+          </a:prstGeom>
+          <a:noFill/>
+        </p:spPr>
+        <p:txBody>
+          <a:bodyPr wrap="square" lIns="91454" tIns="45727" rIns="91454" bIns="45727" rtlCol="0">
+            <a:spAutoFit/>
+          </a:bodyPr>
+          <a:lstStyle/>
+          <a:p>
+            <a:pPr>
+              <a:lnSpc>
+                <a:spcPct val="130000"/>
+              </a:lnSpc>
+              <a:spcBef>
+                <a:spcPct val="0"/>
+              </a:spcBef>
+            </a:pPr>
             <a:r>
               <a:rPr lang="zh-CN" altLang="en-US" sz="1900" b="1" dirty="0">
-                <a:sym typeface="+mn-lt"/>
-              </a:rPr>
-              <a:t>稀疏重建和泊松曲面重建的效果。</a:t>
+                <a:latin typeface="+mn-ea"/>
+                <a:sym typeface="微软雅黑" panose="020B0503020204020204" charset="-122"/>
+              </a:rPr>
+              <a:t>工程方面：</a:t>
             </a:r>
             <a:endParaRPr lang="en-US" altLang="zh-CN" sz="1900" b="1" dirty="0">
               <a:latin typeface="+mn-ea"/>
@@ -9958,149 +13491,11 @@
               <a:buChar char="p"/>
             </a:pPr>
             <a:r>
-              <a:rPr lang="zh-CN" altLang="en-US" sz="1900" b="1" dirty="0">
+              <a:rPr lang="zh-CN" altLang="en-US" sz="1900" b="1" dirty="0" smtClean="0">
                 <a:latin typeface="+mn-ea"/>
                 <a:sym typeface="微软雅黑" panose="020B0503020204020204" charset="-122"/>
               </a:rPr>
-              <a:t>结合</a:t>
-            </a:r>
-            <a:r>
-              <a:rPr lang="en-US" altLang="zh-CN" sz="1900" b="1" dirty="0">
-                <a:latin typeface="+mn-ea"/>
-                <a:sym typeface="微软雅黑" panose="020B0503020204020204" charset="-122"/>
-              </a:rPr>
-              <a:t>PU-GCN</a:t>
-            </a:r>
-            <a:r>
-              <a:rPr lang="zh-CN" altLang="en-US" sz="1900" b="1" dirty="0">
-                <a:latin typeface="+mn-ea"/>
-                <a:sym typeface="微软雅黑" panose="020B0503020204020204" charset="-122"/>
-              </a:rPr>
-              <a:t>网络进一步提高三维重建得到的</a:t>
-            </a:r>
-            <a:r>
-              <a:rPr lang="en-US" altLang="zh-CN" sz="1900" b="1" dirty="0">
-                <a:latin typeface="+mn-ea"/>
-                <a:sym typeface="微软雅黑" panose="020B0503020204020204" charset="-122"/>
-              </a:rPr>
-              <a:t>AUV</a:t>
-            </a:r>
-            <a:r>
-              <a:rPr lang="zh-CN" altLang="en-US" sz="1900" b="1" dirty="0">
-                <a:latin typeface="+mn-ea"/>
-                <a:sym typeface="微软雅黑" panose="020B0503020204020204" charset="-122"/>
-              </a:rPr>
-              <a:t>的模型的完整度，并进行纹理映射。</a:t>
-            </a:r>
-            <a:endParaRPr lang="en-US" altLang="zh-CN" sz="1900" b="1" dirty="0">
-              <a:latin typeface="+mn-ea"/>
-              <a:sym typeface="微软雅黑" panose="020B0503020204020204" charset="-122"/>
-            </a:endParaRPr>
-          </a:p>
-        </p:txBody>
-      </p:sp>
-      <p:sp>
-        <p:nvSpPr>
-          <p:cNvPr id="8" name="TextBox 37"/>
-          <p:cNvSpPr txBox="1"/>
-          <p:nvPr/>
-        </p:nvSpPr>
-        <p:spPr>
-          <a:xfrm>
-            <a:off x="570509" y="2507650"/>
-            <a:ext cx="9362385" cy="1232659"/>
-          </a:xfrm>
-          <a:prstGeom prst="rect">
-            <a:avLst/>
-          </a:prstGeom>
-          <a:noFill/>
-        </p:spPr>
-        <p:txBody>
-          <a:bodyPr wrap="square" lIns="91454" tIns="45727" rIns="91454" bIns="45727" rtlCol="0">
-            <a:spAutoFit/>
-          </a:bodyPr>
-          <a:lstStyle/>
-          <a:p>
-            <a:pPr>
-              <a:lnSpc>
-                <a:spcPct val="130000"/>
-              </a:lnSpc>
-              <a:spcBef>
-                <a:spcPct val="0"/>
-              </a:spcBef>
-            </a:pPr>
-            <a:r>
-              <a:rPr lang="zh-CN" altLang="en-US" sz="1900" b="1" dirty="0">
-                <a:latin typeface="+mn-ea"/>
-                <a:sym typeface="微软雅黑" panose="020B0503020204020204" charset="-122"/>
-              </a:rPr>
-              <a:t>工程方面：</a:t>
-            </a:r>
-            <a:endParaRPr lang="en-US" altLang="zh-CN" sz="1900" b="1" dirty="0">
-              <a:latin typeface="+mn-ea"/>
-              <a:sym typeface="微软雅黑" panose="020B0503020204020204" charset="-122"/>
-            </a:endParaRPr>
-          </a:p>
-          <a:p>
-            <a:pPr marL="381000" indent="-381000">
-              <a:lnSpc>
-                <a:spcPct val="130000"/>
-              </a:lnSpc>
-              <a:spcBef>
-                <a:spcPct val="0"/>
-              </a:spcBef>
-              <a:buClr>
-                <a:schemeClr val="accent1"/>
-              </a:buClr>
-              <a:buFont typeface="Wingdings" panose="05000000000000000000" pitchFamily="2" charset="2"/>
-              <a:buChar char="p"/>
-            </a:pPr>
-            <a:r>
-              <a:rPr lang="zh-CN" altLang="en-US" sz="1900" b="1" dirty="0">
-                <a:latin typeface="+mn-ea"/>
-                <a:sym typeface="微软雅黑" panose="020B0503020204020204" charset="-122"/>
-              </a:rPr>
-              <a:t>在</a:t>
-            </a:r>
-            <a:r>
-              <a:rPr lang="en-US" altLang="zh-CN" sz="1900" b="1" dirty="0">
-                <a:latin typeface="+mn-ea"/>
-                <a:sym typeface="微软雅黑" panose="020B0503020204020204" charset="-122"/>
-              </a:rPr>
-              <a:t>HoloLens</a:t>
-            </a:r>
-            <a:r>
-              <a:rPr lang="zh-CN" altLang="en-US" sz="1900" b="1" dirty="0">
-                <a:latin typeface="+mn-ea"/>
-                <a:sym typeface="微软雅黑" panose="020B0503020204020204" charset="-122"/>
-              </a:rPr>
-              <a:t>开发中添加语音识别的交互。</a:t>
-            </a:r>
-            <a:endParaRPr lang="en-US" altLang="zh-CN" sz="1900" b="1" dirty="0">
-              <a:latin typeface="+mn-ea"/>
-              <a:sym typeface="微软雅黑" panose="020B0503020204020204" charset="-122"/>
-            </a:endParaRPr>
-          </a:p>
-          <a:p>
-            <a:pPr marL="381000" indent="-381000">
-              <a:lnSpc>
-                <a:spcPct val="130000"/>
-              </a:lnSpc>
-              <a:spcBef>
-                <a:spcPct val="0"/>
-              </a:spcBef>
-              <a:buClr>
-                <a:schemeClr val="accent1"/>
-              </a:buClr>
-              <a:buFont typeface="Wingdings" panose="05000000000000000000" pitchFamily="2" charset="2"/>
-              <a:buChar char="p"/>
-            </a:pPr>
-            <a:r>
-              <a:rPr lang="zh-CN" altLang="en-US" sz="1900" b="1" dirty="0">
-                <a:latin typeface="+mn-ea"/>
-                <a:sym typeface="微软雅黑" panose="020B0503020204020204" charset="-122"/>
-              </a:rPr>
-              <a:t>完善水下机器人虚拟现实仿真平台。</a:t>
+              <a:t>将环境开发完成</a:t>
             </a:r>
             <a:endParaRPr lang="en-US" altLang="zh-CN" sz="1900" b="1" dirty="0">
               <a:latin typeface="+mn-ea"/>
@@ -10260,11 +13655,11 @@
               <a:t>完成后续研究内容 </a:t>
             </a:r>
             <a:r>
-              <a:rPr lang="en-US" altLang="zh-CN" sz="1900" b="1" dirty="0">
+              <a:rPr lang="en-US" altLang="zh-CN" sz="1900" b="1" dirty="0" smtClean="0">
                 <a:latin typeface="+mn-ea"/>
                 <a:sym typeface="微软雅黑" panose="020B0503020204020204" charset="-122"/>
               </a:rPr>
-              <a:t>2022.1-2022.2</a:t>
+              <a:t>2023.1-2023.2</a:t>
             </a:r>
             <a:endParaRPr lang="en-US" altLang="zh-CN" sz="1900" b="1" dirty="0">
               <a:latin typeface="+mn-ea"/>
@@ -10293,11 +13688,11 @@
               <a:t>完成论文的撰写 </a:t>
             </a:r>
             <a:r>
-              <a:rPr lang="en-US" altLang="zh-CN" sz="1900" b="1" dirty="0">
+              <a:rPr lang="en-US" altLang="zh-CN" sz="1900" b="1" dirty="0" smtClean="0">
                 <a:latin typeface="+mn-ea"/>
                 <a:sym typeface="微软雅黑" panose="020B0503020204020204" charset="-122"/>
               </a:rPr>
-              <a:t>2022.3-2022.4</a:t>
+              <a:t>2023.3-2023.4</a:t>
             </a:r>
             <a:endParaRPr lang="en-US" altLang="zh-CN" sz="1900" b="1" dirty="0">
               <a:latin typeface="+mn-ea"/>
@@ -10422,11 +13817,11 @@
               <a:buChar char="p"/>
             </a:pPr>
             <a:r>
-              <a:rPr lang="zh-CN" altLang="en-US" sz="1900" b="1" dirty="0">
+              <a:rPr lang="zh-CN" altLang="en-US" sz="1900" b="1" dirty="0" smtClean="0">
                 <a:latin typeface="+mn-ea"/>
                 <a:sym typeface="微软雅黑" panose="020B0503020204020204" charset="-122"/>
               </a:rPr>
-              <a:t>完成一个仿真平台的搭建</a:t>
+              <a:t>完成环境模拟计算平台搭建</a:t>
             </a:r>
             <a:endParaRPr lang="en-US" altLang="zh-CN" sz="1900" b="1" dirty="0">
               <a:latin typeface="+mn-ea"/>
@@ -10441,7 +13836,7 @@
     <a:masterClrMapping/>
   </p:clrMapOvr>
   <mc:AlternateContent xmlns:mc="http://schemas.openxmlformats.org/markup-compatibility/2006">
-    <mc:Choice xmlns:p14="http://schemas.microsoft.com/office/powerpoint/2010/main" Requires="p14">
+    <mc:Choice xmlns:p14="http://schemas.microsoft.com/office/powerpoint/2010/main" xmlns="" Requires="p14">
       <p:transition p14:dur="0" advTm="3000"/>
     </mc:Choice>
     <mc:Fallback>
@@ -10451,7 +13846,7 @@
 </p:sld>
 </file>
 
-<file path=ppt/slides/slide15.xml><?xml version="1.0" encoding="utf-8"?>
+<file path=ppt/slides/slide18.xml><?xml version="1.0" encoding="utf-8"?>
 <p:sld xmlns:a="http://schemas.openxmlformats.org/drawingml/2006/main" xmlns:r="http://schemas.openxmlformats.org/officeDocument/2006/relationships" xmlns:p="http://schemas.openxmlformats.org/presentationml/2006/main">
   <p:cSld>
     <p:spTree>
@@ -10477,10 +13872,10 @@
           <p:nvPr/>
         </p:nvPicPr>
         <p:blipFill>
-          <a:blip r:embed="rId1" cstate="print">
+          <a:blip r:embed="rId3" cstate="print">
             <a:extLst>
               <a:ext uri="{28A0092B-C50C-407E-A947-70E740481C1C}">
-                <a14:useLocalDpi xmlns:a14="http://schemas.microsoft.com/office/drawing/2010/main" val="0"/>
+                <a14:useLocalDpi xmlns:a14="http://schemas.microsoft.com/office/drawing/2010/main" xmlns="" val="0"/>
               </a:ext>
             </a:extLst>
           </a:blip>
@@ -10527,10 +13922,6 @@
               </a:rPr>
               <a:t>恳请各位老师批评指正，谢谢！</a:t>
             </a:r>
-            <a:endParaRPr lang="zh-CN" altLang="en-US" sz="3700" b="1" dirty="0">
-              <a:latin typeface="华文楷体" panose="02010600040101010101" pitchFamily="2" charset="-122"/>
-              <a:ea typeface="华文楷体" panose="02010600040101010101" pitchFamily="2" charset="-122"/>
-            </a:endParaRPr>
           </a:p>
         </p:txBody>
       </p:sp>
@@ -10557,11 +13948,11 @@
           <a:lstStyle/>
           <a:p>
             <a:r>
-              <a:rPr lang="zh-CN" altLang="en-US" sz="2700" b="1" dirty="0">
+              <a:rPr lang="zh-CN" altLang="en-US" sz="2700" b="1" dirty="0" smtClean="0">
                 <a:latin typeface="华文楷体" panose="02010600040101010101" pitchFamily="2" charset="-122"/>
                 <a:ea typeface="华文楷体" panose="02010600040101010101" pitchFamily="2" charset="-122"/>
               </a:rPr>
-              <a:t>基于混合现实的室内场景三维重建算法研究</a:t>
+              <a:t>基于深度强化学习的合金材料参数优化研究</a:t>
             </a:r>
             <a:endParaRPr lang="zh-CN" altLang="en-US" sz="2700" b="1" dirty="0">
               <a:latin typeface="华文楷体" panose="02010600040101010101" pitchFamily="2" charset="-122"/>
@@ -10772,14 +14163,21 @@
                 <a:latin typeface="华文楷体" panose="02010600040101010101" pitchFamily="2" charset="-122"/>
                 <a:ea typeface="华文楷体" panose="02010600040101010101" pitchFamily="2" charset="-122"/>
               </a:rPr>
-              <a:t>答   辩   人：           </a:t>
-            </a:r>
-            <a:r>
-              <a:rPr lang="zh-CN" altLang="en-US" sz="2400" spc="800" dirty="0">
+              <a:t>答   辩   人：          </a:t>
+            </a:r>
+            <a:r>
+              <a:rPr lang="en-US" altLang="zh-CN" sz="2400" dirty="0" smtClean="0">
                 <a:latin typeface="华文楷体" panose="02010600040101010101" pitchFamily="2" charset="-122"/>
                 <a:ea typeface="华文楷体" panose="02010600040101010101" pitchFamily="2" charset="-122"/>
               </a:rPr>
-              <a:t>薛乐乐</a:t>
+              <a:t> </a:t>
+            </a:r>
+            <a:r>
+              <a:rPr lang="zh-CN" altLang="en-US" sz="2400" dirty="0" smtClean="0">
+                <a:latin typeface="华文楷体" panose="02010600040101010101" pitchFamily="2" charset="-122"/>
+                <a:ea typeface="华文楷体" panose="02010600040101010101" pitchFamily="2" charset="-122"/>
+              </a:rPr>
+              <a:t>邵亚东</a:t>
             </a:r>
             <a:endParaRPr lang="en-US" altLang="zh-CN" sz="2400" spc="800" dirty="0">
               <a:latin typeface="华文楷体" panose="02010600040101010101" pitchFamily="2" charset="-122"/>
@@ -10798,12 +14196,12 @@
               <a:t>学          号：           </a:t>
             </a:r>
             <a:r>
-              <a:rPr lang="en-US" altLang="zh-CN" sz="2400" dirty="0">
+              <a:rPr lang="en-US" altLang="zh-CN" sz="2400" dirty="0" smtClean="0">
                 <a:latin typeface="华文楷体" panose="02010600040101010101" pitchFamily="2" charset="-122"/>
                 <a:ea typeface="华文楷体" panose="02010600040101010101" pitchFamily="2" charset="-122"/>
                 <a:cs typeface="Times New Roman" panose="02020603050405020304" pitchFamily="18" charset="0"/>
               </a:rPr>
-              <a:t>1901964</a:t>
+              <a:t>2002015</a:t>
             </a:r>
             <a:endParaRPr lang="en-US" altLang="zh-CN" sz="2400" dirty="0">
               <a:latin typeface="华文楷体" panose="02010600040101010101" pitchFamily="2" charset="-122"/>
@@ -10871,7 +14269,7 @@
     <a:masterClrMapping/>
   </p:clrMapOvr>
   <mc:AlternateContent xmlns:mc="http://schemas.openxmlformats.org/markup-compatibility/2006">
-    <mc:Choice xmlns:p14="http://schemas.microsoft.com/office/powerpoint/2010/main" Requires="p14">
+    <mc:Choice xmlns:p14="http://schemas.microsoft.com/office/powerpoint/2010/main" xmlns="" Requires="p14">
       <p:transition p14:dur="0" advTm="3000"/>
     </mc:Choice>
     <mc:Fallback>
@@ -10998,15 +14396,6 @@
                 </a:rPr>
                 <a:t>目   录</a:t>
               </a:r>
-              <a:endParaRPr lang="zh-CN" altLang="en-US" sz="2700" b="1" dirty="0">
-                <a:solidFill>
-                  <a:schemeClr val="tx1">
-                    <a:lumMod val="85000"/>
-                    <a:lumOff val="15000"/>
-                  </a:schemeClr>
-                </a:solidFill>
-                <a:latin typeface="Century Gothic" panose="020B0502020202020204" pitchFamily="34" charset="0"/>
-              </a:endParaRPr>
             </a:p>
           </p:txBody>
         </p:sp>
@@ -11417,15 +14806,6 @@
                 </a:rPr>
                 <a:t>课题背景</a:t>
               </a:r>
-              <a:endParaRPr lang="zh-CN" altLang="en-US" sz="3200" dirty="0">
-                <a:solidFill>
-                  <a:schemeClr val="tx1">
-                    <a:lumMod val="85000"/>
-                    <a:lumOff val="15000"/>
-                  </a:schemeClr>
-                </a:solidFill>
-                <a:latin typeface="+mn-ea"/>
-              </a:endParaRPr>
             </a:p>
           </p:txBody>
         </p:sp>
@@ -11670,15 +15050,6 @@
                 </a:rPr>
                 <a:t>工作进展</a:t>
               </a:r>
-              <a:endParaRPr lang="zh-CN" altLang="en-US" sz="3200" dirty="0">
-                <a:solidFill>
-                  <a:schemeClr val="tx1">
-                    <a:lumMod val="85000"/>
-                    <a:lumOff val="15000"/>
-                  </a:schemeClr>
-                </a:solidFill>
-                <a:latin typeface="+mn-ea"/>
-              </a:endParaRPr>
             </a:p>
           </p:txBody>
         </p:sp>
@@ -12241,7 +15612,7 @@
     <a:masterClrMapping/>
   </p:clrMapOvr>
   <mc:AlternateContent xmlns:mc="http://schemas.openxmlformats.org/markup-compatibility/2006">
-    <mc:Choice xmlns:p14="http://schemas.microsoft.com/office/powerpoint/2010/main" Requires="p14">
+    <mc:Choice xmlns:p14="http://schemas.microsoft.com/office/powerpoint/2010/main" xmlns="" Requires="p14">
       <p:transition p14:dur="0" advTm="3000"/>
     </mc:Choice>
     <mc:Fallback>
@@ -12368,15 +15739,6 @@
                 </a:rPr>
                 <a:t>目   录</a:t>
               </a:r>
-              <a:endParaRPr lang="zh-CN" altLang="en-US" sz="2700" b="1" dirty="0">
-                <a:solidFill>
-                  <a:schemeClr val="tx1">
-                    <a:lumMod val="85000"/>
-                    <a:lumOff val="15000"/>
-                  </a:schemeClr>
-                </a:solidFill>
-                <a:latin typeface="Century Gothic" panose="020B0502020202020204" pitchFamily="34" charset="0"/>
-              </a:endParaRPr>
             </a:p>
           </p:txBody>
         </p:sp>
@@ -12768,12 +16130,6 @@
                 </a:rPr>
                 <a:t>课题背景</a:t>
               </a:r>
-              <a:endParaRPr lang="zh-CN" altLang="en-US" sz="3200" dirty="0">
-                <a:solidFill>
-                  <a:schemeClr val="bg1"/>
-                </a:solidFill>
-                <a:latin typeface="+mn-ea"/>
-              </a:endParaRPr>
             </a:p>
           </p:txBody>
         </p:sp>
@@ -13020,15 +16376,6 @@
                 </a:rPr>
                 <a:t>工作进展</a:t>
               </a:r>
-              <a:endParaRPr lang="zh-CN" altLang="en-US" sz="3200" dirty="0">
-                <a:solidFill>
-                  <a:schemeClr val="tx1">
-                    <a:lumMod val="85000"/>
-                    <a:lumOff val="15000"/>
-                  </a:schemeClr>
-                </a:solidFill>
-                <a:latin typeface="+mn-ea"/>
-              </a:endParaRPr>
             </a:p>
           </p:txBody>
         </p:sp>
@@ -13595,7 +16942,7 @@
     <a:masterClrMapping/>
   </p:clrMapOvr>
   <mc:AlternateContent xmlns:mc="http://schemas.openxmlformats.org/markup-compatibility/2006">
-    <mc:Choice xmlns:p14="http://schemas.microsoft.com/office/powerpoint/2010/main" Requires="p14">
+    <mc:Choice xmlns:p14="http://schemas.microsoft.com/office/powerpoint/2010/main" xmlns="" Requires="p14">
       <p:transition p14:dur="0" advTm="3000"/>
     </mc:Choice>
     <mc:Fallback>
@@ -13658,10 +17005,6 @@
               </a:rPr>
               <a:t>课题背景及意义</a:t>
             </a:r>
-            <a:endParaRPr lang="zh-CN" altLang="en-US" sz="2700" b="1" dirty="0">
-              <a:cs typeface="+mn-ea"/>
-              <a:sym typeface="+mn-lt"/>
-            </a:endParaRPr>
           </a:p>
         </p:txBody>
       </p:sp>
@@ -14008,10 +17351,10 @@
           <p:nvPr/>
         </p:nvPicPr>
         <p:blipFill>
-          <a:blip r:embed="rId1" cstate="print">
+          <a:blip r:embed="rId3" cstate="print">
             <a:extLst>
               <a:ext uri="{28A0092B-C50C-407E-A947-70E740481C1C}">
-                <a14:useLocalDpi xmlns:a14="http://schemas.microsoft.com/office/drawing/2010/main" val="0"/>
+                <a14:useLocalDpi xmlns:a14="http://schemas.microsoft.com/office/drawing/2010/main" xmlns="" val="0"/>
               </a:ext>
             </a:extLst>
           </a:blip>
@@ -14065,10 +17408,6 @@
               </a:rPr>
               <a:t>研究目标</a:t>
             </a:r>
-            <a:endParaRPr lang="zh-CN" altLang="en-US" sz="2700" b="1" dirty="0">
-              <a:cs typeface="+mn-ea"/>
-              <a:sym typeface="+mn-lt"/>
-            </a:endParaRPr>
           </a:p>
         </p:txBody>
       </p:sp>
@@ -14524,7 +17863,7 @@
           <p:nvPr/>
         </p:nvPicPr>
         <p:blipFill>
-          <a:blip r:embed="rId2" cstate="print"/>
+          <a:blip r:embed="rId4" cstate="print"/>
           <a:srcRect/>
           <a:stretch>
             <a:fillRect/>
@@ -14557,7 +17896,7 @@
           <p:nvPr/>
         </p:nvPicPr>
         <p:blipFill>
-          <a:blip r:embed="rId3" cstate="print"/>
+          <a:blip r:embed="rId5" cstate="print"/>
           <a:srcRect/>
           <a:stretch>
             <a:fillRect/>
@@ -14587,7 +17926,7 @@
     <a:masterClrMapping/>
   </p:clrMapOvr>
   <mc:AlternateContent xmlns:mc="http://schemas.openxmlformats.org/markup-compatibility/2006">
-    <mc:Choice xmlns:p14="http://schemas.microsoft.com/office/powerpoint/2010/main" Requires="p14">
+    <mc:Choice xmlns:p14="http://schemas.microsoft.com/office/powerpoint/2010/main" xmlns="" Requires="p14">
       <p:transition p14:dur="10" advTm="3000"/>
     </mc:Choice>
     <mc:Fallback>
@@ -14815,10 +18154,6 @@
               </a:rPr>
               <a:t>研究技术路线</a:t>
             </a:r>
-            <a:endParaRPr lang="zh-CN" altLang="en-US" sz="3200" b="1" dirty="0">
-              <a:cs typeface="+mn-ea"/>
-              <a:sym typeface="+mn-lt"/>
-            </a:endParaRPr>
           </a:p>
         </p:txBody>
       </p:sp>
@@ -14831,10 +18166,10 @@
           <p:nvPr/>
         </p:nvPicPr>
         <p:blipFill>
-          <a:blip r:embed="rId1" cstate="print">
+          <a:blip r:embed="rId3" cstate="print">
             <a:extLst>
               <a:ext uri="{28A0092B-C50C-407E-A947-70E740481C1C}">
-                <a14:useLocalDpi xmlns:a14="http://schemas.microsoft.com/office/drawing/2010/main" val="0"/>
+                <a14:useLocalDpi xmlns:a14="http://schemas.microsoft.com/office/drawing/2010/main" xmlns="" val="0"/>
               </a:ext>
             </a:extLst>
           </a:blip>
@@ -14852,47 +18187,6 @@
           </a:prstGeom>
         </p:spPr>
       </p:pic>
-      <p:sp>
-        <p:nvSpPr>
-          <p:cNvPr id="2" name="Rectangle 99"/>
-          <p:cNvSpPr/>
-          <p:nvPr/>
-        </p:nvSpPr>
-        <p:spPr>
-          <a:xfrm>
-            <a:off x="1117291" y="2087146"/>
-            <a:ext cx="1559448" cy="530894"/>
-          </a:xfrm>
-          <a:prstGeom prst="rect">
-            <a:avLst/>
-          </a:prstGeom>
-        </p:spPr>
-        <p:txBody>
-          <a:bodyPr wrap="square" lIns="91420" tIns="45710" rIns="91420" bIns="45710">
-            <a:spAutoFit/>
-          </a:bodyPr>
-          <a:lstStyle/>
-          <a:p>
-            <a:pPr>
-              <a:lnSpc>
-                <a:spcPct val="150000"/>
-              </a:lnSpc>
-              <a:buNone/>
-            </a:pPr>
-            <a:r>
-              <a:rPr lang="zh-CN" altLang="en-US" sz="1900" b="1" dirty="0">
-                <a:cs typeface="+mn-ea"/>
-                <a:sym typeface="+mn-lt"/>
-              </a:rPr>
-              <a:t>多视角图像</a:t>
-            </a:r>
-            <a:endParaRPr lang="en-US" altLang="zh-CN" sz="1900" b="1" dirty="0">
-              <a:cs typeface="+mn-ea"/>
-              <a:sym typeface="+mn-lt"/>
-            </a:endParaRPr>
-          </a:p>
-        </p:txBody>
-      </p:sp>
       <p:pic>
         <p:nvPicPr>
           <p:cNvPr id="4" name="图片 3"/>
@@ -14902,10 +18196,10 @@
           <p:nvPr/>
         </p:nvPicPr>
         <p:blipFill>
-          <a:blip r:embed="rId2" cstate="print">
+          <a:blip r:embed="rId4" cstate="print">
             <a:extLst>
               <a:ext uri="{28A0092B-C50C-407E-A947-70E740481C1C}">
-                <a14:useLocalDpi xmlns:a14="http://schemas.microsoft.com/office/drawing/2010/main" val="0"/>
+                <a14:useLocalDpi xmlns:a14="http://schemas.microsoft.com/office/drawing/2010/main" xmlns="" val="0"/>
               </a:ext>
             </a:extLst>
           </a:blip>
@@ -14932,10 +18226,10 @@
           <p:nvPr/>
         </p:nvPicPr>
         <p:blipFill>
-          <a:blip r:embed="rId3" cstate="print">
+          <a:blip r:embed="rId5" cstate="print">
             <a:extLst>
               <a:ext uri="{28A0092B-C50C-407E-A947-70E740481C1C}">
-                <a14:useLocalDpi xmlns:a14="http://schemas.microsoft.com/office/drawing/2010/main" val="0"/>
+                <a14:useLocalDpi xmlns:a14="http://schemas.microsoft.com/office/drawing/2010/main" xmlns="" val="0"/>
               </a:ext>
             </a:extLst>
           </a:blip>
@@ -14962,10 +18256,10 @@
           <p:nvPr/>
         </p:nvPicPr>
         <p:blipFill>
-          <a:blip r:embed="rId4" cstate="print">
+          <a:blip r:embed="rId6" cstate="print">
             <a:extLst>
               <a:ext uri="{28A0092B-C50C-407E-A947-70E740481C1C}">
-                <a14:useLocalDpi xmlns:a14="http://schemas.microsoft.com/office/drawing/2010/main" val="0"/>
+                <a14:useLocalDpi xmlns:a14="http://schemas.microsoft.com/office/drawing/2010/main" xmlns="" val="0"/>
               </a:ext>
             </a:extLst>
           </a:blip>
@@ -14992,10 +18286,10 @@
           <p:nvPr/>
         </p:nvPicPr>
         <p:blipFill>
-          <a:blip r:embed="rId5" cstate="print">
+          <a:blip r:embed="rId7" cstate="print">
             <a:extLst>
               <a:ext uri="{28A0092B-C50C-407E-A947-70E740481C1C}">
-                <a14:useLocalDpi xmlns:a14="http://schemas.microsoft.com/office/drawing/2010/main" val="0"/>
+                <a14:useLocalDpi xmlns:a14="http://schemas.microsoft.com/office/drawing/2010/main" xmlns="" val="0"/>
               </a:ext>
             </a:extLst>
           </a:blip>
@@ -15022,10 +18316,10 @@
           <p:nvPr/>
         </p:nvPicPr>
         <p:blipFill>
-          <a:blip r:embed="rId6" cstate="print">
+          <a:blip r:embed="rId8" cstate="print">
             <a:extLst>
               <a:ext uri="{28A0092B-C50C-407E-A947-70E740481C1C}">
-                <a14:useLocalDpi xmlns:a14="http://schemas.microsoft.com/office/drawing/2010/main" val="0"/>
+                <a14:useLocalDpi xmlns:a14="http://schemas.microsoft.com/office/drawing/2010/main" xmlns="" val="0"/>
               </a:ext>
             </a:extLst>
           </a:blip>
@@ -15052,10 +18346,10 @@
           <p:nvPr/>
         </p:nvPicPr>
         <p:blipFill>
-          <a:blip r:embed="rId7" cstate="print">
+          <a:blip r:embed="rId9" cstate="print">
             <a:extLst>
               <a:ext uri="{28A0092B-C50C-407E-A947-70E740481C1C}">
-                <a14:useLocalDpi xmlns:a14="http://schemas.microsoft.com/office/drawing/2010/main" val="0"/>
+                <a14:useLocalDpi xmlns:a14="http://schemas.microsoft.com/office/drawing/2010/main" xmlns="" val="0"/>
               </a:ext>
             </a:extLst>
           </a:blip>
@@ -15082,10 +18376,10 @@
           <p:nvPr/>
         </p:nvPicPr>
         <p:blipFill>
-          <a:blip r:embed="rId8" cstate="print">
+          <a:blip r:embed="rId10" cstate="print">
             <a:extLst>
               <a:ext uri="{28A0092B-C50C-407E-A947-70E740481C1C}">
-                <a14:useLocalDpi xmlns:a14="http://schemas.microsoft.com/office/drawing/2010/main" val="0"/>
+                <a14:useLocalDpi xmlns:a14="http://schemas.microsoft.com/office/drawing/2010/main" xmlns="" val="0"/>
               </a:ext>
             </a:extLst>
           </a:blip>
@@ -15112,7 +18406,7 @@
           <p:nvPr/>
         </p:nvPicPr>
         <p:blipFill rotWithShape="1">
-          <a:blip r:embed="rId9"/>
+          <a:blip r:embed="rId11"/>
           <a:srcRect t="29334"/>
           <a:stretch>
             <a:fillRect/>
@@ -15178,7 +18472,7 @@
           <p:nvPr/>
         </p:nvPicPr>
         <p:blipFill>
-          <a:blip r:embed="rId10" cstate="print"/>
+          <a:blip r:embed="rId12" cstate="print"/>
           <a:stretch>
             <a:fillRect/>
           </a:stretch>
@@ -15202,7 +18496,7 @@
           <p:nvPr/>
         </p:nvPicPr>
         <p:blipFill>
-          <a:blip r:embed="rId11" cstate="print"/>
+          <a:blip r:embed="rId13" cstate="print"/>
           <a:stretch>
             <a:fillRect/>
           </a:stretch>
@@ -15336,7 +18630,7 @@
           <p:nvPr/>
         </p:nvPicPr>
         <p:blipFill>
-          <a:blip r:embed="rId12" cstate="print"/>
+          <a:blip r:embed="rId14" cstate="print"/>
           <a:stretch>
             <a:fillRect/>
           </a:stretch>
@@ -15360,7 +18654,7 @@
           <p:nvPr/>
         </p:nvPicPr>
         <p:blipFill rotWithShape="1">
-          <a:blip r:embed="rId13" cstate="print"/>
+          <a:blip r:embed="rId15" cstate="print"/>
           <a:srcRect l="12605"/>
           <a:stretch>
             <a:fillRect/>
@@ -15467,7 +18761,7 @@
           <p:nvPr/>
         </p:nvPicPr>
         <p:blipFill>
-          <a:blip r:embed="rId14" cstate="print"/>
+          <a:blip r:embed="rId16" cstate="print"/>
           <a:stretch>
             <a:fillRect/>
           </a:stretch>
@@ -15532,7 +18826,7 @@
           <p:nvPr/>
         </p:nvPicPr>
         <p:blipFill>
-          <a:blip r:embed="rId15" cstate="print"/>
+          <a:blip r:embed="rId17" cstate="print"/>
           <a:stretch>
             <a:fillRect/>
           </a:stretch>
@@ -15556,7 +18850,7 @@
           <p:nvPr/>
         </p:nvPicPr>
         <p:blipFill>
-          <a:blip r:embed="rId16" cstate="print"/>
+          <a:blip r:embed="rId18" cstate="print"/>
           <a:stretch>
             <a:fillRect/>
           </a:stretch>
@@ -15675,7 +18969,7 @@
           <p:nvPr/>
         </p:nvPicPr>
         <p:blipFill>
-          <a:blip r:embed="rId17"/>
+          <a:blip r:embed="rId19"/>
           <a:stretch>
             <a:fillRect/>
           </a:stretch>
@@ -15754,7 +19048,7 @@
           <p:nvPr/>
         </p:nvPicPr>
         <p:blipFill>
-          <a:blip r:embed="rId18"/>
+          <a:blip r:embed="rId20"/>
           <a:stretch>
             <a:fillRect/>
           </a:stretch>
@@ -15819,7 +19113,7 @@
           <p:nvPr/>
         </p:nvPicPr>
         <p:blipFill>
-          <a:blip r:embed="rId19"/>
+          <a:blip r:embed="rId21"/>
           <a:stretch>
             <a:fillRect/>
           </a:stretch>
@@ -15891,7 +19185,7 @@
           <p:nvPr/>
         </p:nvPicPr>
         <p:blipFill>
-          <a:blip r:embed="rId20"/>
+          <a:blip r:embed="rId22"/>
           <a:stretch>
             <a:fillRect/>
           </a:stretch>
@@ -16942,7 +20236,7 @@
     <a:masterClrMapping/>
   </p:clrMapOvr>
   <mc:AlternateContent xmlns:mc="http://schemas.openxmlformats.org/markup-compatibility/2006">
-    <mc:Choice xmlns:p14="http://schemas.microsoft.com/office/powerpoint/2010/main" Requires="p14">
+    <mc:Choice xmlns:p14="http://schemas.microsoft.com/office/powerpoint/2010/main" xmlns="" Requires="p14">
       <p:transition p14:dur="0" advTm="3000"/>
     </mc:Choice>
     <mc:Fallback>
@@ -17069,15 +20363,6 @@
                 </a:rPr>
                 <a:t>目   录</a:t>
               </a:r>
-              <a:endParaRPr lang="zh-CN" altLang="en-US" sz="2700" b="1" dirty="0">
-                <a:solidFill>
-                  <a:schemeClr val="tx1">
-                    <a:lumMod val="85000"/>
-                    <a:lumOff val="15000"/>
-                  </a:schemeClr>
-                </a:solidFill>
-                <a:latin typeface="Century Gothic" panose="020B0502020202020204" pitchFamily="34" charset="0"/>
-              </a:endParaRPr>
             </a:p>
           </p:txBody>
         </p:sp>
@@ -17490,15 +20775,6 @@
                 </a:rPr>
                 <a:t>课题背景</a:t>
               </a:r>
-              <a:endParaRPr lang="zh-CN" altLang="en-US" sz="3200" dirty="0">
-                <a:solidFill>
-                  <a:schemeClr val="tx1">
-                    <a:lumMod val="85000"/>
-                    <a:lumOff val="15000"/>
-                  </a:schemeClr>
-                </a:solidFill>
-                <a:latin typeface="+mn-ea"/>
-              </a:endParaRPr>
             </a:p>
           </p:txBody>
         </p:sp>
@@ -17724,12 +21000,6 @@
                 </a:rPr>
                 <a:t>工作进展</a:t>
               </a:r>
-              <a:endParaRPr lang="zh-CN" altLang="en-US" sz="3200" dirty="0">
-                <a:solidFill>
-                  <a:schemeClr val="bg1"/>
-                </a:solidFill>
-                <a:latin typeface="+mn-ea"/>
-              </a:endParaRPr>
             </a:p>
           </p:txBody>
         </p:sp>
@@ -18296,7 +21566,7 @@
     <a:masterClrMapping/>
   </p:clrMapOvr>
   <mc:AlternateContent xmlns:mc="http://schemas.openxmlformats.org/markup-compatibility/2006">
-    <mc:Choice xmlns:p14="http://schemas.microsoft.com/office/powerpoint/2010/main" Requires="p14">
+    <mc:Choice xmlns:p14="http://schemas.microsoft.com/office/powerpoint/2010/main" xmlns="" Requires="p14">
       <p:transition p14:dur="0" advTm="3000"/>
     </mc:Choice>
     <mc:Fallback>
@@ -18603,9 +21873,6 @@
               </a:rPr>
               <a:t>，对未溶解金属重新计算并校正腐蚀电位，校正溶解电流密度，计算腐蚀速率</a:t>
             </a:r>
-            <a:endParaRPr lang="zh-CN" altLang="en-US" b="1" dirty="0">
-              <a:sym typeface="+mn-lt"/>
-            </a:endParaRPr>
           </a:p>
         </p:txBody>
       </p:sp>
@@ -18618,10 +21885,10 @@
           <p:nvPr/>
         </p:nvPicPr>
         <p:blipFill>
-          <a:blip r:embed="rId1" cstate="print">
+          <a:blip r:embed="rId3" cstate="print">
             <a:extLst>
               <a:ext uri="{28A0092B-C50C-407E-A947-70E740481C1C}">
-                <a14:useLocalDpi xmlns:a14="http://schemas.microsoft.com/office/drawing/2010/main" val="0"/>
+                <a14:useLocalDpi xmlns:a14="http://schemas.microsoft.com/office/drawing/2010/main" xmlns="" val="0"/>
               </a:ext>
             </a:extLst>
           </a:blip>
@@ -18819,7 +22086,7 @@
           <p:nvPr/>
         </p:nvPicPr>
         <p:blipFill>
-          <a:blip r:embed="rId2"/>
+          <a:blip r:embed="rId4"/>
           <a:stretch>
             <a:fillRect/>
           </a:stretch>
@@ -18854,12 +22121,12 @@
           <a:bodyPr wrap="square" rtlCol="0" anchor="t">
             <a:spAutoFit/>
           </a:bodyPr>
+          <a:lstStyle/>
           <a:p>
             <a:r>
               <a:rPr lang="zh-CN" altLang="en-US"/>
               <a:t>“溶解-电离-沉积” 模型的示意图</a:t>
             </a:r>
-            <a:endParaRPr lang="zh-CN" altLang="en-US"/>
           </a:p>
         </p:txBody>
       </p:sp>
@@ -18869,7 +22136,7 @@
     <a:masterClrMapping/>
   </p:clrMapOvr>
   <mc:AlternateContent xmlns:mc="http://schemas.openxmlformats.org/markup-compatibility/2006">
-    <mc:Choice xmlns:p14="http://schemas.microsoft.com/office/powerpoint/2010/main" Requires="p14">
+    <mc:Choice xmlns:p14="http://schemas.microsoft.com/office/powerpoint/2010/main" xmlns="" Requires="p14">
       <p:transition p14:dur="0" advTm="3000"/>
     </mc:Choice>
     <mc:Fallback>
@@ -18919,11 +22186,11 @@
           <a:lstStyle/>
           <a:p>
             <a:r>
-              <a:rPr lang="en-US" altLang="zh-CN" sz="3200" b="1" dirty="0">
+              <a:rPr lang="en-US" altLang="zh-CN" sz="3200" b="1" dirty="0" smtClean="0">
                 <a:cs typeface="+mn-ea"/>
                 <a:sym typeface="+mn-lt"/>
               </a:rPr>
-              <a:t>2.8 </a:t>
+              <a:t>2.2 </a:t>
             </a:r>
             <a:r>
               <a:rPr lang="zh-CN" altLang="en-US" sz="3200" b="1" dirty="0">
@@ -18932,10 +22199,6 @@
               </a:rPr>
               <a:t>平衡电位与腐蚀电位</a:t>
             </a:r>
-            <a:endParaRPr lang="zh-CN" altLang="en-US" sz="3200" b="1" dirty="0">
-              <a:cs typeface="+mn-ea"/>
-              <a:sym typeface="+mn-lt"/>
-            </a:endParaRPr>
           </a:p>
         </p:txBody>
       </p:sp>
@@ -19169,10 +22432,10 @@
           <p:nvPr/>
         </p:nvPicPr>
         <p:blipFill>
-          <a:blip r:embed="rId1" cstate="print">
+          <a:blip r:embed="rId3" cstate="print">
             <a:extLst>
               <a:ext uri="{28A0092B-C50C-407E-A947-70E740481C1C}">
-                <a14:useLocalDpi xmlns:a14="http://schemas.microsoft.com/office/drawing/2010/main" val="0"/>
+                <a14:useLocalDpi xmlns:a14="http://schemas.microsoft.com/office/drawing/2010/main" xmlns="" val="0"/>
               </a:ext>
             </a:extLst>
           </a:blip>
@@ -19362,7 +22625,7 @@
         </p:txBody>
       </p:sp>
       <mc:AlternateContent xmlns:mc="http://schemas.openxmlformats.org/markup-compatibility/2006">
-        <mc:Choice xmlns:a14="http://schemas.microsoft.com/office/drawing/2010/main" Requires="a14">
+        <mc:Choice xmlns:a14="http://schemas.microsoft.com/office/drawing/2010/main" xmlns="" Requires="a14">
           <p:sp>
             <p:nvSpPr>
               <p:cNvPr id="2" name="文本框 1"/>
@@ -19402,7 +22665,7 @@
                     <a:effectLst/>
                     <a:ea typeface="Cambria Math" panose="02040503050406030204" pitchFamily="18" charset="0"/>
                   </a:rPr>
-                  <a:t> </a:t>
+                  <a:t/>
                 </a:r>
                 <a14:m>
                   <m:oMath xmlns:m="http://schemas.openxmlformats.org/officeDocument/2006/math">
@@ -19731,7 +22994,7 @@
                     <a:uFillTx/>
                     <a:ea typeface="Cambria Math" panose="02040503050406030204" pitchFamily="18" charset="0"/>
                   </a:rPr>
-                  <a:t> </a:t>
+                  <a:t/>
                 </a:r>
                 <a14:m>
                   <m:oMath xmlns:m="http://schemas.openxmlformats.org/officeDocument/2006/math">
@@ -21654,7 +24917,7 @@
                     </a:solidFill>
                     <a:ea typeface="Cambria Math" panose="02040503050406030204" pitchFamily="18" charset="0"/>
                   </a:rPr>
-                  <a:t> </a:t>
+                  <a:t/>
                 </a:r>
                 <a14:m>
                   <m:oMath xmlns:m="http://schemas.openxmlformats.org/officeDocument/2006/math">
@@ -21711,7 +24974,7 @@
                     </a:solidFill>
                     <a:ea typeface="Cambria Math" panose="02040503050406030204" pitchFamily="18" charset="0"/>
                   </a:rPr>
-                  <a:t> </a:t>
+                  <a:t/>
                 </a:r>
                 <a14:m>
                   <m:oMath xmlns:m="http://schemas.openxmlformats.org/officeDocument/2006/math">
@@ -21780,7 +25043,7 @@
                 <a:avLst/>
               </a:prstGeom>
               <a:blipFill rotWithShape="1">
-                <a:blip r:embed="rId2"/>
+                <a:blip r:embed="rId4"/>
                 <a:stretch>
                   <a:fillRect l="-2" t="-19" r="2" b="19"/>
                 </a:stretch>
@@ -21807,7 +25070,7 @@
     <a:masterClrMapping/>
   </p:clrMapOvr>
   <mc:AlternateContent xmlns:mc="http://schemas.openxmlformats.org/markup-compatibility/2006">
-    <mc:Choice xmlns:p14="http://schemas.microsoft.com/office/powerpoint/2010/main" Requires="p14">
+    <mc:Choice xmlns:p14="http://schemas.microsoft.com/office/powerpoint/2010/main" xmlns="" Requires="p14">
       <p:transition p14:dur="0" advTm="3000"/>
     </mc:Choice>
     <mc:Fallback>
@@ -21857,11 +25120,11 @@
           <a:lstStyle/>
           <a:p>
             <a:r>
-              <a:rPr lang="en-US" altLang="zh-CN" sz="3200" b="1" dirty="0">
+              <a:rPr lang="en-US" altLang="zh-CN" sz="3200" b="1" dirty="0" smtClean="0">
                 <a:cs typeface="+mn-ea"/>
                 <a:sym typeface="+mn-lt"/>
               </a:rPr>
-              <a:t>2.9 </a:t>
+              <a:t>2.3 </a:t>
             </a:r>
             <a:r>
               <a:rPr lang="zh-CN" altLang="en-US" sz="3200" b="1" dirty="0">
@@ -21870,10 +25133,6 @@
               </a:rPr>
               <a:t>计算电流密度</a:t>
             </a:r>
-            <a:endParaRPr lang="zh-CN" altLang="en-US" sz="3200" b="1" dirty="0">
-              <a:cs typeface="+mn-ea"/>
-              <a:sym typeface="+mn-lt"/>
-            </a:endParaRPr>
           </a:p>
         </p:txBody>
       </p:sp>
@@ -22074,9 +25333,6 @@
               </a:rPr>
               <a:t>模型中我们需要计算电流的密度，从而为计算溶解层数提供基础数据</a:t>
             </a:r>
-            <a:endParaRPr lang="zh-CN" altLang="en-US" b="1" dirty="0">
-              <a:sym typeface="+mn-lt"/>
-            </a:endParaRPr>
           </a:p>
         </p:txBody>
       </p:sp>
@@ -22089,10 +25345,10 @@
           <p:nvPr/>
         </p:nvPicPr>
         <p:blipFill>
-          <a:blip r:embed="rId1" cstate="print">
+          <a:blip r:embed="rId3" cstate="print">
             <a:extLst>
               <a:ext uri="{28A0092B-C50C-407E-A947-70E740481C1C}">
-                <a14:useLocalDpi xmlns:a14="http://schemas.microsoft.com/office/drawing/2010/main" val="0"/>
+                <a14:useLocalDpi xmlns:a14="http://schemas.microsoft.com/office/drawing/2010/main" xmlns="" val="0"/>
               </a:ext>
             </a:extLst>
           </a:blip>
@@ -22282,7 +25538,7 @@
         </p:txBody>
       </p:sp>
       <mc:AlternateContent xmlns:mc="http://schemas.openxmlformats.org/markup-compatibility/2006">
-        <mc:Choice xmlns:a14="http://schemas.microsoft.com/office/drawing/2010/main" Requires="a14">
+        <mc:Choice xmlns:a14="http://schemas.microsoft.com/office/drawing/2010/main" xmlns="" Requires="a14">
           <p:sp>
             <p:nvSpPr>
               <p:cNvPr id="10" name="文本框 9"/>
@@ -22416,7 +25672,7 @@
                 <a:avLst/>
               </a:prstGeom>
               <a:blipFill rotWithShape="1">
-                <a:blip r:embed="rId2"/>
+                <a:blip r:embed="rId4"/>
                 <a:stretch>
                   <a:fillRect l="-7" t="-46" r="7" b="164"/>
                 </a:stretch>
@@ -22438,7 +25694,7 @@
         </mc:Fallback>
       </mc:AlternateContent>
       <mc:AlternateContent xmlns:mc="http://schemas.openxmlformats.org/markup-compatibility/2006">
-        <mc:Choice xmlns:a14="http://schemas.microsoft.com/office/drawing/2010/main" Requires="a14">
+        <mc:Choice xmlns:a14="http://schemas.microsoft.com/office/drawing/2010/main" xmlns="" Requires="a14">
           <p:sp>
             <p:nvSpPr>
               <p:cNvPr id="11" name="文本框 10"/>
@@ -22538,7 +25794,7 @@
                 <a:avLst/>
               </a:prstGeom>
               <a:blipFill rotWithShape="1">
-                <a:blip r:embed="rId3"/>
+                <a:blip r:embed="rId5"/>
                 <a:stretch>
                   <a:fillRect l="-7" t="-52" r="7" b="52"/>
                 </a:stretch>
@@ -22568,7 +25824,7 @@
           <p:nvPr/>
         </p:nvPicPr>
         <p:blipFill>
-          <a:blip r:embed="rId4"/>
+          <a:blip r:embed="rId6"/>
           <a:stretch>
             <a:fillRect/>
           </a:stretch>
@@ -22589,7 +25845,7 @@
     <a:masterClrMapping/>
   </p:clrMapOvr>
   <mc:AlternateContent xmlns:mc="http://schemas.openxmlformats.org/markup-compatibility/2006">
-    <mc:Choice xmlns:p14="http://schemas.microsoft.com/office/powerpoint/2010/main" Requires="p14">
+    <mc:Choice xmlns:p14="http://schemas.microsoft.com/office/powerpoint/2010/main" xmlns="" Requires="p14">
       <p:transition p14:dur="0" advTm="3000"/>
     </mc:Choice>
     <mc:Fallback>
@@ -22600,7 +25856,7 @@
 </file>
 
 <file path=ppt/tags/tag1.xml><?xml version="1.0" encoding="utf-8"?>
-<p:tagLst xmlns:p="http://schemas.openxmlformats.org/presentationml/2006/main">
+<p:tagLst xmlns:a="http://schemas.openxmlformats.org/drawingml/2006/main" xmlns:r="http://schemas.openxmlformats.org/officeDocument/2006/relationships" xmlns:p="http://schemas.openxmlformats.org/presentationml/2006/main">
   <p:tag name="KSO_WPP_MARK_KEY" val="b9e83004-d3c6-49b5-9d92-5cd1f8e4e585"/>
   <p:tag name="COMMONDATA" val="eyJoZGlkIjoiYWYzZTAyOTAwMTgwMTZiNTU2NzVkMjkxMzk2ZDIwNDYifQ=="/>
 </p:tagLst>
@@ -22857,9 +26113,11 @@
       </a:bgFillStyleLst>
     </a:fmtScheme>
   </a:themeElements>
+  <a:objectDefaults/>
+  <a:extraClrSchemeLst/>
   <a:extLst>
     <a:ext uri="{05A4C25C-085E-4340-85A3-A5531E510DB2}">
-      <thm15:themeFamily xmlns:thm15="http://schemas.microsoft.com/office/thememl/2012/main" name="Office Theme" id="{62F939B6-93AF-4DB8-9C6B-D6C7DFDC589F}" vid="{4A3C46E8-61CC-4603-A589-7422A47A8E4A}"/>
+      <thm15:themeFamily xmlns:thm15="http://schemas.microsoft.com/office/thememl/2012/main" xmlns="" name="Office Theme" id="{62F939B6-93AF-4DB8-9C6B-D6C7DFDC589F}" vid="{4A3C46E8-61CC-4603-A589-7422A47A8E4A}"/>
     </a:ext>
   </a:extLst>
 </a:theme>
@@ -23143,9 +26401,11 @@
       </a:bgFillStyleLst>
     </a:fmtScheme>
   </a:themeElements>
+  <a:objectDefaults/>
+  <a:extraClrSchemeLst/>
   <a:extLst>
     <a:ext uri="{05A4C25C-085E-4340-85A3-A5531E510DB2}">
-      <thm15:themeFamily xmlns:thm15="http://schemas.microsoft.com/office/thememl/2012/main" name="Office Theme" id="{62F939B6-93AF-4DB8-9C6B-D6C7DFDC589F}" vid="{4A3C46E8-61CC-4603-A589-7422A47A8E4A}"/>
+      <thm15:themeFamily xmlns:thm15="http://schemas.microsoft.com/office/thememl/2012/main" xmlns="" name="Office Theme" id="{62F939B6-93AF-4DB8-9C6B-D6C7DFDC589F}" vid="{4A3C46E8-61CC-4603-A589-7422A47A8E4A}"/>
     </a:ext>
   </a:extLst>
 </a:theme>

--- a/docs/邵亚东.pptx
+++ b/docs/邵亚东.pptx
@@ -19,8 +19,8 @@
     <p:sldId id="270" r:id="rId10"/>
     <p:sldId id="271" r:id="rId11"/>
     <p:sldId id="288" r:id="rId12"/>
-    <p:sldId id="289" r:id="rId13"/>
-    <p:sldId id="290" r:id="rId14"/>
+    <p:sldId id="290" r:id="rId13"/>
+    <p:sldId id="289" r:id="rId14"/>
     <p:sldId id="283" r:id="rId15"/>
     <p:sldId id="284" r:id="rId16"/>
     <p:sldId id="285" r:id="rId17"/>
@@ -213,7 +213,7 @@
             <a:fld id="{5DF210F2-9884-44B6-AE81-5396B13D808F}" type="datetimeFigureOut">
               <a:rPr lang="zh-CN" altLang="en-US" smtClean="0"/>
               <a:pPr/>
-              <a:t>2022/11/28</a:t>
+              <a:t>2022/12/1</a:t>
             </a:fld>
             <a:endParaRPr lang="zh-CN" altLang="en-US"/>
           </a:p>
@@ -2051,7 +2051,7 @@
             <a:fld id="{D997B5FA-0921-464F-AAE1-844C04324D75}" type="datetimeFigureOut">
               <a:rPr lang="zh-CN" altLang="en-US" smtClean="0"/>
               <a:pPr/>
-              <a:t>2022/11/28</a:t>
+              <a:t>2022/12/1</a:t>
             </a:fld>
             <a:endParaRPr lang="zh-CN" altLang="en-US"/>
           </a:p>
@@ -2218,7 +2218,7 @@
             <a:fld id="{D997B5FA-0921-464F-AAE1-844C04324D75}" type="datetimeFigureOut">
               <a:rPr lang="zh-CN" altLang="en-US" smtClean="0"/>
               <a:pPr/>
-              <a:t>2022/11/28</a:t>
+              <a:t>2022/12/1</a:t>
             </a:fld>
             <a:endParaRPr lang="zh-CN" altLang="en-US"/>
           </a:p>
@@ -2395,7 +2395,7 @@
             <a:fld id="{D997B5FA-0921-464F-AAE1-844C04324D75}" type="datetimeFigureOut">
               <a:rPr lang="zh-CN" altLang="en-US" smtClean="0"/>
               <a:pPr/>
-              <a:t>2022/11/28</a:t>
+              <a:t>2022/12/1</a:t>
             </a:fld>
             <a:endParaRPr lang="zh-CN" altLang="en-US"/>
           </a:p>
@@ -2595,7 +2595,7 @@
             <a:fld id="{D997B5FA-0921-464F-AAE1-844C04324D75}" type="datetimeFigureOut">
               <a:rPr lang="zh-CN" altLang="en-US" smtClean="0"/>
               <a:pPr/>
-              <a:t>2022/11/28</a:t>
+              <a:t>2022/12/1</a:t>
             </a:fld>
             <a:endParaRPr lang="zh-CN" altLang="en-US"/>
           </a:p>
@@ -2838,7 +2838,7 @@
             <a:fld id="{D997B5FA-0921-464F-AAE1-844C04324D75}" type="datetimeFigureOut">
               <a:rPr lang="zh-CN" altLang="en-US" smtClean="0"/>
               <a:pPr/>
-              <a:t>2022/11/28</a:t>
+              <a:t>2022/12/1</a:t>
             </a:fld>
             <a:endParaRPr lang="zh-CN" altLang="en-US"/>
           </a:p>
@@ -3067,7 +3067,7 @@
             <a:fld id="{D997B5FA-0921-464F-AAE1-844C04324D75}" type="datetimeFigureOut">
               <a:rPr lang="zh-CN" altLang="en-US" smtClean="0"/>
               <a:pPr/>
-              <a:t>2022/11/28</a:t>
+              <a:t>2022/12/1</a:t>
             </a:fld>
             <a:endParaRPr lang="zh-CN" altLang="en-US"/>
           </a:p>
@@ -3431,7 +3431,7 @@
             <a:fld id="{D997B5FA-0921-464F-AAE1-844C04324D75}" type="datetimeFigureOut">
               <a:rPr lang="zh-CN" altLang="en-US" smtClean="0"/>
               <a:pPr/>
-              <a:t>2022/11/28</a:t>
+              <a:t>2022/12/1</a:t>
             </a:fld>
             <a:endParaRPr lang="zh-CN" altLang="en-US"/>
           </a:p>
@@ -3546,7 +3546,7 @@
             <a:fld id="{D997B5FA-0921-464F-AAE1-844C04324D75}" type="datetimeFigureOut">
               <a:rPr lang="zh-CN" altLang="en-US" smtClean="0"/>
               <a:pPr/>
-              <a:t>2022/11/28</a:t>
+              <a:t>2022/12/1</a:t>
             </a:fld>
             <a:endParaRPr lang="zh-CN" altLang="en-US"/>
           </a:p>
@@ -3638,7 +3638,7 @@
             <a:fld id="{D997B5FA-0921-464F-AAE1-844C04324D75}" type="datetimeFigureOut">
               <a:rPr lang="zh-CN" altLang="en-US" smtClean="0"/>
               <a:pPr/>
-              <a:t>2022/11/28</a:t>
+              <a:t>2022/12/1</a:t>
             </a:fld>
             <a:endParaRPr lang="zh-CN" altLang="en-US"/>
           </a:p>
@@ -3912,7 +3912,7 @@
             <a:fld id="{D997B5FA-0921-464F-AAE1-844C04324D75}" type="datetimeFigureOut">
               <a:rPr lang="zh-CN" altLang="en-US" smtClean="0"/>
               <a:pPr/>
-              <a:t>2022/11/28</a:t>
+              <a:t>2022/12/1</a:t>
             </a:fld>
             <a:endParaRPr lang="zh-CN" altLang="en-US"/>
           </a:p>
@@ -4162,7 +4162,7 @@
             <a:fld id="{D997B5FA-0921-464F-AAE1-844C04324D75}" type="datetimeFigureOut">
               <a:rPr lang="zh-CN" altLang="en-US" smtClean="0"/>
               <a:pPr/>
-              <a:t>2022/11/28</a:t>
+              <a:t>2022/12/1</a:t>
             </a:fld>
             <a:endParaRPr lang="zh-CN" altLang="en-US"/>
           </a:p>
@@ -4372,7 +4372,7 @@
             <a:fld id="{D997B5FA-0921-464F-AAE1-844C04324D75}" type="datetimeFigureOut">
               <a:rPr lang="zh-CN" altLang="en-US" smtClean="0"/>
               <a:pPr/>
-              <a:t>2022/11/28</a:t>
+              <a:t>2022/12/1</a:t>
             </a:fld>
             <a:endParaRPr lang="zh-CN" altLang="en-US"/>
           </a:p>
@@ -4981,7 +4981,77 @@
                 <a:cs typeface="+mn-ea"/>
                 <a:sym typeface="+mn-lt"/>
               </a:rPr>
-              <a:t>基于深度强化学习</a:t>
+              <a:t>基于深度强化学习的</a:t>
+            </a:r>
+            <a:r>
+              <a:rPr lang="en-US" altLang="zh-CN" sz="5400" b="1" dirty="0" smtClean="0">
+                <a:solidFill>
+                  <a:schemeClr val="bg1"/>
+                </a:solidFill>
+                <a:cs typeface="+mn-ea"/>
+                <a:sym typeface="+mn-lt"/>
+              </a:rPr>
+              <a:t>Mg-</a:t>
+            </a:r>
+            <a:r>
+              <a:rPr lang="en-US" altLang="zh-CN" sz="5400" b="1" dirty="0" err="1" smtClean="0">
+                <a:solidFill>
+                  <a:schemeClr val="bg1"/>
+                </a:solidFill>
+                <a:cs typeface="+mn-ea"/>
+                <a:sym typeface="+mn-lt"/>
+              </a:rPr>
+              <a:t>Gd</a:t>
+            </a:r>
+            <a:r>
+              <a:rPr lang="en-US" altLang="zh-CN" sz="5400" b="1" dirty="0" smtClean="0">
+                <a:solidFill>
+                  <a:schemeClr val="bg1"/>
+                </a:solidFill>
+                <a:cs typeface="+mn-ea"/>
+                <a:sym typeface="+mn-lt"/>
+              </a:rPr>
+              <a:t>-</a:t>
+            </a:r>
+            <a:r>
+              <a:rPr lang="en-US" altLang="zh-CN" sz="5400" b="1" dirty="0" err="1" smtClean="0">
+                <a:solidFill>
+                  <a:schemeClr val="bg1"/>
+                </a:solidFill>
+                <a:cs typeface="+mn-ea"/>
+                <a:sym typeface="+mn-lt"/>
+              </a:rPr>
+              <a:t>Nd</a:t>
+            </a:r>
+            <a:r>
+              <a:rPr lang="en-US" altLang="zh-CN" sz="5400" b="1" dirty="0" smtClean="0">
+                <a:solidFill>
+                  <a:schemeClr val="bg1"/>
+                </a:solidFill>
+                <a:cs typeface="+mn-ea"/>
+                <a:sym typeface="+mn-lt"/>
+              </a:rPr>
+              <a:t>-</a:t>
+            </a:r>
+            <a:r>
+              <a:rPr lang="en-US" altLang="zh-CN" sz="5400" b="1" dirty="0" err="1" smtClean="0">
+                <a:solidFill>
+                  <a:schemeClr val="bg1"/>
+                </a:solidFill>
+                <a:cs typeface="+mn-ea"/>
+                <a:sym typeface="+mn-lt"/>
+              </a:rPr>
+              <a:t>Ln</a:t>
+            </a:r>
+            <a:r>
+              <a:rPr lang="zh-CN" altLang="en-US" sz="5400" b="1" dirty="0" smtClean="0">
+                <a:solidFill>
+                  <a:schemeClr val="bg1"/>
+                </a:solidFill>
+                <a:cs typeface="+mn-ea"/>
+                <a:sym typeface="+mn-lt"/>
+              </a:rPr>
+              <a:t>合金</a:t>
             </a:r>
             <a:r>
               <a:rPr lang="zh-CN" altLang="en-US" sz="5300" b="1" dirty="0" smtClean="0">
@@ -5000,115 +5070,7 @@
                 <a:cs typeface="+mn-ea"/>
                 <a:sym typeface="+mn-lt"/>
               </a:rPr>
-              <a:t>的</a:t>
-            </a:r>
-            <a:r>
-              <a:rPr lang="en-US" altLang="zh-CN" sz="5400" b="1" dirty="0" smtClean="0">
-                <a:solidFill>
-                  <a:schemeClr val="bg1"/>
-                </a:solidFill>
-                <a:cs typeface="+mn-ea"/>
-                <a:sym typeface="+mn-lt"/>
-              </a:rPr>
-              <a:t>Mg-</a:t>
-            </a:r>
-            <a:r>
-              <a:rPr lang="en-US" altLang="zh-CN" sz="5400" b="1" dirty="0" err="1" smtClean="0">
-                <a:solidFill>
-                  <a:schemeClr val="bg1"/>
-                </a:solidFill>
-                <a:cs typeface="+mn-ea"/>
-                <a:sym typeface="+mn-lt"/>
-              </a:rPr>
-              <a:t>Gd</a:t>
-            </a:r>
-            <a:r>
-              <a:rPr lang="en-US" altLang="zh-CN" sz="5400" b="1" dirty="0" smtClean="0">
-                <a:solidFill>
-                  <a:schemeClr val="bg1"/>
-                </a:solidFill>
-                <a:cs typeface="+mn-ea"/>
-                <a:sym typeface="+mn-lt"/>
-              </a:rPr>
-              <a:t>-</a:t>
-            </a:r>
-            <a:r>
-              <a:rPr lang="en-US" altLang="zh-CN" sz="5400" b="1" dirty="0" err="1" smtClean="0">
-                <a:solidFill>
-                  <a:schemeClr val="bg1"/>
-                </a:solidFill>
-                <a:cs typeface="+mn-ea"/>
-                <a:sym typeface="+mn-lt"/>
-              </a:rPr>
-              <a:t>Nd</a:t>
-            </a:r>
-            <a:r>
-              <a:rPr lang="en-US" altLang="zh-CN" sz="5400" b="1" dirty="0" smtClean="0">
-                <a:solidFill>
-                  <a:schemeClr val="bg1"/>
-                </a:solidFill>
-                <a:cs typeface="+mn-ea"/>
-                <a:sym typeface="+mn-lt"/>
-              </a:rPr>
-              <a:t>-</a:t>
-            </a:r>
-            <a:r>
-              <a:rPr lang="en-US" altLang="zh-CN" sz="5400" b="1" dirty="0" err="1" smtClean="0">
-                <a:solidFill>
-                  <a:schemeClr val="bg1"/>
-                </a:solidFill>
-                <a:cs typeface="+mn-ea"/>
-                <a:sym typeface="+mn-lt"/>
-              </a:rPr>
-              <a:t>Ln</a:t>
-            </a:r>
-            <a:r>
-              <a:rPr lang="zh-CN" altLang="en-US" sz="5400" b="1" dirty="0" smtClean="0">
-                <a:solidFill>
-                  <a:schemeClr val="bg1"/>
-                </a:solidFill>
-                <a:cs typeface="+mn-ea"/>
-                <a:sym typeface="+mn-lt"/>
-              </a:rPr>
-              <a:t>合金</a:t>
-            </a:r>
-            <a:r>
-              <a:rPr lang="zh-CN" altLang="en-US" sz="5300" b="1" dirty="0" smtClean="0">
-                <a:solidFill>
-                  <a:schemeClr val="bg1"/>
-                </a:solidFill>
-                <a:effectLst>
-                  <a:outerShdw blurRad="50800" dist="38100" dir="5400000" algn="t" rotWithShape="0">
-                    <a:prstClr val="black">
-                      <a:alpha val="21000"/>
-                    </a:prstClr>
-                  </a:outerShdw>
-                </a:effectLst>
-                <a:latin typeface="思源宋体 CN Heavy" panose="02020900000000000000" pitchFamily="18" charset="-122"/>
-                <a:ea typeface="思源宋体 CN Heavy" panose="02020900000000000000" pitchFamily="18" charset="-122"/>
-                <a:cs typeface="+mn-ea"/>
-                <a:sym typeface="+mn-lt"/>
-              </a:rPr>
-              <a:t>参数</a:t>
-            </a:r>
-            <a:r>
-              <a:rPr lang="zh-CN" altLang="en-US" sz="5300" b="1" dirty="0" smtClean="0">
-                <a:solidFill>
-                  <a:schemeClr val="bg1"/>
-                </a:solidFill>
-                <a:effectLst>
-                  <a:outerShdw blurRad="50800" dist="38100" dir="5400000" algn="t" rotWithShape="0">
-                    <a:prstClr val="black">
-                      <a:alpha val="21000"/>
-                    </a:prstClr>
-                  </a:outerShdw>
-                </a:effectLst>
-                <a:latin typeface="思源宋体 CN Heavy" panose="02020900000000000000" pitchFamily="18" charset="-122"/>
-                <a:ea typeface="思源宋体 CN Heavy" panose="02020900000000000000" pitchFamily="18" charset="-122"/>
-                <a:cs typeface="+mn-ea"/>
-                <a:sym typeface="+mn-lt"/>
-              </a:rPr>
-              <a:t>优化研究</a:t>
+              <a:t>参数优化研究</a:t>
             </a:r>
             <a:endParaRPr lang="zh-CN" altLang="en-US" sz="5300" b="1" dirty="0">
               <a:solidFill>
@@ -5740,16 +5702,29 @@
                 <a:cs typeface="+mn-ea"/>
                 <a:sym typeface="+mn-lt"/>
               </a:rPr>
-              <a:t>        针对存在的不同的金属，它们在溶液中溶解快慢不一，产生了溶解的层数差，对于本实验的</a:t>
-            </a:r>
-            <a:r>
-              <a:rPr lang="en-US" altLang="zh-CN" sz="2100" b="1" dirty="0">
+              <a:t>        </a:t>
+            </a:r>
+            <a:r>
+              <a:rPr lang="zh-CN" altLang="en-US" sz="1800" b="1" dirty="0">
+                <a:latin typeface="宋体" pitchFamily="2" charset="-122"/>
+                <a:ea typeface="宋体" pitchFamily="2" charset="-122"/>
+                <a:cs typeface="+mn-ea"/>
+                <a:sym typeface="+mn-lt"/>
+              </a:rPr>
+              <a:t>针对存在的不同的金属，它们在溶液中溶解快慢不一，产生了溶解的层数差，对于本实验的</a:t>
+            </a:r>
+            <a:r>
+              <a:rPr lang="en-US" altLang="zh-CN" sz="1800" b="1" dirty="0">
+                <a:latin typeface="宋体" pitchFamily="2" charset="-122"/>
+                <a:ea typeface="宋体" pitchFamily="2" charset="-122"/>
                 <a:cs typeface="+mn-ea"/>
                 <a:sym typeface="+mn-lt"/>
               </a:rPr>
               <a:t>Mg-Gd-Nd-Ln</a:t>
             </a:r>
-            <a:endParaRPr lang="en-US" altLang="zh-CN" b="1" dirty="0">
+            <a:endParaRPr lang="en-US" altLang="zh-CN" sz="1800" b="1" dirty="0">
+              <a:latin typeface="宋体" pitchFamily="2" charset="-122"/>
+              <a:ea typeface="宋体" pitchFamily="2" charset="-122"/>
               <a:sym typeface="+mn-lt"/>
             </a:endParaRPr>
           </a:p>
@@ -5964,8 +5939,8 @@
         </p:nvSpPr>
         <p:spPr>
           <a:xfrm>
-            <a:off x="2352854" y="2425933"/>
-            <a:ext cx="7848872" cy="3784600"/>
+            <a:off x="2352854" y="1964826"/>
+            <a:ext cx="7848872" cy="2443939"/>
           </a:xfrm>
           <a:prstGeom prst="rect">
             <a:avLst/>
@@ -5984,58 +5959,44 @@
               </a:lnSpc>
             </a:pPr>
             <a:r>
-              <a:rPr lang="zh-CN" altLang="en-US" sz="2400" dirty="0">
-                <a:latin typeface="微软雅黑" panose="020B0503020204020204" charset="-122"/>
-                <a:ea typeface="微软雅黑" panose="020B0503020204020204" charset="-122"/>
+              <a:rPr lang="zh-CN" altLang="en-US" sz="2000" dirty="0">
+                <a:latin typeface="宋体" pitchFamily="2" charset="-122"/>
+                <a:ea typeface="宋体" pitchFamily="2" charset="-122"/>
               </a:rPr>
               <a:t>第一原子层中</a:t>
             </a:r>
             <a:r>
-              <a:rPr lang="en-US" altLang="zh-CN" sz="2400" dirty="0">
-                <a:latin typeface="微软雅黑" panose="020B0503020204020204" charset="-122"/>
-                <a:ea typeface="微软雅黑" panose="020B0503020204020204" charset="-122"/>
+              <a:rPr lang="en-US" altLang="zh-CN" sz="2000" dirty="0">
+                <a:latin typeface="宋体" pitchFamily="2" charset="-122"/>
+                <a:ea typeface="宋体" pitchFamily="2" charset="-122"/>
               </a:rPr>
               <a:t>Mg</a:t>
             </a:r>
             <a:r>
-              <a:rPr lang="zh-CN" altLang="en-US" sz="2400" dirty="0">
-                <a:latin typeface="微软雅黑" panose="020B0503020204020204" charset="-122"/>
-                <a:ea typeface="微软雅黑" panose="020B0503020204020204" charset="-122"/>
+              <a:rPr lang="zh-CN" altLang="en-US" sz="2000" dirty="0">
+                <a:latin typeface="宋体" pitchFamily="2" charset="-122"/>
+                <a:ea typeface="宋体" pitchFamily="2" charset="-122"/>
               </a:rPr>
               <a:t>的物质的量 </a:t>
             </a:r>
             <a:r>
-              <a:rPr lang="en-US" altLang="zh-CN" sz="2400" dirty="0">
-                <a:latin typeface="微软雅黑" panose="020B0503020204020204" charset="-122"/>
-                <a:ea typeface="微软雅黑" panose="020B0503020204020204" charset="-122"/>
+              <a:rPr lang="en-US" altLang="zh-CN" sz="2000" dirty="0">
+                <a:latin typeface="宋体" pitchFamily="2" charset="-122"/>
+                <a:ea typeface="宋体" pitchFamily="2" charset="-122"/>
               </a:rPr>
-              <a:t>N=2.04</a:t>
-            </a:r>
-            <a:r>
-              <a:rPr lang="en-US" altLang="zh-CN" sz="2400" dirty="0">
-                <a:latin typeface="等线" panose="02010600030101010101" pitchFamily="2" charset="-122"/>
-                <a:ea typeface="等线" panose="02010600030101010101" pitchFamily="2" charset="-122"/>
-              </a:rPr>
-              <a:t>ⅹ</a:t>
-            </a:r>
-            <a:r>
-              <a:rPr lang="en-US" altLang="zh-CN" sz="2400" dirty="0">
-                <a:latin typeface="微软雅黑" panose="020B0503020204020204" charset="-122"/>
-                <a:ea typeface="微软雅黑" panose="020B0503020204020204" charset="-122"/>
-              </a:rPr>
-              <a:t>10</a:t>
-            </a:r>
-            <a:r>
-              <a:rPr lang="en-US" altLang="zh-CN" sz="2400" baseline="30000" dirty="0">
-                <a:latin typeface="微软雅黑" panose="020B0503020204020204" charset="-122"/>
-                <a:ea typeface="微软雅黑" panose="020B0503020204020204" charset="-122"/>
+              <a:t>N=2.04ⅹ10</a:t>
+            </a:r>
+            <a:r>
+              <a:rPr lang="en-US" altLang="zh-CN" sz="2000" baseline="30000" dirty="0">
+                <a:latin typeface="宋体" pitchFamily="2" charset="-122"/>
+                <a:ea typeface="宋体" pitchFamily="2" charset="-122"/>
               </a:rPr>
               <a:t>-5 </a:t>
             </a:r>
             <a:r>
-              <a:rPr lang="en-US" altLang="zh-CN" sz="2400" dirty="0">
-                <a:latin typeface="微软雅黑" panose="020B0503020204020204" charset="-122"/>
-                <a:ea typeface="微软雅黑" panose="020B0503020204020204" charset="-122"/>
+              <a:rPr lang="en-US" altLang="zh-CN" sz="2000" dirty="0">
+                <a:latin typeface="宋体" pitchFamily="2" charset="-122"/>
+                <a:ea typeface="宋体" pitchFamily="2" charset="-122"/>
               </a:rPr>
               <a:t>mol</a:t>
             </a:r>
@@ -6047,79 +6008,51 @@
               </a:lnSpc>
             </a:pPr>
             <a:r>
-              <a:rPr lang="zh-CN" altLang="en-US" sz="2400" dirty="0">
-                <a:latin typeface="微软雅黑" panose="020B0503020204020204" charset="-122"/>
-                <a:ea typeface="微软雅黑" panose="020B0503020204020204" charset="-122"/>
+              <a:rPr lang="zh-CN" altLang="en-US" sz="2000" dirty="0">
+                <a:latin typeface="宋体" pitchFamily="2" charset="-122"/>
+                <a:ea typeface="宋体" pitchFamily="2" charset="-122"/>
               </a:rPr>
               <a:t>第一原子层中</a:t>
             </a:r>
             <a:r>
-              <a:rPr lang="en-US" altLang="zh-CN" sz="2400" dirty="0">
-                <a:latin typeface="微软雅黑" panose="020B0503020204020204" charset="-122"/>
-                <a:ea typeface="微软雅黑" panose="020B0503020204020204" charset="-122"/>
+              <a:rPr lang="en-US" altLang="zh-CN" sz="2000" dirty="0">
+                <a:latin typeface="宋体" pitchFamily="2" charset="-122"/>
+                <a:ea typeface="宋体" pitchFamily="2" charset="-122"/>
               </a:rPr>
               <a:t>Mg</a:t>
             </a:r>
             <a:r>
-              <a:rPr lang="zh-CN" altLang="en-US" sz="2400" dirty="0">
-                <a:latin typeface="微软雅黑" panose="020B0503020204020204" charset="-122"/>
-                <a:ea typeface="微软雅黑" panose="020B0503020204020204" charset="-122"/>
+              <a:rPr lang="zh-CN" altLang="en-US" sz="2000" dirty="0">
+                <a:latin typeface="宋体" pitchFamily="2" charset="-122"/>
+                <a:ea typeface="宋体" pitchFamily="2" charset="-122"/>
               </a:rPr>
               <a:t>能产生的电量 </a:t>
             </a:r>
             <a:r>
-              <a:rPr lang="en-US" altLang="zh-CN" sz="2400" dirty="0" err="1">
-                <a:latin typeface="微软雅黑" panose="020B0503020204020204" charset="-122"/>
-                <a:ea typeface="微软雅黑" panose="020B0503020204020204" charset="-122"/>
+              <a:rPr lang="en-US" altLang="zh-CN" sz="2000" dirty="0" err="1">
+                <a:latin typeface="宋体" pitchFamily="2" charset="-122"/>
+                <a:ea typeface="宋体" pitchFamily="2" charset="-122"/>
               </a:rPr>
-              <a:t>N</a:t>
-            </a:r>
-            <a:r>
-              <a:rPr lang="en-US" altLang="zh-CN" sz="2400" dirty="0" err="1">
-                <a:latin typeface="等线" panose="02010600030101010101" pitchFamily="2" charset="-122"/>
-                <a:ea typeface="等线" panose="02010600030101010101" pitchFamily="2" charset="-122"/>
-              </a:rPr>
-              <a:t>ⅹ</a:t>
-            </a:r>
-            <a:r>
-              <a:rPr lang="en-US" altLang="zh-CN" sz="2400" dirty="0" err="1">
-                <a:latin typeface="微软雅黑" panose="020B0503020204020204" charset="-122"/>
-                <a:ea typeface="微软雅黑" panose="020B0503020204020204" charset="-122"/>
-              </a:rPr>
-              <a:t>n</a:t>
-            </a:r>
-            <a:r>
-              <a:rPr lang="en-US" altLang="zh-CN" sz="2400" dirty="0" err="1">
-                <a:latin typeface="等线" panose="02010600030101010101" pitchFamily="2" charset="-122"/>
-                <a:ea typeface="等线" panose="02010600030101010101" pitchFamily="2" charset="-122"/>
-              </a:rPr>
-              <a:t>ⅹ</a:t>
-            </a:r>
-            <a:r>
-              <a:rPr lang="en-US" altLang="zh-CN" sz="2400" dirty="0" err="1">
-                <a:latin typeface="微软雅黑" panose="020B0503020204020204" charset="-122"/>
-                <a:ea typeface="微软雅黑" panose="020B0503020204020204" charset="-122"/>
-              </a:rPr>
-              <a:t>F</a:t>
-            </a:r>
-            <a:r>
-              <a:rPr lang="en-US" altLang="zh-CN" sz="2400" dirty="0">
-                <a:latin typeface="微软雅黑" panose="020B0503020204020204" charset="-122"/>
-                <a:ea typeface="微软雅黑" panose="020B0503020204020204" charset="-122"/>
+              <a:t>NⅹnⅹF</a:t>
+            </a:r>
+            <a:r>
+              <a:rPr lang="en-US" altLang="zh-CN" sz="2000" dirty="0">
+                <a:latin typeface="宋体" pitchFamily="2" charset="-122"/>
+                <a:ea typeface="宋体" pitchFamily="2" charset="-122"/>
               </a:rPr>
               <a:t>= 3.93</a:t>
             </a:r>
             <a:r>
-              <a:rPr lang="en-US" altLang="zh-CN" sz="2400" baseline="30000" dirty="0">
-                <a:latin typeface="微软雅黑" panose="020B0503020204020204" charset="-122"/>
-                <a:ea typeface="微软雅黑" panose="020B0503020204020204" charset="-122"/>
+              <a:rPr lang="en-US" altLang="zh-CN" sz="2000" baseline="30000" dirty="0">
+                <a:latin typeface="宋体" pitchFamily="2" charset="-122"/>
+                <a:ea typeface="宋体" pitchFamily="2" charset="-122"/>
               </a:rPr>
               <a:t> </a:t>
             </a:r>
             <a:r>
-              <a:rPr lang="en-US" altLang="zh-CN" sz="2400" dirty="0">
-                <a:latin typeface="微软雅黑" panose="020B0503020204020204" charset="-122"/>
-                <a:ea typeface="微软雅黑" panose="020B0503020204020204" charset="-122"/>
+              <a:rPr lang="en-US" altLang="zh-CN" sz="2000" dirty="0">
+                <a:latin typeface="宋体" pitchFamily="2" charset="-122"/>
+                <a:ea typeface="宋体" pitchFamily="2" charset="-122"/>
               </a:rPr>
               <a:t>C</a:t>
             </a:r>
@@ -6131,110 +6064,79 @@
               </a:lnSpc>
             </a:pPr>
             <a:r>
-              <a:rPr lang="zh-CN" altLang="en-US" sz="2400" dirty="0">
-                <a:latin typeface="微软雅黑" panose="020B0503020204020204" charset="-122"/>
-                <a:ea typeface="微软雅黑" panose="020B0503020204020204" charset="-122"/>
+              <a:rPr lang="zh-CN" altLang="en-US" sz="2000" dirty="0">
+                <a:latin typeface="宋体" pitchFamily="2" charset="-122"/>
+                <a:ea typeface="宋体" pitchFamily="2" charset="-122"/>
               </a:rPr>
               <a:t>一秒</a:t>
             </a:r>
             <a:r>
-              <a:rPr lang="en-US" altLang="zh-CN" sz="2400" dirty="0">
-                <a:latin typeface="微软雅黑" panose="020B0503020204020204" charset="-122"/>
-                <a:ea typeface="微软雅黑" panose="020B0503020204020204" charset="-122"/>
+              <a:rPr lang="en-US" altLang="zh-CN" sz="2000" dirty="0">
+                <a:latin typeface="宋体" pitchFamily="2" charset="-122"/>
+                <a:ea typeface="宋体" pitchFamily="2" charset="-122"/>
               </a:rPr>
               <a:t>Mg</a:t>
             </a:r>
             <a:r>
-              <a:rPr lang="zh-CN" altLang="en-US" sz="2400" dirty="0">
-                <a:latin typeface="微软雅黑" panose="020B0503020204020204" charset="-122"/>
-                <a:ea typeface="微软雅黑" panose="020B0503020204020204" charset="-122"/>
+              <a:rPr lang="zh-CN" altLang="en-US" sz="2000" dirty="0">
+                <a:latin typeface="宋体" pitchFamily="2" charset="-122"/>
+                <a:ea typeface="宋体" pitchFamily="2" charset="-122"/>
               </a:rPr>
               <a:t>能产生的电量</a:t>
             </a:r>
             <a:r>
-              <a:rPr lang="en-US" altLang="zh-CN" sz="2400" dirty="0">
-                <a:latin typeface="微软雅黑" panose="020B0503020204020204" charset="-122"/>
-                <a:ea typeface="微软雅黑" panose="020B0503020204020204" charset="-122"/>
+              <a:rPr lang="en-US" altLang="zh-CN" sz="2000" dirty="0">
+                <a:latin typeface="宋体" pitchFamily="2" charset="-122"/>
+                <a:ea typeface="宋体" pitchFamily="2" charset="-122"/>
               </a:rPr>
               <a:t> </a:t>
             </a:r>
             <a:r>
-              <a:rPr lang="en-US" altLang="zh-CN" sz="2400" dirty="0" err="1">
-                <a:latin typeface="微软雅黑" panose="020B0503020204020204" charset="-122"/>
-                <a:ea typeface="微软雅黑" panose="020B0503020204020204" charset="-122"/>
+              <a:rPr lang="en-US" altLang="zh-CN" sz="2000" dirty="0" err="1">
+                <a:latin typeface="宋体" pitchFamily="2" charset="-122"/>
+                <a:ea typeface="宋体" pitchFamily="2" charset="-122"/>
               </a:rPr>
               <a:t>i</a:t>
             </a:r>
             <a:r>
-              <a:rPr lang="en-US" altLang="zh-CN" sz="2400" baseline="-25000" dirty="0" err="1">
-                <a:latin typeface="微软雅黑" panose="020B0503020204020204" charset="-122"/>
-                <a:ea typeface="微软雅黑" panose="020B0503020204020204" charset="-122"/>
+              <a:rPr lang="en-US" altLang="zh-CN" sz="2000" baseline="-25000" dirty="0" err="1">
+                <a:latin typeface="宋体" pitchFamily="2" charset="-122"/>
+                <a:ea typeface="宋体" pitchFamily="2" charset="-122"/>
               </a:rPr>
               <a:t>Mg</a:t>
             </a:r>
             <a:r>
-              <a:rPr lang="en-US" altLang="zh-CN" sz="2400" dirty="0" err="1">
-                <a:latin typeface="等线" panose="02010600030101010101" pitchFamily="2" charset="-122"/>
-                <a:ea typeface="等线" panose="02010600030101010101" pitchFamily="2" charset="-122"/>
+              <a:rPr lang="en-US" altLang="zh-CN" sz="2000" dirty="0" err="1">
+                <a:latin typeface="宋体" pitchFamily="2" charset="-122"/>
+                <a:ea typeface="宋体" pitchFamily="2" charset="-122"/>
               </a:rPr>
-              <a:t>ⅹ</a:t>
-            </a:r>
-            <a:r>
-              <a:rPr lang="en-US" altLang="zh-CN" sz="2400" dirty="0" err="1">
-                <a:latin typeface="微软雅黑" panose="020B0503020204020204" charset="-122"/>
-                <a:ea typeface="微软雅黑" panose="020B0503020204020204" charset="-122"/>
+              <a:t>ⅹAⅹt</a:t>
+            </a:r>
+            <a:r>
+              <a:rPr lang="en-US" altLang="zh-CN" sz="2000" dirty="0">
+                <a:latin typeface="宋体" pitchFamily="2" charset="-122"/>
+                <a:ea typeface="宋体" pitchFamily="2" charset="-122"/>
               </a:rPr>
-              <a:t>A</a:t>
-            </a:r>
-            <a:r>
-              <a:rPr lang="en-US" altLang="zh-CN" sz="2400" dirty="0" err="1">
-                <a:latin typeface="等线" panose="02010600030101010101" pitchFamily="2" charset="-122"/>
-                <a:ea typeface="等线" panose="02010600030101010101" pitchFamily="2" charset="-122"/>
-              </a:rPr>
-              <a:t>ⅹ</a:t>
-            </a:r>
-            <a:r>
-              <a:rPr lang="en-US" altLang="zh-CN" sz="2400" dirty="0" err="1">
-                <a:latin typeface="微软雅黑" panose="020B0503020204020204" charset="-122"/>
-                <a:ea typeface="微软雅黑" panose="020B0503020204020204" charset="-122"/>
-              </a:rPr>
-              <a:t>t</a:t>
-            </a:r>
-            <a:r>
-              <a:rPr lang="en-US" altLang="zh-CN" sz="2400" dirty="0">
-                <a:latin typeface="微软雅黑" panose="020B0503020204020204" charset="-122"/>
-                <a:ea typeface="微软雅黑" panose="020B0503020204020204" charset="-122"/>
-              </a:rPr>
-              <a:t> = 3.81</a:t>
-            </a:r>
-            <a:r>
-              <a:rPr lang="en-US" altLang="zh-CN" sz="2400" dirty="0">
-                <a:latin typeface="等线" panose="02010600030101010101" pitchFamily="2" charset="-122"/>
-                <a:ea typeface="等线" panose="02010600030101010101" pitchFamily="2" charset="-122"/>
-              </a:rPr>
-              <a:t>ⅹ</a:t>
-            </a:r>
-            <a:r>
-              <a:rPr lang="en-US" altLang="zh-CN" sz="2400" dirty="0">
-                <a:latin typeface="微软雅黑" panose="020B0503020204020204" charset="-122"/>
-                <a:ea typeface="微软雅黑" panose="020B0503020204020204" charset="-122"/>
-              </a:rPr>
-              <a:t>10</a:t>
-            </a:r>
-            <a:r>
-              <a:rPr lang="en-US" altLang="zh-CN" sz="2400" baseline="30000" dirty="0">
-                <a:latin typeface="微软雅黑" panose="020B0503020204020204" charset="-122"/>
-                <a:ea typeface="微软雅黑" panose="020B0503020204020204" charset="-122"/>
+              <a:t> = 3.81ⅹ10</a:t>
+            </a:r>
+            <a:r>
+              <a:rPr lang="en-US" altLang="zh-CN" sz="2000" baseline="30000" dirty="0">
+                <a:latin typeface="宋体" pitchFamily="2" charset="-122"/>
+                <a:ea typeface="宋体" pitchFamily="2" charset="-122"/>
               </a:rPr>
               <a:t>8 </a:t>
             </a:r>
             <a:r>
-              <a:rPr lang="en-US" altLang="zh-CN" sz="2400" dirty="0">
-                <a:latin typeface="微软雅黑" panose="020B0503020204020204" charset="-122"/>
-                <a:ea typeface="微软雅黑" panose="020B0503020204020204" charset="-122"/>
+              <a:rPr lang="en-US" altLang="zh-CN" sz="2000" dirty="0" smtClean="0">
+                <a:latin typeface="宋体" pitchFamily="2" charset="-122"/>
+                <a:ea typeface="宋体" pitchFamily="2" charset="-122"/>
               </a:rPr>
               <a:t>C</a:t>
             </a:r>
+            <a:endParaRPr lang="en-US" altLang="zh-CN" sz="2000" dirty="0">
+              <a:latin typeface="宋体" pitchFamily="2" charset="-122"/>
+              <a:ea typeface="宋体" pitchFamily="2" charset="-122"/>
+            </a:endParaRPr>
           </a:p>
           <a:p>
             <a:pPr>
@@ -6242,287 +6144,90 @@
                 <a:spcPct val="200000"/>
               </a:lnSpc>
             </a:pPr>
-            <a:endParaRPr lang="en-US" altLang="zh-CN" sz="2400" dirty="0">
-              <a:latin typeface="微软雅黑" panose="020B0503020204020204" charset="-122"/>
-              <a:ea typeface="微软雅黑" panose="020B0503020204020204" charset="-122"/>
-            </a:endParaRPr>
-          </a:p>
-          <a:p>
-            <a:pPr>
-              <a:lnSpc>
-                <a:spcPct val="200000"/>
-              </a:lnSpc>
-            </a:pPr>
-            <a:r>
-              <a:rPr lang="en-US" altLang="zh-CN" sz="2400" dirty="0">
-                <a:latin typeface="微软雅黑" panose="020B0503020204020204" charset="-122"/>
-                <a:ea typeface="微软雅黑" panose="020B0503020204020204" charset="-122"/>
+            <a:r>
+              <a:rPr lang="en-US" altLang="zh-CN" sz="2000" dirty="0">
+                <a:latin typeface="宋体" pitchFamily="2" charset="-122"/>
+                <a:ea typeface="宋体" pitchFamily="2" charset="-122"/>
               </a:rPr>
               <a:t>1s</a:t>
             </a:r>
             <a:r>
-              <a:rPr lang="zh-CN" altLang="en-US" sz="2400" dirty="0">
-                <a:latin typeface="微软雅黑" panose="020B0503020204020204" charset="-122"/>
-                <a:ea typeface="微软雅黑" panose="020B0503020204020204" charset="-122"/>
+              <a:rPr lang="zh-CN" altLang="en-US" sz="2000" dirty="0">
+                <a:latin typeface="宋体" pitchFamily="2" charset="-122"/>
+                <a:ea typeface="宋体" pitchFamily="2" charset="-122"/>
               </a:rPr>
               <a:t>，</a:t>
             </a:r>
             <a:r>
-              <a:rPr lang="en-US" altLang="zh-CN" sz="2400" dirty="0">
-                <a:latin typeface="微软雅黑" panose="020B0503020204020204" charset="-122"/>
-                <a:ea typeface="微软雅黑" panose="020B0503020204020204" charset="-122"/>
+              <a:rPr lang="en-US" altLang="zh-CN" sz="2000" dirty="0">
+                <a:latin typeface="宋体" pitchFamily="2" charset="-122"/>
+                <a:ea typeface="宋体" pitchFamily="2" charset="-122"/>
               </a:rPr>
               <a:t> Mg</a:t>
             </a:r>
             <a:r>
-              <a:rPr lang="zh-CN" altLang="en-US" sz="2400" dirty="0">
-                <a:latin typeface="微软雅黑" panose="020B0503020204020204" charset="-122"/>
-                <a:ea typeface="微软雅黑" panose="020B0503020204020204" charset="-122"/>
+              <a:rPr lang="zh-CN" altLang="en-US" sz="2000" dirty="0">
+                <a:latin typeface="宋体" pitchFamily="2" charset="-122"/>
+                <a:ea typeface="宋体" pitchFamily="2" charset="-122"/>
               </a:rPr>
               <a:t>可以完全溶解</a:t>
             </a:r>
             <a:r>
-              <a:rPr lang="en-US" altLang="zh-CN" sz="2400" dirty="0">
-                <a:latin typeface="微软雅黑" panose="020B0503020204020204" charset="-122"/>
-                <a:ea typeface="微软雅黑" panose="020B0503020204020204" charset="-122"/>
+              <a:rPr lang="en-US" altLang="zh-CN" sz="2000" dirty="0">
+                <a:latin typeface="宋体" pitchFamily="2" charset="-122"/>
+                <a:ea typeface="宋体" pitchFamily="2" charset="-122"/>
               </a:rPr>
               <a:t>L</a:t>
             </a:r>
             <a:r>
-              <a:rPr lang="en-US" altLang="zh-CN" sz="2400" baseline="-25000" dirty="0">
-                <a:latin typeface="微软雅黑" panose="020B0503020204020204" charset="-122"/>
-                <a:ea typeface="微软雅黑" panose="020B0503020204020204" charset="-122"/>
+              <a:rPr lang="en-US" altLang="zh-CN" sz="2000" baseline="-25000" dirty="0">
+                <a:latin typeface="宋体" pitchFamily="2" charset="-122"/>
+                <a:ea typeface="宋体" pitchFamily="2" charset="-122"/>
               </a:rPr>
               <a:t>0</a:t>
             </a:r>
             <a:r>
-              <a:rPr lang="en-US" altLang="zh-CN" sz="2400" dirty="0">
-                <a:latin typeface="微软雅黑" panose="020B0503020204020204" charset="-122"/>
-                <a:ea typeface="微软雅黑" panose="020B0503020204020204" charset="-122"/>
+              <a:rPr lang="en-US" altLang="zh-CN" sz="2000" dirty="0">
+                <a:latin typeface="宋体" pitchFamily="2" charset="-122"/>
+                <a:ea typeface="宋体" pitchFamily="2" charset="-122"/>
               </a:rPr>
               <a:t>=</a:t>
             </a:r>
             <a:r>
-              <a:rPr lang="zh-CN" altLang="en-US" sz="2400" dirty="0">
-                <a:latin typeface="微软雅黑" panose="020B0503020204020204" charset="-122"/>
-                <a:ea typeface="微软雅黑" panose="020B0503020204020204" charset="-122"/>
+              <a:rPr lang="zh-CN" altLang="en-US" sz="2000" dirty="0">
+                <a:latin typeface="宋体" pitchFamily="2" charset="-122"/>
+                <a:ea typeface="宋体" pitchFamily="2" charset="-122"/>
               </a:rPr>
               <a:t> </a:t>
             </a:r>
             <a:r>
-              <a:rPr lang="en-US" altLang="zh-CN" sz="2400" dirty="0">
-                <a:latin typeface="微软雅黑" panose="020B0503020204020204" charset="-122"/>
-                <a:ea typeface="微软雅黑" panose="020B0503020204020204" charset="-122"/>
+              <a:rPr lang="en-US" altLang="zh-CN" sz="2000" dirty="0">
+                <a:latin typeface="宋体" pitchFamily="2" charset="-122"/>
+                <a:ea typeface="宋体" pitchFamily="2" charset="-122"/>
               </a:rPr>
-              <a:t>9.7</a:t>
-            </a:r>
-            <a:r>
-              <a:rPr lang="en-US" altLang="zh-CN" sz="2400" dirty="0">
-                <a:latin typeface="等线" panose="02010600030101010101" pitchFamily="2" charset="-122"/>
-                <a:ea typeface="等线" panose="02010600030101010101" pitchFamily="2" charset="-122"/>
-              </a:rPr>
-              <a:t>ⅹ</a:t>
-            </a:r>
-            <a:r>
-              <a:rPr lang="en-US" altLang="zh-CN" sz="2400" dirty="0">
-                <a:latin typeface="微软雅黑" panose="020B0503020204020204" charset="-122"/>
-                <a:ea typeface="微软雅黑" panose="020B0503020204020204" charset="-122"/>
-              </a:rPr>
-              <a:t>10</a:t>
-            </a:r>
-            <a:r>
-              <a:rPr lang="en-US" altLang="zh-CN" sz="2400" baseline="30000" dirty="0">
-                <a:latin typeface="微软雅黑" panose="020B0503020204020204" charset="-122"/>
-                <a:ea typeface="微软雅黑" panose="020B0503020204020204" charset="-122"/>
+              <a:t>9.7ⅹ10</a:t>
+            </a:r>
+            <a:r>
+              <a:rPr lang="en-US" altLang="zh-CN" sz="2000" baseline="30000" dirty="0">
+                <a:latin typeface="宋体" pitchFamily="2" charset="-122"/>
+                <a:ea typeface="宋体" pitchFamily="2" charset="-122"/>
               </a:rPr>
               <a:t>7</a:t>
             </a:r>
             <a:r>
-              <a:rPr lang="zh-CN" altLang="en-US" sz="2400" dirty="0">
-                <a:latin typeface="微软雅黑" panose="020B0503020204020204" charset="-122"/>
-                <a:ea typeface="微软雅黑" panose="020B0503020204020204" charset="-122"/>
+              <a:rPr lang="zh-CN" altLang="en-US" sz="2000" dirty="0">
+                <a:latin typeface="宋体" pitchFamily="2" charset="-122"/>
+                <a:ea typeface="宋体" pitchFamily="2" charset="-122"/>
               </a:rPr>
               <a:t>层</a:t>
             </a:r>
-            <a:endParaRPr lang="en-US" altLang="zh-CN" sz="2400" dirty="0">
-              <a:latin typeface="微软雅黑" panose="020B0503020204020204" charset="-122"/>
-              <a:ea typeface="微软雅黑" panose="020B0503020204020204" charset="-122"/>
+            <a:endParaRPr lang="en-US" altLang="zh-CN" sz="2000" dirty="0">
+              <a:latin typeface="宋体" pitchFamily="2" charset="-122"/>
+              <a:ea typeface="宋体" pitchFamily="2" charset="-122"/>
             </a:endParaRPr>
           </a:p>
         </p:txBody>
       </p:sp>
-      <mc:AlternateContent xmlns:mc="http://schemas.openxmlformats.org/markup-compatibility/2006">
-        <mc:Choice xmlns:a14="http://schemas.microsoft.com/office/drawing/2010/main" xmlns="" Requires="a14">
-          <p:sp>
-            <p:nvSpPr>
-              <p:cNvPr id="5" name="文本框 4"/>
-              <p:cNvSpPr txBox="1"/>
-              <p:nvPr/>
-            </p:nvSpPr>
-            <p:spPr>
-              <a:xfrm>
-                <a:off x="3016791" y="4898891"/>
-                <a:ext cx="4572000" cy="683777"/>
-              </a:xfrm>
-              <a:prstGeom prst="rect">
-                <a:avLst/>
-              </a:prstGeom>
-              <a:noFill/>
-            </p:spPr>
-            <p:txBody>
-              <a:bodyPr wrap="square">
-                <a:spAutoFit/>
-              </a:bodyPr>
-              <a:p>
-                <a14:m>
-                  <m:oMathPara xmlns:m="http://schemas.openxmlformats.org/officeDocument/2006/math">
-                    <m:oMathParaPr>
-                      <m:jc m:val="centerGroup"/>
-                    </m:oMathParaPr>
-                    <m:oMath xmlns:m="http://schemas.openxmlformats.org/officeDocument/2006/math">
-                      <m:sSub>
-                        <m:sSubPr>
-                          <m:ctrlPr>
-                            <a:rPr lang="zh-CN" altLang="en-US" sz="2000" i="1" smtClean="0">
-                              <a:solidFill>
-                                <a:srgbClr val="836967"/>
-                              </a:solidFill>
-                              <a:latin typeface="Cambria Math" panose="02040503050406030204" pitchFamily="18" charset="0"/>
-                            </a:rPr>
-                          </m:ctrlPr>
-                        </m:sSubPr>
-                        <m:e>
-                          <m:r>
-                            <a:rPr lang="zh-CN" altLang="en-US" sz="2000" i="1">
-                              <a:latin typeface="Cambria Math" panose="02040503050406030204" pitchFamily="18" charset="0"/>
-                            </a:rPr>
-                            <m:t>𝐿</m:t>
-                          </m:r>
-                        </m:e>
-                        <m:sub>
-                          <m:r>
-                            <a:rPr lang="zh-CN" altLang="en-US" sz="2000" i="0">
-                              <a:latin typeface="Cambria Math" panose="02040503050406030204" pitchFamily="18" charset="0"/>
-                            </a:rPr>
-                            <m:t>0</m:t>
-                          </m:r>
-                        </m:sub>
-                      </m:sSub>
-                      <m:r>
-                        <a:rPr lang="zh-CN" altLang="en-US" sz="2000" i="0">
-                          <a:latin typeface="Cambria Math" panose="02040503050406030204" pitchFamily="18" charset="0"/>
-                        </a:rPr>
-                        <m:t>=</m:t>
-                      </m:r>
-                      <m:f>
-                        <m:fPr>
-                          <m:ctrlPr>
-                            <a:rPr lang="zh-CN" altLang="en-US" sz="2000" i="1">
-                              <a:solidFill>
-                                <a:srgbClr val="836967"/>
-                              </a:solidFill>
-                              <a:latin typeface="Cambria Math" panose="02040503050406030204" pitchFamily="18" charset="0"/>
-                            </a:rPr>
-                          </m:ctrlPr>
-                        </m:fPr>
-                        <m:num>
-                          <m:sSub>
-                            <m:sSubPr>
-                              <m:ctrlPr>
-                                <a:rPr lang="zh-CN" altLang="en-US" sz="2000" i="1">
-                                  <a:solidFill>
-                                    <a:srgbClr val="836967"/>
-                                  </a:solidFill>
-                                  <a:latin typeface="Cambria Math" panose="02040503050406030204" pitchFamily="18" charset="0"/>
-                                </a:rPr>
-                              </m:ctrlPr>
-                            </m:sSubPr>
-                            <m:e>
-                              <m:r>
-                                <a:rPr lang="zh-CN" altLang="en-US" sz="2000" i="1">
-                                  <a:latin typeface="Cambria Math" panose="02040503050406030204" pitchFamily="18" charset="0"/>
-                                </a:rPr>
-                                <m:t>𝑖</m:t>
-                              </m:r>
-                            </m:e>
-                            <m:sub>
-                              <m:r>
-                                <m:rPr>
-                                  <m:sty m:val="p"/>
-                                </m:rPr>
-                                <a:rPr lang="en-US" altLang="zh-CN" sz="2000" b="0" i="0" smtClean="0">
-                                  <a:latin typeface="Cambria Math" panose="02040503050406030204" pitchFamily="18" charset="0"/>
-                                </a:rPr>
-                                <m:t>Mg</m:t>
-                              </m:r>
-                            </m:sub>
-                          </m:sSub>
-                          <m:r>
-                            <a:rPr lang="zh-CN" altLang="en-US" sz="2000" i="1">
-                              <a:latin typeface="Cambria Math" panose="02040503050406030204" pitchFamily="18" charset="0"/>
-                            </a:rPr>
-                            <m:t>𝐴𝑡</m:t>
-                          </m:r>
-                        </m:num>
-                        <m:den>
-                          <m:r>
-                            <a:rPr lang="zh-CN" altLang="en-US" sz="2000" i="1">
-                              <a:latin typeface="Cambria Math" panose="02040503050406030204" pitchFamily="18" charset="0"/>
-                            </a:rPr>
-                            <m:t>𝑁𝑛𝐹</m:t>
-                          </m:r>
-                        </m:den>
-                      </m:f>
-                    </m:oMath>
-                  </m:oMathPara>
-                </a14:m>
-                <a:endParaRPr lang="zh-CN" altLang="en-US" sz="2000" dirty="0">
-                  <a:latin typeface="Times New Roman" panose="02020603050405020304" pitchFamily="18" charset="0"/>
-                  <a:cs typeface="Times New Roman" panose="02020603050405020304" pitchFamily="18" charset="0"/>
-                </a:endParaRPr>
-              </a:p>
-            </p:txBody>
-          </p:sp>
-        </mc:Choice>
-        <mc:Fallback>
-          <p:sp>
-            <p:nvSpPr>
-              <p:cNvPr id="5" name="文本框 4"/>
-              <p:cNvSpPr txBox="1">
-                <a:spLocks noRot="1" noChangeAspect="1" noMove="1" noResize="1" noEditPoints="1" noAdjustHandles="1" noChangeArrowheads="1" noChangeShapeType="1" noTextEdit="1"/>
-              </p:cNvSpPr>
-              <p:nvPr/>
-            </p:nvSpPr>
-            <p:spPr>
-              <a:xfrm>
-                <a:off x="3016791" y="4898891"/>
-                <a:ext cx="4572000" cy="683777"/>
-              </a:xfrm>
-              <a:prstGeom prst="rect">
-                <a:avLst/>
-              </a:prstGeom>
-              <a:blipFill rotWithShape="1">
-                <a:blip r:embed="rId4"/>
-                <a:stretch>
-                  <a:fillRect l="-12" t="-73" r="12" b="56"/>
-                </a:stretch>
-              </a:blipFill>
-            </p:spPr>
-            <p:txBody>
-              <a:bodyPr/>
-              <a:lstStyle/>
-              <a:p>
-                <a:r>
-                  <a:rPr lang="zh-CN" altLang="en-US">
-                    <a:noFill/>
-                  </a:rPr>
-                  <a:t> </a:t>
-                </a:r>
-              </a:p>
-            </p:txBody>
-          </p:sp>
-        </mc:Fallback>
-      </mc:AlternateContent>
     </p:spTree>
   </p:cSld>
   <p:clrMapOvr>
@@ -6593,6 +6298,884 @@
               <a:t>模拟退火算法</a:t>
             </a:r>
             <a:endParaRPr lang="zh-CN" altLang="en-US" sz="3200" b="1" dirty="0">
+              <a:cs typeface="+mn-ea"/>
+              <a:sym typeface="+mn-lt"/>
+            </a:endParaRPr>
+          </a:p>
+        </p:txBody>
+      </p:sp>
+      <p:pic>
+        <p:nvPicPr>
+          <p:cNvPr id="16" name="图片 15"/>
+          <p:cNvPicPr>
+            <a:picLocks noChangeAspect="1"/>
+          </p:cNvPicPr>
+          <p:nvPr/>
+        </p:nvPicPr>
+        <p:blipFill>
+          <a:blip r:embed="rId3" cstate="print">
+            <a:extLst>
+              <a:ext uri="{28A0092B-C50C-407E-A947-70E740481C1C}">
+                <a14:useLocalDpi xmlns:a14="http://schemas.microsoft.com/office/drawing/2010/main" xmlns="" val="0"/>
+              </a:ext>
+            </a:extLst>
+          </a:blip>
+          <a:stretch>
+            <a:fillRect/>
+          </a:stretch>
+        </p:blipFill>
+        <p:spPr>
+          <a:xfrm>
+            <a:off x="10235985" y="93024"/>
+            <a:ext cx="1956015" cy="655627"/>
+          </a:xfrm>
+          <a:prstGeom prst="rect">
+            <a:avLst/>
+          </a:prstGeom>
+        </p:spPr>
+      </p:pic>
+      <p:sp>
+        <p:nvSpPr>
+          <p:cNvPr id="4" name="矩形 3"/>
+          <p:cNvSpPr/>
+          <p:nvPr/>
+        </p:nvSpPr>
+        <p:spPr>
+          <a:xfrm flipV="1">
+            <a:off x="-21773" y="6707968"/>
+            <a:ext cx="12213772" cy="188760"/>
+          </a:xfrm>
+          <a:prstGeom prst="rect">
+            <a:avLst/>
+          </a:prstGeom>
+          <a:solidFill>
+            <a:schemeClr val="accent5"/>
+          </a:solidFill>
+          <a:ln w="28575">
+            <a:noFill/>
+          </a:ln>
+          <a:effectLst>
+            <a:outerShdw blurRad="698500" dist="190500" dir="8100000" algn="tr" rotWithShape="0">
+              <a:prstClr val="black">
+                <a:alpha val="30000"/>
+              </a:prstClr>
+            </a:outerShdw>
+          </a:effectLst>
+        </p:spPr>
+        <p:style>
+          <a:lnRef idx="2">
+            <a:schemeClr val="accent1">
+              <a:shade val="50000"/>
+            </a:schemeClr>
+          </a:lnRef>
+          <a:fillRef idx="1">
+            <a:schemeClr val="accent1"/>
+          </a:fillRef>
+          <a:effectRef idx="0">
+            <a:schemeClr val="accent1"/>
+          </a:effectRef>
+          <a:fontRef idx="minor">
+            <a:schemeClr val="lt1"/>
+          </a:fontRef>
+        </p:style>
+        <p:txBody>
+          <a:bodyPr lIns="121917" tIns="60958" rIns="121917" bIns="60958" rtlCol="0" anchor="ctr"/>
+          <a:lstStyle/>
+          <a:p>
+            <a:pPr algn="ctr"/>
+            <a:endParaRPr lang="zh-CN" altLang="en-US">
+              <a:solidFill>
+                <a:schemeClr val="tx1"/>
+              </a:solidFill>
+            </a:endParaRPr>
+          </a:p>
+        </p:txBody>
+      </p:sp>
+      <p:sp>
+        <p:nvSpPr>
+          <p:cNvPr id="14" name="菱形 13"/>
+          <p:cNvSpPr/>
+          <p:nvPr/>
+        </p:nvSpPr>
+        <p:spPr>
+          <a:xfrm>
+            <a:off x="-313507" y="181525"/>
+            <a:ext cx="583473" cy="591048"/>
+          </a:xfrm>
+          <a:prstGeom prst="diamond">
+            <a:avLst/>
+          </a:prstGeom>
+          <a:solidFill>
+            <a:schemeClr val="accent1"/>
+          </a:solidFill>
+          <a:ln w="28575">
+            <a:noFill/>
+          </a:ln>
+          <a:effectLst>
+            <a:outerShdw blurRad="698500" dist="190500" dir="8100000" algn="tr" rotWithShape="0">
+              <a:prstClr val="black">
+                <a:alpha val="30000"/>
+              </a:prstClr>
+            </a:outerShdw>
+          </a:effectLst>
+        </p:spPr>
+        <p:style>
+          <a:lnRef idx="2">
+            <a:schemeClr val="accent1">
+              <a:shade val="50000"/>
+            </a:schemeClr>
+          </a:lnRef>
+          <a:fillRef idx="1">
+            <a:schemeClr val="accent1"/>
+          </a:fillRef>
+          <a:effectRef idx="0">
+            <a:schemeClr val="accent1"/>
+          </a:effectRef>
+          <a:fontRef idx="minor">
+            <a:schemeClr val="lt1"/>
+          </a:fontRef>
+        </p:style>
+        <p:txBody>
+          <a:bodyPr lIns="121917" tIns="60958" rIns="121917" bIns="60958" rtlCol="0" anchor="ctr"/>
+          <a:lstStyle/>
+          <a:p>
+            <a:pPr algn="ctr"/>
+            <a:endParaRPr lang="zh-CN" altLang="en-US">
+              <a:solidFill>
+                <a:schemeClr val="tx1"/>
+              </a:solidFill>
+            </a:endParaRPr>
+          </a:p>
+        </p:txBody>
+      </p:sp>
+      <p:sp>
+        <p:nvSpPr>
+          <p:cNvPr id="15" name="菱形 14"/>
+          <p:cNvSpPr/>
+          <p:nvPr/>
+        </p:nvSpPr>
+        <p:spPr>
+          <a:xfrm>
+            <a:off x="-157791" y="205311"/>
+            <a:ext cx="583473" cy="591048"/>
+          </a:xfrm>
+          <a:prstGeom prst="diamond">
+            <a:avLst/>
+          </a:prstGeom>
+          <a:solidFill>
+            <a:schemeClr val="tx1"/>
+          </a:solidFill>
+          <a:ln w="28575">
+            <a:noFill/>
+          </a:ln>
+          <a:effectLst>
+            <a:outerShdw blurRad="698500" dist="190500" dir="8100000" algn="tr" rotWithShape="0">
+              <a:prstClr val="black">
+                <a:alpha val="30000"/>
+              </a:prstClr>
+            </a:outerShdw>
+          </a:effectLst>
+        </p:spPr>
+        <p:style>
+          <a:lnRef idx="2">
+            <a:schemeClr val="accent1">
+              <a:shade val="50000"/>
+            </a:schemeClr>
+          </a:lnRef>
+          <a:fillRef idx="1">
+            <a:schemeClr val="accent1"/>
+          </a:fillRef>
+          <a:effectRef idx="0">
+            <a:schemeClr val="accent1"/>
+          </a:effectRef>
+          <a:fontRef idx="minor">
+            <a:schemeClr val="lt1"/>
+          </a:fontRef>
+        </p:style>
+        <p:txBody>
+          <a:bodyPr lIns="121917" tIns="60958" rIns="121917" bIns="60958" rtlCol="0" anchor="ctr"/>
+          <a:lstStyle/>
+          <a:p>
+            <a:pPr algn="ctr"/>
+            <a:endParaRPr lang="zh-CN" altLang="en-US">
+              <a:solidFill>
+                <a:schemeClr val="tx1"/>
+              </a:solidFill>
+            </a:endParaRPr>
+          </a:p>
+        </p:txBody>
+      </p:sp>
+      <p:sp>
+        <p:nvSpPr>
+          <p:cNvPr id="3" name="文本框 2"/>
+          <p:cNvSpPr txBox="1"/>
+          <p:nvPr/>
+        </p:nvSpPr>
+        <p:spPr>
+          <a:xfrm>
+            <a:off x="5517660" y="1026980"/>
+            <a:ext cx="5879819" cy="5262979"/>
+          </a:xfrm>
+          <a:prstGeom prst="rect">
+            <a:avLst/>
+          </a:prstGeom>
+          <a:noFill/>
+        </p:spPr>
+        <p:txBody>
+          <a:bodyPr wrap="square" rtlCol="0">
+            <a:spAutoFit/>
+          </a:bodyPr>
+          <a:lstStyle/>
+          <a:p>
+            <a:pPr>
+              <a:lnSpc>
+                <a:spcPct val="200000"/>
+              </a:lnSpc>
+            </a:pPr>
+            <a:r>
+              <a:rPr lang="zh-CN" altLang="en-US" sz="1400" dirty="0" smtClean="0"/>
+              <a:t>         模拟</a:t>
+            </a:r>
+            <a:r>
+              <a:rPr lang="zh-CN" altLang="en-US" sz="1400" dirty="0" smtClean="0"/>
+              <a:t>退火算法来源于固体退火原理，将固体加温至充分高，再让其徐徐冷却，加温时，固体内部粒子随温升变为无序状，内能增大，而徐徐冷却时粒子渐趋有序，在每个温度都达到平衡态，最后在常温时达到基态，内能减为最小。根据</a:t>
+            </a:r>
+            <a:r>
+              <a:rPr lang="en-US" altLang="zh-CN" sz="1400" dirty="0" smtClean="0"/>
+              <a:t>Metropolis</a:t>
+            </a:r>
+            <a:r>
+              <a:rPr lang="zh-CN" altLang="en-US" sz="1400" dirty="0" smtClean="0"/>
+              <a:t>准则，粒子在温度</a:t>
+            </a:r>
+            <a:r>
+              <a:rPr lang="en-US" altLang="zh-CN" sz="1400" dirty="0" smtClean="0"/>
+              <a:t>T</a:t>
+            </a:r>
+            <a:r>
+              <a:rPr lang="zh-CN" altLang="en-US" sz="1400" dirty="0" smtClean="0"/>
+              <a:t>时趋于平衡的概率为</a:t>
+            </a:r>
+            <a:r>
+              <a:rPr lang="en-US" altLang="zh-CN" sz="1400" dirty="0" smtClean="0"/>
+              <a:t>e(-ΔE/(</a:t>
+            </a:r>
+            <a:r>
+              <a:rPr lang="en-US" altLang="zh-CN" sz="1400" dirty="0" err="1" smtClean="0"/>
+              <a:t>kT</a:t>
+            </a:r>
+            <a:r>
+              <a:rPr lang="en-US" altLang="zh-CN" sz="1400" dirty="0" smtClean="0"/>
+              <a:t>))</a:t>
+            </a:r>
+            <a:r>
+              <a:rPr lang="zh-CN" altLang="en-US" sz="1400" dirty="0" smtClean="0"/>
+              <a:t>，其中</a:t>
+            </a:r>
+            <a:r>
+              <a:rPr lang="en-US" altLang="zh-CN" sz="1400" dirty="0" smtClean="0"/>
+              <a:t>E</a:t>
+            </a:r>
+            <a:r>
+              <a:rPr lang="zh-CN" altLang="en-US" sz="1400" dirty="0" smtClean="0"/>
+              <a:t>为温度</a:t>
+            </a:r>
+            <a:r>
+              <a:rPr lang="en-US" altLang="zh-CN" sz="1400" dirty="0" smtClean="0"/>
+              <a:t>T</a:t>
+            </a:r>
+            <a:r>
+              <a:rPr lang="zh-CN" altLang="en-US" sz="1400" dirty="0" smtClean="0"/>
+              <a:t>时的内能，</a:t>
+            </a:r>
+            <a:r>
+              <a:rPr lang="en-US" altLang="zh-CN" sz="1400" dirty="0" smtClean="0"/>
+              <a:t>ΔE</a:t>
+            </a:r>
+            <a:r>
+              <a:rPr lang="zh-CN" altLang="en-US" sz="1400" dirty="0" smtClean="0"/>
+              <a:t>为其改变量，</a:t>
+            </a:r>
+            <a:r>
+              <a:rPr lang="en-US" altLang="zh-CN" sz="1400" dirty="0" smtClean="0"/>
+              <a:t>k</a:t>
+            </a:r>
+            <a:r>
+              <a:rPr lang="zh-CN" altLang="en-US" sz="1400" dirty="0" smtClean="0"/>
+              <a:t>为</a:t>
+            </a:r>
+            <a:r>
+              <a:rPr lang="en-US" altLang="zh-CN" sz="1400" dirty="0" smtClean="0"/>
+              <a:t>Boltzmann</a:t>
+            </a:r>
+            <a:r>
+              <a:rPr lang="zh-CN" altLang="en-US" sz="1400" dirty="0" smtClean="0"/>
+              <a:t>常数。用固体退火模拟组合优化问题，将内能</a:t>
+            </a:r>
+            <a:r>
+              <a:rPr lang="en-US" altLang="zh-CN" sz="1400" dirty="0" smtClean="0"/>
+              <a:t>E</a:t>
+            </a:r>
+            <a:r>
+              <a:rPr lang="zh-CN" altLang="en-US" sz="1400" dirty="0" smtClean="0"/>
+              <a:t>模拟为目标函数值</a:t>
+            </a:r>
+            <a:r>
+              <a:rPr lang="en-US" altLang="zh-CN" sz="1400" dirty="0" smtClean="0"/>
+              <a:t>f</a:t>
+            </a:r>
+            <a:r>
+              <a:rPr lang="zh-CN" altLang="en-US" sz="1400" dirty="0" smtClean="0"/>
+              <a:t>，温度</a:t>
+            </a:r>
+            <a:r>
+              <a:rPr lang="en-US" altLang="zh-CN" sz="1400" dirty="0" smtClean="0"/>
+              <a:t>T</a:t>
+            </a:r>
+            <a:r>
+              <a:rPr lang="zh-CN" altLang="en-US" sz="1400" dirty="0" smtClean="0"/>
+              <a:t>演化成控制参数</a:t>
+            </a:r>
+            <a:r>
+              <a:rPr lang="en-US" altLang="zh-CN" sz="1400" dirty="0" smtClean="0"/>
+              <a:t>t</a:t>
+            </a:r>
+            <a:r>
+              <a:rPr lang="zh-CN" altLang="en-US" sz="1400" dirty="0" smtClean="0"/>
+              <a:t>，即得到解组合优化问题的模拟退火算法：由初始解</a:t>
+            </a:r>
+            <a:r>
+              <a:rPr lang="en-US" altLang="zh-CN" sz="1400" dirty="0" err="1" smtClean="0"/>
+              <a:t>i</a:t>
+            </a:r>
+            <a:r>
+              <a:rPr lang="zh-CN" altLang="en-US" sz="1400" dirty="0" smtClean="0"/>
+              <a:t>和控制参数初值</a:t>
+            </a:r>
+            <a:r>
+              <a:rPr lang="en-US" altLang="zh-CN" sz="1400" dirty="0" smtClean="0"/>
+              <a:t>t</a:t>
+            </a:r>
+            <a:r>
+              <a:rPr lang="zh-CN" altLang="en-US" sz="1400" dirty="0" smtClean="0"/>
+              <a:t>开始，对当前解重复“产生新解→计算目标函数差→接受或舍弃”的迭代，并逐步衰减</a:t>
+            </a:r>
+            <a:r>
+              <a:rPr lang="en-US" altLang="zh-CN" sz="1400" dirty="0" smtClean="0"/>
+              <a:t>t</a:t>
+            </a:r>
+            <a:r>
+              <a:rPr lang="zh-CN" altLang="en-US" sz="1400" dirty="0" smtClean="0"/>
+              <a:t>值，算法终止时的当前解即为所得近似最优解，这是基于</a:t>
+            </a:r>
+            <a:r>
+              <a:rPr lang="zh-CN" altLang="en-US" sz="1400" dirty="0" smtClean="0"/>
+              <a:t>蒙特卡罗迭代</a:t>
+            </a:r>
+            <a:r>
+              <a:rPr lang="zh-CN" altLang="en-US" sz="1400" dirty="0" smtClean="0"/>
+              <a:t>求解法的一种启发式随机搜索过程。退火过程由冷却进度表</a:t>
+            </a:r>
+            <a:r>
+              <a:rPr lang="en-US" altLang="zh-CN" sz="1400" dirty="0" smtClean="0"/>
+              <a:t>(Cooling Schedule)</a:t>
+            </a:r>
+            <a:r>
+              <a:rPr lang="zh-CN" altLang="en-US" sz="1400" dirty="0" smtClean="0"/>
+              <a:t>控制，包括控制参数的初值</a:t>
+            </a:r>
+            <a:r>
+              <a:rPr lang="en-US" altLang="zh-CN" sz="1400" dirty="0" smtClean="0"/>
+              <a:t>t</a:t>
+            </a:r>
+            <a:r>
+              <a:rPr lang="zh-CN" altLang="en-US" sz="1400" dirty="0" smtClean="0"/>
+              <a:t>及其衰减因子</a:t>
+            </a:r>
+            <a:r>
+              <a:rPr lang="en-US" altLang="zh-CN" sz="1400" dirty="0" err="1" smtClean="0"/>
+              <a:t>Δt</a:t>
+            </a:r>
+            <a:r>
+              <a:rPr lang="zh-CN" altLang="en-US" sz="1400" dirty="0" smtClean="0"/>
+              <a:t>、每个</a:t>
+            </a:r>
+            <a:r>
+              <a:rPr lang="en-US" altLang="zh-CN" sz="1400" dirty="0" smtClean="0"/>
+              <a:t>t</a:t>
+            </a:r>
+            <a:r>
+              <a:rPr lang="zh-CN" altLang="en-US" sz="1400" dirty="0" smtClean="0"/>
+              <a:t>值时的迭代次数</a:t>
+            </a:r>
+            <a:r>
+              <a:rPr lang="en-US" altLang="zh-CN" sz="1400" dirty="0" smtClean="0"/>
+              <a:t>L</a:t>
+            </a:r>
+            <a:r>
+              <a:rPr lang="zh-CN" altLang="en-US" sz="1400" dirty="0" smtClean="0"/>
+              <a:t>和停止条件</a:t>
+            </a:r>
+            <a:r>
+              <a:rPr lang="en-US" altLang="zh-CN" sz="1400" dirty="0" smtClean="0"/>
+              <a:t>S</a:t>
+            </a:r>
+            <a:r>
+              <a:rPr lang="zh-CN" altLang="en-US" sz="1400" dirty="0" smtClean="0"/>
+              <a:t>。</a:t>
+            </a:r>
+            <a:endParaRPr lang="en-US" altLang="zh-CN" sz="1400" dirty="0">
+              <a:latin typeface="微软雅黑" panose="020B0503020204020204" charset="-122"/>
+              <a:ea typeface="微软雅黑" panose="020B0503020204020204" charset="-122"/>
+            </a:endParaRPr>
+          </a:p>
+        </p:txBody>
+      </p:sp>
+      <p:pic>
+        <p:nvPicPr>
+          <p:cNvPr id="1027" name="Picture 3"/>
+          <p:cNvPicPr>
+            <a:picLocks noChangeAspect="1" noChangeArrowheads="1"/>
+          </p:cNvPicPr>
+          <p:nvPr/>
+        </p:nvPicPr>
+        <p:blipFill>
+          <a:blip r:embed="rId4"/>
+          <a:srcRect/>
+          <a:stretch>
+            <a:fillRect/>
+          </a:stretch>
+        </p:blipFill>
+        <p:spPr bwMode="auto">
+          <a:xfrm>
+            <a:off x="105503" y="1281724"/>
+            <a:ext cx="4729570" cy="5173784"/>
+          </a:xfrm>
+          <a:prstGeom prst="rect">
+            <a:avLst/>
+          </a:prstGeom>
+          <a:noFill/>
+          <a:ln w="9525">
+            <a:noFill/>
+            <a:miter lim="800000"/>
+            <a:headEnd/>
+            <a:tailEnd/>
+          </a:ln>
+          <a:effectLst/>
+        </p:spPr>
+      </p:pic>
+    </p:spTree>
+  </p:cSld>
+  <p:clrMapOvr>
+    <a:masterClrMapping/>
+  </p:clrMapOvr>
+  <mc:AlternateContent xmlns:mc="http://schemas.openxmlformats.org/markup-compatibility/2006">
+    <mc:Choice xmlns:p14="http://schemas.microsoft.com/office/powerpoint/2010/main" xmlns="" Requires="p14">
+      <p:transition p14:dur="0" advTm="3000"/>
+    </mc:Choice>
+    <mc:Fallback>
+      <p:transition advTm="3000"/>
+    </mc:Fallback>
+  </mc:AlternateContent>
+</p:sld>
+</file>
+
+<file path=ppt/slides/slide12.xml><?xml version="1.0" encoding="utf-8"?>
+<p:sld xmlns:a="http://schemas.openxmlformats.org/drawingml/2006/main" xmlns:r="http://schemas.openxmlformats.org/officeDocument/2006/relationships" xmlns:p="http://schemas.openxmlformats.org/presentationml/2006/main">
+  <p:cSld>
+    <p:spTree>
+      <p:nvGrpSpPr>
+        <p:cNvPr id="1" name=""/>
+        <p:cNvGrpSpPr/>
+        <p:nvPr/>
+      </p:nvGrpSpPr>
+      <p:grpSpPr>
+        <a:xfrm>
+          <a:off x="0" y="0"/>
+          <a:ext cx="0" cy="0"/>
+          <a:chOff x="0" y="0"/>
+          <a:chExt cx="0" cy="0"/>
+        </a:xfrm>
+      </p:grpSpPr>
+      <p:sp>
+        <p:nvSpPr>
+          <p:cNvPr id="6" name="文本框 5"/>
+          <p:cNvSpPr txBox="1"/>
+          <p:nvPr/>
+        </p:nvSpPr>
+        <p:spPr>
+          <a:xfrm>
+            <a:off x="468551" y="188764"/>
+            <a:ext cx="3969991" cy="615549"/>
+          </a:xfrm>
+          <a:prstGeom prst="rect">
+            <a:avLst/>
+          </a:prstGeom>
+          <a:noFill/>
+        </p:spPr>
+        <p:txBody>
+          <a:bodyPr wrap="square" lIns="121917" tIns="60958" rIns="121917" bIns="60958" rtlCol="0">
+            <a:spAutoFit/>
+          </a:bodyPr>
+          <a:lstStyle/>
+          <a:p>
+            <a:r>
+              <a:rPr lang="en-US" altLang="zh-CN" sz="3200" b="1" dirty="0" smtClean="0">
+                <a:cs typeface="+mn-ea"/>
+                <a:sym typeface="+mn-lt"/>
+              </a:rPr>
+              <a:t>2.5 </a:t>
+            </a:r>
+            <a:r>
+              <a:rPr lang="zh-CN" altLang="en-US" sz="3200" b="1" dirty="0" smtClean="0">
+                <a:cs typeface="+mn-ea"/>
+                <a:sym typeface="+mn-lt"/>
+              </a:rPr>
+              <a:t>算法迭代过程</a:t>
+            </a:r>
+            <a:endParaRPr lang="zh-CN" altLang="en-US" sz="3200" b="1" dirty="0">
+              <a:cs typeface="+mn-ea"/>
+              <a:sym typeface="+mn-lt"/>
+            </a:endParaRPr>
+          </a:p>
+        </p:txBody>
+      </p:sp>
+      <p:pic>
+        <p:nvPicPr>
+          <p:cNvPr id="16" name="图片 15"/>
+          <p:cNvPicPr>
+            <a:picLocks noChangeAspect="1"/>
+          </p:cNvPicPr>
+          <p:nvPr/>
+        </p:nvPicPr>
+        <p:blipFill>
+          <a:blip r:embed="rId3" cstate="print">
+            <a:extLst>
+              <a:ext uri="{28A0092B-C50C-407E-A947-70E740481C1C}">
+                <a14:useLocalDpi xmlns:a14="http://schemas.microsoft.com/office/drawing/2010/main" xmlns="" val="0"/>
+              </a:ext>
+            </a:extLst>
+          </a:blip>
+          <a:stretch>
+            <a:fillRect/>
+          </a:stretch>
+        </p:blipFill>
+        <p:spPr>
+          <a:xfrm>
+            <a:off x="10235985" y="93024"/>
+            <a:ext cx="1956015" cy="655627"/>
+          </a:xfrm>
+          <a:prstGeom prst="rect">
+            <a:avLst/>
+          </a:prstGeom>
+        </p:spPr>
+      </p:pic>
+      <p:sp>
+        <p:nvSpPr>
+          <p:cNvPr id="4" name="矩形 3"/>
+          <p:cNvSpPr/>
+          <p:nvPr/>
+        </p:nvSpPr>
+        <p:spPr>
+          <a:xfrm flipV="1">
+            <a:off x="-21773" y="6707968"/>
+            <a:ext cx="12213772" cy="188760"/>
+          </a:xfrm>
+          <a:prstGeom prst="rect">
+            <a:avLst/>
+          </a:prstGeom>
+          <a:solidFill>
+            <a:schemeClr val="accent5"/>
+          </a:solidFill>
+          <a:ln w="28575">
+            <a:noFill/>
+          </a:ln>
+          <a:effectLst>
+            <a:outerShdw blurRad="698500" dist="190500" dir="8100000" algn="tr" rotWithShape="0">
+              <a:prstClr val="black">
+                <a:alpha val="30000"/>
+              </a:prstClr>
+            </a:outerShdw>
+          </a:effectLst>
+        </p:spPr>
+        <p:style>
+          <a:lnRef idx="2">
+            <a:schemeClr val="accent1">
+              <a:shade val="50000"/>
+            </a:schemeClr>
+          </a:lnRef>
+          <a:fillRef idx="1">
+            <a:schemeClr val="accent1"/>
+          </a:fillRef>
+          <a:effectRef idx="0">
+            <a:schemeClr val="accent1"/>
+          </a:effectRef>
+          <a:fontRef idx="minor">
+            <a:schemeClr val="lt1"/>
+          </a:fontRef>
+        </p:style>
+        <p:txBody>
+          <a:bodyPr lIns="121917" tIns="60958" rIns="121917" bIns="60958" rtlCol="0" anchor="ctr"/>
+          <a:lstStyle/>
+          <a:p>
+            <a:pPr algn="ctr"/>
+            <a:endParaRPr lang="zh-CN" altLang="en-US">
+              <a:solidFill>
+                <a:schemeClr val="tx1"/>
+              </a:solidFill>
+            </a:endParaRPr>
+          </a:p>
+        </p:txBody>
+      </p:sp>
+      <p:sp>
+        <p:nvSpPr>
+          <p:cNvPr id="14" name="菱形 13"/>
+          <p:cNvSpPr/>
+          <p:nvPr/>
+        </p:nvSpPr>
+        <p:spPr>
+          <a:xfrm>
+            <a:off x="-313507" y="181525"/>
+            <a:ext cx="583473" cy="591048"/>
+          </a:xfrm>
+          <a:prstGeom prst="diamond">
+            <a:avLst/>
+          </a:prstGeom>
+          <a:solidFill>
+            <a:schemeClr val="accent1"/>
+          </a:solidFill>
+          <a:ln w="28575">
+            <a:noFill/>
+          </a:ln>
+          <a:effectLst>
+            <a:outerShdw blurRad="698500" dist="190500" dir="8100000" algn="tr" rotWithShape="0">
+              <a:prstClr val="black">
+                <a:alpha val="30000"/>
+              </a:prstClr>
+            </a:outerShdw>
+          </a:effectLst>
+        </p:spPr>
+        <p:style>
+          <a:lnRef idx="2">
+            <a:schemeClr val="accent1">
+              <a:shade val="50000"/>
+            </a:schemeClr>
+          </a:lnRef>
+          <a:fillRef idx="1">
+            <a:schemeClr val="accent1"/>
+          </a:fillRef>
+          <a:effectRef idx="0">
+            <a:schemeClr val="accent1"/>
+          </a:effectRef>
+          <a:fontRef idx="minor">
+            <a:schemeClr val="lt1"/>
+          </a:fontRef>
+        </p:style>
+        <p:txBody>
+          <a:bodyPr lIns="121917" tIns="60958" rIns="121917" bIns="60958" rtlCol="0" anchor="ctr"/>
+          <a:lstStyle/>
+          <a:p>
+            <a:pPr algn="ctr"/>
+            <a:endParaRPr lang="zh-CN" altLang="en-US">
+              <a:solidFill>
+                <a:schemeClr val="tx1"/>
+              </a:solidFill>
+            </a:endParaRPr>
+          </a:p>
+        </p:txBody>
+      </p:sp>
+      <p:sp>
+        <p:nvSpPr>
+          <p:cNvPr id="15" name="菱形 14"/>
+          <p:cNvSpPr/>
+          <p:nvPr/>
+        </p:nvSpPr>
+        <p:spPr>
+          <a:xfrm>
+            <a:off x="-157791" y="205311"/>
+            <a:ext cx="583473" cy="591048"/>
+          </a:xfrm>
+          <a:prstGeom prst="diamond">
+            <a:avLst/>
+          </a:prstGeom>
+          <a:solidFill>
+            <a:schemeClr val="tx1"/>
+          </a:solidFill>
+          <a:ln w="28575">
+            <a:noFill/>
+          </a:ln>
+          <a:effectLst>
+            <a:outerShdw blurRad="698500" dist="190500" dir="8100000" algn="tr" rotWithShape="0">
+              <a:prstClr val="black">
+                <a:alpha val="30000"/>
+              </a:prstClr>
+            </a:outerShdw>
+          </a:effectLst>
+        </p:spPr>
+        <p:style>
+          <a:lnRef idx="2">
+            <a:schemeClr val="accent1">
+              <a:shade val="50000"/>
+            </a:schemeClr>
+          </a:lnRef>
+          <a:fillRef idx="1">
+            <a:schemeClr val="accent1"/>
+          </a:fillRef>
+          <a:effectRef idx="0">
+            <a:schemeClr val="accent1"/>
+          </a:effectRef>
+          <a:fontRef idx="minor">
+            <a:schemeClr val="lt1"/>
+          </a:fontRef>
+        </p:style>
+        <p:txBody>
+          <a:bodyPr lIns="121917" tIns="60958" rIns="121917" bIns="60958" rtlCol="0" anchor="ctr"/>
+          <a:lstStyle/>
+          <a:p>
+            <a:pPr algn="ctr"/>
+            <a:endParaRPr lang="zh-CN" altLang="en-US">
+              <a:solidFill>
+                <a:schemeClr val="tx1"/>
+              </a:solidFill>
+            </a:endParaRPr>
+          </a:p>
+        </p:txBody>
+      </p:sp>
+      <p:pic>
+        <p:nvPicPr>
+          <p:cNvPr id="3074" name="Picture 2"/>
+          <p:cNvPicPr>
+            <a:picLocks noChangeAspect="1" noChangeArrowheads="1"/>
+          </p:cNvPicPr>
+          <p:nvPr/>
+        </p:nvPicPr>
+        <p:blipFill>
+          <a:blip r:embed="rId4"/>
+          <a:srcRect/>
+          <a:stretch>
+            <a:fillRect/>
+          </a:stretch>
+        </p:blipFill>
+        <p:spPr bwMode="auto">
+          <a:xfrm>
+            <a:off x="2330572" y="1188427"/>
+            <a:ext cx="7515225" cy="2933700"/>
+          </a:xfrm>
+          <a:prstGeom prst="rect">
+            <a:avLst/>
+          </a:prstGeom>
+          <a:noFill/>
+          <a:ln w="9525">
+            <a:noFill/>
+            <a:miter lim="800000"/>
+            <a:headEnd/>
+            <a:tailEnd/>
+          </a:ln>
+          <a:effectLst/>
+        </p:spPr>
+      </p:pic>
+      <p:sp>
+        <p:nvSpPr>
+          <p:cNvPr id="10" name="矩形 9"/>
+          <p:cNvSpPr/>
+          <p:nvPr/>
+        </p:nvSpPr>
+        <p:spPr>
+          <a:xfrm>
+            <a:off x="4431323" y="4676727"/>
+            <a:ext cx="2665046" cy="646331"/>
+          </a:xfrm>
+          <a:prstGeom prst="rect">
+            <a:avLst/>
+          </a:prstGeom>
+        </p:spPr>
+        <p:txBody>
+          <a:bodyPr wrap="square">
+            <a:spAutoFit/>
+          </a:bodyPr>
+          <a:lstStyle/>
+          <a:p>
+            <a:r>
+              <a:rPr lang="zh-CN" altLang="en-US" dirty="0" smtClean="0"/>
+              <a:t>算法迭代过程示意图 </a:t>
+            </a:r>
+            <a:br>
+              <a:rPr lang="zh-CN" altLang="en-US" dirty="0" smtClean="0"/>
+            </a:br>
+            <a:endParaRPr lang="zh-CN" altLang="en-US" dirty="0"/>
+          </a:p>
+        </p:txBody>
+      </p:sp>
+    </p:spTree>
+  </p:cSld>
+  <p:clrMapOvr>
+    <a:masterClrMapping/>
+  </p:clrMapOvr>
+  <mc:AlternateContent xmlns:mc="http://schemas.openxmlformats.org/markup-compatibility/2006">
+    <mc:Choice xmlns:p14="http://schemas.microsoft.com/office/powerpoint/2010/main" xmlns="" Requires="p14">
+      <p:transition p14:dur="0" advTm="3000"/>
+    </mc:Choice>
+    <mc:Fallback>
+      <p:transition advTm="3000"/>
+    </mc:Fallback>
+  </mc:AlternateContent>
+</p:sld>
+</file>
+
+<file path=ppt/slides/slide13.xml><?xml version="1.0" encoding="utf-8"?>
+<p:sld xmlns:a="http://schemas.openxmlformats.org/drawingml/2006/main" xmlns:r="http://schemas.openxmlformats.org/officeDocument/2006/relationships" xmlns:p="http://schemas.openxmlformats.org/presentationml/2006/main">
+  <p:cSld>
+    <p:spTree>
+      <p:nvGrpSpPr>
+        <p:cNvPr id="1" name=""/>
+        <p:cNvGrpSpPr/>
+        <p:nvPr/>
+      </p:nvGrpSpPr>
+      <p:grpSpPr>
+        <a:xfrm>
+          <a:off x="0" y="0"/>
+          <a:ext cx="0" cy="0"/>
+          <a:chOff x="0" y="0"/>
+          <a:chExt cx="0" cy="0"/>
+        </a:xfrm>
+      </p:grpSpPr>
+      <p:sp>
+        <p:nvSpPr>
+          <p:cNvPr id="6" name="文本框 5"/>
+          <p:cNvSpPr txBox="1"/>
+          <p:nvPr/>
+        </p:nvSpPr>
+        <p:spPr>
+          <a:xfrm>
+            <a:off x="468551" y="188764"/>
+            <a:ext cx="5510218" cy="615549"/>
+          </a:xfrm>
+          <a:prstGeom prst="rect">
+            <a:avLst/>
+          </a:prstGeom>
+          <a:noFill/>
+        </p:spPr>
+        <p:txBody>
+          <a:bodyPr wrap="square" lIns="121917" tIns="60958" rIns="121917" bIns="60958" rtlCol="0">
+            <a:spAutoFit/>
+          </a:bodyPr>
+          <a:lstStyle/>
+          <a:p>
+            <a:r>
+              <a:rPr lang="en-US" altLang="zh-CN" sz="3200" b="1" dirty="0" smtClean="0">
+                <a:cs typeface="+mn-ea"/>
+                <a:sym typeface="+mn-lt"/>
+              </a:rPr>
+              <a:t>2.6 </a:t>
+            </a:r>
+            <a:r>
+              <a:rPr lang="zh-CN" altLang="en-US" sz="2400" b="1" dirty="0" smtClean="0">
+                <a:cs typeface="+mn-ea"/>
+                <a:sym typeface="+mn-lt"/>
+              </a:rPr>
+              <a:t>深度强化学习算法设计框架</a:t>
+            </a:r>
+            <a:endParaRPr lang="zh-CN" altLang="en-US" sz="2400" b="1" dirty="0">
               <a:cs typeface="+mn-ea"/>
               <a:sym typeface="+mn-lt"/>
             </a:endParaRPr>
@@ -6796,14 +7379,7 @@
                 <a:cs typeface="+mn-ea"/>
                 <a:sym typeface="+mn-lt"/>
               </a:rPr>
-              <a:t>        针对存在的不同的金属，它们在溶液中溶解快慢不一，产生了溶解的层数差，对于本实验的</a:t>
-            </a:r>
-            <a:r>
-              <a:rPr lang="en-US" altLang="zh-CN" sz="2100" b="1" dirty="0">
-                <a:cs typeface="+mn-ea"/>
-                <a:sym typeface="+mn-lt"/>
-              </a:rPr>
-              <a:t>Mg-Gd-Nd-Ln</a:t>
+              <a:t>        </a:t>
             </a:r>
             <a:endParaRPr lang="en-US" altLang="zh-CN" b="1" dirty="0">
               <a:sym typeface="+mn-lt"/>
@@ -7012,2678 +7588,75 @@
           </a:p>
         </p:txBody>
       </p:sp>
-      <p:sp>
-        <p:nvSpPr>
-          <p:cNvPr id="3" name="文本框 2"/>
-          <p:cNvSpPr txBox="1"/>
+      <p:pic>
+        <p:nvPicPr>
+          <p:cNvPr id="2051" name="Picture 3"/>
+          <p:cNvPicPr>
+            <a:picLocks noChangeAspect="1" noChangeArrowheads="1"/>
+          </p:cNvPicPr>
           <p:nvPr/>
-        </p:nvSpPr>
-        <p:spPr>
+        </p:nvPicPr>
+        <p:blipFill>
+          <a:blip r:embed="rId4"/>
+          <a:srcRect/>
+          <a:stretch>
+            <a:fillRect/>
+          </a:stretch>
+        </p:blipFill>
+        <p:spPr bwMode="auto">
           <a:xfrm>
-            <a:off x="2352854" y="2425933"/>
-            <a:ext cx="7848872" cy="3784600"/>
+            <a:off x="1758462" y="1129313"/>
+            <a:ext cx="8570790" cy="2892558"/>
           </a:xfrm>
           <a:prstGeom prst="rect">
             <a:avLst/>
           </a:prstGeom>
           <a:noFill/>
+          <a:ln w="9525">
+            <a:noFill/>
+            <a:miter lim="800000"/>
+            <a:headEnd/>
+            <a:tailEnd/>
+          </a:ln>
+          <a:effectLst/>
         </p:spPr>
-        <p:txBody>
-          <a:bodyPr wrap="square" rtlCol="0">
-            <a:spAutoFit/>
-          </a:bodyPr>
-          <a:lstStyle/>
-          <a:p>
-            <a:pPr>
-              <a:lnSpc>
-                <a:spcPct val="200000"/>
-              </a:lnSpc>
-            </a:pPr>
-            <a:r>
-              <a:rPr lang="zh-CN" altLang="en-US" sz="2400" dirty="0">
-                <a:latin typeface="微软雅黑" panose="020B0503020204020204" charset="-122"/>
-                <a:ea typeface="微软雅黑" panose="020B0503020204020204" charset="-122"/>
-              </a:rPr>
-              <a:t>第一原子层中</a:t>
-            </a:r>
-            <a:r>
-              <a:rPr lang="en-US" altLang="zh-CN" sz="2400" dirty="0">
-                <a:latin typeface="微软雅黑" panose="020B0503020204020204" charset="-122"/>
-                <a:ea typeface="微软雅黑" panose="020B0503020204020204" charset="-122"/>
-              </a:rPr>
-              <a:t>Mg</a:t>
-            </a:r>
-            <a:r>
-              <a:rPr lang="zh-CN" altLang="en-US" sz="2400" dirty="0">
-                <a:latin typeface="微软雅黑" panose="020B0503020204020204" charset="-122"/>
-                <a:ea typeface="微软雅黑" panose="020B0503020204020204" charset="-122"/>
-              </a:rPr>
-              <a:t>的物质的量 </a:t>
-            </a:r>
-            <a:r>
-              <a:rPr lang="en-US" altLang="zh-CN" sz="2400" dirty="0">
-                <a:latin typeface="微软雅黑" panose="020B0503020204020204" charset="-122"/>
-                <a:ea typeface="微软雅黑" panose="020B0503020204020204" charset="-122"/>
-              </a:rPr>
-              <a:t>N=2.04</a:t>
-            </a:r>
-            <a:r>
-              <a:rPr lang="en-US" altLang="zh-CN" sz="2400" dirty="0">
-                <a:latin typeface="等线" panose="02010600030101010101" pitchFamily="2" charset="-122"/>
-                <a:ea typeface="等线" panose="02010600030101010101" pitchFamily="2" charset="-122"/>
-              </a:rPr>
-              <a:t>ⅹ</a:t>
-            </a:r>
-            <a:r>
-              <a:rPr lang="en-US" altLang="zh-CN" sz="2400" dirty="0">
-                <a:latin typeface="微软雅黑" panose="020B0503020204020204" charset="-122"/>
-                <a:ea typeface="微软雅黑" panose="020B0503020204020204" charset="-122"/>
-              </a:rPr>
-              <a:t>10</a:t>
-            </a:r>
-            <a:r>
-              <a:rPr lang="en-US" altLang="zh-CN" sz="2400" baseline="30000" dirty="0">
-                <a:latin typeface="微软雅黑" panose="020B0503020204020204" charset="-122"/>
-                <a:ea typeface="微软雅黑" panose="020B0503020204020204" charset="-122"/>
-              </a:rPr>
-              <a:t>-5 </a:t>
-            </a:r>
-            <a:r>
-              <a:rPr lang="en-US" altLang="zh-CN" sz="2400" dirty="0">
-                <a:latin typeface="微软雅黑" panose="020B0503020204020204" charset="-122"/>
-                <a:ea typeface="微软雅黑" panose="020B0503020204020204" charset="-122"/>
-              </a:rPr>
-              <a:t>mol</a:t>
-            </a:r>
-          </a:p>
-          <a:p>
-            <a:pPr>
-              <a:lnSpc>
-                <a:spcPct val="200000"/>
-              </a:lnSpc>
-            </a:pPr>
-            <a:r>
-              <a:rPr lang="zh-CN" altLang="en-US" sz="2400" dirty="0">
-                <a:latin typeface="微软雅黑" panose="020B0503020204020204" charset="-122"/>
-                <a:ea typeface="微软雅黑" panose="020B0503020204020204" charset="-122"/>
-              </a:rPr>
-              <a:t>第一原子层中</a:t>
-            </a:r>
-            <a:r>
-              <a:rPr lang="en-US" altLang="zh-CN" sz="2400" dirty="0">
-                <a:latin typeface="微软雅黑" panose="020B0503020204020204" charset="-122"/>
-                <a:ea typeface="微软雅黑" panose="020B0503020204020204" charset="-122"/>
-              </a:rPr>
-              <a:t>Mg</a:t>
-            </a:r>
-            <a:r>
-              <a:rPr lang="zh-CN" altLang="en-US" sz="2400" dirty="0">
-                <a:latin typeface="微软雅黑" panose="020B0503020204020204" charset="-122"/>
-                <a:ea typeface="微软雅黑" panose="020B0503020204020204" charset="-122"/>
-              </a:rPr>
-              <a:t>能产生的电量 </a:t>
-            </a:r>
-            <a:r>
-              <a:rPr lang="en-US" altLang="zh-CN" sz="2400" dirty="0" err="1">
-                <a:latin typeface="微软雅黑" panose="020B0503020204020204" charset="-122"/>
-                <a:ea typeface="微软雅黑" panose="020B0503020204020204" charset="-122"/>
-              </a:rPr>
-              <a:t>N</a:t>
-            </a:r>
-            <a:r>
-              <a:rPr lang="en-US" altLang="zh-CN" sz="2400" dirty="0" err="1">
-                <a:latin typeface="等线" panose="02010600030101010101" pitchFamily="2" charset="-122"/>
-                <a:ea typeface="等线" panose="02010600030101010101" pitchFamily="2" charset="-122"/>
-              </a:rPr>
-              <a:t>ⅹ</a:t>
-            </a:r>
-            <a:r>
-              <a:rPr lang="en-US" altLang="zh-CN" sz="2400" dirty="0" err="1">
-                <a:latin typeface="微软雅黑" panose="020B0503020204020204" charset="-122"/>
-                <a:ea typeface="微软雅黑" panose="020B0503020204020204" charset="-122"/>
-              </a:rPr>
-              <a:t>n</a:t>
-            </a:r>
-            <a:r>
-              <a:rPr lang="en-US" altLang="zh-CN" sz="2400" dirty="0" err="1">
-                <a:latin typeface="等线" panose="02010600030101010101" pitchFamily="2" charset="-122"/>
-                <a:ea typeface="等线" panose="02010600030101010101" pitchFamily="2" charset="-122"/>
-              </a:rPr>
-              <a:t>ⅹ</a:t>
-            </a:r>
-            <a:r>
-              <a:rPr lang="en-US" altLang="zh-CN" sz="2400" dirty="0" err="1">
-                <a:latin typeface="微软雅黑" panose="020B0503020204020204" charset="-122"/>
-                <a:ea typeface="微软雅黑" panose="020B0503020204020204" charset="-122"/>
-              </a:rPr>
-              <a:t>F</a:t>
-            </a:r>
-            <a:r>
-              <a:rPr lang="en-US" altLang="zh-CN" sz="2400" dirty="0">
-                <a:latin typeface="微软雅黑" panose="020B0503020204020204" charset="-122"/>
-                <a:ea typeface="微软雅黑" panose="020B0503020204020204" charset="-122"/>
-              </a:rPr>
-              <a:t>= 3.93</a:t>
-            </a:r>
-            <a:r>
-              <a:rPr lang="en-US" altLang="zh-CN" sz="2400" baseline="30000" dirty="0">
-                <a:latin typeface="微软雅黑" panose="020B0503020204020204" charset="-122"/>
-                <a:ea typeface="微软雅黑" panose="020B0503020204020204" charset="-122"/>
-              </a:rPr>
-              <a:t> </a:t>
-            </a:r>
-            <a:r>
-              <a:rPr lang="en-US" altLang="zh-CN" sz="2400" dirty="0">
-                <a:latin typeface="微软雅黑" panose="020B0503020204020204" charset="-122"/>
-                <a:ea typeface="微软雅黑" panose="020B0503020204020204" charset="-122"/>
-              </a:rPr>
-              <a:t>C</a:t>
-            </a:r>
-          </a:p>
-          <a:p>
-            <a:pPr>
-              <a:lnSpc>
-                <a:spcPct val="200000"/>
-              </a:lnSpc>
-            </a:pPr>
-            <a:r>
-              <a:rPr lang="zh-CN" altLang="en-US" sz="2400" dirty="0">
-                <a:latin typeface="微软雅黑" panose="020B0503020204020204" charset="-122"/>
-                <a:ea typeface="微软雅黑" panose="020B0503020204020204" charset="-122"/>
-              </a:rPr>
-              <a:t>一秒</a:t>
-            </a:r>
-            <a:r>
-              <a:rPr lang="en-US" altLang="zh-CN" sz="2400" dirty="0">
-                <a:latin typeface="微软雅黑" panose="020B0503020204020204" charset="-122"/>
-                <a:ea typeface="微软雅黑" panose="020B0503020204020204" charset="-122"/>
-              </a:rPr>
-              <a:t>Mg</a:t>
-            </a:r>
-            <a:r>
-              <a:rPr lang="zh-CN" altLang="en-US" sz="2400" dirty="0">
-                <a:latin typeface="微软雅黑" panose="020B0503020204020204" charset="-122"/>
-                <a:ea typeface="微软雅黑" panose="020B0503020204020204" charset="-122"/>
-              </a:rPr>
-              <a:t>能产生的电量</a:t>
-            </a:r>
-            <a:r>
-              <a:rPr lang="en-US" altLang="zh-CN" sz="2400" dirty="0">
-                <a:latin typeface="微软雅黑" panose="020B0503020204020204" charset="-122"/>
-                <a:ea typeface="微软雅黑" panose="020B0503020204020204" charset="-122"/>
-              </a:rPr>
-              <a:t> </a:t>
-            </a:r>
-            <a:r>
-              <a:rPr lang="en-US" altLang="zh-CN" sz="2400" dirty="0" err="1">
-                <a:latin typeface="微软雅黑" panose="020B0503020204020204" charset="-122"/>
-                <a:ea typeface="微软雅黑" panose="020B0503020204020204" charset="-122"/>
-              </a:rPr>
-              <a:t>i</a:t>
-            </a:r>
-            <a:r>
-              <a:rPr lang="en-US" altLang="zh-CN" sz="2400" baseline="-25000" dirty="0" err="1">
-                <a:latin typeface="微软雅黑" panose="020B0503020204020204" charset="-122"/>
-                <a:ea typeface="微软雅黑" panose="020B0503020204020204" charset="-122"/>
-              </a:rPr>
-              <a:t>Mg</a:t>
-            </a:r>
-            <a:r>
-              <a:rPr lang="en-US" altLang="zh-CN" sz="2400" dirty="0" err="1">
-                <a:latin typeface="等线" panose="02010600030101010101" pitchFamily="2" charset="-122"/>
-                <a:ea typeface="等线" panose="02010600030101010101" pitchFamily="2" charset="-122"/>
-              </a:rPr>
-              <a:t>ⅹ</a:t>
-            </a:r>
-            <a:r>
-              <a:rPr lang="en-US" altLang="zh-CN" sz="2400" dirty="0" err="1">
-                <a:latin typeface="微软雅黑" panose="020B0503020204020204" charset="-122"/>
-                <a:ea typeface="微软雅黑" panose="020B0503020204020204" charset="-122"/>
-              </a:rPr>
-              <a:t>A</a:t>
-            </a:r>
-            <a:r>
-              <a:rPr lang="en-US" altLang="zh-CN" sz="2400" dirty="0" err="1">
-                <a:latin typeface="等线" panose="02010600030101010101" pitchFamily="2" charset="-122"/>
-                <a:ea typeface="等线" panose="02010600030101010101" pitchFamily="2" charset="-122"/>
-              </a:rPr>
-              <a:t>ⅹ</a:t>
-            </a:r>
-            <a:r>
-              <a:rPr lang="en-US" altLang="zh-CN" sz="2400" dirty="0" err="1">
-                <a:latin typeface="微软雅黑" panose="020B0503020204020204" charset="-122"/>
-                <a:ea typeface="微软雅黑" panose="020B0503020204020204" charset="-122"/>
-              </a:rPr>
-              <a:t>t</a:t>
-            </a:r>
-            <a:r>
-              <a:rPr lang="en-US" altLang="zh-CN" sz="2400" dirty="0">
-                <a:latin typeface="微软雅黑" panose="020B0503020204020204" charset="-122"/>
-                <a:ea typeface="微软雅黑" panose="020B0503020204020204" charset="-122"/>
-              </a:rPr>
-              <a:t> = 3.81</a:t>
-            </a:r>
-            <a:r>
-              <a:rPr lang="en-US" altLang="zh-CN" sz="2400" dirty="0">
-                <a:latin typeface="等线" panose="02010600030101010101" pitchFamily="2" charset="-122"/>
-                <a:ea typeface="等线" panose="02010600030101010101" pitchFamily="2" charset="-122"/>
-              </a:rPr>
-              <a:t>ⅹ</a:t>
-            </a:r>
-            <a:r>
-              <a:rPr lang="en-US" altLang="zh-CN" sz="2400" dirty="0">
-                <a:latin typeface="微软雅黑" panose="020B0503020204020204" charset="-122"/>
-                <a:ea typeface="微软雅黑" panose="020B0503020204020204" charset="-122"/>
-              </a:rPr>
-              <a:t>10</a:t>
-            </a:r>
-            <a:r>
-              <a:rPr lang="en-US" altLang="zh-CN" sz="2400" baseline="30000" dirty="0">
-                <a:latin typeface="微软雅黑" panose="020B0503020204020204" charset="-122"/>
-                <a:ea typeface="微软雅黑" panose="020B0503020204020204" charset="-122"/>
-              </a:rPr>
-              <a:t>8 </a:t>
-            </a:r>
-            <a:r>
-              <a:rPr lang="en-US" altLang="zh-CN" sz="2400" dirty="0">
-                <a:latin typeface="微软雅黑" panose="020B0503020204020204" charset="-122"/>
-                <a:ea typeface="微软雅黑" panose="020B0503020204020204" charset="-122"/>
-              </a:rPr>
-              <a:t>C</a:t>
-            </a:r>
-          </a:p>
-          <a:p>
-            <a:pPr>
-              <a:lnSpc>
-                <a:spcPct val="200000"/>
-              </a:lnSpc>
-            </a:pPr>
-            <a:endParaRPr lang="en-US" altLang="zh-CN" sz="2400" dirty="0">
-              <a:latin typeface="微软雅黑" panose="020B0503020204020204" charset="-122"/>
-              <a:ea typeface="微软雅黑" panose="020B0503020204020204" charset="-122"/>
-            </a:endParaRPr>
-          </a:p>
-          <a:p>
-            <a:pPr>
-              <a:lnSpc>
-                <a:spcPct val="200000"/>
-              </a:lnSpc>
-            </a:pPr>
-            <a:r>
-              <a:rPr lang="en-US" altLang="zh-CN" sz="2400" dirty="0">
-                <a:latin typeface="微软雅黑" panose="020B0503020204020204" charset="-122"/>
-                <a:ea typeface="微软雅黑" panose="020B0503020204020204" charset="-122"/>
-              </a:rPr>
-              <a:t>1s</a:t>
-            </a:r>
-            <a:r>
-              <a:rPr lang="zh-CN" altLang="en-US" sz="2400" dirty="0">
-                <a:latin typeface="微软雅黑" panose="020B0503020204020204" charset="-122"/>
-                <a:ea typeface="微软雅黑" panose="020B0503020204020204" charset="-122"/>
-              </a:rPr>
-              <a:t>，</a:t>
-            </a:r>
-            <a:r>
-              <a:rPr lang="en-US" altLang="zh-CN" sz="2400" dirty="0">
-                <a:latin typeface="微软雅黑" panose="020B0503020204020204" charset="-122"/>
-                <a:ea typeface="微软雅黑" panose="020B0503020204020204" charset="-122"/>
-              </a:rPr>
-              <a:t> Mg</a:t>
-            </a:r>
-            <a:r>
-              <a:rPr lang="zh-CN" altLang="en-US" sz="2400" dirty="0">
-                <a:latin typeface="微软雅黑" panose="020B0503020204020204" charset="-122"/>
-                <a:ea typeface="微软雅黑" panose="020B0503020204020204" charset="-122"/>
-              </a:rPr>
-              <a:t>可以完全溶解</a:t>
-            </a:r>
-            <a:r>
-              <a:rPr lang="en-US" altLang="zh-CN" sz="2400" dirty="0">
-                <a:latin typeface="微软雅黑" panose="020B0503020204020204" charset="-122"/>
-                <a:ea typeface="微软雅黑" panose="020B0503020204020204" charset="-122"/>
-              </a:rPr>
-              <a:t>L</a:t>
-            </a:r>
-            <a:r>
-              <a:rPr lang="en-US" altLang="zh-CN" sz="2400" baseline="-25000" dirty="0">
-                <a:latin typeface="微软雅黑" panose="020B0503020204020204" charset="-122"/>
-                <a:ea typeface="微软雅黑" panose="020B0503020204020204" charset="-122"/>
-              </a:rPr>
-              <a:t>0</a:t>
-            </a:r>
-            <a:r>
-              <a:rPr lang="en-US" altLang="zh-CN" sz="2400" dirty="0">
-                <a:latin typeface="微软雅黑" panose="020B0503020204020204" charset="-122"/>
-                <a:ea typeface="微软雅黑" panose="020B0503020204020204" charset="-122"/>
-              </a:rPr>
-              <a:t>=</a:t>
-            </a:r>
-            <a:r>
-              <a:rPr lang="zh-CN" altLang="en-US" sz="2400" dirty="0">
-                <a:latin typeface="微软雅黑" panose="020B0503020204020204" charset="-122"/>
-                <a:ea typeface="微软雅黑" panose="020B0503020204020204" charset="-122"/>
-              </a:rPr>
-              <a:t> </a:t>
-            </a:r>
-            <a:r>
-              <a:rPr lang="en-US" altLang="zh-CN" sz="2400" dirty="0">
-                <a:latin typeface="微软雅黑" panose="020B0503020204020204" charset="-122"/>
-                <a:ea typeface="微软雅黑" panose="020B0503020204020204" charset="-122"/>
-              </a:rPr>
-              <a:t>9.7</a:t>
-            </a:r>
-            <a:r>
-              <a:rPr lang="en-US" altLang="zh-CN" sz="2400" dirty="0">
-                <a:latin typeface="等线" panose="02010600030101010101" pitchFamily="2" charset="-122"/>
-                <a:ea typeface="等线" panose="02010600030101010101" pitchFamily="2" charset="-122"/>
-              </a:rPr>
-              <a:t>ⅹ</a:t>
-            </a:r>
-            <a:r>
-              <a:rPr lang="en-US" altLang="zh-CN" sz="2400" dirty="0">
-                <a:latin typeface="微软雅黑" panose="020B0503020204020204" charset="-122"/>
-                <a:ea typeface="微软雅黑" panose="020B0503020204020204" charset="-122"/>
-              </a:rPr>
-              <a:t>10</a:t>
-            </a:r>
-            <a:r>
-              <a:rPr lang="en-US" altLang="zh-CN" sz="2400" baseline="30000" dirty="0">
-                <a:latin typeface="微软雅黑" panose="020B0503020204020204" charset="-122"/>
-                <a:ea typeface="微软雅黑" panose="020B0503020204020204" charset="-122"/>
-              </a:rPr>
-              <a:t>7</a:t>
-            </a:r>
-            <a:r>
-              <a:rPr lang="zh-CN" altLang="en-US" sz="2400" dirty="0">
-                <a:latin typeface="微软雅黑" panose="020B0503020204020204" charset="-122"/>
-                <a:ea typeface="微软雅黑" panose="020B0503020204020204" charset="-122"/>
-              </a:rPr>
-              <a:t>层</a:t>
-            </a:r>
-            <a:endParaRPr lang="en-US" altLang="zh-CN" sz="2400" dirty="0">
-              <a:latin typeface="微软雅黑" panose="020B0503020204020204" charset="-122"/>
-              <a:ea typeface="微软雅黑" panose="020B0503020204020204" charset="-122"/>
-            </a:endParaRPr>
-          </a:p>
-        </p:txBody>
-      </p:sp>
-      <mc:AlternateContent xmlns:mc="http://schemas.openxmlformats.org/markup-compatibility/2006">
-        <mc:Choice xmlns:a14="http://schemas.microsoft.com/office/drawing/2010/main" xmlns="" Requires="a14">
-          <p:sp>
-            <p:nvSpPr>
-              <p:cNvPr id="5" name="文本框 4"/>
-              <p:cNvSpPr txBox="1"/>
-              <p:nvPr/>
-            </p:nvSpPr>
-            <p:spPr>
-              <a:xfrm>
-                <a:off x="3016791" y="4898891"/>
-                <a:ext cx="4572000" cy="683777"/>
-              </a:xfrm>
-              <a:prstGeom prst="rect">
-                <a:avLst/>
-              </a:prstGeom>
-              <a:noFill/>
-            </p:spPr>
-            <p:txBody>
-              <a:bodyPr wrap="square">
-                <a:spAutoFit/>
-              </a:bodyPr>
-              <a:p>
-                <a14:m>
-                  <m:oMathPara xmlns:m="http://schemas.openxmlformats.org/officeDocument/2006/math">
-                    <m:oMathParaPr>
-                      <m:jc m:val="centerGroup"/>
-                    </m:oMathParaPr>
-                    <m:oMath xmlns:m="http://schemas.openxmlformats.org/officeDocument/2006/math">
-                      <m:sSub>
-                        <m:sSubPr>
-                          <m:ctrlPr>
-                            <a:rPr lang="zh-CN" altLang="en-US" sz="2000" i="1" smtClean="0">
-                              <a:solidFill>
-                                <a:srgbClr val="836967"/>
-                              </a:solidFill>
-                              <a:latin typeface="Cambria Math" panose="02040503050406030204" pitchFamily="18" charset="0"/>
-                            </a:rPr>
-                          </m:ctrlPr>
-                        </m:sSubPr>
-                        <m:e>
-                          <m:r>
-                            <a:rPr lang="zh-CN" altLang="en-US" sz="2000" i="1">
-                              <a:latin typeface="Cambria Math" panose="02040503050406030204" pitchFamily="18" charset="0"/>
-                            </a:rPr>
-                            <m:t>𝐿</m:t>
-                          </m:r>
-                        </m:e>
-                        <m:sub>
-                          <m:r>
-                            <a:rPr lang="zh-CN" altLang="en-US" sz="2000" i="0">
-                              <a:latin typeface="Cambria Math" panose="02040503050406030204" pitchFamily="18" charset="0"/>
-                            </a:rPr>
-                            <m:t>0</m:t>
-                          </m:r>
-                        </m:sub>
-                      </m:sSub>
-                      <m:r>
-                        <a:rPr lang="zh-CN" altLang="en-US" sz="2000" i="0">
-                          <a:latin typeface="Cambria Math" panose="02040503050406030204" pitchFamily="18" charset="0"/>
-                        </a:rPr>
-                        <m:t>=</m:t>
-                      </m:r>
-                      <m:f>
-                        <m:fPr>
-                          <m:ctrlPr>
-                            <a:rPr lang="zh-CN" altLang="en-US" sz="2000" i="1">
-                              <a:solidFill>
-                                <a:srgbClr val="836967"/>
-                              </a:solidFill>
-                              <a:latin typeface="Cambria Math" panose="02040503050406030204" pitchFamily="18" charset="0"/>
-                            </a:rPr>
-                          </m:ctrlPr>
-                        </m:fPr>
-                        <m:num>
-                          <m:sSub>
-                            <m:sSubPr>
-                              <m:ctrlPr>
-                                <a:rPr lang="zh-CN" altLang="en-US" sz="2000" i="1">
-                                  <a:solidFill>
-                                    <a:srgbClr val="836967"/>
-                                  </a:solidFill>
-                                  <a:latin typeface="Cambria Math" panose="02040503050406030204" pitchFamily="18" charset="0"/>
-                                </a:rPr>
-                              </m:ctrlPr>
-                            </m:sSubPr>
-                            <m:e>
-                              <m:r>
-                                <a:rPr lang="zh-CN" altLang="en-US" sz="2000" i="1">
-                                  <a:latin typeface="Cambria Math" panose="02040503050406030204" pitchFamily="18" charset="0"/>
-                                </a:rPr>
-                                <m:t>𝑖</m:t>
-                              </m:r>
-                            </m:e>
-                            <m:sub>
-                              <m:r>
-                                <m:rPr>
-                                  <m:sty m:val="p"/>
-                                </m:rPr>
-                                <a:rPr lang="en-US" altLang="zh-CN" sz="2000" b="0" i="0" smtClean="0">
-                                  <a:latin typeface="Cambria Math" panose="02040503050406030204" pitchFamily="18" charset="0"/>
-                                </a:rPr>
-                                <m:t>Mg</m:t>
-                              </m:r>
-                            </m:sub>
-                          </m:sSub>
-                          <m:r>
-                            <a:rPr lang="zh-CN" altLang="en-US" sz="2000" i="1">
-                              <a:latin typeface="Cambria Math" panose="02040503050406030204" pitchFamily="18" charset="0"/>
-                            </a:rPr>
-                            <m:t>𝐴𝑡</m:t>
-                          </m:r>
-                        </m:num>
-                        <m:den>
-                          <m:r>
-                            <a:rPr lang="zh-CN" altLang="en-US" sz="2000" i="1">
-                              <a:latin typeface="Cambria Math" panose="02040503050406030204" pitchFamily="18" charset="0"/>
-                            </a:rPr>
-                            <m:t>𝑁𝑛𝐹</m:t>
-                          </m:r>
-                        </m:den>
-                      </m:f>
-                    </m:oMath>
-                  </m:oMathPara>
-                </a14:m>
-                <a:endParaRPr lang="zh-CN" altLang="en-US" sz="2000" dirty="0">
-                  <a:latin typeface="Times New Roman" panose="02020603050405020304" pitchFamily="18" charset="0"/>
-                  <a:cs typeface="Times New Roman" panose="02020603050405020304" pitchFamily="18" charset="0"/>
-                </a:endParaRPr>
-              </a:p>
-            </p:txBody>
-          </p:sp>
-        </mc:Choice>
-        <mc:Fallback>
-          <p:sp>
-            <p:nvSpPr>
-              <p:cNvPr id="5" name="文本框 4"/>
-              <p:cNvSpPr txBox="1">
-                <a:spLocks noRot="1" noChangeAspect="1" noMove="1" noResize="1" noEditPoints="1" noAdjustHandles="1" noChangeArrowheads="1" noChangeShapeType="1" noTextEdit="1"/>
-              </p:cNvSpPr>
-              <p:nvPr/>
-            </p:nvSpPr>
-            <p:spPr>
-              <a:xfrm>
-                <a:off x="3016791" y="4898891"/>
-                <a:ext cx="4572000" cy="683777"/>
-              </a:xfrm>
-              <a:prstGeom prst="rect">
-                <a:avLst/>
-              </a:prstGeom>
-              <a:blipFill rotWithShape="1">
-                <a:blip r:embed="rId4"/>
-                <a:stretch>
-                  <a:fillRect l="-12" t="-73" r="12" b="56"/>
-                </a:stretch>
-              </a:blipFill>
-            </p:spPr>
-            <p:txBody>
-              <a:bodyPr/>
-              <a:lstStyle/>
-              <a:p>
-                <a:r>
-                  <a:rPr lang="zh-CN" altLang="en-US">
-                    <a:noFill/>
-                  </a:rPr>
-                  <a:t> </a:t>
-                </a:r>
-              </a:p>
-            </p:txBody>
-          </p:sp>
-        </mc:Fallback>
-      </mc:AlternateContent>
-    </p:spTree>
-  </p:cSld>
-  <p:clrMapOvr>
-    <a:masterClrMapping/>
-  </p:clrMapOvr>
-  <mc:AlternateContent xmlns:mc="http://schemas.openxmlformats.org/markup-compatibility/2006">
-    <mc:Choice xmlns:p14="http://schemas.microsoft.com/office/powerpoint/2010/main" xmlns="" Requires="p14">
-      <p:transition p14:dur="0" advTm="3000"/>
-    </mc:Choice>
-    <mc:Fallback>
-      <p:transition advTm="3000"/>
-    </mc:Fallback>
-  </mc:AlternateContent>
-</p:sld>
-</file>
-
-<file path=ppt/slides/slide12.xml><?xml version="1.0" encoding="utf-8"?>
-<p:sld xmlns:a="http://schemas.openxmlformats.org/drawingml/2006/main" xmlns:r="http://schemas.openxmlformats.org/officeDocument/2006/relationships" xmlns:p="http://schemas.openxmlformats.org/presentationml/2006/main">
-  <p:cSld>
-    <p:spTree>
-      <p:nvGrpSpPr>
-        <p:cNvPr id="1" name=""/>
-        <p:cNvGrpSpPr/>
-        <p:nvPr/>
-      </p:nvGrpSpPr>
-      <p:grpSpPr>
-        <a:xfrm>
-          <a:off x="0" y="0"/>
-          <a:ext cx="0" cy="0"/>
-          <a:chOff x="0" y="0"/>
-          <a:chExt cx="0" cy="0"/>
-        </a:xfrm>
-      </p:grpSpPr>
+      </p:pic>
       <p:sp>
         <p:nvSpPr>
-          <p:cNvPr id="6" name="文本框 5"/>
-          <p:cNvSpPr txBox="1"/>
+          <p:cNvPr id="12" name="矩形 11"/>
+          <p:cNvSpPr/>
           <p:nvPr/>
         </p:nvSpPr>
         <p:spPr>
           <a:xfrm>
-            <a:off x="468551" y="188764"/>
-            <a:ext cx="3969991" cy="612775"/>
-          </a:xfrm>
-          <a:prstGeom prst="rect">
-            <a:avLst/>
-          </a:prstGeom>
-          <a:noFill/>
-        </p:spPr>
-        <p:txBody>
-          <a:bodyPr wrap="square" lIns="121917" tIns="60958" rIns="121917" bIns="60958" rtlCol="0">
-            <a:spAutoFit/>
-          </a:bodyPr>
-          <a:lstStyle/>
-          <a:p>
-            <a:r>
-              <a:rPr lang="en-US" altLang="zh-CN" sz="3200" b="1" dirty="0" smtClean="0">
-                <a:cs typeface="+mn-ea"/>
-                <a:sym typeface="+mn-lt"/>
-              </a:rPr>
-              <a:t>2.6 </a:t>
-            </a:r>
-            <a:r>
-              <a:rPr lang="en-US" altLang="zh-CN" sz="3200" b="1" dirty="0" smtClean="0">
-                <a:cs typeface="+mn-ea"/>
-                <a:sym typeface="+mn-lt"/>
-              </a:rPr>
-              <a:t>DDPG</a:t>
-            </a:r>
-            <a:endParaRPr lang="zh-CN" altLang="en-US" sz="3200" b="1" dirty="0">
-              <a:cs typeface="+mn-ea"/>
-              <a:sym typeface="+mn-lt"/>
-            </a:endParaRPr>
-          </a:p>
-        </p:txBody>
-      </p:sp>
-      <p:sp>
-        <p:nvSpPr>
-          <p:cNvPr id="107" name="Text Placeholder 34"/>
-          <p:cNvSpPr txBox="1"/>
-          <p:nvPr/>
-        </p:nvSpPr>
-        <p:spPr>
-          <a:xfrm>
-            <a:off x="334010" y="957580"/>
-            <a:ext cx="11328400" cy="1064895"/>
+            <a:off x="3696677" y="4254697"/>
+            <a:ext cx="6096000" cy="646331"/>
           </a:xfrm>
           <a:prstGeom prst="rect">
             <a:avLst/>
           </a:prstGeom>
         </p:spPr>
         <p:txBody>
-          <a:bodyPr lIns="91438" tIns="45719" rIns="91438" bIns="45719">
-            <a:noAutofit/>
-          </a:bodyPr>
-          <a:lstStyle>
-            <a:lvl1pPr marL="0" indent="0" algn="l" defTabSz="914400" rtl="0" eaLnBrk="1" latinLnBrk="0" hangingPunct="1">
-              <a:lnSpc>
-                <a:spcPct val="90000"/>
-              </a:lnSpc>
-              <a:spcBef>
-                <a:spcPts val="1000"/>
-              </a:spcBef>
-              <a:buFontTx/>
-              <a:buNone/>
-              <a:defRPr sz="1600" kern="1200">
-                <a:solidFill>
-                  <a:schemeClr val="tx1"/>
-                </a:solidFill>
-                <a:latin typeface="+mn-lt"/>
-                <a:ea typeface="+mn-ea"/>
-                <a:cs typeface="+mn-cs"/>
-              </a:defRPr>
-            </a:lvl1pPr>
-            <a:lvl2pPr marL="457200" indent="0" algn="l" defTabSz="914400" rtl="0" eaLnBrk="1" latinLnBrk="0" hangingPunct="1">
-              <a:lnSpc>
-                <a:spcPct val="90000"/>
-              </a:lnSpc>
-              <a:spcBef>
-                <a:spcPts val="500"/>
-              </a:spcBef>
-              <a:buFontTx/>
-              <a:buNone/>
-              <a:defRPr sz="1400" kern="1200">
-                <a:solidFill>
-                  <a:schemeClr val="tx1"/>
-                </a:solidFill>
-                <a:latin typeface="+mn-lt"/>
-                <a:ea typeface="+mn-ea"/>
-                <a:cs typeface="+mn-cs"/>
-              </a:defRPr>
-            </a:lvl2pPr>
-            <a:lvl3pPr marL="914400" indent="0" algn="l" defTabSz="914400" rtl="0" eaLnBrk="1" latinLnBrk="0" hangingPunct="1">
-              <a:lnSpc>
-                <a:spcPct val="90000"/>
-              </a:lnSpc>
-              <a:spcBef>
-                <a:spcPts val="500"/>
-              </a:spcBef>
-              <a:buFontTx/>
-              <a:buNone/>
-              <a:defRPr sz="1200" kern="1200">
-                <a:solidFill>
-                  <a:schemeClr val="tx1"/>
-                </a:solidFill>
-                <a:latin typeface="+mn-lt"/>
-                <a:ea typeface="+mn-ea"/>
-                <a:cs typeface="+mn-cs"/>
-              </a:defRPr>
-            </a:lvl3pPr>
-            <a:lvl4pPr marL="1371600" indent="0" algn="l" defTabSz="914400" rtl="0" eaLnBrk="1" latinLnBrk="0" hangingPunct="1">
-              <a:lnSpc>
-                <a:spcPct val="90000"/>
-              </a:lnSpc>
-              <a:spcBef>
-                <a:spcPts val="500"/>
-              </a:spcBef>
-              <a:buFontTx/>
-              <a:buNone/>
-              <a:defRPr sz="1100" kern="1200">
-                <a:solidFill>
-                  <a:schemeClr val="tx1"/>
-                </a:solidFill>
-                <a:latin typeface="+mn-lt"/>
-                <a:ea typeface="+mn-ea"/>
-                <a:cs typeface="+mn-cs"/>
-              </a:defRPr>
-            </a:lvl4pPr>
-            <a:lvl5pPr marL="1828800" indent="0" algn="l" defTabSz="914400" rtl="0" eaLnBrk="1" latinLnBrk="0" hangingPunct="1">
-              <a:lnSpc>
-                <a:spcPct val="90000"/>
-              </a:lnSpc>
-              <a:spcBef>
-                <a:spcPts val="500"/>
-              </a:spcBef>
-              <a:buFontTx/>
-              <a:buNone/>
-              <a:defRPr sz="1100" kern="1200">
-                <a:solidFill>
-                  <a:schemeClr val="tx1"/>
-                </a:solidFill>
-                <a:latin typeface="+mn-lt"/>
-                <a:ea typeface="+mn-ea"/>
-                <a:cs typeface="+mn-cs"/>
-              </a:defRPr>
-            </a:lvl5pPr>
-            <a:lvl6pPr marL="2514600" indent="-228600" algn="l" defTabSz="914400" rtl="0" eaLnBrk="1" latinLnBrk="0" hangingPunct="1">
-              <a:lnSpc>
-                <a:spcPct val="90000"/>
-              </a:lnSpc>
-              <a:spcBef>
-                <a:spcPts val="500"/>
-              </a:spcBef>
-              <a:buFont typeface="Arial" panose="020B0604020202020204" pitchFamily="34" charset="0"/>
-              <a:buChar char="•"/>
-              <a:defRPr sz="1800" kern="1200">
-                <a:solidFill>
-                  <a:schemeClr val="tx1"/>
-                </a:solidFill>
-                <a:latin typeface="+mn-lt"/>
-                <a:ea typeface="+mn-ea"/>
-                <a:cs typeface="+mn-cs"/>
-              </a:defRPr>
-            </a:lvl6pPr>
-            <a:lvl7pPr marL="2971800" indent="-228600" algn="l" defTabSz="914400" rtl="0" eaLnBrk="1" latinLnBrk="0" hangingPunct="1">
-              <a:lnSpc>
-                <a:spcPct val="90000"/>
-              </a:lnSpc>
-              <a:spcBef>
-                <a:spcPts val="500"/>
-              </a:spcBef>
-              <a:buFont typeface="Arial" panose="020B0604020202020204" pitchFamily="34" charset="0"/>
-              <a:buChar char="•"/>
-              <a:defRPr sz="1800" kern="1200">
-                <a:solidFill>
-                  <a:schemeClr val="tx1"/>
-                </a:solidFill>
-                <a:latin typeface="+mn-lt"/>
-                <a:ea typeface="+mn-ea"/>
-                <a:cs typeface="+mn-cs"/>
-              </a:defRPr>
-            </a:lvl7pPr>
-            <a:lvl8pPr marL="3429000" indent="-228600" algn="l" defTabSz="914400" rtl="0" eaLnBrk="1" latinLnBrk="0" hangingPunct="1">
-              <a:lnSpc>
-                <a:spcPct val="90000"/>
-              </a:lnSpc>
-              <a:spcBef>
-                <a:spcPts val="500"/>
-              </a:spcBef>
-              <a:buFont typeface="Arial" panose="020B0604020202020204" pitchFamily="34" charset="0"/>
-              <a:buChar char="•"/>
-              <a:defRPr sz="1800" kern="1200">
-                <a:solidFill>
-                  <a:schemeClr val="tx1"/>
-                </a:solidFill>
-                <a:latin typeface="+mn-lt"/>
-                <a:ea typeface="+mn-ea"/>
-                <a:cs typeface="+mn-cs"/>
-              </a:defRPr>
-            </a:lvl8pPr>
-            <a:lvl9pPr marL="3886200" indent="-228600" algn="l" defTabSz="914400" rtl="0" eaLnBrk="1" latinLnBrk="0" hangingPunct="1">
-              <a:lnSpc>
-                <a:spcPct val="90000"/>
-              </a:lnSpc>
-              <a:spcBef>
-                <a:spcPts val="500"/>
-              </a:spcBef>
-              <a:buFont typeface="Arial" panose="020B0604020202020204" pitchFamily="34" charset="0"/>
-              <a:buChar char="•"/>
-              <a:defRPr sz="1800" kern="1200">
-                <a:solidFill>
-                  <a:schemeClr val="tx1"/>
-                </a:solidFill>
-                <a:latin typeface="+mn-lt"/>
-                <a:ea typeface="+mn-ea"/>
-                <a:cs typeface="+mn-cs"/>
-              </a:defRPr>
-            </a:lvl9pPr>
-          </a:lstStyle>
-          <a:p>
-            <a:pPr>
-              <a:lnSpc>
-                <a:spcPct val="120000"/>
-              </a:lnSpc>
-              <a:buClr>
-                <a:schemeClr val="accent1"/>
-              </a:buClr>
-            </a:pPr>
-            <a:r>
-              <a:rPr lang="zh-CN" altLang="en-US" sz="2100" b="1" dirty="0">
-                <a:cs typeface="+mn-ea"/>
-                <a:sym typeface="+mn-lt"/>
-              </a:rPr>
-              <a:t>        针对存在的不同的金属，它们在溶液中溶解快慢不一，产生了溶解的层数差，对于本实验的</a:t>
-            </a:r>
-            <a:r>
-              <a:rPr lang="en-US" altLang="zh-CN" sz="2100" b="1" dirty="0">
-                <a:cs typeface="+mn-ea"/>
-                <a:sym typeface="+mn-lt"/>
-              </a:rPr>
-              <a:t>Mg-Gd-Nd-Ln</a:t>
-            </a:r>
-            <a:endParaRPr lang="en-US" altLang="zh-CN" b="1" dirty="0">
-              <a:sym typeface="+mn-lt"/>
-            </a:endParaRPr>
-          </a:p>
-        </p:txBody>
-      </p:sp>
-      <p:pic>
-        <p:nvPicPr>
-          <p:cNvPr id="16" name="图片 15"/>
-          <p:cNvPicPr>
-            <a:picLocks noChangeAspect="1"/>
-          </p:cNvPicPr>
-          <p:nvPr/>
-        </p:nvPicPr>
-        <p:blipFill>
-          <a:blip r:embed="rId3" cstate="print">
-            <a:extLst>
-              <a:ext uri="{28A0092B-C50C-407E-A947-70E740481C1C}">
-                <a14:useLocalDpi xmlns:a14="http://schemas.microsoft.com/office/drawing/2010/main" xmlns="" val="0"/>
-              </a:ext>
-            </a:extLst>
-          </a:blip>
-          <a:stretch>
-            <a:fillRect/>
-          </a:stretch>
-        </p:blipFill>
-        <p:spPr>
-          <a:xfrm>
-            <a:off x="10235985" y="93024"/>
-            <a:ext cx="1956015" cy="655627"/>
-          </a:xfrm>
-          <a:prstGeom prst="rect">
-            <a:avLst/>
-          </a:prstGeom>
-        </p:spPr>
-      </p:pic>
-      <p:sp>
-        <p:nvSpPr>
-          <p:cNvPr id="4" name="矩形 3"/>
-          <p:cNvSpPr/>
-          <p:nvPr/>
-        </p:nvSpPr>
-        <p:spPr>
-          <a:xfrm flipV="1">
-            <a:off x="-21773" y="6707968"/>
-            <a:ext cx="12213772" cy="188760"/>
-          </a:xfrm>
-          <a:prstGeom prst="rect">
-            <a:avLst/>
-          </a:prstGeom>
-          <a:solidFill>
-            <a:schemeClr val="accent5"/>
-          </a:solidFill>
-          <a:ln w="28575">
-            <a:noFill/>
-          </a:ln>
-          <a:effectLst>
-            <a:outerShdw blurRad="698500" dist="190500" dir="8100000" algn="tr" rotWithShape="0">
-              <a:prstClr val="black">
-                <a:alpha val="30000"/>
-              </a:prstClr>
-            </a:outerShdw>
-          </a:effectLst>
-        </p:spPr>
-        <p:style>
-          <a:lnRef idx="2">
-            <a:schemeClr val="accent1">
-              <a:shade val="50000"/>
-            </a:schemeClr>
-          </a:lnRef>
-          <a:fillRef idx="1">
-            <a:schemeClr val="accent1"/>
-          </a:fillRef>
-          <a:effectRef idx="0">
-            <a:schemeClr val="accent1"/>
-          </a:effectRef>
-          <a:fontRef idx="minor">
-            <a:schemeClr val="lt1"/>
-          </a:fontRef>
-        </p:style>
-        <p:txBody>
-          <a:bodyPr lIns="121917" tIns="60958" rIns="121917" bIns="60958" rtlCol="0" anchor="ctr"/>
-          <a:lstStyle/>
-          <a:p>
-            <a:pPr algn="ctr"/>
-            <a:endParaRPr lang="zh-CN" altLang="en-US">
-              <a:solidFill>
-                <a:schemeClr val="tx1"/>
-              </a:solidFill>
-            </a:endParaRPr>
-          </a:p>
-        </p:txBody>
-      </p:sp>
-      <p:sp>
-        <p:nvSpPr>
-          <p:cNvPr id="14" name="菱形 13"/>
-          <p:cNvSpPr/>
-          <p:nvPr/>
-        </p:nvSpPr>
-        <p:spPr>
-          <a:xfrm>
-            <a:off x="-313507" y="181525"/>
-            <a:ext cx="583473" cy="591048"/>
-          </a:xfrm>
-          <a:prstGeom prst="diamond">
-            <a:avLst/>
-          </a:prstGeom>
-          <a:solidFill>
-            <a:schemeClr val="accent1"/>
-          </a:solidFill>
-          <a:ln w="28575">
-            <a:noFill/>
-          </a:ln>
-          <a:effectLst>
-            <a:outerShdw blurRad="698500" dist="190500" dir="8100000" algn="tr" rotWithShape="0">
-              <a:prstClr val="black">
-                <a:alpha val="30000"/>
-              </a:prstClr>
-            </a:outerShdw>
-          </a:effectLst>
-        </p:spPr>
-        <p:style>
-          <a:lnRef idx="2">
-            <a:schemeClr val="accent1">
-              <a:shade val="50000"/>
-            </a:schemeClr>
-          </a:lnRef>
-          <a:fillRef idx="1">
-            <a:schemeClr val="accent1"/>
-          </a:fillRef>
-          <a:effectRef idx="0">
-            <a:schemeClr val="accent1"/>
-          </a:effectRef>
-          <a:fontRef idx="minor">
-            <a:schemeClr val="lt1"/>
-          </a:fontRef>
-        </p:style>
-        <p:txBody>
-          <a:bodyPr lIns="121917" tIns="60958" rIns="121917" bIns="60958" rtlCol="0" anchor="ctr"/>
-          <a:lstStyle/>
-          <a:p>
-            <a:pPr algn="ctr"/>
-            <a:endParaRPr lang="zh-CN" altLang="en-US">
-              <a:solidFill>
-                <a:schemeClr val="tx1"/>
-              </a:solidFill>
-            </a:endParaRPr>
-          </a:p>
-        </p:txBody>
-      </p:sp>
-      <p:sp>
-        <p:nvSpPr>
-          <p:cNvPr id="15" name="菱形 14"/>
-          <p:cNvSpPr/>
-          <p:nvPr/>
-        </p:nvSpPr>
-        <p:spPr>
-          <a:xfrm>
-            <a:off x="-157791" y="205311"/>
-            <a:ext cx="583473" cy="591048"/>
-          </a:xfrm>
-          <a:prstGeom prst="diamond">
-            <a:avLst/>
-          </a:prstGeom>
-          <a:solidFill>
-            <a:schemeClr val="tx1"/>
-          </a:solidFill>
-          <a:ln w="28575">
-            <a:noFill/>
-          </a:ln>
-          <a:effectLst>
-            <a:outerShdw blurRad="698500" dist="190500" dir="8100000" algn="tr" rotWithShape="0">
-              <a:prstClr val="black">
-                <a:alpha val="30000"/>
-              </a:prstClr>
-            </a:outerShdw>
-          </a:effectLst>
-        </p:spPr>
-        <p:style>
-          <a:lnRef idx="2">
-            <a:schemeClr val="accent1">
-              <a:shade val="50000"/>
-            </a:schemeClr>
-          </a:lnRef>
-          <a:fillRef idx="1">
-            <a:schemeClr val="accent1"/>
-          </a:fillRef>
-          <a:effectRef idx="0">
-            <a:schemeClr val="accent1"/>
-          </a:effectRef>
-          <a:fontRef idx="minor">
-            <a:schemeClr val="lt1"/>
-          </a:fontRef>
-        </p:style>
-        <p:txBody>
-          <a:bodyPr lIns="121917" tIns="60958" rIns="121917" bIns="60958" rtlCol="0" anchor="ctr"/>
-          <a:lstStyle/>
-          <a:p>
-            <a:pPr algn="ctr"/>
-            <a:endParaRPr lang="zh-CN" altLang="en-US">
-              <a:solidFill>
-                <a:schemeClr val="tx1"/>
-              </a:solidFill>
-            </a:endParaRPr>
-          </a:p>
-        </p:txBody>
-      </p:sp>
-      <p:sp>
-        <p:nvSpPr>
-          <p:cNvPr id="3" name="文本框 2"/>
-          <p:cNvSpPr txBox="1"/>
-          <p:nvPr/>
-        </p:nvSpPr>
-        <p:spPr>
-          <a:xfrm>
-            <a:off x="2352854" y="2425933"/>
-            <a:ext cx="7848872" cy="3784600"/>
-          </a:xfrm>
-          <a:prstGeom prst="rect">
-            <a:avLst/>
-          </a:prstGeom>
-          <a:noFill/>
-        </p:spPr>
-        <p:txBody>
-          <a:bodyPr wrap="square" rtlCol="0">
+          <a:bodyPr>
             <a:spAutoFit/>
           </a:bodyPr>
           <a:lstStyle/>
           <a:p>
-            <a:pPr>
-              <a:lnSpc>
-                <a:spcPct val="200000"/>
-              </a:lnSpc>
-            </a:pPr>
-            <a:r>
-              <a:rPr lang="zh-CN" altLang="en-US" sz="2400" dirty="0">
-                <a:latin typeface="微软雅黑" panose="020B0503020204020204" charset="-122"/>
-                <a:ea typeface="微软雅黑" panose="020B0503020204020204" charset="-122"/>
-              </a:rPr>
-              <a:t>第一原子层中</a:t>
-            </a:r>
-            <a:r>
-              <a:rPr lang="en-US" altLang="zh-CN" sz="2400" dirty="0">
-                <a:latin typeface="微软雅黑" panose="020B0503020204020204" charset="-122"/>
-                <a:ea typeface="微软雅黑" panose="020B0503020204020204" charset="-122"/>
-              </a:rPr>
-              <a:t>Mg</a:t>
-            </a:r>
-            <a:r>
-              <a:rPr lang="zh-CN" altLang="en-US" sz="2400" dirty="0">
-                <a:latin typeface="微软雅黑" panose="020B0503020204020204" charset="-122"/>
-                <a:ea typeface="微软雅黑" panose="020B0503020204020204" charset="-122"/>
-              </a:rPr>
-              <a:t>的物质的量 </a:t>
-            </a:r>
-            <a:r>
-              <a:rPr lang="en-US" altLang="zh-CN" sz="2400" dirty="0">
-                <a:latin typeface="微软雅黑" panose="020B0503020204020204" charset="-122"/>
-                <a:ea typeface="微软雅黑" panose="020B0503020204020204" charset="-122"/>
-              </a:rPr>
-              <a:t>N=2.04</a:t>
-            </a:r>
-            <a:r>
-              <a:rPr lang="en-US" altLang="zh-CN" sz="2400" dirty="0">
-                <a:latin typeface="等线" panose="02010600030101010101" pitchFamily="2" charset="-122"/>
-                <a:ea typeface="等线" panose="02010600030101010101" pitchFamily="2" charset="-122"/>
-              </a:rPr>
-              <a:t>ⅹ</a:t>
-            </a:r>
-            <a:r>
-              <a:rPr lang="en-US" altLang="zh-CN" sz="2400" dirty="0">
-                <a:latin typeface="微软雅黑" panose="020B0503020204020204" charset="-122"/>
-                <a:ea typeface="微软雅黑" panose="020B0503020204020204" charset="-122"/>
-              </a:rPr>
-              <a:t>10</a:t>
-            </a:r>
-            <a:r>
-              <a:rPr lang="en-US" altLang="zh-CN" sz="2400" baseline="30000" dirty="0">
-                <a:latin typeface="微软雅黑" panose="020B0503020204020204" charset="-122"/>
-                <a:ea typeface="微软雅黑" panose="020B0503020204020204" charset="-122"/>
-              </a:rPr>
-              <a:t>-5 </a:t>
-            </a:r>
-            <a:r>
-              <a:rPr lang="en-US" altLang="zh-CN" sz="2400" dirty="0">
-                <a:latin typeface="微软雅黑" panose="020B0503020204020204" charset="-122"/>
-                <a:ea typeface="微软雅黑" panose="020B0503020204020204" charset="-122"/>
-              </a:rPr>
-              <a:t>mol</a:t>
-            </a:r>
-          </a:p>
-          <a:p>
-            <a:pPr>
-              <a:lnSpc>
-                <a:spcPct val="200000"/>
-              </a:lnSpc>
-            </a:pPr>
-            <a:r>
-              <a:rPr lang="zh-CN" altLang="en-US" sz="2400" dirty="0">
-                <a:latin typeface="微软雅黑" panose="020B0503020204020204" charset="-122"/>
-                <a:ea typeface="微软雅黑" panose="020B0503020204020204" charset="-122"/>
-              </a:rPr>
-              <a:t>第一原子层中</a:t>
-            </a:r>
-            <a:r>
-              <a:rPr lang="en-US" altLang="zh-CN" sz="2400" dirty="0">
-                <a:latin typeface="微软雅黑" panose="020B0503020204020204" charset="-122"/>
-                <a:ea typeface="微软雅黑" panose="020B0503020204020204" charset="-122"/>
-              </a:rPr>
-              <a:t>Mg</a:t>
-            </a:r>
-            <a:r>
-              <a:rPr lang="zh-CN" altLang="en-US" sz="2400" dirty="0">
-                <a:latin typeface="微软雅黑" panose="020B0503020204020204" charset="-122"/>
-                <a:ea typeface="微软雅黑" panose="020B0503020204020204" charset="-122"/>
-              </a:rPr>
-              <a:t>能产生的电量 </a:t>
-            </a:r>
-            <a:r>
-              <a:rPr lang="en-US" altLang="zh-CN" sz="2400" dirty="0" err="1">
-                <a:latin typeface="微软雅黑" panose="020B0503020204020204" charset="-122"/>
-                <a:ea typeface="微软雅黑" panose="020B0503020204020204" charset="-122"/>
-              </a:rPr>
-              <a:t>N</a:t>
-            </a:r>
-            <a:r>
-              <a:rPr lang="en-US" altLang="zh-CN" sz="2400" dirty="0" err="1">
-                <a:latin typeface="等线" panose="02010600030101010101" pitchFamily="2" charset="-122"/>
-                <a:ea typeface="等线" panose="02010600030101010101" pitchFamily="2" charset="-122"/>
-              </a:rPr>
-              <a:t>ⅹ</a:t>
-            </a:r>
-            <a:r>
-              <a:rPr lang="en-US" altLang="zh-CN" sz="2400" dirty="0" err="1">
-                <a:latin typeface="微软雅黑" panose="020B0503020204020204" charset="-122"/>
-                <a:ea typeface="微软雅黑" panose="020B0503020204020204" charset="-122"/>
-              </a:rPr>
-              <a:t>n</a:t>
-            </a:r>
-            <a:r>
-              <a:rPr lang="en-US" altLang="zh-CN" sz="2400" dirty="0" err="1">
-                <a:latin typeface="等线" panose="02010600030101010101" pitchFamily="2" charset="-122"/>
-                <a:ea typeface="等线" panose="02010600030101010101" pitchFamily="2" charset="-122"/>
-              </a:rPr>
-              <a:t>ⅹ</a:t>
-            </a:r>
-            <a:r>
-              <a:rPr lang="en-US" altLang="zh-CN" sz="2400" dirty="0" err="1">
-                <a:latin typeface="微软雅黑" panose="020B0503020204020204" charset="-122"/>
-                <a:ea typeface="微软雅黑" panose="020B0503020204020204" charset="-122"/>
-              </a:rPr>
-              <a:t>F</a:t>
-            </a:r>
-            <a:r>
-              <a:rPr lang="en-US" altLang="zh-CN" sz="2400" dirty="0">
-                <a:latin typeface="微软雅黑" panose="020B0503020204020204" charset="-122"/>
-                <a:ea typeface="微软雅黑" panose="020B0503020204020204" charset="-122"/>
-              </a:rPr>
-              <a:t>= 3.93</a:t>
-            </a:r>
-            <a:r>
-              <a:rPr lang="en-US" altLang="zh-CN" sz="2400" baseline="30000" dirty="0">
-                <a:latin typeface="微软雅黑" panose="020B0503020204020204" charset="-122"/>
-                <a:ea typeface="微软雅黑" panose="020B0503020204020204" charset="-122"/>
-              </a:rPr>
-              <a:t> </a:t>
-            </a:r>
-            <a:r>
-              <a:rPr lang="en-US" altLang="zh-CN" sz="2400" dirty="0">
-                <a:latin typeface="微软雅黑" panose="020B0503020204020204" charset="-122"/>
-                <a:ea typeface="微软雅黑" panose="020B0503020204020204" charset="-122"/>
-              </a:rPr>
-              <a:t>C</a:t>
-            </a:r>
-          </a:p>
-          <a:p>
-            <a:pPr>
-              <a:lnSpc>
-                <a:spcPct val="200000"/>
-              </a:lnSpc>
-            </a:pPr>
-            <a:r>
-              <a:rPr lang="zh-CN" altLang="en-US" sz="2400" dirty="0">
-                <a:latin typeface="微软雅黑" panose="020B0503020204020204" charset="-122"/>
-                <a:ea typeface="微软雅黑" panose="020B0503020204020204" charset="-122"/>
-              </a:rPr>
-              <a:t>一秒</a:t>
-            </a:r>
-            <a:r>
-              <a:rPr lang="en-US" altLang="zh-CN" sz="2400" dirty="0">
-                <a:latin typeface="微软雅黑" panose="020B0503020204020204" charset="-122"/>
-                <a:ea typeface="微软雅黑" panose="020B0503020204020204" charset="-122"/>
-              </a:rPr>
-              <a:t>Mg</a:t>
-            </a:r>
-            <a:r>
-              <a:rPr lang="zh-CN" altLang="en-US" sz="2400" dirty="0">
-                <a:latin typeface="微软雅黑" panose="020B0503020204020204" charset="-122"/>
-                <a:ea typeface="微软雅黑" panose="020B0503020204020204" charset="-122"/>
-              </a:rPr>
-              <a:t>能产生的电量</a:t>
-            </a:r>
-            <a:r>
-              <a:rPr lang="en-US" altLang="zh-CN" sz="2400" dirty="0">
-                <a:latin typeface="微软雅黑" panose="020B0503020204020204" charset="-122"/>
-                <a:ea typeface="微软雅黑" panose="020B0503020204020204" charset="-122"/>
-              </a:rPr>
-              <a:t> </a:t>
-            </a:r>
-            <a:r>
-              <a:rPr lang="en-US" altLang="zh-CN" sz="2400" dirty="0" err="1">
-                <a:latin typeface="微软雅黑" panose="020B0503020204020204" charset="-122"/>
-                <a:ea typeface="微软雅黑" panose="020B0503020204020204" charset="-122"/>
-              </a:rPr>
-              <a:t>i</a:t>
-            </a:r>
-            <a:r>
-              <a:rPr lang="en-US" altLang="zh-CN" sz="2400" baseline="-25000" dirty="0" err="1">
-                <a:latin typeface="微软雅黑" panose="020B0503020204020204" charset="-122"/>
-                <a:ea typeface="微软雅黑" panose="020B0503020204020204" charset="-122"/>
-              </a:rPr>
-              <a:t>Mg</a:t>
-            </a:r>
-            <a:r>
-              <a:rPr lang="en-US" altLang="zh-CN" sz="2400" dirty="0" err="1">
-                <a:latin typeface="等线" panose="02010600030101010101" pitchFamily="2" charset="-122"/>
-                <a:ea typeface="等线" panose="02010600030101010101" pitchFamily="2" charset="-122"/>
-              </a:rPr>
-              <a:t>ⅹ</a:t>
-            </a:r>
-            <a:r>
-              <a:rPr lang="en-US" altLang="zh-CN" sz="2400" dirty="0" err="1">
-                <a:latin typeface="微软雅黑" panose="020B0503020204020204" charset="-122"/>
-                <a:ea typeface="微软雅黑" panose="020B0503020204020204" charset="-122"/>
-              </a:rPr>
-              <a:t>A</a:t>
-            </a:r>
-            <a:r>
-              <a:rPr lang="en-US" altLang="zh-CN" sz="2400" dirty="0" err="1">
-                <a:latin typeface="等线" panose="02010600030101010101" pitchFamily="2" charset="-122"/>
-                <a:ea typeface="等线" panose="02010600030101010101" pitchFamily="2" charset="-122"/>
-              </a:rPr>
-              <a:t>ⅹ</a:t>
-            </a:r>
-            <a:r>
-              <a:rPr lang="en-US" altLang="zh-CN" sz="2400" dirty="0" err="1">
-                <a:latin typeface="微软雅黑" panose="020B0503020204020204" charset="-122"/>
-                <a:ea typeface="微软雅黑" panose="020B0503020204020204" charset="-122"/>
-              </a:rPr>
-              <a:t>t</a:t>
-            </a:r>
-            <a:r>
-              <a:rPr lang="en-US" altLang="zh-CN" sz="2400" dirty="0">
-                <a:latin typeface="微软雅黑" panose="020B0503020204020204" charset="-122"/>
-                <a:ea typeface="微软雅黑" panose="020B0503020204020204" charset="-122"/>
-              </a:rPr>
-              <a:t> = 3.81</a:t>
-            </a:r>
-            <a:r>
-              <a:rPr lang="en-US" altLang="zh-CN" sz="2400" dirty="0">
-                <a:latin typeface="等线" panose="02010600030101010101" pitchFamily="2" charset="-122"/>
-                <a:ea typeface="等线" panose="02010600030101010101" pitchFamily="2" charset="-122"/>
-              </a:rPr>
-              <a:t>ⅹ</a:t>
-            </a:r>
-            <a:r>
-              <a:rPr lang="en-US" altLang="zh-CN" sz="2400" dirty="0">
-                <a:latin typeface="微软雅黑" panose="020B0503020204020204" charset="-122"/>
-                <a:ea typeface="微软雅黑" panose="020B0503020204020204" charset="-122"/>
-              </a:rPr>
-              <a:t>10</a:t>
-            </a:r>
-            <a:r>
-              <a:rPr lang="en-US" altLang="zh-CN" sz="2400" baseline="30000" dirty="0">
-                <a:latin typeface="微软雅黑" panose="020B0503020204020204" charset="-122"/>
-                <a:ea typeface="微软雅黑" panose="020B0503020204020204" charset="-122"/>
-              </a:rPr>
-              <a:t>8 </a:t>
-            </a:r>
-            <a:r>
-              <a:rPr lang="en-US" altLang="zh-CN" sz="2400" dirty="0">
-                <a:latin typeface="微软雅黑" panose="020B0503020204020204" charset="-122"/>
-                <a:ea typeface="微软雅黑" panose="020B0503020204020204" charset="-122"/>
-              </a:rPr>
-              <a:t>C</a:t>
-            </a:r>
-          </a:p>
-          <a:p>
-            <a:pPr>
-              <a:lnSpc>
-                <a:spcPct val="200000"/>
-              </a:lnSpc>
-            </a:pPr>
-            <a:endParaRPr lang="en-US" altLang="zh-CN" sz="2400" dirty="0">
-              <a:latin typeface="微软雅黑" panose="020B0503020204020204" charset="-122"/>
-              <a:ea typeface="微软雅黑" panose="020B0503020204020204" charset="-122"/>
-            </a:endParaRPr>
-          </a:p>
-          <a:p>
-            <a:pPr>
-              <a:lnSpc>
-                <a:spcPct val="200000"/>
-              </a:lnSpc>
-            </a:pPr>
-            <a:r>
-              <a:rPr lang="en-US" altLang="zh-CN" sz="2400" dirty="0">
-                <a:latin typeface="微软雅黑" panose="020B0503020204020204" charset="-122"/>
-                <a:ea typeface="微软雅黑" panose="020B0503020204020204" charset="-122"/>
-              </a:rPr>
-              <a:t>1s</a:t>
-            </a:r>
-            <a:r>
-              <a:rPr lang="zh-CN" altLang="en-US" sz="2400" dirty="0">
-                <a:latin typeface="微软雅黑" panose="020B0503020204020204" charset="-122"/>
-                <a:ea typeface="微软雅黑" panose="020B0503020204020204" charset="-122"/>
-              </a:rPr>
-              <a:t>，</a:t>
-            </a:r>
-            <a:r>
-              <a:rPr lang="en-US" altLang="zh-CN" sz="2400" dirty="0">
-                <a:latin typeface="微软雅黑" panose="020B0503020204020204" charset="-122"/>
-                <a:ea typeface="微软雅黑" panose="020B0503020204020204" charset="-122"/>
-              </a:rPr>
-              <a:t> Mg</a:t>
-            </a:r>
-            <a:r>
-              <a:rPr lang="zh-CN" altLang="en-US" sz="2400" dirty="0">
-                <a:latin typeface="微软雅黑" panose="020B0503020204020204" charset="-122"/>
-                <a:ea typeface="微软雅黑" panose="020B0503020204020204" charset="-122"/>
-              </a:rPr>
-              <a:t>可以完全溶解</a:t>
-            </a:r>
-            <a:r>
-              <a:rPr lang="en-US" altLang="zh-CN" sz="2400" dirty="0">
-                <a:latin typeface="微软雅黑" panose="020B0503020204020204" charset="-122"/>
-                <a:ea typeface="微软雅黑" panose="020B0503020204020204" charset="-122"/>
-              </a:rPr>
-              <a:t>L</a:t>
-            </a:r>
-            <a:r>
-              <a:rPr lang="en-US" altLang="zh-CN" sz="2400" baseline="-25000" dirty="0">
-                <a:latin typeface="微软雅黑" panose="020B0503020204020204" charset="-122"/>
-                <a:ea typeface="微软雅黑" panose="020B0503020204020204" charset="-122"/>
-              </a:rPr>
-              <a:t>0</a:t>
-            </a:r>
-            <a:r>
-              <a:rPr lang="en-US" altLang="zh-CN" sz="2400" dirty="0">
-                <a:latin typeface="微软雅黑" panose="020B0503020204020204" charset="-122"/>
-                <a:ea typeface="微软雅黑" panose="020B0503020204020204" charset="-122"/>
-              </a:rPr>
-              <a:t>=</a:t>
-            </a:r>
-            <a:r>
-              <a:rPr lang="zh-CN" altLang="en-US" sz="2400" dirty="0">
-                <a:latin typeface="微软雅黑" panose="020B0503020204020204" charset="-122"/>
-                <a:ea typeface="微软雅黑" panose="020B0503020204020204" charset="-122"/>
-              </a:rPr>
-              <a:t> </a:t>
-            </a:r>
-            <a:r>
-              <a:rPr lang="en-US" altLang="zh-CN" sz="2400" dirty="0">
-                <a:latin typeface="微软雅黑" panose="020B0503020204020204" charset="-122"/>
-                <a:ea typeface="微软雅黑" panose="020B0503020204020204" charset="-122"/>
-              </a:rPr>
-              <a:t>9.7</a:t>
-            </a:r>
-            <a:r>
-              <a:rPr lang="en-US" altLang="zh-CN" sz="2400" dirty="0">
-                <a:latin typeface="等线" panose="02010600030101010101" pitchFamily="2" charset="-122"/>
-                <a:ea typeface="等线" panose="02010600030101010101" pitchFamily="2" charset="-122"/>
-              </a:rPr>
-              <a:t>ⅹ</a:t>
-            </a:r>
-            <a:r>
-              <a:rPr lang="en-US" altLang="zh-CN" sz="2400" dirty="0">
-                <a:latin typeface="微软雅黑" panose="020B0503020204020204" charset="-122"/>
-                <a:ea typeface="微软雅黑" panose="020B0503020204020204" charset="-122"/>
-              </a:rPr>
-              <a:t>10</a:t>
-            </a:r>
-            <a:r>
-              <a:rPr lang="en-US" altLang="zh-CN" sz="2400" baseline="30000" dirty="0">
-                <a:latin typeface="微软雅黑" panose="020B0503020204020204" charset="-122"/>
-                <a:ea typeface="微软雅黑" panose="020B0503020204020204" charset="-122"/>
-              </a:rPr>
-              <a:t>7</a:t>
-            </a:r>
-            <a:r>
-              <a:rPr lang="zh-CN" altLang="en-US" sz="2400" dirty="0">
-                <a:latin typeface="微软雅黑" panose="020B0503020204020204" charset="-122"/>
-                <a:ea typeface="微软雅黑" panose="020B0503020204020204" charset="-122"/>
-              </a:rPr>
-              <a:t>层</a:t>
-            </a:r>
-            <a:endParaRPr lang="en-US" altLang="zh-CN" sz="2400" dirty="0">
-              <a:latin typeface="微软雅黑" panose="020B0503020204020204" charset="-122"/>
-              <a:ea typeface="微软雅黑" panose="020B0503020204020204" charset="-122"/>
-            </a:endParaRPr>
+            <a:r>
+              <a:rPr lang="zh-CN" altLang="en-US" dirty="0" smtClean="0"/>
+              <a:t>深度强化学习算法</a:t>
+            </a:r>
+            <a:r>
+              <a:rPr lang="zh-CN" altLang="en-US" dirty="0" smtClean="0"/>
+              <a:t>训练框架结构图 </a:t>
+            </a:r>
+            <a:br>
+              <a:rPr lang="zh-CN" altLang="en-US" dirty="0" smtClean="0"/>
+            </a:br>
+            <a:endParaRPr lang="zh-CN" altLang="en-US" dirty="0"/>
           </a:p>
         </p:txBody>
       </p:sp>
-      <mc:AlternateContent xmlns:mc="http://schemas.openxmlformats.org/markup-compatibility/2006">
-        <mc:Choice xmlns:a14="http://schemas.microsoft.com/office/drawing/2010/main" xmlns="" Requires="a14">
-          <p:sp>
-            <p:nvSpPr>
-              <p:cNvPr id="5" name="文本框 4"/>
-              <p:cNvSpPr txBox="1"/>
-              <p:nvPr/>
-            </p:nvSpPr>
-            <p:spPr>
-              <a:xfrm>
-                <a:off x="3016791" y="4898891"/>
-                <a:ext cx="4572000" cy="683777"/>
-              </a:xfrm>
-              <a:prstGeom prst="rect">
-                <a:avLst/>
-              </a:prstGeom>
-              <a:noFill/>
-            </p:spPr>
-            <p:txBody>
-              <a:bodyPr wrap="square">
-                <a:spAutoFit/>
-              </a:bodyPr>
-              <a:p>
-                <a14:m>
-                  <m:oMathPara xmlns:m="http://schemas.openxmlformats.org/officeDocument/2006/math">
-                    <m:oMathParaPr>
-                      <m:jc m:val="centerGroup"/>
-                    </m:oMathParaPr>
-                    <m:oMath xmlns:m="http://schemas.openxmlformats.org/officeDocument/2006/math">
-                      <m:sSub>
-                        <m:sSubPr>
-                          <m:ctrlPr>
-                            <a:rPr lang="zh-CN" altLang="en-US" sz="2000" i="1" smtClean="0">
-                              <a:solidFill>
-                                <a:srgbClr val="836967"/>
-                              </a:solidFill>
-                              <a:latin typeface="Cambria Math" panose="02040503050406030204" pitchFamily="18" charset="0"/>
-                            </a:rPr>
-                          </m:ctrlPr>
-                        </m:sSubPr>
-                        <m:e>
-                          <m:r>
-                            <a:rPr lang="zh-CN" altLang="en-US" sz="2000" i="1">
-                              <a:latin typeface="Cambria Math" panose="02040503050406030204" pitchFamily="18" charset="0"/>
-                            </a:rPr>
-                            <m:t>𝐿</m:t>
-                          </m:r>
-                        </m:e>
-                        <m:sub>
-                          <m:r>
-                            <a:rPr lang="zh-CN" altLang="en-US" sz="2000" i="0">
-                              <a:latin typeface="Cambria Math" panose="02040503050406030204" pitchFamily="18" charset="0"/>
-                            </a:rPr>
-                            <m:t>0</m:t>
-                          </m:r>
-                        </m:sub>
-                      </m:sSub>
-                      <m:r>
-                        <a:rPr lang="zh-CN" altLang="en-US" sz="2000" i="0">
-                          <a:latin typeface="Cambria Math" panose="02040503050406030204" pitchFamily="18" charset="0"/>
-                        </a:rPr>
-                        <m:t>=</m:t>
-                      </m:r>
-                      <m:f>
-                        <m:fPr>
-                          <m:ctrlPr>
-                            <a:rPr lang="zh-CN" altLang="en-US" sz="2000" i="1">
-                              <a:solidFill>
-                                <a:srgbClr val="836967"/>
-                              </a:solidFill>
-                              <a:latin typeface="Cambria Math" panose="02040503050406030204" pitchFamily="18" charset="0"/>
-                            </a:rPr>
-                          </m:ctrlPr>
-                        </m:fPr>
-                        <m:num>
-                          <m:sSub>
-                            <m:sSubPr>
-                              <m:ctrlPr>
-                                <a:rPr lang="zh-CN" altLang="en-US" sz="2000" i="1">
-                                  <a:solidFill>
-                                    <a:srgbClr val="836967"/>
-                                  </a:solidFill>
-                                  <a:latin typeface="Cambria Math" panose="02040503050406030204" pitchFamily="18" charset="0"/>
-                                </a:rPr>
-                              </m:ctrlPr>
-                            </m:sSubPr>
-                            <m:e>
-                              <m:r>
-                                <a:rPr lang="zh-CN" altLang="en-US" sz="2000" i="1">
-                                  <a:latin typeface="Cambria Math" panose="02040503050406030204" pitchFamily="18" charset="0"/>
-                                </a:rPr>
-                                <m:t>𝑖</m:t>
-                              </m:r>
-                            </m:e>
-                            <m:sub>
-                              <m:r>
-                                <m:rPr>
-                                  <m:sty m:val="p"/>
-                                </m:rPr>
-                                <a:rPr lang="en-US" altLang="zh-CN" sz="2000" b="0" i="0" smtClean="0">
-                                  <a:latin typeface="Cambria Math" panose="02040503050406030204" pitchFamily="18" charset="0"/>
-                                </a:rPr>
-                                <m:t>Mg</m:t>
-                              </m:r>
-                            </m:sub>
-                          </m:sSub>
-                          <m:r>
-                            <a:rPr lang="zh-CN" altLang="en-US" sz="2000" i="1">
-                              <a:latin typeface="Cambria Math" panose="02040503050406030204" pitchFamily="18" charset="0"/>
-                            </a:rPr>
-                            <m:t>𝐴𝑡</m:t>
-                          </m:r>
-                        </m:num>
-                        <m:den>
-                          <m:r>
-                            <a:rPr lang="zh-CN" altLang="en-US" sz="2000" i="1">
-                              <a:latin typeface="Cambria Math" panose="02040503050406030204" pitchFamily="18" charset="0"/>
-                            </a:rPr>
-                            <m:t>𝑁𝑛𝐹</m:t>
-                          </m:r>
-                        </m:den>
-                      </m:f>
-                    </m:oMath>
-                  </m:oMathPara>
-                </a14:m>
-                <a:endParaRPr lang="zh-CN" altLang="en-US" sz="2000" dirty="0">
-                  <a:latin typeface="Times New Roman" panose="02020603050405020304" pitchFamily="18" charset="0"/>
-                  <a:cs typeface="Times New Roman" panose="02020603050405020304" pitchFamily="18" charset="0"/>
-                </a:endParaRPr>
-              </a:p>
-            </p:txBody>
-          </p:sp>
-        </mc:Choice>
-        <mc:Fallback>
-          <p:sp>
-            <p:nvSpPr>
-              <p:cNvPr id="5" name="文本框 4"/>
-              <p:cNvSpPr txBox="1">
-                <a:spLocks noRot="1" noChangeAspect="1" noMove="1" noResize="1" noEditPoints="1" noAdjustHandles="1" noChangeArrowheads="1" noChangeShapeType="1" noTextEdit="1"/>
-              </p:cNvSpPr>
-              <p:nvPr/>
-            </p:nvSpPr>
-            <p:spPr>
-              <a:xfrm>
-                <a:off x="3016791" y="4898891"/>
-                <a:ext cx="4572000" cy="683777"/>
-              </a:xfrm>
-              <a:prstGeom prst="rect">
-                <a:avLst/>
-              </a:prstGeom>
-              <a:blipFill rotWithShape="1">
-                <a:blip r:embed="rId4"/>
-                <a:stretch>
-                  <a:fillRect l="-12" t="-73" r="12" b="56"/>
-                </a:stretch>
-              </a:blipFill>
-            </p:spPr>
-            <p:txBody>
-              <a:bodyPr/>
-              <a:lstStyle/>
-              <a:p>
-                <a:r>
-                  <a:rPr lang="zh-CN" altLang="en-US">
-                    <a:noFill/>
-                  </a:rPr>
-                  <a:t> </a:t>
-                </a:r>
-              </a:p>
-            </p:txBody>
-          </p:sp>
-        </mc:Fallback>
-      </mc:AlternateContent>
-    </p:spTree>
-  </p:cSld>
-  <p:clrMapOvr>
-    <a:masterClrMapping/>
-  </p:clrMapOvr>
-  <mc:AlternateContent xmlns:mc="http://schemas.openxmlformats.org/markup-compatibility/2006">
-    <mc:Choice xmlns:p14="http://schemas.microsoft.com/office/powerpoint/2010/main" xmlns="" Requires="p14">
-      <p:transition p14:dur="0" advTm="3000"/>
-    </mc:Choice>
-    <mc:Fallback>
-      <p:transition advTm="3000"/>
-    </mc:Fallback>
-  </mc:AlternateContent>
-</p:sld>
-</file>
-
-<file path=ppt/slides/slide13.xml><?xml version="1.0" encoding="utf-8"?>
-<p:sld xmlns:a="http://schemas.openxmlformats.org/drawingml/2006/main" xmlns:r="http://schemas.openxmlformats.org/officeDocument/2006/relationships" xmlns:p="http://schemas.openxmlformats.org/presentationml/2006/main">
-  <p:cSld>
-    <p:spTree>
-      <p:nvGrpSpPr>
-        <p:cNvPr id="1" name=""/>
-        <p:cNvGrpSpPr/>
-        <p:nvPr/>
-      </p:nvGrpSpPr>
-      <p:grpSpPr>
-        <a:xfrm>
-          <a:off x="0" y="0"/>
-          <a:ext cx="0" cy="0"/>
-          <a:chOff x="0" y="0"/>
-          <a:chExt cx="0" cy="0"/>
-        </a:xfrm>
-      </p:grpSpPr>
-      <p:sp>
-        <p:nvSpPr>
-          <p:cNvPr id="6" name="文本框 5"/>
-          <p:cNvSpPr txBox="1"/>
-          <p:nvPr/>
-        </p:nvSpPr>
-        <p:spPr>
-          <a:xfrm>
-            <a:off x="468551" y="188764"/>
-            <a:ext cx="3969991" cy="612775"/>
-          </a:xfrm>
-          <a:prstGeom prst="rect">
-            <a:avLst/>
-          </a:prstGeom>
-          <a:noFill/>
-        </p:spPr>
-        <p:txBody>
-          <a:bodyPr wrap="square" lIns="121917" tIns="60958" rIns="121917" bIns="60958" rtlCol="0">
-            <a:spAutoFit/>
-          </a:bodyPr>
-          <a:lstStyle/>
-          <a:p>
-            <a:r>
-              <a:rPr lang="en-US" altLang="zh-CN" sz="3200" b="1" dirty="0" smtClean="0">
-                <a:cs typeface="+mn-ea"/>
-                <a:sym typeface="+mn-lt"/>
-              </a:rPr>
-              <a:t>2.6 A3C</a:t>
-            </a:r>
-            <a:endParaRPr lang="zh-CN" altLang="en-US" sz="3200" b="1" dirty="0">
-              <a:cs typeface="+mn-ea"/>
-              <a:sym typeface="+mn-lt"/>
-            </a:endParaRPr>
-          </a:p>
-        </p:txBody>
-      </p:sp>
-      <p:sp>
-        <p:nvSpPr>
-          <p:cNvPr id="107" name="Text Placeholder 34"/>
-          <p:cNvSpPr txBox="1"/>
-          <p:nvPr/>
-        </p:nvSpPr>
-        <p:spPr>
-          <a:xfrm>
-            <a:off x="334010" y="957580"/>
-            <a:ext cx="11328400" cy="1064895"/>
-          </a:xfrm>
-          <a:prstGeom prst="rect">
-            <a:avLst/>
-          </a:prstGeom>
-        </p:spPr>
-        <p:txBody>
-          <a:bodyPr lIns="91438" tIns="45719" rIns="91438" bIns="45719">
-            <a:noAutofit/>
-          </a:bodyPr>
-          <a:lstStyle>
-            <a:lvl1pPr marL="0" indent="0" algn="l" defTabSz="914400" rtl="0" eaLnBrk="1" latinLnBrk="0" hangingPunct="1">
-              <a:lnSpc>
-                <a:spcPct val="90000"/>
-              </a:lnSpc>
-              <a:spcBef>
-                <a:spcPts val="1000"/>
-              </a:spcBef>
-              <a:buFontTx/>
-              <a:buNone/>
-              <a:defRPr sz="1600" kern="1200">
-                <a:solidFill>
-                  <a:schemeClr val="tx1"/>
-                </a:solidFill>
-                <a:latin typeface="+mn-lt"/>
-                <a:ea typeface="+mn-ea"/>
-                <a:cs typeface="+mn-cs"/>
-              </a:defRPr>
-            </a:lvl1pPr>
-            <a:lvl2pPr marL="457200" indent="0" algn="l" defTabSz="914400" rtl="0" eaLnBrk="1" latinLnBrk="0" hangingPunct="1">
-              <a:lnSpc>
-                <a:spcPct val="90000"/>
-              </a:lnSpc>
-              <a:spcBef>
-                <a:spcPts val="500"/>
-              </a:spcBef>
-              <a:buFontTx/>
-              <a:buNone/>
-              <a:defRPr sz="1400" kern="1200">
-                <a:solidFill>
-                  <a:schemeClr val="tx1"/>
-                </a:solidFill>
-                <a:latin typeface="+mn-lt"/>
-                <a:ea typeface="+mn-ea"/>
-                <a:cs typeface="+mn-cs"/>
-              </a:defRPr>
-            </a:lvl2pPr>
-            <a:lvl3pPr marL="914400" indent="0" algn="l" defTabSz="914400" rtl="0" eaLnBrk="1" latinLnBrk="0" hangingPunct="1">
-              <a:lnSpc>
-                <a:spcPct val="90000"/>
-              </a:lnSpc>
-              <a:spcBef>
-                <a:spcPts val="500"/>
-              </a:spcBef>
-              <a:buFontTx/>
-              <a:buNone/>
-              <a:defRPr sz="1200" kern="1200">
-                <a:solidFill>
-                  <a:schemeClr val="tx1"/>
-                </a:solidFill>
-                <a:latin typeface="+mn-lt"/>
-                <a:ea typeface="+mn-ea"/>
-                <a:cs typeface="+mn-cs"/>
-              </a:defRPr>
-            </a:lvl3pPr>
-            <a:lvl4pPr marL="1371600" indent="0" algn="l" defTabSz="914400" rtl="0" eaLnBrk="1" latinLnBrk="0" hangingPunct="1">
-              <a:lnSpc>
-                <a:spcPct val="90000"/>
-              </a:lnSpc>
-              <a:spcBef>
-                <a:spcPts val="500"/>
-              </a:spcBef>
-              <a:buFontTx/>
-              <a:buNone/>
-              <a:defRPr sz="1100" kern="1200">
-                <a:solidFill>
-                  <a:schemeClr val="tx1"/>
-                </a:solidFill>
-                <a:latin typeface="+mn-lt"/>
-                <a:ea typeface="+mn-ea"/>
-                <a:cs typeface="+mn-cs"/>
-              </a:defRPr>
-            </a:lvl4pPr>
-            <a:lvl5pPr marL="1828800" indent="0" algn="l" defTabSz="914400" rtl="0" eaLnBrk="1" latinLnBrk="0" hangingPunct="1">
-              <a:lnSpc>
-                <a:spcPct val="90000"/>
-              </a:lnSpc>
-              <a:spcBef>
-                <a:spcPts val="500"/>
-              </a:spcBef>
-              <a:buFontTx/>
-              <a:buNone/>
-              <a:defRPr sz="1100" kern="1200">
-                <a:solidFill>
-                  <a:schemeClr val="tx1"/>
-                </a:solidFill>
-                <a:latin typeface="+mn-lt"/>
-                <a:ea typeface="+mn-ea"/>
-                <a:cs typeface="+mn-cs"/>
-              </a:defRPr>
-            </a:lvl5pPr>
-            <a:lvl6pPr marL="2514600" indent="-228600" algn="l" defTabSz="914400" rtl="0" eaLnBrk="1" latinLnBrk="0" hangingPunct="1">
-              <a:lnSpc>
-                <a:spcPct val="90000"/>
-              </a:lnSpc>
-              <a:spcBef>
-                <a:spcPts val="500"/>
-              </a:spcBef>
-              <a:buFont typeface="Arial" panose="020B0604020202020204" pitchFamily="34" charset="0"/>
-              <a:buChar char="•"/>
-              <a:defRPr sz="1800" kern="1200">
-                <a:solidFill>
-                  <a:schemeClr val="tx1"/>
-                </a:solidFill>
-                <a:latin typeface="+mn-lt"/>
-                <a:ea typeface="+mn-ea"/>
-                <a:cs typeface="+mn-cs"/>
-              </a:defRPr>
-            </a:lvl6pPr>
-            <a:lvl7pPr marL="2971800" indent="-228600" algn="l" defTabSz="914400" rtl="0" eaLnBrk="1" latinLnBrk="0" hangingPunct="1">
-              <a:lnSpc>
-                <a:spcPct val="90000"/>
-              </a:lnSpc>
-              <a:spcBef>
-                <a:spcPts val="500"/>
-              </a:spcBef>
-              <a:buFont typeface="Arial" panose="020B0604020202020204" pitchFamily="34" charset="0"/>
-              <a:buChar char="•"/>
-              <a:defRPr sz="1800" kern="1200">
-                <a:solidFill>
-                  <a:schemeClr val="tx1"/>
-                </a:solidFill>
-                <a:latin typeface="+mn-lt"/>
-                <a:ea typeface="+mn-ea"/>
-                <a:cs typeface="+mn-cs"/>
-              </a:defRPr>
-            </a:lvl7pPr>
-            <a:lvl8pPr marL="3429000" indent="-228600" algn="l" defTabSz="914400" rtl="0" eaLnBrk="1" latinLnBrk="0" hangingPunct="1">
-              <a:lnSpc>
-                <a:spcPct val="90000"/>
-              </a:lnSpc>
-              <a:spcBef>
-                <a:spcPts val="500"/>
-              </a:spcBef>
-              <a:buFont typeface="Arial" panose="020B0604020202020204" pitchFamily="34" charset="0"/>
-              <a:buChar char="•"/>
-              <a:defRPr sz="1800" kern="1200">
-                <a:solidFill>
-                  <a:schemeClr val="tx1"/>
-                </a:solidFill>
-                <a:latin typeface="+mn-lt"/>
-                <a:ea typeface="+mn-ea"/>
-                <a:cs typeface="+mn-cs"/>
-              </a:defRPr>
-            </a:lvl8pPr>
-            <a:lvl9pPr marL="3886200" indent="-228600" algn="l" defTabSz="914400" rtl="0" eaLnBrk="1" latinLnBrk="0" hangingPunct="1">
-              <a:lnSpc>
-                <a:spcPct val="90000"/>
-              </a:lnSpc>
-              <a:spcBef>
-                <a:spcPts val="500"/>
-              </a:spcBef>
-              <a:buFont typeface="Arial" panose="020B0604020202020204" pitchFamily="34" charset="0"/>
-              <a:buChar char="•"/>
-              <a:defRPr sz="1800" kern="1200">
-                <a:solidFill>
-                  <a:schemeClr val="tx1"/>
-                </a:solidFill>
-                <a:latin typeface="+mn-lt"/>
-                <a:ea typeface="+mn-ea"/>
-                <a:cs typeface="+mn-cs"/>
-              </a:defRPr>
-            </a:lvl9pPr>
-          </a:lstStyle>
-          <a:p>
-            <a:pPr>
-              <a:lnSpc>
-                <a:spcPct val="120000"/>
-              </a:lnSpc>
-              <a:buClr>
-                <a:schemeClr val="accent1"/>
-              </a:buClr>
-            </a:pPr>
-            <a:r>
-              <a:rPr lang="zh-CN" altLang="en-US" sz="2100" b="1" dirty="0">
-                <a:cs typeface="+mn-ea"/>
-                <a:sym typeface="+mn-lt"/>
-              </a:rPr>
-              <a:t>        针对存在的不同的金属，它们在溶液中溶解快慢不一，产生了溶解的层数差，对于本实验的</a:t>
-            </a:r>
-            <a:r>
-              <a:rPr lang="en-US" altLang="zh-CN" sz="2100" b="1" dirty="0">
-                <a:cs typeface="+mn-ea"/>
-                <a:sym typeface="+mn-lt"/>
-              </a:rPr>
-              <a:t>Mg-Gd-Nd-Ln</a:t>
-            </a:r>
-            <a:endParaRPr lang="en-US" altLang="zh-CN" b="1" dirty="0">
-              <a:sym typeface="+mn-lt"/>
-            </a:endParaRPr>
-          </a:p>
-        </p:txBody>
-      </p:sp>
-      <p:pic>
-        <p:nvPicPr>
-          <p:cNvPr id="16" name="图片 15"/>
-          <p:cNvPicPr>
-            <a:picLocks noChangeAspect="1"/>
-          </p:cNvPicPr>
-          <p:nvPr/>
-        </p:nvPicPr>
-        <p:blipFill>
-          <a:blip r:embed="rId3" cstate="print">
-            <a:extLst>
-              <a:ext uri="{28A0092B-C50C-407E-A947-70E740481C1C}">
-                <a14:useLocalDpi xmlns:a14="http://schemas.microsoft.com/office/drawing/2010/main" xmlns="" val="0"/>
-              </a:ext>
-            </a:extLst>
-          </a:blip>
-          <a:stretch>
-            <a:fillRect/>
-          </a:stretch>
-        </p:blipFill>
-        <p:spPr>
-          <a:xfrm>
-            <a:off x="10235985" y="93024"/>
-            <a:ext cx="1956015" cy="655627"/>
-          </a:xfrm>
-          <a:prstGeom prst="rect">
-            <a:avLst/>
-          </a:prstGeom>
-        </p:spPr>
-      </p:pic>
-      <p:sp>
-        <p:nvSpPr>
-          <p:cNvPr id="4" name="矩形 3"/>
-          <p:cNvSpPr/>
-          <p:nvPr/>
-        </p:nvSpPr>
-        <p:spPr>
-          <a:xfrm flipV="1">
-            <a:off x="-21773" y="6707968"/>
-            <a:ext cx="12213772" cy="188760"/>
-          </a:xfrm>
-          <a:prstGeom prst="rect">
-            <a:avLst/>
-          </a:prstGeom>
-          <a:solidFill>
-            <a:schemeClr val="accent5"/>
-          </a:solidFill>
-          <a:ln w="28575">
-            <a:noFill/>
-          </a:ln>
-          <a:effectLst>
-            <a:outerShdw blurRad="698500" dist="190500" dir="8100000" algn="tr" rotWithShape="0">
-              <a:prstClr val="black">
-                <a:alpha val="30000"/>
-              </a:prstClr>
-            </a:outerShdw>
-          </a:effectLst>
-        </p:spPr>
-        <p:style>
-          <a:lnRef idx="2">
-            <a:schemeClr val="accent1">
-              <a:shade val="50000"/>
-            </a:schemeClr>
-          </a:lnRef>
-          <a:fillRef idx="1">
-            <a:schemeClr val="accent1"/>
-          </a:fillRef>
-          <a:effectRef idx="0">
-            <a:schemeClr val="accent1"/>
-          </a:effectRef>
-          <a:fontRef idx="minor">
-            <a:schemeClr val="lt1"/>
-          </a:fontRef>
-        </p:style>
-        <p:txBody>
-          <a:bodyPr lIns="121917" tIns="60958" rIns="121917" bIns="60958" rtlCol="0" anchor="ctr"/>
-          <a:lstStyle/>
-          <a:p>
-            <a:pPr algn="ctr"/>
-            <a:endParaRPr lang="zh-CN" altLang="en-US">
-              <a:solidFill>
-                <a:schemeClr val="tx1"/>
-              </a:solidFill>
-            </a:endParaRPr>
-          </a:p>
-        </p:txBody>
-      </p:sp>
-      <p:sp>
-        <p:nvSpPr>
-          <p:cNvPr id="14" name="菱形 13"/>
-          <p:cNvSpPr/>
-          <p:nvPr/>
-        </p:nvSpPr>
-        <p:spPr>
-          <a:xfrm>
-            <a:off x="-313507" y="181525"/>
-            <a:ext cx="583473" cy="591048"/>
-          </a:xfrm>
-          <a:prstGeom prst="diamond">
-            <a:avLst/>
-          </a:prstGeom>
-          <a:solidFill>
-            <a:schemeClr val="accent1"/>
-          </a:solidFill>
-          <a:ln w="28575">
-            <a:noFill/>
-          </a:ln>
-          <a:effectLst>
-            <a:outerShdw blurRad="698500" dist="190500" dir="8100000" algn="tr" rotWithShape="0">
-              <a:prstClr val="black">
-                <a:alpha val="30000"/>
-              </a:prstClr>
-            </a:outerShdw>
-          </a:effectLst>
-        </p:spPr>
-        <p:style>
-          <a:lnRef idx="2">
-            <a:schemeClr val="accent1">
-              <a:shade val="50000"/>
-            </a:schemeClr>
-          </a:lnRef>
-          <a:fillRef idx="1">
-            <a:schemeClr val="accent1"/>
-          </a:fillRef>
-          <a:effectRef idx="0">
-            <a:schemeClr val="accent1"/>
-          </a:effectRef>
-          <a:fontRef idx="minor">
-            <a:schemeClr val="lt1"/>
-          </a:fontRef>
-        </p:style>
-        <p:txBody>
-          <a:bodyPr lIns="121917" tIns="60958" rIns="121917" bIns="60958" rtlCol="0" anchor="ctr"/>
-          <a:lstStyle/>
-          <a:p>
-            <a:pPr algn="ctr"/>
-            <a:endParaRPr lang="zh-CN" altLang="en-US">
-              <a:solidFill>
-                <a:schemeClr val="tx1"/>
-              </a:solidFill>
-            </a:endParaRPr>
-          </a:p>
-        </p:txBody>
-      </p:sp>
-      <p:sp>
-        <p:nvSpPr>
-          <p:cNvPr id="15" name="菱形 14"/>
-          <p:cNvSpPr/>
-          <p:nvPr/>
-        </p:nvSpPr>
-        <p:spPr>
-          <a:xfrm>
-            <a:off x="-157791" y="205311"/>
-            <a:ext cx="583473" cy="591048"/>
-          </a:xfrm>
-          <a:prstGeom prst="diamond">
-            <a:avLst/>
-          </a:prstGeom>
-          <a:solidFill>
-            <a:schemeClr val="tx1"/>
-          </a:solidFill>
-          <a:ln w="28575">
-            <a:noFill/>
-          </a:ln>
-          <a:effectLst>
-            <a:outerShdw blurRad="698500" dist="190500" dir="8100000" algn="tr" rotWithShape="0">
-              <a:prstClr val="black">
-                <a:alpha val="30000"/>
-              </a:prstClr>
-            </a:outerShdw>
-          </a:effectLst>
-        </p:spPr>
-        <p:style>
-          <a:lnRef idx="2">
-            <a:schemeClr val="accent1">
-              <a:shade val="50000"/>
-            </a:schemeClr>
-          </a:lnRef>
-          <a:fillRef idx="1">
-            <a:schemeClr val="accent1"/>
-          </a:fillRef>
-          <a:effectRef idx="0">
-            <a:schemeClr val="accent1"/>
-          </a:effectRef>
-          <a:fontRef idx="minor">
-            <a:schemeClr val="lt1"/>
-          </a:fontRef>
-        </p:style>
-        <p:txBody>
-          <a:bodyPr lIns="121917" tIns="60958" rIns="121917" bIns="60958" rtlCol="0" anchor="ctr"/>
-          <a:lstStyle/>
-          <a:p>
-            <a:pPr algn="ctr"/>
-            <a:endParaRPr lang="zh-CN" altLang="en-US">
-              <a:solidFill>
-                <a:schemeClr val="tx1"/>
-              </a:solidFill>
-            </a:endParaRPr>
-          </a:p>
-        </p:txBody>
-      </p:sp>
-      <p:sp>
-        <p:nvSpPr>
-          <p:cNvPr id="3" name="文本框 2"/>
-          <p:cNvSpPr txBox="1"/>
-          <p:nvPr/>
-        </p:nvSpPr>
-        <p:spPr>
-          <a:xfrm>
-            <a:off x="2352854" y="2425933"/>
-            <a:ext cx="7848872" cy="3784600"/>
-          </a:xfrm>
-          <a:prstGeom prst="rect">
-            <a:avLst/>
-          </a:prstGeom>
-          <a:noFill/>
-        </p:spPr>
-        <p:txBody>
-          <a:bodyPr wrap="square" rtlCol="0">
-            <a:spAutoFit/>
-          </a:bodyPr>
-          <a:lstStyle/>
-          <a:p>
-            <a:pPr>
-              <a:lnSpc>
-                <a:spcPct val="200000"/>
-              </a:lnSpc>
-            </a:pPr>
-            <a:r>
-              <a:rPr lang="zh-CN" altLang="en-US" sz="2400" dirty="0">
-                <a:latin typeface="微软雅黑" panose="020B0503020204020204" charset="-122"/>
-                <a:ea typeface="微软雅黑" panose="020B0503020204020204" charset="-122"/>
-              </a:rPr>
-              <a:t>第一原子层中</a:t>
-            </a:r>
-            <a:r>
-              <a:rPr lang="en-US" altLang="zh-CN" sz="2400" dirty="0">
-                <a:latin typeface="微软雅黑" panose="020B0503020204020204" charset="-122"/>
-                <a:ea typeface="微软雅黑" panose="020B0503020204020204" charset="-122"/>
-              </a:rPr>
-              <a:t>Mg</a:t>
-            </a:r>
-            <a:r>
-              <a:rPr lang="zh-CN" altLang="en-US" sz="2400" dirty="0">
-                <a:latin typeface="微软雅黑" panose="020B0503020204020204" charset="-122"/>
-                <a:ea typeface="微软雅黑" panose="020B0503020204020204" charset="-122"/>
-              </a:rPr>
-              <a:t>的物质的量 </a:t>
-            </a:r>
-            <a:r>
-              <a:rPr lang="en-US" altLang="zh-CN" sz="2400" dirty="0">
-                <a:latin typeface="微软雅黑" panose="020B0503020204020204" charset="-122"/>
-                <a:ea typeface="微软雅黑" panose="020B0503020204020204" charset="-122"/>
-              </a:rPr>
-              <a:t>N=2.04</a:t>
-            </a:r>
-            <a:r>
-              <a:rPr lang="en-US" altLang="zh-CN" sz="2400" dirty="0">
-                <a:latin typeface="等线" panose="02010600030101010101" pitchFamily="2" charset="-122"/>
-                <a:ea typeface="等线" panose="02010600030101010101" pitchFamily="2" charset="-122"/>
-              </a:rPr>
-              <a:t>ⅹ</a:t>
-            </a:r>
-            <a:r>
-              <a:rPr lang="en-US" altLang="zh-CN" sz="2400" dirty="0">
-                <a:latin typeface="微软雅黑" panose="020B0503020204020204" charset="-122"/>
-                <a:ea typeface="微软雅黑" panose="020B0503020204020204" charset="-122"/>
-              </a:rPr>
-              <a:t>10</a:t>
-            </a:r>
-            <a:r>
-              <a:rPr lang="en-US" altLang="zh-CN" sz="2400" baseline="30000" dirty="0">
-                <a:latin typeface="微软雅黑" panose="020B0503020204020204" charset="-122"/>
-                <a:ea typeface="微软雅黑" panose="020B0503020204020204" charset="-122"/>
-              </a:rPr>
-              <a:t>-5 </a:t>
-            </a:r>
-            <a:r>
-              <a:rPr lang="en-US" altLang="zh-CN" sz="2400" dirty="0">
-                <a:latin typeface="微软雅黑" panose="020B0503020204020204" charset="-122"/>
-                <a:ea typeface="微软雅黑" panose="020B0503020204020204" charset="-122"/>
-              </a:rPr>
-              <a:t>mol</a:t>
-            </a:r>
-          </a:p>
-          <a:p>
-            <a:pPr>
-              <a:lnSpc>
-                <a:spcPct val="200000"/>
-              </a:lnSpc>
-            </a:pPr>
-            <a:r>
-              <a:rPr lang="zh-CN" altLang="en-US" sz="2400" dirty="0">
-                <a:latin typeface="微软雅黑" panose="020B0503020204020204" charset="-122"/>
-                <a:ea typeface="微软雅黑" panose="020B0503020204020204" charset="-122"/>
-              </a:rPr>
-              <a:t>第一原子层中</a:t>
-            </a:r>
-            <a:r>
-              <a:rPr lang="en-US" altLang="zh-CN" sz="2400" dirty="0">
-                <a:latin typeface="微软雅黑" panose="020B0503020204020204" charset="-122"/>
-                <a:ea typeface="微软雅黑" panose="020B0503020204020204" charset="-122"/>
-              </a:rPr>
-              <a:t>Mg</a:t>
-            </a:r>
-            <a:r>
-              <a:rPr lang="zh-CN" altLang="en-US" sz="2400" dirty="0">
-                <a:latin typeface="微软雅黑" panose="020B0503020204020204" charset="-122"/>
-                <a:ea typeface="微软雅黑" panose="020B0503020204020204" charset="-122"/>
-              </a:rPr>
-              <a:t>能产生的电量 </a:t>
-            </a:r>
-            <a:r>
-              <a:rPr lang="en-US" altLang="zh-CN" sz="2400" dirty="0" err="1">
-                <a:latin typeface="微软雅黑" panose="020B0503020204020204" charset="-122"/>
-                <a:ea typeface="微软雅黑" panose="020B0503020204020204" charset="-122"/>
-              </a:rPr>
-              <a:t>N</a:t>
-            </a:r>
-            <a:r>
-              <a:rPr lang="en-US" altLang="zh-CN" sz="2400" dirty="0" err="1">
-                <a:latin typeface="等线" panose="02010600030101010101" pitchFamily="2" charset="-122"/>
-                <a:ea typeface="等线" panose="02010600030101010101" pitchFamily="2" charset="-122"/>
-              </a:rPr>
-              <a:t>ⅹ</a:t>
-            </a:r>
-            <a:r>
-              <a:rPr lang="en-US" altLang="zh-CN" sz="2400" dirty="0" err="1">
-                <a:latin typeface="微软雅黑" panose="020B0503020204020204" charset="-122"/>
-                <a:ea typeface="微软雅黑" panose="020B0503020204020204" charset="-122"/>
-              </a:rPr>
-              <a:t>n</a:t>
-            </a:r>
-            <a:r>
-              <a:rPr lang="en-US" altLang="zh-CN" sz="2400" dirty="0" err="1">
-                <a:latin typeface="等线" panose="02010600030101010101" pitchFamily="2" charset="-122"/>
-                <a:ea typeface="等线" panose="02010600030101010101" pitchFamily="2" charset="-122"/>
-              </a:rPr>
-              <a:t>ⅹ</a:t>
-            </a:r>
-            <a:r>
-              <a:rPr lang="en-US" altLang="zh-CN" sz="2400" dirty="0" err="1">
-                <a:latin typeface="微软雅黑" panose="020B0503020204020204" charset="-122"/>
-                <a:ea typeface="微软雅黑" panose="020B0503020204020204" charset="-122"/>
-              </a:rPr>
-              <a:t>F</a:t>
-            </a:r>
-            <a:r>
-              <a:rPr lang="en-US" altLang="zh-CN" sz="2400" dirty="0">
-                <a:latin typeface="微软雅黑" panose="020B0503020204020204" charset="-122"/>
-                <a:ea typeface="微软雅黑" panose="020B0503020204020204" charset="-122"/>
-              </a:rPr>
-              <a:t>= 3.93</a:t>
-            </a:r>
-            <a:r>
-              <a:rPr lang="en-US" altLang="zh-CN" sz="2400" baseline="30000" dirty="0">
-                <a:latin typeface="微软雅黑" panose="020B0503020204020204" charset="-122"/>
-                <a:ea typeface="微软雅黑" panose="020B0503020204020204" charset="-122"/>
-              </a:rPr>
-              <a:t> </a:t>
-            </a:r>
-            <a:r>
-              <a:rPr lang="en-US" altLang="zh-CN" sz="2400" dirty="0">
-                <a:latin typeface="微软雅黑" panose="020B0503020204020204" charset="-122"/>
-                <a:ea typeface="微软雅黑" panose="020B0503020204020204" charset="-122"/>
-              </a:rPr>
-              <a:t>C</a:t>
-            </a:r>
-          </a:p>
-          <a:p>
-            <a:pPr>
-              <a:lnSpc>
-                <a:spcPct val="200000"/>
-              </a:lnSpc>
-            </a:pPr>
-            <a:r>
-              <a:rPr lang="zh-CN" altLang="en-US" sz="2400" dirty="0">
-                <a:latin typeface="微软雅黑" panose="020B0503020204020204" charset="-122"/>
-                <a:ea typeface="微软雅黑" panose="020B0503020204020204" charset="-122"/>
-              </a:rPr>
-              <a:t>一秒</a:t>
-            </a:r>
-            <a:r>
-              <a:rPr lang="en-US" altLang="zh-CN" sz="2400" dirty="0">
-                <a:latin typeface="微软雅黑" panose="020B0503020204020204" charset="-122"/>
-                <a:ea typeface="微软雅黑" panose="020B0503020204020204" charset="-122"/>
-              </a:rPr>
-              <a:t>Mg</a:t>
-            </a:r>
-            <a:r>
-              <a:rPr lang="zh-CN" altLang="en-US" sz="2400" dirty="0">
-                <a:latin typeface="微软雅黑" panose="020B0503020204020204" charset="-122"/>
-                <a:ea typeface="微软雅黑" panose="020B0503020204020204" charset="-122"/>
-              </a:rPr>
-              <a:t>能产生的电量</a:t>
-            </a:r>
-            <a:r>
-              <a:rPr lang="en-US" altLang="zh-CN" sz="2400" dirty="0">
-                <a:latin typeface="微软雅黑" panose="020B0503020204020204" charset="-122"/>
-                <a:ea typeface="微软雅黑" panose="020B0503020204020204" charset="-122"/>
-              </a:rPr>
-              <a:t> </a:t>
-            </a:r>
-            <a:r>
-              <a:rPr lang="en-US" altLang="zh-CN" sz="2400" dirty="0" err="1">
-                <a:latin typeface="微软雅黑" panose="020B0503020204020204" charset="-122"/>
-                <a:ea typeface="微软雅黑" panose="020B0503020204020204" charset="-122"/>
-              </a:rPr>
-              <a:t>i</a:t>
-            </a:r>
-            <a:r>
-              <a:rPr lang="en-US" altLang="zh-CN" sz="2400" baseline="-25000" dirty="0" err="1">
-                <a:latin typeface="微软雅黑" panose="020B0503020204020204" charset="-122"/>
-                <a:ea typeface="微软雅黑" panose="020B0503020204020204" charset="-122"/>
-              </a:rPr>
-              <a:t>Mg</a:t>
-            </a:r>
-            <a:r>
-              <a:rPr lang="en-US" altLang="zh-CN" sz="2400" dirty="0" err="1">
-                <a:latin typeface="等线" panose="02010600030101010101" pitchFamily="2" charset="-122"/>
-                <a:ea typeface="等线" panose="02010600030101010101" pitchFamily="2" charset="-122"/>
-              </a:rPr>
-              <a:t>ⅹ</a:t>
-            </a:r>
-            <a:r>
-              <a:rPr lang="en-US" altLang="zh-CN" sz="2400" dirty="0" err="1">
-                <a:latin typeface="微软雅黑" panose="020B0503020204020204" charset="-122"/>
-                <a:ea typeface="微软雅黑" panose="020B0503020204020204" charset="-122"/>
-              </a:rPr>
-              <a:t>A</a:t>
-            </a:r>
-            <a:r>
-              <a:rPr lang="en-US" altLang="zh-CN" sz="2400" dirty="0" err="1">
-                <a:latin typeface="等线" panose="02010600030101010101" pitchFamily="2" charset="-122"/>
-                <a:ea typeface="等线" panose="02010600030101010101" pitchFamily="2" charset="-122"/>
-              </a:rPr>
-              <a:t>ⅹ</a:t>
-            </a:r>
-            <a:r>
-              <a:rPr lang="en-US" altLang="zh-CN" sz="2400" dirty="0" err="1">
-                <a:latin typeface="微软雅黑" panose="020B0503020204020204" charset="-122"/>
-                <a:ea typeface="微软雅黑" panose="020B0503020204020204" charset="-122"/>
-              </a:rPr>
-              <a:t>t</a:t>
-            </a:r>
-            <a:r>
-              <a:rPr lang="en-US" altLang="zh-CN" sz="2400" dirty="0">
-                <a:latin typeface="微软雅黑" panose="020B0503020204020204" charset="-122"/>
-                <a:ea typeface="微软雅黑" panose="020B0503020204020204" charset="-122"/>
-              </a:rPr>
-              <a:t> = 3.81</a:t>
-            </a:r>
-            <a:r>
-              <a:rPr lang="en-US" altLang="zh-CN" sz="2400" dirty="0">
-                <a:latin typeface="等线" panose="02010600030101010101" pitchFamily="2" charset="-122"/>
-                <a:ea typeface="等线" panose="02010600030101010101" pitchFamily="2" charset="-122"/>
-              </a:rPr>
-              <a:t>ⅹ</a:t>
-            </a:r>
-            <a:r>
-              <a:rPr lang="en-US" altLang="zh-CN" sz="2400" dirty="0">
-                <a:latin typeface="微软雅黑" panose="020B0503020204020204" charset="-122"/>
-                <a:ea typeface="微软雅黑" panose="020B0503020204020204" charset="-122"/>
-              </a:rPr>
-              <a:t>10</a:t>
-            </a:r>
-            <a:r>
-              <a:rPr lang="en-US" altLang="zh-CN" sz="2400" baseline="30000" dirty="0">
-                <a:latin typeface="微软雅黑" panose="020B0503020204020204" charset="-122"/>
-                <a:ea typeface="微软雅黑" panose="020B0503020204020204" charset="-122"/>
-              </a:rPr>
-              <a:t>8 </a:t>
-            </a:r>
-            <a:r>
-              <a:rPr lang="en-US" altLang="zh-CN" sz="2400" dirty="0">
-                <a:latin typeface="微软雅黑" panose="020B0503020204020204" charset="-122"/>
-                <a:ea typeface="微软雅黑" panose="020B0503020204020204" charset="-122"/>
-              </a:rPr>
-              <a:t>C</a:t>
-            </a:r>
-          </a:p>
-          <a:p>
-            <a:pPr>
-              <a:lnSpc>
-                <a:spcPct val="200000"/>
-              </a:lnSpc>
-            </a:pPr>
-            <a:endParaRPr lang="en-US" altLang="zh-CN" sz="2400" dirty="0">
-              <a:latin typeface="微软雅黑" panose="020B0503020204020204" charset="-122"/>
-              <a:ea typeface="微软雅黑" panose="020B0503020204020204" charset="-122"/>
-            </a:endParaRPr>
-          </a:p>
-          <a:p>
-            <a:pPr>
-              <a:lnSpc>
-                <a:spcPct val="200000"/>
-              </a:lnSpc>
-            </a:pPr>
-            <a:r>
-              <a:rPr lang="en-US" altLang="zh-CN" sz="2400" dirty="0">
-                <a:latin typeface="微软雅黑" panose="020B0503020204020204" charset="-122"/>
-                <a:ea typeface="微软雅黑" panose="020B0503020204020204" charset="-122"/>
-              </a:rPr>
-              <a:t>1s</a:t>
-            </a:r>
-            <a:r>
-              <a:rPr lang="zh-CN" altLang="en-US" sz="2400" dirty="0">
-                <a:latin typeface="微软雅黑" panose="020B0503020204020204" charset="-122"/>
-                <a:ea typeface="微软雅黑" panose="020B0503020204020204" charset="-122"/>
-              </a:rPr>
-              <a:t>，</a:t>
-            </a:r>
-            <a:r>
-              <a:rPr lang="en-US" altLang="zh-CN" sz="2400" dirty="0">
-                <a:latin typeface="微软雅黑" panose="020B0503020204020204" charset="-122"/>
-                <a:ea typeface="微软雅黑" panose="020B0503020204020204" charset="-122"/>
-              </a:rPr>
-              <a:t> Mg</a:t>
-            </a:r>
-            <a:r>
-              <a:rPr lang="zh-CN" altLang="en-US" sz="2400" dirty="0">
-                <a:latin typeface="微软雅黑" panose="020B0503020204020204" charset="-122"/>
-                <a:ea typeface="微软雅黑" panose="020B0503020204020204" charset="-122"/>
-              </a:rPr>
-              <a:t>可以完全溶解</a:t>
-            </a:r>
-            <a:r>
-              <a:rPr lang="en-US" altLang="zh-CN" sz="2400" dirty="0">
-                <a:latin typeface="微软雅黑" panose="020B0503020204020204" charset="-122"/>
-                <a:ea typeface="微软雅黑" panose="020B0503020204020204" charset="-122"/>
-              </a:rPr>
-              <a:t>L</a:t>
-            </a:r>
-            <a:r>
-              <a:rPr lang="en-US" altLang="zh-CN" sz="2400" baseline="-25000" dirty="0">
-                <a:latin typeface="微软雅黑" panose="020B0503020204020204" charset="-122"/>
-                <a:ea typeface="微软雅黑" panose="020B0503020204020204" charset="-122"/>
-              </a:rPr>
-              <a:t>0</a:t>
-            </a:r>
-            <a:r>
-              <a:rPr lang="en-US" altLang="zh-CN" sz="2400" dirty="0">
-                <a:latin typeface="微软雅黑" panose="020B0503020204020204" charset="-122"/>
-                <a:ea typeface="微软雅黑" panose="020B0503020204020204" charset="-122"/>
-              </a:rPr>
-              <a:t>=</a:t>
-            </a:r>
-            <a:r>
-              <a:rPr lang="zh-CN" altLang="en-US" sz="2400" dirty="0">
-                <a:latin typeface="微软雅黑" panose="020B0503020204020204" charset="-122"/>
-                <a:ea typeface="微软雅黑" panose="020B0503020204020204" charset="-122"/>
-              </a:rPr>
-              <a:t> </a:t>
-            </a:r>
-            <a:r>
-              <a:rPr lang="en-US" altLang="zh-CN" sz="2400" dirty="0">
-                <a:latin typeface="微软雅黑" panose="020B0503020204020204" charset="-122"/>
-                <a:ea typeface="微软雅黑" panose="020B0503020204020204" charset="-122"/>
-              </a:rPr>
-              <a:t>9.7</a:t>
-            </a:r>
-            <a:r>
-              <a:rPr lang="en-US" altLang="zh-CN" sz="2400" dirty="0">
-                <a:latin typeface="等线" panose="02010600030101010101" pitchFamily="2" charset="-122"/>
-                <a:ea typeface="等线" panose="02010600030101010101" pitchFamily="2" charset="-122"/>
-              </a:rPr>
-              <a:t>ⅹ</a:t>
-            </a:r>
-            <a:r>
-              <a:rPr lang="en-US" altLang="zh-CN" sz="2400" dirty="0">
-                <a:latin typeface="微软雅黑" panose="020B0503020204020204" charset="-122"/>
-                <a:ea typeface="微软雅黑" panose="020B0503020204020204" charset="-122"/>
-              </a:rPr>
-              <a:t>10</a:t>
-            </a:r>
-            <a:r>
-              <a:rPr lang="en-US" altLang="zh-CN" sz="2400" baseline="30000" dirty="0">
-                <a:latin typeface="微软雅黑" panose="020B0503020204020204" charset="-122"/>
-                <a:ea typeface="微软雅黑" panose="020B0503020204020204" charset="-122"/>
-              </a:rPr>
-              <a:t>7</a:t>
-            </a:r>
-            <a:r>
-              <a:rPr lang="zh-CN" altLang="en-US" sz="2400" dirty="0">
-                <a:latin typeface="微软雅黑" panose="020B0503020204020204" charset="-122"/>
-                <a:ea typeface="微软雅黑" panose="020B0503020204020204" charset="-122"/>
-              </a:rPr>
-              <a:t>层</a:t>
-            </a:r>
-            <a:endParaRPr lang="en-US" altLang="zh-CN" sz="2400" dirty="0">
-              <a:latin typeface="微软雅黑" panose="020B0503020204020204" charset="-122"/>
-              <a:ea typeface="微软雅黑" panose="020B0503020204020204" charset="-122"/>
-            </a:endParaRPr>
-          </a:p>
-        </p:txBody>
-      </p:sp>
-      <mc:AlternateContent xmlns:mc="http://schemas.openxmlformats.org/markup-compatibility/2006">
-        <mc:Choice xmlns:a14="http://schemas.microsoft.com/office/drawing/2010/main" xmlns="" Requires="a14">
-          <p:sp>
-            <p:nvSpPr>
-              <p:cNvPr id="5" name="文本框 4"/>
-              <p:cNvSpPr txBox="1"/>
-              <p:nvPr/>
-            </p:nvSpPr>
-            <p:spPr>
-              <a:xfrm>
-                <a:off x="3016791" y="4898891"/>
-                <a:ext cx="4572000" cy="683777"/>
-              </a:xfrm>
-              <a:prstGeom prst="rect">
-                <a:avLst/>
-              </a:prstGeom>
-              <a:noFill/>
-            </p:spPr>
-            <p:txBody>
-              <a:bodyPr wrap="square">
-                <a:spAutoFit/>
-              </a:bodyPr>
-              <a:p>
-                <a14:m>
-                  <m:oMathPara xmlns:m="http://schemas.openxmlformats.org/officeDocument/2006/math">
-                    <m:oMathParaPr>
-                      <m:jc m:val="centerGroup"/>
-                    </m:oMathParaPr>
-                    <m:oMath xmlns:m="http://schemas.openxmlformats.org/officeDocument/2006/math">
-                      <m:sSub>
-                        <m:sSubPr>
-                          <m:ctrlPr>
-                            <a:rPr lang="zh-CN" altLang="en-US" sz="2000" i="1" smtClean="0">
-                              <a:solidFill>
-                                <a:srgbClr val="836967"/>
-                              </a:solidFill>
-                              <a:latin typeface="Cambria Math" panose="02040503050406030204" pitchFamily="18" charset="0"/>
-                            </a:rPr>
-                          </m:ctrlPr>
-                        </m:sSubPr>
-                        <m:e>
-                          <m:r>
-                            <a:rPr lang="zh-CN" altLang="en-US" sz="2000" i="1">
-                              <a:latin typeface="Cambria Math" panose="02040503050406030204" pitchFamily="18" charset="0"/>
-                            </a:rPr>
-                            <m:t>𝐿</m:t>
-                          </m:r>
-                        </m:e>
-                        <m:sub>
-                          <m:r>
-                            <a:rPr lang="zh-CN" altLang="en-US" sz="2000" i="0">
-                              <a:latin typeface="Cambria Math" panose="02040503050406030204" pitchFamily="18" charset="0"/>
-                            </a:rPr>
-                            <m:t>0</m:t>
-                          </m:r>
-                        </m:sub>
-                      </m:sSub>
-                      <m:r>
-                        <a:rPr lang="zh-CN" altLang="en-US" sz="2000" i="0">
-                          <a:latin typeface="Cambria Math" panose="02040503050406030204" pitchFamily="18" charset="0"/>
-                        </a:rPr>
-                        <m:t>=</m:t>
-                      </m:r>
-                      <m:f>
-                        <m:fPr>
-                          <m:ctrlPr>
-                            <a:rPr lang="zh-CN" altLang="en-US" sz="2000" i="1">
-                              <a:solidFill>
-                                <a:srgbClr val="836967"/>
-                              </a:solidFill>
-                              <a:latin typeface="Cambria Math" panose="02040503050406030204" pitchFamily="18" charset="0"/>
-                            </a:rPr>
-                          </m:ctrlPr>
-                        </m:fPr>
-                        <m:num>
-                          <m:sSub>
-                            <m:sSubPr>
-                              <m:ctrlPr>
-                                <a:rPr lang="zh-CN" altLang="en-US" sz="2000" i="1">
-                                  <a:solidFill>
-                                    <a:srgbClr val="836967"/>
-                                  </a:solidFill>
-                                  <a:latin typeface="Cambria Math" panose="02040503050406030204" pitchFamily="18" charset="0"/>
-                                </a:rPr>
-                              </m:ctrlPr>
-                            </m:sSubPr>
-                            <m:e>
-                              <m:r>
-                                <a:rPr lang="zh-CN" altLang="en-US" sz="2000" i="1">
-                                  <a:latin typeface="Cambria Math" panose="02040503050406030204" pitchFamily="18" charset="0"/>
-                                </a:rPr>
-                                <m:t>𝑖</m:t>
-                              </m:r>
-                            </m:e>
-                            <m:sub>
-                              <m:r>
-                                <m:rPr>
-                                  <m:sty m:val="p"/>
-                                </m:rPr>
-                                <a:rPr lang="en-US" altLang="zh-CN" sz="2000" b="0" i="0" smtClean="0">
-                                  <a:latin typeface="Cambria Math" panose="02040503050406030204" pitchFamily="18" charset="0"/>
-                                </a:rPr>
-                                <m:t>Mg</m:t>
-                              </m:r>
-                            </m:sub>
-                          </m:sSub>
-                          <m:r>
-                            <a:rPr lang="zh-CN" altLang="en-US" sz="2000" i="1">
-                              <a:latin typeface="Cambria Math" panose="02040503050406030204" pitchFamily="18" charset="0"/>
-                            </a:rPr>
-                            <m:t>𝐴𝑡</m:t>
-                          </m:r>
-                        </m:num>
-                        <m:den>
-                          <m:r>
-                            <a:rPr lang="zh-CN" altLang="en-US" sz="2000" i="1">
-                              <a:latin typeface="Cambria Math" panose="02040503050406030204" pitchFamily="18" charset="0"/>
-                            </a:rPr>
-                            <m:t>𝑁𝑛𝐹</m:t>
-                          </m:r>
-                        </m:den>
-                      </m:f>
-                    </m:oMath>
-                  </m:oMathPara>
-                </a14:m>
-                <a:endParaRPr lang="zh-CN" altLang="en-US" sz="2000" dirty="0">
-                  <a:latin typeface="Times New Roman" panose="02020603050405020304" pitchFamily="18" charset="0"/>
-                  <a:cs typeface="Times New Roman" panose="02020603050405020304" pitchFamily="18" charset="0"/>
-                </a:endParaRPr>
-              </a:p>
-            </p:txBody>
-          </p:sp>
-        </mc:Choice>
-        <mc:Fallback>
-          <p:sp>
-            <p:nvSpPr>
-              <p:cNvPr id="5" name="文本框 4"/>
-              <p:cNvSpPr txBox="1">
-                <a:spLocks noRot="1" noChangeAspect="1" noMove="1" noResize="1" noEditPoints="1" noAdjustHandles="1" noChangeArrowheads="1" noChangeShapeType="1" noTextEdit="1"/>
-              </p:cNvSpPr>
-              <p:nvPr/>
-            </p:nvSpPr>
-            <p:spPr>
-              <a:xfrm>
-                <a:off x="3016791" y="4898891"/>
-                <a:ext cx="4572000" cy="683777"/>
-              </a:xfrm>
-              <a:prstGeom prst="rect">
-                <a:avLst/>
-              </a:prstGeom>
-              <a:blipFill rotWithShape="1">
-                <a:blip r:embed="rId4"/>
-                <a:stretch>
-                  <a:fillRect l="-12" t="-73" r="12" b="56"/>
-                </a:stretch>
-              </a:blipFill>
-            </p:spPr>
-            <p:txBody>
-              <a:bodyPr/>
-              <a:lstStyle/>
-              <a:p>
-                <a:r>
-                  <a:rPr lang="zh-CN" altLang="en-US">
-                    <a:noFill/>
-                  </a:rPr>
-                  <a:t> </a:t>
-                </a:r>
-              </a:p>
-            </p:txBody>
-          </p:sp>
-        </mc:Fallback>
-      </mc:AlternateContent>
     </p:spTree>
   </p:cSld>
   <p:clrMapOvr>
@@ -11294,7 +9267,7 @@
         <p:spPr>
           <a:xfrm>
             <a:off x="581397" y="1307352"/>
-            <a:ext cx="10920321" cy="1612763"/>
+            <a:ext cx="10920321" cy="798631"/>
           </a:xfrm>
           <a:prstGeom prst="rect">
             <a:avLst/>
@@ -11317,15 +9290,20 @@
             </a:pPr>
             <a:r>
               <a:rPr lang="zh-CN" altLang="en-US" sz="1900" b="1" dirty="0">
-                <a:latin typeface="+mn-ea"/>
+                <a:latin typeface="宋体" pitchFamily="2" charset="-122"/>
+                <a:ea typeface="宋体" pitchFamily="2" charset="-122"/>
                 <a:sym typeface="微软雅黑" panose="020B0503020204020204" charset="-122"/>
               </a:rPr>
-              <a:t>理论研究方面：</a:t>
-            </a:r>
-            <a:endParaRPr lang="en-US" altLang="zh-CN" sz="1900" b="1" dirty="0">
-              <a:latin typeface="+mn-ea"/>
-              <a:sym typeface="微软雅黑" panose="020B0503020204020204" charset="-122"/>
-            </a:endParaRPr>
+              <a:t>理论研究方面</a:t>
+            </a:r>
+            <a:r>
+              <a:rPr lang="zh-CN" altLang="en-US" sz="1900" b="1" dirty="0" smtClean="0">
+                <a:latin typeface="宋体" pitchFamily="2" charset="-122"/>
+                <a:ea typeface="宋体" pitchFamily="2" charset="-122"/>
+                <a:sym typeface="微软雅黑" panose="020B0503020204020204" charset="-122"/>
+              </a:rPr>
+              <a:t>：</a:t>
+            </a:r>
           </a:p>
           <a:p>
             <a:pPr marL="381000" indent="-381000">
@@ -11342,44 +9320,67 @@
               <a:buChar char="p"/>
             </a:pPr>
             <a:r>
-              <a:rPr lang="zh-CN" altLang="en-US" sz="1900" b="1" dirty="0">
-                <a:latin typeface="+mn-ea"/>
+              <a:rPr lang="zh-CN" altLang="en-US" sz="1900" b="1" dirty="0" smtClean="0">
+                <a:latin typeface="宋体" pitchFamily="2" charset="-122"/>
+                <a:ea typeface="宋体" pitchFamily="2" charset="-122"/>
                 <a:sym typeface="微软雅黑" panose="020B0503020204020204" charset="-122"/>
               </a:rPr>
-              <a:t>通过</a:t>
-            </a:r>
-            <a:r>
-              <a:rPr lang="en-US" altLang="zh-CN" sz="1900" b="1" dirty="0" err="1">
-                <a:latin typeface="+mn-ea"/>
+              <a:t>搭建深度强化学习以及使用非导数算法获取最优解</a:t>
+            </a:r>
+            <a:endParaRPr lang="en-US" altLang="zh-CN" sz="1900" b="1" dirty="0">
+              <a:latin typeface="宋体" pitchFamily="2" charset="-122"/>
+              <a:ea typeface="宋体" pitchFamily="2" charset="-122"/>
+              <a:sym typeface="微软雅黑" panose="020B0503020204020204" charset="-122"/>
+            </a:endParaRPr>
+          </a:p>
+        </p:txBody>
+      </p:sp>
+      <p:sp>
+        <p:nvSpPr>
+          <p:cNvPr id="8" name="TextBox 37"/>
+          <p:cNvSpPr txBox="1"/>
+          <p:nvPr/>
+        </p:nvSpPr>
+        <p:spPr>
+          <a:xfrm>
+            <a:off x="570509" y="2830383"/>
+            <a:ext cx="9362385" cy="872561"/>
+          </a:xfrm>
+          <a:prstGeom prst="rect">
+            <a:avLst/>
+          </a:prstGeom>
+          <a:noFill/>
+        </p:spPr>
+        <p:txBody>
+          <a:bodyPr wrap="square" lIns="91454" tIns="45727" rIns="91454" bIns="45727" rtlCol="0">
+            <a:spAutoFit/>
+          </a:bodyPr>
+          <a:lstStyle/>
+          <a:p>
+            <a:pPr>
+              <a:lnSpc>
+                <a:spcPct val="130000"/>
+              </a:lnSpc>
+              <a:spcBef>
+                <a:spcPct val="0"/>
+              </a:spcBef>
+            </a:pPr>
+            <a:r>
+              <a:rPr lang="zh-CN" altLang="en-US" sz="1900" b="1" dirty="0">
+                <a:latin typeface="宋体" pitchFamily="2" charset="-122"/>
+                <a:ea typeface="宋体" pitchFamily="2" charset="-122"/>
                 <a:sym typeface="微软雅黑" panose="020B0503020204020204" charset="-122"/>
               </a:rPr>
-              <a:t>SfM</a:t>
-            </a:r>
-            <a:r>
-              <a:rPr lang="zh-CN" altLang="en-US" sz="1900" b="1" dirty="0">
-                <a:latin typeface="+mn-ea"/>
+              <a:t>工程方面</a:t>
+            </a:r>
+            <a:r>
+              <a:rPr lang="zh-CN" altLang="en-US" sz="1900" b="1" dirty="0" smtClean="0">
+                <a:latin typeface="宋体" pitchFamily="2" charset="-122"/>
+                <a:ea typeface="宋体" pitchFamily="2" charset="-122"/>
                 <a:sym typeface="微软雅黑" panose="020B0503020204020204" charset="-122"/>
               </a:rPr>
-              <a:t>和</a:t>
-            </a:r>
-            <a:r>
-              <a:rPr lang="en-US" altLang="zh-CN" sz="1900" b="1" dirty="0">
-                <a:latin typeface="+mn-ea"/>
-                <a:sym typeface="微软雅黑" panose="020B0503020204020204" charset="-122"/>
-              </a:rPr>
-              <a:t>MVS</a:t>
-            </a:r>
-            <a:r>
-              <a:rPr lang="zh-CN" altLang="en-US" sz="1900" b="1" dirty="0">
-                <a:latin typeface="+mn-ea"/>
-                <a:sym typeface="微软雅黑" panose="020B0503020204020204" charset="-122"/>
-              </a:rPr>
-              <a:t>算法实现基于多视角图像的物体三维重建。</a:t>
-            </a:r>
-            <a:endParaRPr lang="en-US" altLang="zh-CN" sz="1900" b="1" dirty="0">
-              <a:latin typeface="+mn-ea"/>
-              <a:sym typeface="微软雅黑" panose="020B0503020204020204" charset="-122"/>
-            </a:endParaRPr>
+              <a:t>：</a:t>
+            </a:r>
           </a:p>
           <a:p>
             <a:pPr marL="381000" indent="-381000">
@@ -11396,174 +9397,16 @@
               <a:buChar char="p"/>
             </a:pPr>
             <a:r>
-              <a:rPr lang="zh-CN" altLang="en-US" sz="1900" b="1" dirty="0">
-                <a:latin typeface="+mn-ea"/>
+              <a:rPr lang="zh-CN" altLang="en-US" sz="2000" b="1" dirty="0" smtClean="0">
+                <a:latin typeface="宋体" pitchFamily="2" charset="-122"/>
+                <a:ea typeface="宋体" pitchFamily="2" charset="-122"/>
                 <a:sym typeface="微软雅黑" panose="020B0503020204020204" charset="-122"/>
               </a:rPr>
-              <a:t>通过使用</a:t>
-            </a:r>
-            <a:r>
-              <a:rPr lang="en-US" altLang="zh-CN" sz="1900" b="1" dirty="0">
-                <a:latin typeface="+mn-ea"/>
-                <a:sym typeface="微软雅黑" panose="020B0503020204020204" charset="-122"/>
-              </a:rPr>
-              <a:t>PU-GCN</a:t>
-            </a:r>
-            <a:r>
-              <a:rPr lang="zh-CN" altLang="en-US" sz="1900" b="1" dirty="0">
-                <a:latin typeface="+mn-ea"/>
-                <a:sym typeface="微软雅黑" panose="020B0503020204020204" charset="-122"/>
-              </a:rPr>
-              <a:t>网络对获取的稀疏点云数据进行上采样处理。</a:t>
-            </a:r>
-            <a:endParaRPr lang="en-US" altLang="zh-CN" sz="1900" b="1" dirty="0">
-              <a:latin typeface="+mn-ea"/>
-              <a:sym typeface="微软雅黑" panose="020B0503020204020204" charset="-122"/>
-            </a:endParaRPr>
-          </a:p>
-          <a:p>
-            <a:pPr marL="381000" indent="-381000">
-              <a:lnSpc>
-                <a:spcPct val="130000"/>
-              </a:lnSpc>
-              <a:spcBef>
-                <a:spcPct val="0"/>
-              </a:spcBef>
-              <a:buClr>
-                <a:schemeClr val="accent1"/>
-              </a:buClr>
-              <a:buFont typeface="Wingdings" panose="05000000000000000000" pitchFamily="2" charset="2"/>
-              <a:buChar char="p"/>
-            </a:pPr>
-            <a:r>
-              <a:rPr lang="zh-CN" altLang="en-US" sz="1900" b="1" dirty="0">
-                <a:latin typeface="+mn-ea"/>
-                <a:sym typeface="微软雅黑" panose="020B0503020204020204" charset="-122"/>
-              </a:rPr>
-              <a:t>改进</a:t>
-            </a:r>
-            <a:r>
-              <a:rPr lang="en-US" altLang="zh-CN" sz="1900" b="1" dirty="0" err="1">
-                <a:latin typeface="+mn-ea"/>
-                <a:sym typeface="微软雅黑" panose="020B0503020204020204" charset="-122"/>
-              </a:rPr>
-              <a:t>PoinstSIFT</a:t>
-            </a:r>
-            <a:r>
-              <a:rPr lang="zh-CN" altLang="en-US" sz="1900" b="1" dirty="0">
-                <a:latin typeface="+mn-ea"/>
-                <a:sym typeface="微软雅黑" panose="020B0503020204020204" charset="-122"/>
-              </a:rPr>
-              <a:t>网络，融合深度图像特征并结合掩膜模块和注意力机制进行更准确的点云分割。</a:t>
-            </a:r>
-          </a:p>
-        </p:txBody>
-      </p:sp>
-      <p:sp>
-        <p:nvSpPr>
-          <p:cNvPr id="8" name="TextBox 37"/>
-          <p:cNvSpPr txBox="1"/>
-          <p:nvPr/>
-        </p:nvSpPr>
-        <p:spPr>
-          <a:xfrm>
-            <a:off x="570509" y="2830383"/>
-            <a:ext cx="9362385" cy="1232659"/>
-          </a:xfrm>
-          <a:prstGeom prst="rect">
-            <a:avLst/>
-          </a:prstGeom>
-          <a:noFill/>
-        </p:spPr>
-        <p:txBody>
-          <a:bodyPr wrap="square" lIns="91454" tIns="45727" rIns="91454" bIns="45727" rtlCol="0">
-            <a:spAutoFit/>
-          </a:bodyPr>
-          <a:lstStyle/>
-          <a:p>
-            <a:pPr>
-              <a:lnSpc>
-                <a:spcPct val="130000"/>
-              </a:lnSpc>
-              <a:spcBef>
-                <a:spcPct val="0"/>
-              </a:spcBef>
-            </a:pPr>
-            <a:r>
-              <a:rPr lang="zh-CN" altLang="en-US" sz="1900" b="1" dirty="0">
-                <a:latin typeface="+mn-ea"/>
-                <a:sym typeface="微软雅黑" panose="020B0503020204020204" charset="-122"/>
-              </a:rPr>
-              <a:t>工程方面：</a:t>
-            </a:r>
-            <a:endParaRPr lang="en-US" altLang="zh-CN" sz="1900" b="1" dirty="0">
-              <a:latin typeface="+mn-ea"/>
-              <a:sym typeface="微软雅黑" panose="020B0503020204020204" charset="-122"/>
-            </a:endParaRPr>
-          </a:p>
-          <a:p>
-            <a:pPr marL="381000" indent="-381000">
-              <a:lnSpc>
-                <a:spcPct val="130000"/>
-              </a:lnSpc>
-              <a:spcBef>
-                <a:spcPct val="0"/>
-              </a:spcBef>
-              <a:buClr>
-                <a:schemeClr val="accent1"/>
-              </a:buClr>
-              <a:buFont typeface="Wingdings" panose="05000000000000000000" pitchFamily="2" charset="2"/>
-              <a:buChar char="p"/>
-            </a:pPr>
-            <a:r>
-              <a:rPr lang="zh-CN" altLang="en-US" sz="1900" b="1" dirty="0">
-                <a:latin typeface="+mn-ea"/>
-                <a:sym typeface="微软雅黑" panose="020B0503020204020204" charset="-122"/>
-              </a:rPr>
-              <a:t>将模型部署到</a:t>
-            </a:r>
-            <a:r>
-              <a:rPr lang="en-US" altLang="zh-CN" sz="1900" b="1" dirty="0">
-                <a:latin typeface="+mn-ea"/>
-                <a:sym typeface="微软雅黑" panose="020B0503020204020204" charset="-122"/>
-              </a:rPr>
-              <a:t>HoloLens</a:t>
-            </a:r>
-            <a:r>
-              <a:rPr lang="zh-CN" altLang="en-US" sz="1900" b="1" dirty="0">
-                <a:latin typeface="+mn-ea"/>
-                <a:sym typeface="微软雅黑" panose="020B0503020204020204" charset="-122"/>
-              </a:rPr>
-              <a:t>混合现实设备中，并添加手势识别的交互。</a:t>
-            </a:r>
-            <a:endParaRPr lang="en-US" altLang="zh-CN" sz="1900" b="1" dirty="0">
-              <a:latin typeface="+mn-ea"/>
-              <a:sym typeface="微软雅黑" panose="020B0503020204020204" charset="-122"/>
-            </a:endParaRPr>
-          </a:p>
-          <a:p>
-            <a:pPr marL="381000" indent="-381000">
-              <a:lnSpc>
-                <a:spcPct val="130000"/>
-              </a:lnSpc>
-              <a:spcBef>
-                <a:spcPct val="0"/>
-              </a:spcBef>
-              <a:buClr>
-                <a:schemeClr val="accent1"/>
-              </a:buClr>
-              <a:buFont typeface="Wingdings" panose="05000000000000000000" pitchFamily="2" charset="2"/>
-              <a:buChar char="p"/>
-            </a:pPr>
-            <a:r>
-              <a:rPr lang="zh-CN" altLang="en-US" sz="1900" b="1" dirty="0">
-                <a:latin typeface="+mn-ea"/>
-                <a:sym typeface="微软雅黑" panose="020B0503020204020204" charset="-122"/>
-              </a:rPr>
-              <a:t>设计并实现一个水下机器人虚拟现实仿真平台。</a:t>
-            </a:r>
-            <a:endParaRPr lang="en-US" altLang="zh-CN" sz="1900" b="1" dirty="0">
-              <a:latin typeface="+mn-ea"/>
+              <a:t>初步的环境搭建完成</a:t>
+            </a:r>
+            <a:endParaRPr lang="en-US" altLang="zh-CN" sz="2000" b="1" dirty="0" smtClean="0">
+              <a:latin typeface="宋体" pitchFamily="2" charset="-122"/>
+              <a:ea typeface="宋体" pitchFamily="2" charset="-122"/>
               <a:sym typeface="微软雅黑" panose="020B0503020204020204" charset="-122"/>
             </a:endParaRPr>
           </a:p>
@@ -11617,141 +9460,6 @@
               <a:t>研究内容</a:t>
             </a:r>
             <a:endParaRPr lang="en-US" altLang="zh-CN" sz="2100" b="1" dirty="0">
-              <a:latin typeface="+mn-ea"/>
-              <a:sym typeface="微软雅黑" panose="020B0503020204020204" charset="-122"/>
-            </a:endParaRPr>
-          </a:p>
-        </p:txBody>
-      </p:sp>
-      <p:sp>
-        <p:nvSpPr>
-          <p:cNvPr id="10" name="TextBox 37"/>
-          <p:cNvSpPr txBox="1"/>
-          <p:nvPr/>
-        </p:nvSpPr>
-        <p:spPr>
-          <a:xfrm>
-            <a:off x="570508" y="4112853"/>
-            <a:ext cx="5514603" cy="512462"/>
-          </a:xfrm>
-          <a:prstGeom prst="rect">
-            <a:avLst/>
-          </a:prstGeom>
-          <a:noFill/>
-        </p:spPr>
-        <p:txBody>
-          <a:bodyPr wrap="square" lIns="91454" tIns="45727" rIns="91454" bIns="45727" rtlCol="0">
-            <a:spAutoFit/>
-          </a:bodyPr>
-          <a:lstStyle/>
-          <a:p>
-            <a:pPr>
-              <a:lnSpc>
-                <a:spcPct val="130000"/>
-              </a:lnSpc>
-              <a:spcBef>
-                <a:spcPct val="0"/>
-              </a:spcBef>
-              <a:buClr>
-                <a:schemeClr val="accent1"/>
-              </a:buClr>
-            </a:pPr>
-            <a:r>
-              <a:rPr lang="en-US" altLang="zh-CN" sz="2100" b="1" dirty="0">
-                <a:latin typeface="+mn-ea"/>
-                <a:sym typeface="微软雅黑" panose="020B0503020204020204" charset="-122"/>
-              </a:rPr>
-              <a:t>3.2 </a:t>
-            </a:r>
-            <a:r>
-              <a:rPr lang="zh-CN" altLang="en-US" sz="2100" b="1" dirty="0">
-                <a:latin typeface="+mn-ea"/>
-                <a:sym typeface="微软雅黑" panose="020B0503020204020204" charset="-122"/>
-              </a:rPr>
-              <a:t>取得成果</a:t>
-            </a:r>
-            <a:endParaRPr lang="en-US" altLang="zh-CN" sz="2100" b="1" dirty="0">
-              <a:latin typeface="+mn-ea"/>
-              <a:sym typeface="微软雅黑" panose="020B0503020204020204" charset="-122"/>
-            </a:endParaRPr>
-          </a:p>
-        </p:txBody>
-      </p:sp>
-      <p:sp>
-        <p:nvSpPr>
-          <p:cNvPr id="11" name="TextBox 37"/>
-          <p:cNvSpPr txBox="1"/>
-          <p:nvPr/>
-        </p:nvSpPr>
-        <p:spPr>
-          <a:xfrm>
-            <a:off x="570507" y="4625283"/>
-            <a:ext cx="11252299" cy="472451"/>
-          </a:xfrm>
-          <a:prstGeom prst="rect">
-            <a:avLst/>
-          </a:prstGeom>
-          <a:noFill/>
-        </p:spPr>
-        <p:txBody>
-          <a:bodyPr wrap="square" lIns="91454" tIns="45727" rIns="91454" bIns="45727" rtlCol="0">
-            <a:spAutoFit/>
-          </a:bodyPr>
-          <a:lstStyle/>
-          <a:p>
-            <a:pPr marL="381000" indent="-381000">
-              <a:lnSpc>
-                <a:spcPct val="130000"/>
-              </a:lnSpc>
-              <a:spcBef>
-                <a:spcPct val="0"/>
-              </a:spcBef>
-              <a:buClr>
-                <a:schemeClr val="accent1"/>
-              </a:buClr>
-              <a:buFont typeface="Wingdings" panose="05000000000000000000" pitchFamily="2" charset="2"/>
-              <a:buChar char="p"/>
-            </a:pPr>
-            <a:r>
-              <a:rPr lang="en-US" altLang="zh-CN" sz="1900" b="1" dirty="0">
-                <a:latin typeface="+mn-ea"/>
-                <a:sym typeface="微软雅黑" panose="020B0503020204020204" charset="-122"/>
-              </a:rPr>
-              <a:t>《</a:t>
-            </a:r>
-            <a:r>
-              <a:rPr lang="en-US" altLang="zh-CN" sz="1900" dirty="0" err="1">
-                <a:solidFill>
-                  <a:srgbClr val="000033"/>
-                </a:solidFill>
-                <a:latin typeface="Verdana" panose="020B0604030504040204" pitchFamily="34" charset="0"/>
-              </a:rPr>
-              <a:t>MMFNet</a:t>
-            </a:r>
-            <a:r>
-              <a:rPr lang="en-US" altLang="zh-CN" sz="1900" dirty="0">
-                <a:solidFill>
-                  <a:srgbClr val="000033"/>
-                </a:solidFill>
-                <a:latin typeface="Verdana" panose="020B0604030504040204" pitchFamily="34" charset="0"/>
-              </a:rPr>
-              <a:t>: A Multi-modal Fused Network for Point Cloud Semantic Segmentation</a:t>
-            </a:r>
-            <a:r>
-              <a:rPr lang="en-US" altLang="zh-CN" sz="1900" b="1" dirty="0">
-                <a:latin typeface="+mn-ea"/>
-                <a:sym typeface="微软雅黑" panose="020B0503020204020204" charset="-122"/>
-              </a:rPr>
-              <a:t>》</a:t>
-            </a:r>
-            <a:r>
-              <a:rPr lang="zh-CN" altLang="en-US" sz="1900" b="1" dirty="0">
-                <a:latin typeface="+mn-ea"/>
-                <a:sym typeface="微软雅黑" panose="020B0503020204020204" charset="-122"/>
-              </a:rPr>
-              <a:t>在审</a:t>
-            </a:r>
-            <a:endParaRPr lang="en-US" altLang="zh-CN" sz="1900" b="1" dirty="0">
               <a:latin typeface="+mn-ea"/>
               <a:sym typeface="微软雅黑" panose="020B0503020204020204" charset="-122"/>
             </a:endParaRPr>
@@ -13417,18 +11125,23 @@
             </a:pPr>
             <a:r>
               <a:rPr lang="zh-CN" altLang="en-US" sz="1900" b="1" dirty="0">
+                <a:latin typeface="宋体" pitchFamily="2" charset="-122"/>
+                <a:ea typeface="宋体" pitchFamily="2" charset="-122"/>
                 <a:sym typeface="+mn-lt"/>
               </a:rPr>
               <a:t>进一步</a:t>
             </a:r>
             <a:r>
               <a:rPr lang="zh-CN" altLang="en-US" sz="1900" b="1" dirty="0" smtClean="0">
+                <a:latin typeface="宋体" pitchFamily="2" charset="-122"/>
+                <a:ea typeface="宋体" pitchFamily="2" charset="-122"/>
                 <a:sym typeface="+mn-lt"/>
               </a:rPr>
               <a:t>优化深度强化学习网络结构，达到更好效果</a:t>
             </a:r>
             <a:endParaRPr lang="en-US" altLang="zh-CN" sz="1900" b="1" dirty="0">
-              <a:latin typeface="+mn-ea"/>
+              <a:latin typeface="宋体" pitchFamily="2" charset="-122"/>
+              <a:ea typeface="宋体" pitchFamily="2" charset="-122"/>
               <a:sym typeface="微软雅黑" panose="020B0503020204020204" charset="-122"/>
             </a:endParaRPr>
           </a:p>
@@ -13492,13 +11205,15 @@
             </a:pPr>
             <a:r>
               <a:rPr lang="zh-CN" altLang="en-US" sz="1900" b="1" dirty="0" smtClean="0">
-                <a:latin typeface="+mn-ea"/>
+                <a:latin typeface="宋体" pitchFamily="2" charset="-122"/>
+                <a:ea typeface="宋体" pitchFamily="2" charset="-122"/>
                 <a:sym typeface="微软雅黑" panose="020B0503020204020204" charset="-122"/>
               </a:rPr>
               <a:t>将环境开发完成</a:t>
             </a:r>
             <a:endParaRPr lang="en-US" altLang="zh-CN" sz="1900" b="1" dirty="0">
-              <a:latin typeface="+mn-ea"/>
+              <a:latin typeface="宋体" pitchFamily="2" charset="-122"/>
+              <a:ea typeface="宋体" pitchFamily="2" charset="-122"/>
               <a:sym typeface="微软雅黑" panose="020B0503020204020204" charset="-122"/>
             </a:endParaRPr>
           </a:p>
@@ -13621,7 +11336,7 @@
         <p:spPr>
           <a:xfrm>
             <a:off x="570508" y="4248757"/>
-            <a:ext cx="9362385" cy="852555"/>
+            <a:ext cx="9362385" cy="798631"/>
           </a:xfrm>
           <a:prstGeom prst="rect">
             <a:avLst/>
@@ -13649,20 +11364,23 @@
             </a:pPr>
             <a:r>
               <a:rPr lang="zh-CN" altLang="en-US" sz="1900" b="1" dirty="0">
-                <a:latin typeface="+mn-ea"/>
+                <a:latin typeface="宋体" pitchFamily="2" charset="-122"/>
+                <a:ea typeface="宋体" pitchFamily="2" charset="-122"/>
                 <a:sym typeface="微软雅黑" panose="020B0503020204020204" charset="-122"/>
               </a:rPr>
               <a:t>完成后续研究内容 </a:t>
             </a:r>
             <a:r>
               <a:rPr lang="en-US" altLang="zh-CN" sz="1900" b="1" dirty="0" smtClean="0">
-                <a:latin typeface="+mn-ea"/>
+                <a:latin typeface="宋体" pitchFamily="2" charset="-122"/>
+                <a:ea typeface="宋体" pitchFamily="2" charset="-122"/>
                 <a:sym typeface="微软雅黑" panose="020B0503020204020204" charset="-122"/>
               </a:rPr>
               <a:t>2023.1-2023.2</a:t>
             </a:r>
             <a:endParaRPr lang="en-US" altLang="zh-CN" sz="1900" b="1" dirty="0">
-              <a:latin typeface="+mn-ea"/>
+              <a:latin typeface="宋体" pitchFamily="2" charset="-122"/>
+              <a:ea typeface="宋体" pitchFamily="2" charset="-122"/>
               <a:sym typeface="微软雅黑" panose="020B0503020204020204" charset="-122"/>
             </a:endParaRPr>
           </a:p>
@@ -13682,20 +11400,23 @@
             </a:pPr>
             <a:r>
               <a:rPr lang="zh-CN" altLang="en-US" sz="1900" b="1" dirty="0">
-                <a:latin typeface="+mn-ea"/>
+                <a:latin typeface="宋体" pitchFamily="2" charset="-122"/>
+                <a:ea typeface="宋体" pitchFamily="2" charset="-122"/>
                 <a:sym typeface="微软雅黑" panose="020B0503020204020204" charset="-122"/>
               </a:rPr>
               <a:t>完成论文的撰写 </a:t>
             </a:r>
             <a:r>
               <a:rPr lang="en-US" altLang="zh-CN" sz="1900" b="1" dirty="0" smtClean="0">
-                <a:latin typeface="+mn-ea"/>
+                <a:latin typeface="宋体" pitchFamily="2" charset="-122"/>
+                <a:ea typeface="宋体" pitchFamily="2" charset="-122"/>
                 <a:sym typeface="微软雅黑" panose="020B0503020204020204" charset="-122"/>
               </a:rPr>
               <a:t>2023.3-2023.4</a:t>
             </a:r>
             <a:endParaRPr lang="en-US" altLang="zh-CN" sz="1900" b="1" dirty="0">
-              <a:latin typeface="+mn-ea"/>
+              <a:latin typeface="宋体" pitchFamily="2" charset="-122"/>
+              <a:ea typeface="宋体" pitchFamily="2" charset="-122"/>
               <a:sym typeface="微软雅黑" panose="020B0503020204020204" charset="-122"/>
             </a:endParaRPr>
           </a:p>
@@ -13764,7 +11485,7 @@
         <p:spPr>
           <a:xfrm>
             <a:off x="581397" y="5616429"/>
-            <a:ext cx="9362385" cy="852555"/>
+            <a:ext cx="9362385" cy="798631"/>
           </a:xfrm>
           <a:prstGeom prst="rect">
             <a:avLst/>
@@ -13792,13 +11513,15 @@
             </a:pPr>
             <a:r>
               <a:rPr lang="zh-CN" altLang="en-US" sz="1900" b="1" dirty="0">
-                <a:latin typeface="+mn-ea"/>
+                <a:latin typeface="宋体" pitchFamily="2" charset="-122"/>
+                <a:ea typeface="宋体" pitchFamily="2" charset="-122"/>
                 <a:sym typeface="微软雅黑" panose="020B0503020204020204" charset="-122"/>
               </a:rPr>
               <a:t>发表一篇文章</a:t>
             </a:r>
             <a:endParaRPr lang="en-US" altLang="zh-CN" sz="1900" b="1" dirty="0">
-              <a:latin typeface="+mn-ea"/>
+              <a:latin typeface="宋体" pitchFamily="2" charset="-122"/>
+              <a:ea typeface="宋体" pitchFamily="2" charset="-122"/>
               <a:sym typeface="微软雅黑" panose="020B0503020204020204" charset="-122"/>
             </a:endParaRPr>
           </a:p>
@@ -13818,13 +11541,15 @@
             </a:pPr>
             <a:r>
               <a:rPr lang="zh-CN" altLang="en-US" sz="1900" b="1" dirty="0" smtClean="0">
-                <a:latin typeface="+mn-ea"/>
+                <a:latin typeface="宋体" pitchFamily="2" charset="-122"/>
+                <a:ea typeface="宋体" pitchFamily="2" charset="-122"/>
                 <a:sym typeface="微软雅黑" panose="020B0503020204020204" charset="-122"/>
               </a:rPr>
               <a:t>完成环境模拟计算平台搭建</a:t>
             </a:r>
             <a:endParaRPr lang="en-US" altLang="zh-CN" sz="1900" b="1" dirty="0">
-              <a:latin typeface="+mn-ea"/>
+              <a:latin typeface="宋体" pitchFamily="2" charset="-122"/>
+              <a:ea typeface="宋体" pitchFamily="2" charset="-122"/>
               <a:sym typeface="微软雅黑" panose="020B0503020204020204" charset="-122"/>
             </a:endParaRPr>
           </a:p>
@@ -17016,8 +14741,8 @@
         </p:nvSpPr>
         <p:spPr>
           <a:xfrm>
-            <a:off x="4293577" y="1203979"/>
-            <a:ext cx="7590751" cy="2821923"/>
+            <a:off x="4285762" y="1430626"/>
+            <a:ext cx="7590751" cy="2445806"/>
           </a:xfrm>
           <a:prstGeom prst="rect">
             <a:avLst/>
@@ -17192,135 +14917,233 @@
             </a:lvl9pPr>
           </a:lstStyle>
           <a:p>
-            <a:pPr fontAlgn="base">
-              <a:lnSpc>
-                <a:spcPct val="100000"/>
-              </a:lnSpc>
-              <a:spcBef>
-                <a:spcPts val="0"/>
-              </a:spcBef>
-              <a:spcAft>
-                <a:spcPct val="0"/>
-              </a:spcAft>
-              <a:buClr>
-                <a:srgbClr val="008080"/>
-              </a:buClr>
-            </a:pPr>
-            <a:r>
-              <a:rPr lang="en-US" altLang="zh-CN" sz="1900" b="1" dirty="0" err="1" smtClean="0">
-                <a:latin typeface="宋体" panose="02010600030101010101" pitchFamily="2" charset="-122"/>
-                <a:ea typeface="宋体" panose="02010600030101010101" pitchFamily="2" charset="-122"/>
+            <a:r>
+              <a:rPr lang="zh-CN" altLang="en-US" dirty="0" smtClean="0">
+                <a:latin typeface="宋体" pitchFamily="2" charset="-122"/>
+                <a:ea typeface="宋体" pitchFamily="2" charset="-122"/>
+              </a:rPr>
+              <a:t>波拜图（</a:t>
+            </a:r>
+            <a:r>
+              <a:rPr lang="en-US" altLang="zh-CN" dirty="0" err="1" smtClean="0">
+                <a:latin typeface="宋体" pitchFamily="2" charset="-122"/>
+                <a:ea typeface="宋体" pitchFamily="2" charset="-122"/>
               </a:rPr>
               <a:t>Pourbaix</a:t>
             </a:r>
             <a:r>
-              <a:rPr lang="zh-CN" altLang="en-US" sz="1900" b="1" dirty="0" smtClean="0">
-                <a:latin typeface="宋体" panose="02010600030101010101" pitchFamily="2" charset="-122"/>
-                <a:ea typeface="宋体" panose="02010600030101010101" pitchFamily="2" charset="-122"/>
+              <a:rPr lang="en-US" altLang="zh-CN" dirty="0" smtClean="0">
+                <a:latin typeface="宋体" pitchFamily="2" charset="-122"/>
+                <a:ea typeface="宋体" pitchFamily="2" charset="-122"/>
               </a:rPr>
-              <a:t>图和</a:t>
-            </a:r>
-            <a:r>
-              <a:rPr lang="en-US" altLang="zh-CN" sz="1900" b="1" dirty="0" err="1" smtClean="0">
-                <a:latin typeface="宋体" panose="02010600030101010101" pitchFamily="2" charset="-122"/>
-                <a:ea typeface="宋体" panose="02010600030101010101" pitchFamily="2" charset="-122"/>
+              <a:t> diagram</a:t>
+            </a:r>
+            <a:r>
+              <a:rPr lang="zh-CN" altLang="en-US" dirty="0" smtClean="0">
+                <a:latin typeface="宋体" pitchFamily="2" charset="-122"/>
+                <a:ea typeface="宋体" pitchFamily="2" charset="-122"/>
               </a:rPr>
-              <a:t>Tafe</a:t>
-            </a:r>
-            <a:r>
-              <a:rPr lang="zh-CN" altLang="en-US" sz="1900" b="1" dirty="0" smtClean="0">
-                <a:latin typeface="宋体" panose="02010600030101010101" pitchFamily="2" charset="-122"/>
-                <a:ea typeface="宋体" panose="02010600030101010101" pitchFamily="2" charset="-122"/>
+              <a:t>）和塔菲尔公式（</a:t>
+            </a:r>
+            <a:r>
+              <a:rPr lang="en-US" altLang="zh-CN" dirty="0" err="1" smtClean="0">
+                <a:latin typeface="宋体" pitchFamily="2" charset="-122"/>
+                <a:ea typeface="宋体" pitchFamily="2" charset="-122"/>
               </a:rPr>
-              <a:t>方程是其基本理论对于电化学腐蚀的热力学和动力学对腐蚀的发展有巨大的世界性影响。</a:t>
-            </a:r>
-            <a:r>
-              <a:rPr lang="en-US" altLang="zh-CN" sz="1900" b="1" dirty="0" err="1" smtClean="0">
-                <a:latin typeface="宋体" panose="02010600030101010101" pitchFamily="2" charset="-122"/>
-                <a:ea typeface="宋体" panose="02010600030101010101" pitchFamily="2" charset="-122"/>
+              <a:t>Tafel</a:t>
+            </a:r>
+            <a:r>
+              <a:rPr lang="en-US" altLang="zh-CN" dirty="0" smtClean="0">
+                <a:latin typeface="宋体" pitchFamily="2" charset="-122"/>
+                <a:ea typeface="宋体" pitchFamily="2" charset="-122"/>
               </a:rPr>
-              <a:t>Pourbaix</a:t>
-            </a:r>
-            <a:r>
-              <a:rPr lang="zh-CN" altLang="en-US" sz="1900" b="1" dirty="0" smtClean="0">
-                <a:latin typeface="宋体" panose="02010600030101010101" pitchFamily="2" charset="-122"/>
-                <a:ea typeface="宋体" panose="02010600030101010101" pitchFamily="2" charset="-122"/>
+              <a:t> equation</a:t>
+            </a:r>
+            <a:r>
+              <a:rPr lang="zh-CN" altLang="en-US" dirty="0" smtClean="0">
+                <a:latin typeface="宋体" pitchFamily="2" charset="-122"/>
+                <a:ea typeface="宋体" pitchFamily="2" charset="-122"/>
               </a:rPr>
-              <a:t>图是电化学反应的热力学相图，绘制了电化学反应的电极电位与溶液</a:t>
-            </a:r>
-            <a:r>
-              <a:rPr lang="en-US" altLang="zh-CN" sz="1900" b="1" dirty="0" smtClean="0">
-                <a:latin typeface="宋体" panose="02010600030101010101" pitchFamily="2" charset="-122"/>
-                <a:ea typeface="宋体" panose="02010600030101010101" pitchFamily="2" charset="-122"/>
+              <a:t>）是腐蚀电化学热力学与动力 </a:t>
+            </a:r>
+            <a:r>
+              <a:rPr lang="zh-CN" altLang="en-US" dirty="0" smtClean="0">
+                <a:latin typeface="宋体" pitchFamily="2" charset="-122"/>
+                <a:ea typeface="宋体" pitchFamily="2" charset="-122"/>
               </a:rPr>
-              <a:t>pH</a:t>
-            </a:r>
-            <a:r>
-              <a:rPr lang="zh-CN" altLang="en-US" sz="1900" b="1" dirty="0" smtClean="0">
-                <a:latin typeface="宋体" panose="02010600030101010101" pitchFamily="2" charset="-122"/>
-                <a:ea typeface="宋体" panose="02010600030101010101" pitchFamily="2" charset="-122"/>
+              <a:t>学</a:t>
+            </a:r>
+            <a:r>
+              <a:rPr lang="zh-CN" altLang="en-US" dirty="0" smtClean="0">
+                <a:latin typeface="宋体" pitchFamily="2" charset="-122"/>
+                <a:ea typeface="宋体" pitchFamily="2" charset="-122"/>
               </a:rPr>
-              <a:t>值的反应</a:t>
-            </a:r>
-            <a:r>
-              <a:rPr lang="en-US" altLang="zh-CN" sz="1900" b="1" dirty="0" smtClean="0">
-                <a:latin typeface="宋体" panose="02010600030101010101" pitchFamily="2" charset="-122"/>
-                <a:ea typeface="宋体" panose="02010600030101010101" pitchFamily="2" charset="-122"/>
+              <a:t>的基础，在世界范围内对腐蚀的发展起到了重要的推动</a:t>
+            </a:r>
+            <a:r>
+              <a:rPr lang="zh-CN" altLang="en-US" dirty="0" smtClean="0">
+                <a:latin typeface="宋体" pitchFamily="2" charset="-122"/>
+                <a:ea typeface="宋体" pitchFamily="2" charset="-122"/>
               </a:rPr>
-              <a:t>;</a:t>
-            </a:r>
-            <a:r>
-              <a:rPr lang="zh-CN" altLang="en-US" sz="1900" b="1" dirty="0" smtClean="0">
-                <a:latin typeface="宋体" panose="02010600030101010101" pitchFamily="2" charset="-122"/>
-                <a:ea typeface="宋体" panose="02010600030101010101" pitchFamily="2" charset="-122"/>
+              <a:t>作用。</a:t>
+            </a:r>
+            <a:r>
+              <a:rPr lang="zh-CN" altLang="en-US" dirty="0" smtClean="0">
+                <a:latin typeface="宋体" pitchFamily="2" charset="-122"/>
+                <a:ea typeface="宋体" pitchFamily="2" charset="-122"/>
               </a:rPr>
-              <a:t>它在决定时非常有用金属与水溶液接触时的稳定化学形态。</a:t>
-            </a:r>
-            <a:r>
-              <a:rPr lang="en-US" altLang="zh-CN" sz="1900" b="1" dirty="0" err="1" smtClean="0">
-                <a:latin typeface="宋体" panose="02010600030101010101" pitchFamily="2" charset="-122"/>
-                <a:ea typeface="宋体" panose="02010600030101010101" pitchFamily="2" charset="-122"/>
+              <a:t>波拜图是腐蚀的热力学</a:t>
+            </a:r>
+            <a:r>
+              <a:rPr lang="zh-CN" altLang="en-US" dirty="0" smtClean="0">
+                <a:latin typeface="宋体" pitchFamily="2" charset="-122"/>
+                <a:ea typeface="宋体" pitchFamily="2" charset="-122"/>
               </a:rPr>
-              <a:t>Tafe</a:t>
-            </a:r>
-            <a:r>
-              <a:rPr lang="zh-CN" altLang="en-US" sz="1900" b="1" dirty="0" smtClean="0">
-                <a:latin typeface="宋体" panose="02010600030101010101" pitchFamily="2" charset="-122"/>
-                <a:ea typeface="宋体" panose="02010600030101010101" pitchFamily="2" charset="-122"/>
+              <a:t>相图</a:t>
+            </a:r>
+            <a:r>
+              <a:rPr lang="zh-CN" altLang="en-US" dirty="0" smtClean="0">
+                <a:latin typeface="宋体" pitchFamily="2" charset="-122"/>
+                <a:ea typeface="宋体" pitchFamily="2" charset="-122"/>
               </a:rPr>
-              <a:t>方程显示了电极电位与电极电位之间的关系电流密度</a:t>
-            </a:r>
-            <a:r>
-              <a:rPr lang="en-US" altLang="zh-CN" sz="1900" b="1" dirty="0" smtClean="0">
-                <a:latin typeface="宋体" panose="02010600030101010101" pitchFamily="2" charset="-122"/>
-                <a:ea typeface="宋体" panose="02010600030101010101" pitchFamily="2" charset="-122"/>
+              <a:t>，根据电极电位与溶液 </a:t>
+            </a:r>
+            <a:r>
+              <a:rPr lang="en-US" altLang="zh-CN" dirty="0" smtClean="0">
+                <a:latin typeface="宋体" pitchFamily="2" charset="-122"/>
+                <a:ea typeface="宋体" pitchFamily="2" charset="-122"/>
               </a:rPr>
-              <a:t>;</a:t>
-            </a:r>
-            <a:r>
-              <a:rPr lang="zh-CN" altLang="en-US" sz="1900" b="1" dirty="0" smtClean="0">
-                <a:latin typeface="宋体" panose="02010600030101010101" pitchFamily="2" charset="-122"/>
-                <a:ea typeface="宋体" panose="02010600030101010101" pitchFamily="2" charset="-122"/>
+              <a:t>pH </a:t>
+            </a:r>
+            <a:r>
+              <a:rPr lang="zh-CN" altLang="en-US" dirty="0" smtClean="0">
+                <a:latin typeface="宋体" pitchFamily="2" charset="-122"/>
+                <a:ea typeface="宋体" pitchFamily="2" charset="-122"/>
               </a:rPr>
-              <a:t>得到腐蚀速率</a:t>
-            </a:r>
-            <a:r>
-              <a:rPr lang="en-US" altLang="zh-CN" sz="1900" b="1" dirty="0" smtClean="0">
-                <a:latin typeface="宋体" panose="02010600030101010101" pitchFamily="2" charset="-122"/>
-                <a:ea typeface="宋体" panose="02010600030101010101" pitchFamily="2" charset="-122"/>
+              <a:t>的变化，可以确定材料表面腐蚀产物的种类与类型。塔菲尔公 </a:t>
+            </a:r>
+            <a:r>
+              <a:rPr lang="zh-CN" altLang="en-US" dirty="0" smtClean="0">
+                <a:latin typeface="宋体" pitchFamily="2" charset="-122"/>
+                <a:ea typeface="宋体" pitchFamily="2" charset="-122"/>
               </a:rPr>
-              <a:t>(CRs)</a:t>
-            </a:r>
-            <a:r>
-              <a:rPr lang="zh-CN" altLang="en-US" sz="1900" b="1" dirty="0" smtClean="0">
-                <a:latin typeface="宋体" panose="02010600030101010101" pitchFamily="2" charset="-122"/>
-                <a:ea typeface="宋体" panose="02010600030101010101" pitchFamily="2" charset="-122"/>
+              <a:t>式</a:t>
+            </a:r>
+            <a:r>
+              <a:rPr lang="zh-CN" altLang="en-US" dirty="0" smtClean="0">
+                <a:latin typeface="宋体" pitchFamily="2" charset="-122"/>
+                <a:ea typeface="宋体" pitchFamily="2" charset="-122"/>
               </a:rPr>
-              <a:t>非常有用。然而，电化学腐蚀的热力学和动力学之间的关系非常弱。他们甚至不同意这在一定程度上阻碍了腐蚀的发展。为此文章提出了一种新的模型，设计了新合金的一套原则。</a:t>
-            </a:r>
-            <a:endParaRPr lang="en-US" altLang="zh-CN" sz="1900" b="1" dirty="0" smtClean="0">
-              <a:latin typeface="宋体" panose="02010600030101010101" pitchFamily="2" charset="-122"/>
-              <a:ea typeface="宋体" panose="02010600030101010101" pitchFamily="2" charset="-122"/>
+              <a:t>着重描述电极电位与电流密度之间的关系，是计算腐蚀速率的有力</a:t>
+            </a:r>
+            <a:r>
+              <a:rPr lang="zh-CN" altLang="en-US" dirty="0" smtClean="0">
+                <a:latin typeface="宋体" pitchFamily="2" charset="-122"/>
+                <a:ea typeface="宋体" pitchFamily="2" charset="-122"/>
+              </a:rPr>
+              <a:t>工具。</a:t>
+            </a:r>
+            <a:r>
+              <a:rPr lang="zh-CN" altLang="en-US" dirty="0" smtClean="0">
+                <a:latin typeface="宋体" pitchFamily="2" charset="-122"/>
+                <a:ea typeface="宋体" pitchFamily="2" charset="-122"/>
+              </a:rPr>
+              <a:t>但是长期以来， </a:t>
+            </a:r>
+            <a:r>
+              <a:rPr lang="zh-CN" altLang="en-US" dirty="0" smtClean="0">
+                <a:latin typeface="宋体" pitchFamily="2" charset="-122"/>
+                <a:ea typeface="宋体" pitchFamily="2" charset="-122"/>
+              </a:rPr>
+              <a:t>腐蚀</a:t>
+            </a:r>
+            <a:r>
+              <a:rPr lang="zh-CN" altLang="en-US" dirty="0" smtClean="0">
+                <a:latin typeface="宋体" pitchFamily="2" charset="-122"/>
+                <a:ea typeface="宋体" pitchFamily="2" charset="-122"/>
+              </a:rPr>
+              <a:t>电化学的热力学与动力学处于割裂的状态，从某种意义上说，这严重制约了腐蚀理论与 </a:t>
+            </a:r>
+            <a:r>
+              <a:rPr lang="zh-CN" altLang="en-US" dirty="0" smtClean="0">
+                <a:latin typeface="宋体" pitchFamily="2" charset="-122"/>
+                <a:ea typeface="宋体" pitchFamily="2" charset="-122"/>
+              </a:rPr>
+              <a:t>防腐蚀</a:t>
+            </a:r>
+            <a:r>
+              <a:rPr lang="zh-CN" altLang="en-US" dirty="0" smtClean="0">
+                <a:latin typeface="宋体" pitchFamily="2" charset="-122"/>
+                <a:ea typeface="宋体" pitchFamily="2" charset="-122"/>
+              </a:rPr>
+              <a:t>工程的发展</a:t>
+            </a:r>
+            <a:r>
+              <a:rPr lang="zh-CN" altLang="en-US" dirty="0" smtClean="0">
+                <a:latin typeface="宋体" pitchFamily="2" charset="-122"/>
+                <a:ea typeface="宋体" pitchFamily="2" charset="-122"/>
+              </a:rPr>
+              <a:t>。</a:t>
+            </a:r>
+            <a:r>
+              <a:rPr lang="zh-CN" altLang="en-US" dirty="0" smtClean="0">
+                <a:latin typeface="宋体" pitchFamily="2" charset="-122"/>
+                <a:ea typeface="宋体" pitchFamily="2" charset="-122"/>
+              </a:rPr>
+              <a:t>重点在于建立“溶解</a:t>
+            </a:r>
+            <a:r>
+              <a:rPr lang="en-US" altLang="zh-CN" dirty="0" smtClean="0">
+                <a:latin typeface="宋体" pitchFamily="2" charset="-122"/>
+                <a:ea typeface="宋体" pitchFamily="2" charset="-122"/>
+              </a:rPr>
+              <a:t>-</a:t>
+            </a:r>
+            <a:r>
+              <a:rPr lang="zh-CN" altLang="en-US" dirty="0" smtClean="0">
+                <a:latin typeface="宋体" pitchFamily="2" charset="-122"/>
+                <a:ea typeface="宋体" pitchFamily="2" charset="-122"/>
+              </a:rPr>
+              <a:t>电离</a:t>
+            </a:r>
+            <a:r>
+              <a:rPr lang="en-US" altLang="zh-CN" dirty="0" smtClean="0">
+                <a:latin typeface="宋体" pitchFamily="2" charset="-122"/>
+                <a:ea typeface="宋体" pitchFamily="2" charset="-122"/>
+              </a:rPr>
+              <a:t>-</a:t>
+            </a:r>
+            <a:r>
+              <a:rPr lang="zh-CN" altLang="en-US" dirty="0" smtClean="0">
+                <a:latin typeface="宋体" pitchFamily="2" charset="-122"/>
+                <a:ea typeface="宋体" pitchFamily="2" charset="-122"/>
+              </a:rPr>
+              <a:t>沉积”模型，打通腐蚀热力学和动力学之间</a:t>
+            </a:r>
+            <a:r>
+              <a:rPr lang="zh-CN" altLang="en-US" dirty="0" smtClean="0">
+                <a:latin typeface="宋体" pitchFamily="2" charset="-122"/>
+                <a:ea typeface="宋体" pitchFamily="2" charset="-122"/>
+              </a:rPr>
+              <a:t>的壁垒。</a:t>
+            </a:r>
+            <a:r>
+              <a:rPr lang="zh-CN" altLang="en-US" b="1" dirty="0" smtClean="0">
+                <a:latin typeface="宋体" pitchFamily="2" charset="-122"/>
+                <a:ea typeface="宋体" pitchFamily="2" charset="-122"/>
+              </a:rPr>
+              <a:t>为此</a:t>
+            </a:r>
+            <a:r>
+              <a:rPr lang="zh-CN" altLang="en-US" b="1" dirty="0" smtClean="0">
+                <a:latin typeface="宋体" pitchFamily="2" charset="-122"/>
+                <a:ea typeface="宋体" pitchFamily="2" charset="-122"/>
+              </a:rPr>
+              <a:t>文章提出了一种新的模型，设计了新合金的一套原则。</a:t>
+            </a:r>
+            <a:endParaRPr lang="en-US" altLang="zh-CN" b="1" dirty="0" smtClean="0">
+              <a:latin typeface="宋体" pitchFamily="2" charset="-122"/>
+              <a:ea typeface="宋体" pitchFamily="2" charset="-122"/>
             </a:endParaRPr>
           </a:p>
           <a:p>
@@ -17380,7 +15203,7 @@
         </p:nvSpPr>
         <p:spPr>
           <a:xfrm>
-            <a:off x="4280878" y="4379945"/>
+            <a:off x="4304324" y="3950098"/>
             <a:ext cx="2283967" cy="533480"/>
           </a:xfrm>
           <a:prstGeom prst="rect">
@@ -17395,18 +15218,18 @@
           <a:lstStyle/>
           <a:p>
             <a:r>
-              <a:rPr lang="en-US" altLang="zh-CN" sz="2700" b="1" dirty="0">
+              <a:rPr lang="zh-CN" altLang="en-US" sz="2700" b="1" dirty="0" smtClean="0">
                 <a:cs typeface="+mn-ea"/>
                 <a:sym typeface="+mn-lt"/>
               </a:rPr>
-              <a:t>1.2 </a:t>
+              <a:t>研究</a:t>
             </a:r>
             <a:r>
               <a:rPr lang="zh-CN" altLang="en-US" sz="2700" b="1" dirty="0">
                 <a:cs typeface="+mn-ea"/>
                 <a:sym typeface="+mn-lt"/>
               </a:rPr>
-              <a:t>研究目标</a:t>
+              <a:t>目标</a:t>
             </a:r>
           </a:p>
         </p:txBody>
@@ -17419,8 +15242,8 @@
         </p:nvSpPr>
         <p:spPr>
           <a:xfrm>
-            <a:off x="4459390" y="4924599"/>
-            <a:ext cx="7948511" cy="1326324"/>
+            <a:off x="4443759" y="4526014"/>
+            <a:ext cx="7599749" cy="1616878"/>
           </a:xfrm>
           <a:prstGeom prst="rect">
             <a:avLst/>
@@ -17614,69 +15437,90 @@
               <a:t>   </a:t>
             </a:r>
             <a:r>
-              <a:rPr lang="zh-CN" altLang="en-US" sz="1900" b="1" dirty="0" smtClean="0">
+              <a:rPr lang="zh-CN" altLang="en-US" dirty="0" smtClean="0">
                 <a:latin typeface="宋体" panose="02010600030101010101" pitchFamily="2" charset="-122"/>
                 <a:ea typeface="宋体" panose="02010600030101010101" pitchFamily="2" charset="-122"/>
               </a:rPr>
               <a:t>提出的模型在描述金属</a:t>
             </a:r>
             <a:r>
-              <a:rPr lang="en-US" altLang="zh-CN" sz="1900" b="1" dirty="0" smtClean="0">
+              <a:rPr lang="en-US" altLang="zh-CN" dirty="0" smtClean="0">
                 <a:latin typeface="宋体" panose="02010600030101010101" pitchFamily="2" charset="-122"/>
                 <a:ea typeface="宋体" panose="02010600030101010101" pitchFamily="2" charset="-122"/>
               </a:rPr>
               <a:t>/</a:t>
             </a:r>
             <a:r>
-              <a:rPr lang="zh-CN" altLang="en-US" sz="1900" b="1" dirty="0" smtClean="0">
+              <a:rPr lang="zh-CN" altLang="en-US" dirty="0" smtClean="0">
                 <a:latin typeface="宋体" panose="02010600030101010101" pitchFamily="2" charset="-122"/>
                 <a:ea typeface="宋体" panose="02010600030101010101" pitchFamily="2" charset="-122"/>
               </a:rPr>
               <a:t>溶液中复杂的溶解</a:t>
             </a:r>
             <a:r>
-              <a:rPr lang="en-US" altLang="zh-CN" sz="1900" b="1" dirty="0" smtClean="0">
+              <a:rPr lang="en-US" altLang="zh-CN" dirty="0" smtClean="0">
                 <a:latin typeface="宋体" panose="02010600030101010101" pitchFamily="2" charset="-122"/>
                 <a:ea typeface="宋体" panose="02010600030101010101" pitchFamily="2" charset="-122"/>
               </a:rPr>
               <a:t>-</a:t>
             </a:r>
             <a:r>
-              <a:rPr lang="zh-CN" altLang="en-US" sz="1900" b="1" dirty="0" smtClean="0">
+              <a:rPr lang="zh-CN" altLang="en-US" dirty="0" smtClean="0">
                 <a:latin typeface="宋体" panose="02010600030101010101" pitchFamily="2" charset="-122"/>
                 <a:ea typeface="宋体" panose="02010600030101010101" pitchFamily="2" charset="-122"/>
               </a:rPr>
               <a:t>电离</a:t>
             </a:r>
             <a:r>
-              <a:rPr lang="en-US" altLang="zh-CN" sz="1900" b="1" dirty="0" smtClean="0">
+              <a:rPr lang="en-US" altLang="zh-CN" dirty="0" smtClean="0">
                 <a:latin typeface="宋体" panose="02010600030101010101" pitchFamily="2" charset="-122"/>
                 <a:ea typeface="宋体" panose="02010600030101010101" pitchFamily="2" charset="-122"/>
               </a:rPr>
               <a:t>-</a:t>
             </a:r>
             <a:r>
-              <a:rPr lang="zh-CN" altLang="en-US" sz="1900" b="1" dirty="0" smtClean="0">
+              <a:rPr lang="zh-CN" altLang="en-US" dirty="0" smtClean="0">
                 <a:latin typeface="宋体" panose="02010600030101010101" pitchFamily="2" charset="-122"/>
                 <a:ea typeface="宋体" panose="02010600030101010101" pitchFamily="2" charset="-122"/>
               </a:rPr>
               <a:t>扩散</a:t>
             </a:r>
             <a:r>
-              <a:rPr lang="en-US" altLang="zh-CN" sz="1900" b="1" dirty="0" smtClean="0">
+              <a:rPr lang="en-US" altLang="zh-CN" dirty="0" smtClean="0">
                 <a:latin typeface="宋体" panose="02010600030101010101" pitchFamily="2" charset="-122"/>
                 <a:ea typeface="宋体" panose="02010600030101010101" pitchFamily="2" charset="-122"/>
               </a:rPr>
               <a:t>-</a:t>
             </a:r>
             <a:r>
-              <a:rPr lang="zh-CN" altLang="en-US" sz="1900" b="1" dirty="0" smtClean="0">
+              <a:rPr lang="zh-CN" altLang="en-US" dirty="0" smtClean="0">
                 <a:latin typeface="宋体" panose="02010600030101010101" pitchFamily="2" charset="-122"/>
                 <a:ea typeface="宋体" panose="02010600030101010101" pitchFamily="2" charset="-122"/>
               </a:rPr>
-              <a:t>沉积过程中有很多未知参数需要确定，且这些参数对最后结果有着很大的影响，同时这些参数的区间比较大，且对于不同合金组合的不同合金不同参数有着不同的影响，所以使用强化学习对参数优化迫在眉睫</a:t>
-            </a:r>
-            <a:endParaRPr lang="en-US" altLang="zh-CN" sz="1900" b="1" dirty="0">
+              <a:t>沉积过程中有很多未知参数需要确定，且这些参数对最后结果有着很大的影响，同时这些参数的区间比较大</a:t>
+            </a:r>
+            <a:r>
+              <a:rPr lang="zh-CN" altLang="en-US" dirty="0" smtClean="0">
+                <a:latin typeface="宋体" panose="02010600030101010101" pitchFamily="2" charset="-122"/>
+                <a:ea typeface="宋体" panose="02010600030101010101" pitchFamily="2" charset="-122"/>
+              </a:rPr>
+              <a:t>，组合较多。且</a:t>
+            </a:r>
+            <a:r>
+              <a:rPr lang="zh-CN" altLang="en-US" dirty="0" smtClean="0">
+                <a:latin typeface="宋体" panose="02010600030101010101" pitchFamily="2" charset="-122"/>
+                <a:ea typeface="宋体" panose="02010600030101010101" pitchFamily="2" charset="-122"/>
+              </a:rPr>
+              <a:t>对于不同合金组合的不同合金不同参数有着不同的影响，所以使用强化学习对参数优化</a:t>
+            </a:r>
+            <a:r>
+              <a:rPr lang="zh-CN" altLang="en-US" dirty="0" smtClean="0">
+                <a:latin typeface="宋体" panose="02010600030101010101" pitchFamily="2" charset="-122"/>
+                <a:ea typeface="宋体" panose="02010600030101010101" pitchFamily="2" charset="-122"/>
+              </a:rPr>
+              <a:t>迫在眉睫。</a:t>
+            </a:r>
+            <a:endParaRPr lang="en-US" altLang="zh-CN" dirty="0">
               <a:latin typeface="宋体" panose="02010600030101010101" pitchFamily="2" charset="-122"/>
               <a:ea typeface="宋体" panose="02010600030101010101" pitchFamily="2" charset="-122"/>
             </a:endParaRPr>
@@ -17961,8 +15805,8 @@
         </p:nvSpPr>
         <p:spPr>
           <a:xfrm>
-            <a:off x="187922" y="4649936"/>
-            <a:ext cx="11882537" cy="1967264"/>
+            <a:off x="187922" y="4626490"/>
+            <a:ext cx="9979893" cy="1967264"/>
           </a:xfrm>
           <a:prstGeom prst="rect">
             <a:avLst/>
@@ -18016,7 +15860,7 @@
         </p:nvSpPr>
         <p:spPr>
           <a:xfrm>
-            <a:off x="187922" y="2851643"/>
+            <a:off x="226999" y="2851643"/>
             <a:ext cx="9935207" cy="1643851"/>
           </a:xfrm>
           <a:prstGeom prst="rect">
@@ -18105,7 +15949,7 @@
           <a:lstStyle/>
           <a:p>
             <a:pPr algn="ctr"/>
-            <a:endParaRPr lang="zh-CN" altLang="en-US" dirty="0">
+            <a:endParaRPr lang="zh-CN" altLang="en-US" sz="1600" dirty="0">
               <a:ln>
                 <a:solidFill>
                   <a:schemeClr val="accent1"/>
@@ -18187,251 +16031,16 @@
           </a:prstGeom>
         </p:spPr>
       </p:pic>
-      <p:pic>
-        <p:nvPicPr>
-          <p:cNvPr id="4" name="图片 3"/>
-          <p:cNvPicPr>
-            <a:picLocks noChangeAspect="1"/>
-          </p:cNvPicPr>
-          <p:nvPr/>
-        </p:nvPicPr>
-        <p:blipFill>
-          <a:blip r:embed="rId4" cstate="print">
-            <a:extLst>
-              <a:ext uri="{28A0092B-C50C-407E-A947-70E740481C1C}">
-                <a14:useLocalDpi xmlns:a14="http://schemas.microsoft.com/office/drawing/2010/main" xmlns="" val="0"/>
-              </a:ext>
-            </a:extLst>
-          </a:blip>
-          <a:stretch>
-            <a:fillRect/>
-          </a:stretch>
-        </p:blipFill>
-        <p:spPr>
-          <a:xfrm>
-            <a:off x="958014" y="1499326"/>
-            <a:ext cx="633785" cy="422524"/>
-          </a:xfrm>
-          <a:prstGeom prst="rect">
-            <a:avLst/>
-          </a:prstGeom>
-        </p:spPr>
-      </p:pic>
-      <p:pic>
-        <p:nvPicPr>
-          <p:cNvPr id="10" name="图片 9"/>
-          <p:cNvPicPr>
-            <a:picLocks noChangeAspect="1"/>
-          </p:cNvPicPr>
-          <p:nvPr/>
-        </p:nvPicPr>
-        <p:blipFill>
-          <a:blip r:embed="rId5" cstate="print">
-            <a:extLst>
-              <a:ext uri="{28A0092B-C50C-407E-A947-70E740481C1C}">
-                <a14:useLocalDpi xmlns:a14="http://schemas.microsoft.com/office/drawing/2010/main" xmlns="" val="0"/>
-              </a:ext>
-            </a:extLst>
-          </a:blip>
-          <a:stretch>
-            <a:fillRect/>
-          </a:stretch>
-        </p:blipFill>
-        <p:spPr>
-          <a:xfrm flipH="1">
-            <a:off x="1178760" y="1030953"/>
-            <a:ext cx="633785" cy="422523"/>
-          </a:xfrm>
-          <a:prstGeom prst="rect">
-            <a:avLst/>
-          </a:prstGeom>
-        </p:spPr>
-      </p:pic>
-      <p:pic>
-        <p:nvPicPr>
-          <p:cNvPr id="12" name="图片 11"/>
-          <p:cNvPicPr>
-            <a:picLocks noChangeAspect="1"/>
-          </p:cNvPicPr>
-          <p:nvPr/>
-        </p:nvPicPr>
-        <p:blipFill>
-          <a:blip r:embed="rId6" cstate="print">
-            <a:extLst>
-              <a:ext uri="{28A0092B-C50C-407E-A947-70E740481C1C}">
-                <a14:useLocalDpi xmlns:a14="http://schemas.microsoft.com/office/drawing/2010/main" xmlns="" val="0"/>
-              </a:ext>
-            </a:extLst>
-          </a:blip>
-          <a:stretch>
-            <a:fillRect/>
-          </a:stretch>
-        </p:blipFill>
-        <p:spPr>
-          <a:xfrm>
-            <a:off x="1533021" y="1276101"/>
-            <a:ext cx="633787" cy="422524"/>
-          </a:xfrm>
-          <a:prstGeom prst="rect">
-            <a:avLst/>
-          </a:prstGeom>
-        </p:spPr>
-      </p:pic>
-      <p:pic>
-        <p:nvPicPr>
-          <p:cNvPr id="14" name="图片 13"/>
-          <p:cNvPicPr>
-            <a:picLocks noChangeAspect="1"/>
-          </p:cNvPicPr>
-          <p:nvPr/>
-        </p:nvPicPr>
-        <p:blipFill>
-          <a:blip r:embed="rId7" cstate="print">
-            <a:extLst>
-              <a:ext uri="{28A0092B-C50C-407E-A947-70E740481C1C}">
-                <a14:useLocalDpi xmlns:a14="http://schemas.microsoft.com/office/drawing/2010/main" xmlns="" val="0"/>
-              </a:ext>
-            </a:extLst>
-          </a:blip>
-          <a:stretch>
-            <a:fillRect/>
-          </a:stretch>
-        </p:blipFill>
-        <p:spPr>
-          <a:xfrm>
-            <a:off x="1874011" y="1758563"/>
-            <a:ext cx="669668" cy="446445"/>
-          </a:xfrm>
-          <a:prstGeom prst="rect">
-            <a:avLst/>
-          </a:prstGeom>
-        </p:spPr>
-      </p:pic>
-      <p:pic>
-        <p:nvPicPr>
-          <p:cNvPr id="16" name="图片 15"/>
-          <p:cNvPicPr>
-            <a:picLocks noChangeAspect="1"/>
-          </p:cNvPicPr>
-          <p:nvPr/>
-        </p:nvPicPr>
-        <p:blipFill>
-          <a:blip r:embed="rId8" cstate="print">
-            <a:extLst>
-              <a:ext uri="{28A0092B-C50C-407E-A947-70E740481C1C}">
-                <a14:useLocalDpi xmlns:a14="http://schemas.microsoft.com/office/drawing/2010/main" xmlns="" val="0"/>
-              </a:ext>
-            </a:extLst>
-          </a:blip>
-          <a:stretch>
-            <a:fillRect/>
-          </a:stretch>
-        </p:blipFill>
-        <p:spPr>
-          <a:xfrm>
-            <a:off x="1968467" y="1070562"/>
-            <a:ext cx="669668" cy="446445"/>
-          </a:xfrm>
-          <a:prstGeom prst="rect">
-            <a:avLst/>
-          </a:prstGeom>
-        </p:spPr>
-      </p:pic>
-      <p:pic>
-        <p:nvPicPr>
-          <p:cNvPr id="18" name="图片 17"/>
-          <p:cNvPicPr>
-            <a:picLocks noChangeAspect="1"/>
-          </p:cNvPicPr>
-          <p:nvPr/>
-        </p:nvPicPr>
-        <p:blipFill>
-          <a:blip r:embed="rId9" cstate="print">
-            <a:extLst>
-              <a:ext uri="{28A0092B-C50C-407E-A947-70E740481C1C}">
-                <a14:useLocalDpi xmlns:a14="http://schemas.microsoft.com/office/drawing/2010/main" xmlns="" val="0"/>
-              </a:ext>
-            </a:extLst>
-          </a:blip>
-          <a:stretch>
-            <a:fillRect/>
-          </a:stretch>
-        </p:blipFill>
-        <p:spPr>
-          <a:xfrm>
-            <a:off x="1178757" y="1742167"/>
-            <a:ext cx="633787" cy="422524"/>
-          </a:xfrm>
-          <a:prstGeom prst="rect">
-            <a:avLst/>
-          </a:prstGeom>
-        </p:spPr>
-      </p:pic>
-      <p:pic>
-        <p:nvPicPr>
-          <p:cNvPr id="20" name="图片 19"/>
-          <p:cNvPicPr>
-            <a:picLocks noChangeAspect="1"/>
-          </p:cNvPicPr>
-          <p:nvPr/>
-        </p:nvPicPr>
-        <p:blipFill>
-          <a:blip r:embed="rId10" cstate="print">
-            <a:extLst>
-              <a:ext uri="{28A0092B-C50C-407E-A947-70E740481C1C}">
-                <a14:useLocalDpi xmlns:a14="http://schemas.microsoft.com/office/drawing/2010/main" xmlns="" val="0"/>
-              </a:ext>
-            </a:extLst>
-          </a:blip>
-          <a:stretch>
-            <a:fillRect/>
-          </a:stretch>
-        </p:blipFill>
-        <p:spPr>
-          <a:xfrm>
-            <a:off x="2171308" y="1381697"/>
-            <a:ext cx="633787" cy="422524"/>
-          </a:xfrm>
-          <a:prstGeom prst="rect">
-            <a:avLst/>
-          </a:prstGeom>
-        </p:spPr>
-      </p:pic>
-      <p:pic>
-        <p:nvPicPr>
-          <p:cNvPr id="21" name="图片 20"/>
-          <p:cNvPicPr>
-            <a:picLocks noChangeAspect="1"/>
-          </p:cNvPicPr>
-          <p:nvPr/>
-        </p:nvPicPr>
-        <p:blipFill rotWithShape="1">
-          <a:blip r:embed="rId11"/>
-          <a:srcRect t="29334"/>
-          <a:stretch>
-            <a:fillRect/>
-          </a:stretch>
-        </p:blipFill>
-        <p:spPr>
-          <a:xfrm>
-            <a:off x="3670120" y="1285987"/>
-            <a:ext cx="1416753" cy="667443"/>
-          </a:xfrm>
-          <a:prstGeom prst="rect">
-            <a:avLst/>
-          </a:prstGeom>
-        </p:spPr>
-      </p:pic>
       <p:sp>
         <p:nvSpPr>
-          <p:cNvPr id="23" name="Rectangle 99"/>
+          <p:cNvPr id="38" name="Rectangle 99"/>
           <p:cNvSpPr/>
           <p:nvPr/>
         </p:nvSpPr>
         <p:spPr>
           <a:xfrm>
-            <a:off x="3100032" y="2050354"/>
-            <a:ext cx="2343489" cy="969476"/>
+            <a:off x="3060807" y="3211456"/>
+            <a:ext cx="1662025" cy="791607"/>
           </a:xfrm>
           <a:prstGeom prst="rect">
             <a:avLst/>
@@ -18450,77 +16059,29 @@
               <a:buNone/>
             </a:pPr>
             <a:r>
-              <a:rPr lang="zh-CN" altLang="en-US" sz="1900" b="1" dirty="0">
+              <a:rPr lang="zh-CN" altLang="en-US" sz="1600" dirty="0" smtClean="0">
                 <a:cs typeface="+mn-ea"/>
                 <a:sym typeface="+mn-lt"/>
               </a:rPr>
-              <a:t>图像特征提取、匹配</a:t>
-            </a:r>
-            <a:endParaRPr lang="en-US" altLang="zh-CN" sz="1900" b="1" dirty="0">
+              <a:t>输入参数之后进行退火处理</a:t>
+            </a:r>
+            <a:endParaRPr lang="en-US" altLang="zh-CN" sz="1600" dirty="0">
               <a:cs typeface="+mn-ea"/>
               <a:sym typeface="+mn-lt"/>
             </a:endParaRPr>
           </a:p>
         </p:txBody>
       </p:sp>
-      <p:pic>
-        <p:nvPicPr>
-          <p:cNvPr id="25" name="图片 24"/>
-          <p:cNvPicPr>
-            <a:picLocks noChangeAspect="1"/>
-          </p:cNvPicPr>
-          <p:nvPr/>
-        </p:nvPicPr>
-        <p:blipFill>
-          <a:blip r:embed="rId12" cstate="print"/>
-          <a:stretch>
-            <a:fillRect/>
-          </a:stretch>
-        </p:blipFill>
-        <p:spPr>
-          <a:xfrm>
-            <a:off x="6048463" y="1204855"/>
-            <a:ext cx="1409093" cy="872485"/>
-          </a:xfrm>
-          <a:prstGeom prst="rect">
-            <a:avLst/>
-          </a:prstGeom>
-        </p:spPr>
-      </p:pic>
-      <p:pic>
-        <p:nvPicPr>
-          <p:cNvPr id="27" name="图片 26"/>
-          <p:cNvPicPr>
-            <a:picLocks noChangeAspect="1"/>
-          </p:cNvPicPr>
-          <p:nvPr/>
-        </p:nvPicPr>
-        <p:blipFill>
-          <a:blip r:embed="rId13" cstate="print"/>
-          <a:stretch>
-            <a:fillRect/>
-          </a:stretch>
-        </p:blipFill>
-        <p:spPr>
-          <a:xfrm>
-            <a:off x="8419147" y="1168673"/>
-            <a:ext cx="1302796" cy="992247"/>
-          </a:xfrm>
-          <a:prstGeom prst="rect">
-            <a:avLst/>
-          </a:prstGeom>
-        </p:spPr>
-      </p:pic>
       <p:sp>
         <p:nvSpPr>
-          <p:cNvPr id="31" name="Rectangle 99"/>
+          <p:cNvPr id="43" name="Rectangle 99"/>
           <p:cNvSpPr/>
           <p:nvPr/>
         </p:nvSpPr>
         <p:spPr>
           <a:xfrm>
-            <a:off x="5779216" y="2038814"/>
-            <a:ext cx="2062527" cy="530894"/>
+            <a:off x="878187" y="3050037"/>
+            <a:ext cx="1223065" cy="1200308"/>
           </a:xfrm>
           <a:prstGeom prst="rect">
             <a:avLst/>
@@ -18539,27 +16100,13 @@
               <a:buNone/>
             </a:pPr>
             <a:r>
-              <a:rPr lang="zh-CN" altLang="en-US" sz="1900" b="1" dirty="0">
+              <a:rPr lang="zh-CN" altLang="en-US" sz="1600" dirty="0" smtClean="0">
                 <a:cs typeface="+mn-ea"/>
                 <a:sym typeface="+mn-lt"/>
               </a:rPr>
-              <a:t>稀疏重建（</a:t>
-            </a:r>
-            <a:r>
-              <a:rPr lang="en-US" altLang="zh-CN" sz="1900" b="1" dirty="0" err="1">
-                <a:cs typeface="+mn-ea"/>
-                <a:sym typeface="+mn-lt"/>
-              </a:rPr>
-              <a:t>SfM</a:t>
-            </a:r>
-            <a:r>
-              <a:rPr lang="zh-CN" altLang="en-US" sz="1900" b="1" dirty="0">
-                <a:cs typeface="+mn-ea"/>
-                <a:sym typeface="+mn-lt"/>
-              </a:rPr>
-              <a:t>）</a:t>
-            </a:r>
-            <a:endParaRPr lang="en-US" altLang="zh-CN" sz="1900" b="1" dirty="0">
+              <a:t>确定所需参数并调整最大值</a:t>
+            </a:r>
+            <a:endParaRPr lang="en-US" altLang="zh-CN" sz="1600" dirty="0">
               <a:cs typeface="+mn-ea"/>
               <a:sym typeface="+mn-lt"/>
             </a:endParaRPr>
@@ -18568,14 +16115,14 @@
       </p:sp>
       <p:sp>
         <p:nvSpPr>
-          <p:cNvPr id="32" name="Rectangle 99"/>
+          <p:cNvPr id="46" name="Rectangle 99"/>
           <p:cNvSpPr/>
           <p:nvPr/>
         </p:nvSpPr>
         <p:spPr>
           <a:xfrm>
-            <a:off x="8034212" y="2062801"/>
-            <a:ext cx="1992243" cy="530894"/>
+            <a:off x="5477938" y="3213076"/>
+            <a:ext cx="1848221" cy="791607"/>
           </a:xfrm>
           <a:prstGeom prst="rect">
             <a:avLst/>
@@ -18594,647 +16141,13 @@
               <a:buNone/>
             </a:pPr>
             <a:r>
-              <a:rPr lang="zh-CN" altLang="en-US" sz="1900" b="1" dirty="0">
+              <a:rPr lang="zh-CN" altLang="en-US" sz="1600" dirty="0" smtClean="0">
                 <a:cs typeface="+mn-ea"/>
                 <a:sym typeface="+mn-lt"/>
               </a:rPr>
-              <a:t>稠密重建（</a:t>
-            </a:r>
-            <a:r>
-              <a:rPr lang="en-US" altLang="zh-CN" sz="1900" b="1" dirty="0">
-                <a:cs typeface="+mn-ea"/>
-                <a:sym typeface="+mn-lt"/>
-              </a:rPr>
-              <a:t>MVS</a:t>
-            </a:r>
-            <a:r>
-              <a:rPr lang="zh-CN" altLang="en-US" sz="1900" b="1" dirty="0">
-                <a:cs typeface="+mn-ea"/>
-                <a:sym typeface="+mn-lt"/>
-              </a:rPr>
-              <a:t>）</a:t>
-            </a:r>
-            <a:endParaRPr lang="en-US" altLang="zh-CN" sz="1900" b="1" dirty="0">
-              <a:cs typeface="+mn-ea"/>
-              <a:sym typeface="+mn-lt"/>
-            </a:endParaRPr>
-          </a:p>
-        </p:txBody>
-      </p:sp>
-      <p:pic>
-        <p:nvPicPr>
-          <p:cNvPr id="34" name="图片 33"/>
-          <p:cNvPicPr>
-            <a:picLocks noChangeAspect="1"/>
-          </p:cNvPicPr>
-          <p:nvPr/>
-        </p:nvPicPr>
-        <p:blipFill>
-          <a:blip r:embed="rId14" cstate="print"/>
-          <a:stretch>
-            <a:fillRect/>
-          </a:stretch>
-        </p:blipFill>
-        <p:spPr>
-          <a:xfrm>
-            <a:off x="10467706" y="2749834"/>
-            <a:ext cx="1602753" cy="1088591"/>
-          </a:xfrm>
-          <a:prstGeom prst="rect">
-            <a:avLst/>
-          </a:prstGeom>
-        </p:spPr>
-      </p:pic>
-      <p:pic>
-        <p:nvPicPr>
-          <p:cNvPr id="36" name="图片 35"/>
-          <p:cNvPicPr>
-            <a:picLocks noChangeAspect="1"/>
-          </p:cNvPicPr>
-          <p:nvPr/>
-        </p:nvPicPr>
-        <p:blipFill rotWithShape="1">
-          <a:blip r:embed="rId15" cstate="print"/>
-          <a:srcRect l="12605"/>
-          <a:stretch>
-            <a:fillRect/>
-          </a:stretch>
-        </p:blipFill>
-        <p:spPr>
-          <a:xfrm>
-            <a:off x="850135" y="3182644"/>
-            <a:ext cx="1218400" cy="746525"/>
-          </a:xfrm>
-          <a:prstGeom prst="rect">
-            <a:avLst/>
-          </a:prstGeom>
-        </p:spPr>
-      </p:pic>
-      <p:sp>
-        <p:nvSpPr>
-          <p:cNvPr id="38" name="Rectangle 99"/>
-          <p:cNvSpPr/>
-          <p:nvPr/>
-        </p:nvSpPr>
-        <p:spPr>
-          <a:xfrm>
-            <a:off x="3021730" y="3821057"/>
-            <a:ext cx="1662025" cy="530894"/>
-          </a:xfrm>
-          <a:prstGeom prst="rect">
-            <a:avLst/>
-          </a:prstGeom>
-        </p:spPr>
-        <p:txBody>
-          <a:bodyPr wrap="square" lIns="91420" tIns="45710" rIns="91420" bIns="45710">
-            <a:spAutoFit/>
-          </a:bodyPr>
-          <a:lstStyle/>
-          <a:p>
-            <a:pPr>
-              <a:lnSpc>
-                <a:spcPct val="150000"/>
-              </a:lnSpc>
-              <a:buNone/>
-            </a:pPr>
-            <a:r>
-              <a:rPr lang="zh-CN" altLang="en-US" sz="1900" b="1" dirty="0">
-                <a:cs typeface="+mn-ea"/>
-                <a:sym typeface="+mn-lt"/>
-              </a:rPr>
-              <a:t>空间变换网络</a:t>
-            </a:r>
-            <a:endParaRPr lang="en-US" altLang="zh-CN" sz="1900" b="1" dirty="0">
-              <a:cs typeface="+mn-ea"/>
-              <a:sym typeface="+mn-lt"/>
-            </a:endParaRPr>
-          </a:p>
-        </p:txBody>
-      </p:sp>
-      <p:sp>
-        <p:nvSpPr>
-          <p:cNvPr id="43" name="Rectangle 99"/>
-          <p:cNvSpPr/>
-          <p:nvPr/>
-        </p:nvSpPr>
-        <p:spPr>
-          <a:xfrm>
-            <a:off x="815664" y="3815945"/>
-            <a:ext cx="1223065" cy="530894"/>
-          </a:xfrm>
-          <a:prstGeom prst="rect">
-            <a:avLst/>
-          </a:prstGeom>
-        </p:spPr>
-        <p:txBody>
-          <a:bodyPr wrap="square" lIns="91420" tIns="45710" rIns="91420" bIns="45710">
-            <a:spAutoFit/>
-          </a:bodyPr>
-          <a:lstStyle/>
-          <a:p>
-            <a:pPr>
-              <a:lnSpc>
-                <a:spcPct val="150000"/>
-              </a:lnSpc>
-              <a:buNone/>
-            </a:pPr>
-            <a:r>
-              <a:rPr lang="zh-CN" altLang="en-US" sz="1900" b="1" dirty="0">
-                <a:cs typeface="+mn-ea"/>
-                <a:sym typeface="+mn-lt"/>
-              </a:rPr>
-              <a:t>输入点云</a:t>
-            </a:r>
-            <a:endParaRPr lang="en-US" altLang="zh-CN" sz="1900" b="1" dirty="0">
-              <a:cs typeface="+mn-ea"/>
-              <a:sym typeface="+mn-lt"/>
-            </a:endParaRPr>
-          </a:p>
-        </p:txBody>
-      </p:sp>
-      <p:pic>
-        <p:nvPicPr>
-          <p:cNvPr id="45" name="图片 44"/>
-          <p:cNvPicPr>
-            <a:picLocks noChangeAspect="1"/>
-          </p:cNvPicPr>
-          <p:nvPr/>
-        </p:nvPicPr>
-        <p:blipFill>
-          <a:blip r:embed="rId16" cstate="print"/>
-          <a:stretch>
-            <a:fillRect/>
-          </a:stretch>
-        </p:blipFill>
-        <p:spPr>
-          <a:xfrm>
-            <a:off x="5770397" y="3115743"/>
-            <a:ext cx="1639660" cy="823951"/>
-          </a:xfrm>
-          <a:prstGeom prst="rect">
-            <a:avLst/>
-          </a:prstGeom>
-        </p:spPr>
-      </p:pic>
-      <p:sp>
-        <p:nvSpPr>
-          <p:cNvPr id="46" name="Rectangle 99"/>
-          <p:cNvSpPr/>
-          <p:nvPr/>
-        </p:nvSpPr>
-        <p:spPr>
-          <a:xfrm>
-            <a:off x="5610799" y="3822677"/>
-            <a:ext cx="1848221" cy="969476"/>
-          </a:xfrm>
-          <a:prstGeom prst="rect">
-            <a:avLst/>
-          </a:prstGeom>
-        </p:spPr>
-        <p:txBody>
-          <a:bodyPr wrap="square" lIns="91420" tIns="45710" rIns="91420" bIns="45710">
-            <a:spAutoFit/>
-          </a:bodyPr>
-          <a:lstStyle/>
-          <a:p>
-            <a:pPr>
-              <a:lnSpc>
-                <a:spcPct val="150000"/>
-              </a:lnSpc>
-              <a:buNone/>
-            </a:pPr>
-            <a:r>
-              <a:rPr lang="zh-CN" altLang="en-US" sz="1900" b="1" dirty="0">
-                <a:cs typeface="+mn-ea"/>
-                <a:sym typeface="+mn-lt"/>
-              </a:rPr>
-              <a:t>特征提取与融合</a:t>
-            </a:r>
-            <a:endParaRPr lang="en-US" altLang="zh-CN" sz="1900" b="1" dirty="0">
-              <a:cs typeface="+mn-ea"/>
-              <a:sym typeface="+mn-lt"/>
-            </a:endParaRPr>
-          </a:p>
-        </p:txBody>
-      </p:sp>
-      <p:pic>
-        <p:nvPicPr>
-          <p:cNvPr id="60" name="图片 59"/>
-          <p:cNvPicPr>
-            <a:picLocks noChangeAspect="1"/>
-          </p:cNvPicPr>
-          <p:nvPr/>
-        </p:nvPicPr>
-        <p:blipFill>
-          <a:blip r:embed="rId17" cstate="print"/>
-          <a:stretch>
-            <a:fillRect/>
-          </a:stretch>
-        </p:blipFill>
-        <p:spPr>
-          <a:xfrm>
-            <a:off x="3004470" y="3271803"/>
-            <a:ext cx="1782925" cy="636563"/>
-          </a:xfrm>
-          <a:prstGeom prst="rect">
-            <a:avLst/>
-          </a:prstGeom>
-        </p:spPr>
-      </p:pic>
-      <p:pic>
-        <p:nvPicPr>
-          <p:cNvPr id="63" name="图片 62"/>
-          <p:cNvPicPr>
-            <a:picLocks noChangeAspect="1"/>
-          </p:cNvPicPr>
-          <p:nvPr/>
-        </p:nvPicPr>
-        <p:blipFill>
-          <a:blip r:embed="rId18" cstate="print"/>
-          <a:stretch>
-            <a:fillRect/>
-          </a:stretch>
-        </p:blipFill>
-        <p:spPr>
-          <a:xfrm>
-            <a:off x="8109687" y="3225954"/>
-            <a:ext cx="1916768" cy="774999"/>
-          </a:xfrm>
-          <a:prstGeom prst="rect">
-            <a:avLst/>
-          </a:prstGeom>
-        </p:spPr>
-      </p:pic>
-      <p:sp>
-        <p:nvSpPr>
-          <p:cNvPr id="4096" name="Rectangle 99"/>
-          <p:cNvSpPr/>
-          <p:nvPr/>
-        </p:nvSpPr>
-        <p:spPr>
-          <a:xfrm>
-            <a:off x="8489257" y="3866945"/>
-            <a:ext cx="1230311" cy="530894"/>
-          </a:xfrm>
-          <a:prstGeom prst="rect">
-            <a:avLst/>
-          </a:prstGeom>
-        </p:spPr>
-        <p:txBody>
-          <a:bodyPr wrap="square" lIns="91420" tIns="45710" rIns="91420" bIns="45710">
-            <a:spAutoFit/>
-          </a:bodyPr>
-          <a:lstStyle/>
-          <a:p>
-            <a:pPr>
-              <a:lnSpc>
-                <a:spcPct val="150000"/>
-              </a:lnSpc>
-              <a:buNone/>
-            </a:pPr>
-            <a:r>
-              <a:rPr lang="zh-CN" altLang="en-US" sz="1900" b="1" dirty="0">
-                <a:cs typeface="+mn-ea"/>
-                <a:sym typeface="+mn-lt"/>
-              </a:rPr>
-              <a:t>点云分割</a:t>
-            </a:r>
-            <a:endParaRPr lang="en-US" altLang="zh-CN" sz="1900" b="1" dirty="0">
-              <a:cs typeface="+mn-ea"/>
-              <a:sym typeface="+mn-lt"/>
-            </a:endParaRPr>
-          </a:p>
-        </p:txBody>
-      </p:sp>
-      <p:sp>
-        <p:nvSpPr>
-          <p:cNvPr id="4099" name="Rectangle 99"/>
-          <p:cNvSpPr/>
-          <p:nvPr/>
-        </p:nvSpPr>
-        <p:spPr>
-          <a:xfrm>
-            <a:off x="10540489" y="3773242"/>
-            <a:ext cx="1602753" cy="677088"/>
-          </a:xfrm>
-          <a:prstGeom prst="rect">
-            <a:avLst/>
-          </a:prstGeom>
-        </p:spPr>
-        <p:txBody>
-          <a:bodyPr wrap="square" lIns="91420" tIns="45710" rIns="91420" bIns="45710">
-            <a:spAutoFit/>
-          </a:bodyPr>
-          <a:lstStyle/>
-          <a:p>
-            <a:pPr>
-              <a:buNone/>
-            </a:pPr>
-            <a:r>
-              <a:rPr lang="zh-CN" altLang="en-US" sz="1900" b="1" dirty="0">
-                <a:cs typeface="+mn-ea"/>
-                <a:sym typeface="+mn-lt"/>
-              </a:rPr>
-              <a:t>网格化处理</a:t>
-            </a:r>
-            <a:endParaRPr lang="en-US" altLang="zh-CN" sz="1900" b="1" dirty="0">
-              <a:cs typeface="+mn-ea"/>
-              <a:sym typeface="+mn-lt"/>
-            </a:endParaRPr>
-          </a:p>
-          <a:p>
-            <a:pPr>
-              <a:buNone/>
-            </a:pPr>
-            <a:r>
-              <a:rPr lang="zh-CN" altLang="en-US" sz="1900" b="1" dirty="0">
-                <a:cs typeface="+mn-ea"/>
-                <a:sym typeface="+mn-lt"/>
-              </a:rPr>
-              <a:t>  纹理映射</a:t>
-            </a:r>
-            <a:endParaRPr lang="en-US" altLang="zh-CN" sz="1900" b="1" dirty="0">
-              <a:cs typeface="+mn-ea"/>
-              <a:sym typeface="+mn-lt"/>
-            </a:endParaRPr>
-          </a:p>
-        </p:txBody>
-      </p:sp>
-      <p:pic>
-        <p:nvPicPr>
-          <p:cNvPr id="4103" name="图片 4102"/>
-          <p:cNvPicPr>
-            <a:picLocks noChangeAspect="1"/>
-          </p:cNvPicPr>
-          <p:nvPr/>
-        </p:nvPicPr>
-        <p:blipFill>
-          <a:blip r:embed="rId19"/>
-          <a:stretch>
-            <a:fillRect/>
-          </a:stretch>
-        </p:blipFill>
-        <p:spPr>
-          <a:xfrm>
-            <a:off x="10335524" y="5327237"/>
-            <a:ext cx="1562113" cy="738007"/>
-          </a:xfrm>
-          <a:prstGeom prst="rect">
-            <a:avLst/>
-          </a:prstGeom>
-        </p:spPr>
-      </p:pic>
-      <p:sp>
-        <p:nvSpPr>
-          <p:cNvPr id="4104" name="Rectangle 99"/>
-          <p:cNvSpPr/>
-          <p:nvPr/>
-        </p:nvSpPr>
-        <p:spPr>
-          <a:xfrm>
-            <a:off x="10026454" y="6065243"/>
-            <a:ext cx="2180249" cy="530894"/>
-          </a:xfrm>
-          <a:prstGeom prst="rect">
-            <a:avLst/>
-          </a:prstGeom>
-        </p:spPr>
-        <p:txBody>
-          <a:bodyPr wrap="square" lIns="91420" tIns="45710" rIns="91420" bIns="45710">
-            <a:spAutoFit/>
-          </a:bodyPr>
-          <a:lstStyle/>
-          <a:p>
-            <a:pPr>
-              <a:lnSpc>
-                <a:spcPct val="150000"/>
-              </a:lnSpc>
-              <a:buNone/>
-            </a:pPr>
-            <a:r>
-              <a:rPr lang="zh-CN" altLang="en-US" sz="1900" b="1" dirty="0">
-                <a:cs typeface="+mn-ea"/>
-                <a:sym typeface="+mn-lt"/>
-              </a:rPr>
-              <a:t>导入</a:t>
-            </a:r>
-            <a:r>
-              <a:rPr lang="en-US" altLang="zh-CN" sz="1900" b="1" dirty="0">
-                <a:cs typeface="+mn-ea"/>
-                <a:sym typeface="+mn-lt"/>
-              </a:rPr>
-              <a:t>Unity 3D</a:t>
-            </a:r>
-            <a:r>
-              <a:rPr lang="zh-CN" altLang="en-US" sz="1900" b="1" dirty="0">
-                <a:cs typeface="+mn-ea"/>
-                <a:sym typeface="+mn-lt"/>
-              </a:rPr>
-              <a:t>引擎</a:t>
-            </a:r>
-            <a:endParaRPr lang="en-US" altLang="zh-CN" sz="1900" b="1" dirty="0">
-              <a:cs typeface="+mn-ea"/>
-              <a:sym typeface="+mn-lt"/>
-            </a:endParaRPr>
-          </a:p>
-        </p:txBody>
-      </p:sp>
-      <p:pic>
-        <p:nvPicPr>
-          <p:cNvPr id="4107" name="图片 4106"/>
-          <p:cNvPicPr>
-            <a:picLocks noChangeAspect="1"/>
-          </p:cNvPicPr>
-          <p:nvPr/>
-        </p:nvPicPr>
-        <p:blipFill>
-          <a:blip r:embed="rId20"/>
-          <a:stretch>
-            <a:fillRect/>
-          </a:stretch>
-        </p:blipFill>
-        <p:spPr>
-          <a:xfrm>
-            <a:off x="1013934" y="4774178"/>
-            <a:ext cx="2472828" cy="1426927"/>
-          </a:xfrm>
-          <a:prstGeom prst="rect">
-            <a:avLst/>
-          </a:prstGeom>
-        </p:spPr>
-      </p:pic>
-      <p:sp>
-        <p:nvSpPr>
-          <p:cNvPr id="4108" name="Rectangle 99"/>
-          <p:cNvSpPr/>
-          <p:nvPr/>
-        </p:nvSpPr>
-        <p:spPr>
-          <a:xfrm>
-            <a:off x="7125198" y="6065243"/>
-            <a:ext cx="2463689" cy="530894"/>
-          </a:xfrm>
-          <a:prstGeom prst="rect">
-            <a:avLst/>
-          </a:prstGeom>
-        </p:spPr>
-        <p:txBody>
-          <a:bodyPr wrap="square" lIns="91420" tIns="45710" rIns="91420" bIns="45710">
-            <a:spAutoFit/>
-          </a:bodyPr>
-          <a:lstStyle/>
-          <a:p>
-            <a:pPr>
-              <a:lnSpc>
-                <a:spcPct val="150000"/>
-              </a:lnSpc>
-              <a:buNone/>
-            </a:pPr>
-            <a:r>
-              <a:rPr lang="zh-CN" altLang="en-US" sz="1900" b="1" dirty="0">
-                <a:cs typeface="+mn-ea"/>
-                <a:sym typeface="+mn-lt"/>
-              </a:rPr>
-              <a:t>添加交互、显示效果</a:t>
-            </a:r>
-            <a:endParaRPr lang="en-US" altLang="zh-CN" sz="1900" b="1" dirty="0">
-              <a:cs typeface="+mn-ea"/>
-              <a:sym typeface="+mn-lt"/>
-            </a:endParaRPr>
-          </a:p>
-        </p:txBody>
-      </p:sp>
-      <p:pic>
-        <p:nvPicPr>
-          <p:cNvPr id="4110" name="图片 4109"/>
-          <p:cNvPicPr>
-            <a:picLocks noChangeAspect="1"/>
-          </p:cNvPicPr>
-          <p:nvPr/>
-        </p:nvPicPr>
-        <p:blipFill>
-          <a:blip r:embed="rId21"/>
-          <a:stretch>
-            <a:fillRect/>
-          </a:stretch>
-        </p:blipFill>
-        <p:spPr>
-          <a:xfrm>
-            <a:off x="4493199" y="4991431"/>
-            <a:ext cx="1677100" cy="1122269"/>
-          </a:xfrm>
-          <a:prstGeom prst="rect">
-            <a:avLst/>
-          </a:prstGeom>
-        </p:spPr>
-      </p:pic>
-      <p:sp>
-        <p:nvSpPr>
-          <p:cNvPr id="4111" name="Rectangle 99"/>
-          <p:cNvSpPr/>
-          <p:nvPr/>
-        </p:nvSpPr>
-        <p:spPr>
-          <a:xfrm>
-            <a:off x="4233398" y="6064997"/>
-            <a:ext cx="2187724" cy="530894"/>
-          </a:xfrm>
-          <a:prstGeom prst="rect">
-            <a:avLst/>
-          </a:prstGeom>
-        </p:spPr>
-        <p:txBody>
-          <a:bodyPr wrap="square" lIns="91420" tIns="45710" rIns="91420" bIns="45710">
-            <a:spAutoFit/>
-          </a:bodyPr>
-          <a:lstStyle/>
-          <a:p>
-            <a:pPr>
-              <a:lnSpc>
-                <a:spcPct val="150000"/>
-              </a:lnSpc>
-              <a:buNone/>
-            </a:pPr>
-            <a:r>
-              <a:rPr lang="en-US" altLang="zh-CN" sz="1900" b="1" dirty="0">
-                <a:cs typeface="+mn-ea"/>
-                <a:sym typeface="+mn-lt"/>
-              </a:rPr>
-              <a:t>Visual Studio</a:t>
-            </a:r>
-            <a:r>
-              <a:rPr lang="zh-CN" altLang="en-US" sz="1900" b="1" dirty="0">
-                <a:cs typeface="+mn-ea"/>
-                <a:sym typeface="+mn-lt"/>
-              </a:rPr>
-              <a:t>部署</a:t>
-            </a:r>
-            <a:endParaRPr lang="en-US" altLang="zh-CN" sz="1900" b="1" dirty="0">
-              <a:cs typeface="+mn-ea"/>
-              <a:sym typeface="+mn-lt"/>
-            </a:endParaRPr>
-          </a:p>
-        </p:txBody>
-      </p:sp>
-      <p:pic>
-        <p:nvPicPr>
-          <p:cNvPr id="4112" name="图片 4111"/>
-          <p:cNvPicPr>
-            <a:picLocks noChangeAspect="1"/>
-          </p:cNvPicPr>
-          <p:nvPr/>
-        </p:nvPicPr>
-        <p:blipFill>
-          <a:blip r:embed="rId22"/>
-          <a:stretch>
-            <a:fillRect/>
-          </a:stretch>
-        </p:blipFill>
-        <p:spPr>
-          <a:xfrm>
-            <a:off x="7256438" y="4903975"/>
-            <a:ext cx="2056505" cy="1297180"/>
-          </a:xfrm>
-          <a:prstGeom prst="rect">
-            <a:avLst/>
-          </a:prstGeom>
-        </p:spPr>
-      </p:pic>
-      <p:sp>
-        <p:nvSpPr>
-          <p:cNvPr id="4114" name="Rectangle 99"/>
-          <p:cNvSpPr/>
-          <p:nvPr/>
-        </p:nvSpPr>
-        <p:spPr>
-          <a:xfrm>
-            <a:off x="1443619" y="6084759"/>
-            <a:ext cx="1848221" cy="530894"/>
-          </a:xfrm>
-          <a:prstGeom prst="rect">
-            <a:avLst/>
-          </a:prstGeom>
-        </p:spPr>
-        <p:txBody>
-          <a:bodyPr wrap="square" lIns="91420" tIns="45710" rIns="91420" bIns="45710">
-            <a:spAutoFit/>
-          </a:bodyPr>
-          <a:lstStyle/>
-          <a:p>
-            <a:pPr>
-              <a:lnSpc>
-                <a:spcPct val="150000"/>
-              </a:lnSpc>
-              <a:buNone/>
-            </a:pPr>
-            <a:r>
-              <a:rPr lang="zh-CN" altLang="en-US" sz="1900" b="1" dirty="0">
-                <a:cs typeface="+mn-ea"/>
-                <a:sym typeface="+mn-lt"/>
-              </a:rPr>
-              <a:t>混合现实展示</a:t>
-            </a:r>
-            <a:endParaRPr lang="en-US" altLang="zh-CN" sz="1900" b="1" dirty="0">
+              <a:t>获取当前算法下最优解</a:t>
+            </a:r>
+            <a:endParaRPr lang="en-US" altLang="zh-CN" sz="1600" dirty="0">
               <a:cs typeface="+mn-ea"/>
               <a:sym typeface="+mn-lt"/>
             </a:endParaRPr>
@@ -19249,7 +16162,7 @@
         </p:nvSpPr>
         <p:spPr>
           <a:xfrm>
-            <a:off x="2933428" y="1485178"/>
+            <a:off x="2355090" y="1446101"/>
             <a:ext cx="627707" cy="213447"/>
           </a:xfrm>
           <a:prstGeom prst="rightArrow">
@@ -19295,7 +16208,7 @@
         </p:nvSpPr>
         <p:spPr>
           <a:xfrm>
-            <a:off x="5286524" y="1517007"/>
+            <a:off x="4645663" y="1485746"/>
             <a:ext cx="627707" cy="213447"/>
           </a:xfrm>
           <a:prstGeom prst="rightArrow">
@@ -19341,7 +16254,7 @@
         </p:nvSpPr>
         <p:spPr>
           <a:xfrm>
-            <a:off x="7628283" y="1497141"/>
+            <a:off x="7182806" y="1489325"/>
             <a:ext cx="627707" cy="213447"/>
           </a:xfrm>
           <a:prstGeom prst="rightArrow">
@@ -19433,238 +16346,8 @@
         </p:nvSpPr>
         <p:spPr>
           <a:xfrm>
-            <a:off x="5017896" y="3521157"/>
+            <a:off x="4634942" y="3497711"/>
             <a:ext cx="627707" cy="213447"/>
-          </a:xfrm>
-          <a:prstGeom prst="rightArrow">
-            <a:avLst/>
-          </a:prstGeom>
-          <a:solidFill>
-            <a:schemeClr val="accent1"/>
-          </a:solidFill>
-          <a:ln>
-            <a:noFill/>
-          </a:ln>
-        </p:spPr>
-        <p:style>
-          <a:lnRef idx="2">
-            <a:schemeClr val="accent1">
-              <a:shade val="50000"/>
-            </a:schemeClr>
-          </a:lnRef>
-          <a:fillRef idx="1">
-            <a:schemeClr val="accent1"/>
-          </a:fillRef>
-          <a:effectRef idx="0">
-            <a:schemeClr val="accent1"/>
-          </a:effectRef>
-          <a:fontRef idx="minor">
-            <a:schemeClr val="lt1"/>
-          </a:fontRef>
-        </p:style>
-        <p:txBody>
-          <a:bodyPr lIns="121917" tIns="60958" rIns="121917" bIns="60958" rtlCol="0" anchor="ctr"/>
-          <a:lstStyle/>
-          <a:p>
-            <a:pPr algn="ctr"/>
-            <a:endParaRPr lang="zh-CN" altLang="en-US" dirty="0"/>
-          </a:p>
-        </p:txBody>
-      </p:sp>
-      <p:sp>
-        <p:nvSpPr>
-          <p:cNvPr id="4122" name="箭头: 右 4121"/>
-          <p:cNvSpPr/>
-          <p:nvPr/>
-        </p:nvSpPr>
-        <p:spPr>
-          <a:xfrm>
-            <a:off x="7512458" y="3518446"/>
-            <a:ext cx="627707" cy="213447"/>
-          </a:xfrm>
-          <a:prstGeom prst="rightArrow">
-            <a:avLst/>
-          </a:prstGeom>
-          <a:solidFill>
-            <a:schemeClr val="accent1"/>
-          </a:solidFill>
-          <a:ln>
-            <a:noFill/>
-          </a:ln>
-        </p:spPr>
-        <p:style>
-          <a:lnRef idx="2">
-            <a:schemeClr val="accent1">
-              <a:shade val="50000"/>
-            </a:schemeClr>
-          </a:lnRef>
-          <a:fillRef idx="1">
-            <a:schemeClr val="accent1"/>
-          </a:fillRef>
-          <a:effectRef idx="0">
-            <a:schemeClr val="accent1"/>
-          </a:effectRef>
-          <a:fontRef idx="minor">
-            <a:schemeClr val="lt1"/>
-          </a:fontRef>
-        </p:style>
-        <p:txBody>
-          <a:bodyPr lIns="121917" tIns="60958" rIns="121917" bIns="60958" rtlCol="0" anchor="ctr"/>
-          <a:lstStyle/>
-          <a:p>
-            <a:pPr algn="ctr"/>
-            <a:endParaRPr lang="zh-CN" altLang="en-US" dirty="0"/>
-          </a:p>
-        </p:txBody>
-      </p:sp>
-      <p:sp>
-        <p:nvSpPr>
-          <p:cNvPr id="4124" name="箭头: 右 4123"/>
-          <p:cNvSpPr/>
-          <p:nvPr/>
-        </p:nvSpPr>
-        <p:spPr>
-          <a:xfrm rot="5400000">
-            <a:off x="10707542" y="4722723"/>
-            <a:ext cx="829705" cy="204267"/>
-          </a:xfrm>
-          <a:prstGeom prst="rightArrow">
-            <a:avLst/>
-          </a:prstGeom>
-          <a:solidFill>
-            <a:schemeClr val="accent1"/>
-          </a:solidFill>
-          <a:ln>
-            <a:noFill/>
-          </a:ln>
-        </p:spPr>
-        <p:style>
-          <a:lnRef idx="2">
-            <a:schemeClr val="accent1">
-              <a:shade val="50000"/>
-            </a:schemeClr>
-          </a:lnRef>
-          <a:fillRef idx="1">
-            <a:schemeClr val="accent1"/>
-          </a:fillRef>
-          <a:effectRef idx="0">
-            <a:schemeClr val="accent1"/>
-          </a:effectRef>
-          <a:fontRef idx="minor">
-            <a:schemeClr val="lt1"/>
-          </a:fontRef>
-        </p:style>
-        <p:txBody>
-          <a:bodyPr lIns="121917" tIns="60958" rIns="121917" bIns="60958" rtlCol="0" anchor="ctr"/>
-          <a:lstStyle/>
-          <a:p>
-            <a:pPr algn="ctr"/>
-            <a:endParaRPr lang="zh-CN" altLang="en-US" dirty="0"/>
-          </a:p>
-        </p:txBody>
-      </p:sp>
-      <p:sp>
-        <p:nvSpPr>
-          <p:cNvPr id="4125" name="箭头: 右 4124"/>
-          <p:cNvSpPr/>
-          <p:nvPr/>
-        </p:nvSpPr>
-        <p:spPr>
-          <a:xfrm rot="10800000">
-            <a:off x="9330750" y="5445601"/>
-            <a:ext cx="883127" cy="238023"/>
-          </a:xfrm>
-          <a:prstGeom prst="rightArrow">
-            <a:avLst/>
-          </a:prstGeom>
-          <a:solidFill>
-            <a:schemeClr val="accent1"/>
-          </a:solidFill>
-          <a:ln>
-            <a:noFill/>
-          </a:ln>
-        </p:spPr>
-        <p:style>
-          <a:lnRef idx="2">
-            <a:schemeClr val="accent1">
-              <a:shade val="50000"/>
-            </a:schemeClr>
-          </a:lnRef>
-          <a:fillRef idx="1">
-            <a:schemeClr val="accent1"/>
-          </a:fillRef>
-          <a:effectRef idx="0">
-            <a:schemeClr val="accent1"/>
-          </a:effectRef>
-          <a:fontRef idx="minor">
-            <a:schemeClr val="lt1"/>
-          </a:fontRef>
-        </p:style>
-        <p:txBody>
-          <a:bodyPr lIns="121917" tIns="60958" rIns="121917" bIns="60958" rtlCol="0" anchor="ctr"/>
-          <a:lstStyle/>
-          <a:p>
-            <a:pPr algn="ctr"/>
-            <a:endParaRPr lang="zh-CN" altLang="en-US" dirty="0"/>
-          </a:p>
-        </p:txBody>
-      </p:sp>
-      <p:sp>
-        <p:nvSpPr>
-          <p:cNvPr id="4126" name="箭头: 右 4125"/>
-          <p:cNvSpPr/>
-          <p:nvPr/>
-        </p:nvSpPr>
-        <p:spPr>
-          <a:xfrm rot="10800000">
-            <a:off x="6390642" y="5404961"/>
-            <a:ext cx="759655" cy="258343"/>
-          </a:xfrm>
-          <a:prstGeom prst="rightArrow">
-            <a:avLst/>
-          </a:prstGeom>
-          <a:solidFill>
-            <a:schemeClr val="accent1"/>
-          </a:solidFill>
-          <a:ln>
-            <a:noFill/>
-          </a:ln>
-        </p:spPr>
-        <p:style>
-          <a:lnRef idx="2">
-            <a:schemeClr val="accent1">
-              <a:shade val="50000"/>
-            </a:schemeClr>
-          </a:lnRef>
-          <a:fillRef idx="1">
-            <a:schemeClr val="accent1"/>
-          </a:fillRef>
-          <a:effectRef idx="0">
-            <a:schemeClr val="accent1"/>
-          </a:effectRef>
-          <a:fontRef idx="minor">
-            <a:schemeClr val="lt1"/>
-          </a:fontRef>
-        </p:style>
-        <p:txBody>
-          <a:bodyPr lIns="121917" tIns="60958" rIns="121917" bIns="60958" rtlCol="0" anchor="ctr"/>
-          <a:lstStyle/>
-          <a:p>
-            <a:pPr algn="ctr"/>
-            <a:endParaRPr lang="zh-CN" altLang="en-US" dirty="0"/>
-          </a:p>
-        </p:txBody>
-      </p:sp>
-      <p:sp>
-        <p:nvSpPr>
-          <p:cNvPr id="4127" name="箭头: 右 4126"/>
-          <p:cNvSpPr/>
-          <p:nvPr/>
-        </p:nvSpPr>
-        <p:spPr>
-          <a:xfrm rot="10800000">
-            <a:off x="3589789" y="5407366"/>
-            <a:ext cx="770273" cy="236457"/>
           </a:xfrm>
           <a:prstGeom prst="rightArrow">
             <a:avLst/>
@@ -19909,156 +16592,6 @@
           </a:p>
         </p:txBody>
       </p:sp>
-      <p:grpSp>
-        <p:nvGrpSpPr>
-          <p:cNvPr id="5" name="组合 32"/>
-          <p:cNvGrpSpPr/>
-          <p:nvPr/>
-        </p:nvGrpSpPr>
-        <p:grpSpPr>
-          <a:xfrm>
-            <a:off x="9828381" y="1453474"/>
-            <a:ext cx="1512617" cy="1086497"/>
-            <a:chOff x="7436207" y="1090108"/>
-            <a:chExt cx="839960" cy="472641"/>
-          </a:xfrm>
-        </p:grpSpPr>
-        <p:sp>
-          <p:nvSpPr>
-            <p:cNvPr id="29" name="流程图: 过程 28"/>
-            <p:cNvSpPr/>
-            <p:nvPr/>
-          </p:nvSpPr>
-          <p:spPr>
-            <a:xfrm>
-              <a:off x="7436207" y="1090108"/>
-              <a:ext cx="813043" cy="46411"/>
-            </a:xfrm>
-            <a:prstGeom prst="flowChartProcess">
-              <a:avLst/>
-            </a:prstGeom>
-            <a:ln>
-              <a:noFill/>
-            </a:ln>
-          </p:spPr>
-          <p:style>
-            <a:lnRef idx="2">
-              <a:schemeClr val="accent1">
-                <a:shade val="50000"/>
-              </a:schemeClr>
-            </a:lnRef>
-            <a:fillRef idx="1">
-              <a:schemeClr val="accent1"/>
-            </a:fillRef>
-            <a:effectRef idx="0">
-              <a:schemeClr val="accent1"/>
-            </a:effectRef>
-            <a:fontRef idx="minor">
-              <a:schemeClr val="lt1"/>
-            </a:fontRef>
-          </p:style>
-          <p:txBody>
-            <a:bodyPr rtlCol="0" anchor="ctr"/>
-            <a:lstStyle/>
-            <a:p>
-              <a:pPr algn="ctr"/>
-              <a:endParaRPr lang="zh-CN" altLang="en-US"/>
-            </a:p>
-          </p:txBody>
-        </p:sp>
-        <p:sp>
-          <p:nvSpPr>
-            <p:cNvPr id="30" name="箭头: 右 29"/>
-            <p:cNvSpPr/>
-            <p:nvPr/>
-          </p:nvSpPr>
-          <p:spPr>
-            <a:xfrm rot="5400000">
-              <a:off x="7989311" y="1275893"/>
-              <a:ext cx="459211" cy="114501"/>
-            </a:xfrm>
-            <a:prstGeom prst="rightArrow">
-              <a:avLst/>
-            </a:prstGeom>
-            <a:solidFill>
-              <a:schemeClr val="accent1"/>
-            </a:solidFill>
-            <a:ln>
-              <a:noFill/>
-            </a:ln>
-          </p:spPr>
-          <p:style>
-            <a:lnRef idx="2">
-              <a:schemeClr val="accent1">
-                <a:shade val="50000"/>
-              </a:schemeClr>
-            </a:lnRef>
-            <a:fillRef idx="1">
-              <a:schemeClr val="accent1"/>
-            </a:fillRef>
-            <a:effectRef idx="0">
-              <a:schemeClr val="accent1"/>
-            </a:effectRef>
-            <a:fontRef idx="minor">
-              <a:schemeClr val="lt1"/>
-            </a:fontRef>
-          </p:style>
-          <p:txBody>
-            <a:bodyPr rtlCol="0" anchor="ctr"/>
-            <a:lstStyle/>
-            <a:p>
-              <a:pPr algn="ctr"/>
-              <a:endParaRPr lang="zh-CN" altLang="en-US" dirty="0"/>
-            </a:p>
-          </p:txBody>
-        </p:sp>
-      </p:grpSp>
-      <p:sp>
-        <p:nvSpPr>
-          <p:cNvPr id="35" name="箭头: 右 34"/>
-          <p:cNvSpPr/>
-          <p:nvPr/>
-        </p:nvSpPr>
-        <p:spPr>
-          <a:xfrm>
-            <a:off x="9955001" y="3390927"/>
-            <a:ext cx="522963" cy="213447"/>
-          </a:xfrm>
-          <a:prstGeom prst="rightArrow">
-            <a:avLst/>
-          </a:prstGeom>
-          <a:solidFill>
-            <a:schemeClr val="accent1"/>
-          </a:solidFill>
-          <a:ln>
-            <a:noFill/>
-          </a:ln>
-        </p:spPr>
-        <p:style>
-          <a:lnRef idx="2">
-            <a:schemeClr val="accent1">
-              <a:shade val="50000"/>
-            </a:schemeClr>
-          </a:lnRef>
-          <a:fillRef idx="1">
-            <a:schemeClr val="accent1"/>
-          </a:fillRef>
-          <a:effectRef idx="0">
-            <a:schemeClr val="accent1"/>
-          </a:effectRef>
-          <a:fontRef idx="minor">
-            <a:schemeClr val="lt1"/>
-          </a:fontRef>
-        </p:style>
-        <p:txBody>
-          <a:bodyPr lIns="121917" tIns="60958" rIns="121917" bIns="60958" rtlCol="0" anchor="ctr"/>
-          <a:lstStyle/>
-          <a:p>
-            <a:pPr algn="ctr"/>
-            <a:endParaRPr lang="zh-CN" altLang="en-US" dirty="0"/>
-          </a:p>
-        </p:txBody>
-      </p:sp>
       <p:sp>
         <p:nvSpPr>
           <p:cNvPr id="11" name="矩形 10"/>
@@ -20226,6 +16759,551 @@
               <a:solidFill>
                 <a:schemeClr val="tx1"/>
               </a:solidFill>
+            </a:endParaRPr>
+          </a:p>
+        </p:txBody>
+      </p:sp>
+      <p:sp>
+        <p:nvSpPr>
+          <p:cNvPr id="62" name="Rectangle 99"/>
+          <p:cNvSpPr/>
+          <p:nvPr/>
+        </p:nvSpPr>
+        <p:spPr>
+          <a:xfrm>
+            <a:off x="909893" y="1354380"/>
+            <a:ext cx="1817676" cy="338534"/>
+          </a:xfrm>
+          <a:prstGeom prst="rect">
+            <a:avLst/>
+          </a:prstGeom>
+        </p:spPr>
+        <p:txBody>
+          <a:bodyPr wrap="square" lIns="91420" tIns="45710" rIns="91420" bIns="45710">
+            <a:spAutoFit/>
+          </a:bodyPr>
+          <a:lstStyle/>
+          <a:p>
+            <a:pPr>
+              <a:buNone/>
+            </a:pPr>
+            <a:r>
+              <a:rPr lang="zh-CN" altLang="en-US" sz="1600" dirty="0" smtClean="0">
+                <a:cs typeface="+mn-ea"/>
+                <a:sym typeface="+mn-lt"/>
+              </a:rPr>
+              <a:t>计算腐蚀电位</a:t>
+            </a:r>
+            <a:endParaRPr lang="en-US" altLang="zh-CN" sz="1600" dirty="0">
+              <a:cs typeface="+mn-ea"/>
+              <a:sym typeface="+mn-lt"/>
+            </a:endParaRPr>
+          </a:p>
+        </p:txBody>
+      </p:sp>
+      <p:sp>
+        <p:nvSpPr>
+          <p:cNvPr id="65" name="Rectangle 99"/>
+          <p:cNvSpPr/>
+          <p:nvPr/>
+        </p:nvSpPr>
+        <p:spPr>
+          <a:xfrm>
+            <a:off x="3133370" y="1405181"/>
+            <a:ext cx="1817676" cy="338534"/>
+          </a:xfrm>
+          <a:prstGeom prst="rect">
+            <a:avLst/>
+          </a:prstGeom>
+        </p:spPr>
+        <p:txBody>
+          <a:bodyPr wrap="square" lIns="91420" tIns="45710" rIns="91420" bIns="45710">
+            <a:spAutoFit/>
+          </a:bodyPr>
+          <a:lstStyle/>
+          <a:p>
+            <a:pPr>
+              <a:buNone/>
+            </a:pPr>
+            <a:r>
+              <a:rPr lang="zh-CN" altLang="en-US" sz="1600" dirty="0" smtClean="0">
+                <a:cs typeface="+mn-ea"/>
+                <a:sym typeface="+mn-lt"/>
+              </a:rPr>
+              <a:t>计算电流密度</a:t>
+            </a:r>
+            <a:endParaRPr lang="en-US" altLang="zh-CN" sz="1600" dirty="0">
+              <a:cs typeface="+mn-ea"/>
+              <a:sym typeface="+mn-lt"/>
+            </a:endParaRPr>
+          </a:p>
+        </p:txBody>
+      </p:sp>
+      <p:sp>
+        <p:nvSpPr>
+          <p:cNvPr id="67" name="Rectangle 99"/>
+          <p:cNvSpPr/>
+          <p:nvPr/>
+        </p:nvSpPr>
+        <p:spPr>
+          <a:xfrm>
+            <a:off x="5614755" y="1440350"/>
+            <a:ext cx="1817676" cy="338534"/>
+          </a:xfrm>
+          <a:prstGeom prst="rect">
+            <a:avLst/>
+          </a:prstGeom>
+        </p:spPr>
+        <p:txBody>
+          <a:bodyPr wrap="square" lIns="91420" tIns="45710" rIns="91420" bIns="45710">
+            <a:spAutoFit/>
+          </a:bodyPr>
+          <a:lstStyle/>
+          <a:p>
+            <a:pPr>
+              <a:buNone/>
+            </a:pPr>
+            <a:r>
+              <a:rPr lang="zh-CN" altLang="en-US" sz="1600" dirty="0" smtClean="0">
+                <a:cs typeface="+mn-ea"/>
+                <a:sym typeface="+mn-lt"/>
+              </a:rPr>
+              <a:t>计算溶解层数</a:t>
+            </a:r>
+            <a:endParaRPr lang="en-US" altLang="zh-CN" sz="1600" dirty="0">
+              <a:cs typeface="+mn-ea"/>
+              <a:sym typeface="+mn-lt"/>
+            </a:endParaRPr>
+          </a:p>
+        </p:txBody>
+      </p:sp>
+      <p:sp>
+        <p:nvSpPr>
+          <p:cNvPr id="68" name="Rectangle 99"/>
+          <p:cNvSpPr/>
+          <p:nvPr/>
+        </p:nvSpPr>
+        <p:spPr>
+          <a:xfrm>
+            <a:off x="7986725" y="1436443"/>
+            <a:ext cx="1817676" cy="338534"/>
+          </a:xfrm>
+          <a:prstGeom prst="rect">
+            <a:avLst/>
+          </a:prstGeom>
+        </p:spPr>
+        <p:txBody>
+          <a:bodyPr wrap="square" lIns="91420" tIns="45710" rIns="91420" bIns="45710">
+            <a:spAutoFit/>
+          </a:bodyPr>
+          <a:lstStyle/>
+          <a:p>
+            <a:pPr>
+              <a:buNone/>
+            </a:pPr>
+            <a:r>
+              <a:rPr lang="zh-CN" altLang="en-US" sz="1600" dirty="0" smtClean="0">
+                <a:cs typeface="+mn-ea"/>
+                <a:sym typeface="+mn-lt"/>
+              </a:rPr>
+              <a:t>计算溶解电流密度</a:t>
+            </a:r>
+            <a:endParaRPr lang="en-US" altLang="zh-CN" sz="1600" dirty="0">
+              <a:cs typeface="+mn-ea"/>
+              <a:sym typeface="+mn-lt"/>
+            </a:endParaRPr>
+          </a:p>
+        </p:txBody>
+      </p:sp>
+      <p:sp>
+        <p:nvSpPr>
+          <p:cNvPr id="71" name="Rectangle 99"/>
+          <p:cNvSpPr/>
+          <p:nvPr/>
+        </p:nvSpPr>
+        <p:spPr>
+          <a:xfrm>
+            <a:off x="3049084" y="5114502"/>
+            <a:ext cx="1662025" cy="791607"/>
+          </a:xfrm>
+          <a:prstGeom prst="rect">
+            <a:avLst/>
+          </a:prstGeom>
+        </p:spPr>
+        <p:txBody>
+          <a:bodyPr wrap="square" lIns="91420" tIns="45710" rIns="91420" bIns="45710">
+            <a:spAutoFit/>
+          </a:bodyPr>
+          <a:lstStyle/>
+          <a:p>
+            <a:pPr>
+              <a:lnSpc>
+                <a:spcPct val="150000"/>
+              </a:lnSpc>
+              <a:buNone/>
+            </a:pPr>
+            <a:r>
+              <a:rPr lang="zh-CN" altLang="en-US" sz="1600" dirty="0" smtClean="0">
+                <a:cs typeface="+mn-ea"/>
+                <a:sym typeface="+mn-lt"/>
+              </a:rPr>
+              <a:t>启发式算法计算奖励和当前状态</a:t>
+            </a:r>
+            <a:endParaRPr lang="en-US" altLang="zh-CN" sz="1600" dirty="0">
+              <a:cs typeface="+mn-ea"/>
+              <a:sym typeface="+mn-lt"/>
+            </a:endParaRPr>
+          </a:p>
+        </p:txBody>
+      </p:sp>
+      <p:sp>
+        <p:nvSpPr>
+          <p:cNvPr id="72" name="Rectangle 99"/>
+          <p:cNvSpPr/>
+          <p:nvPr/>
+        </p:nvSpPr>
+        <p:spPr>
+          <a:xfrm>
+            <a:off x="913356" y="5343853"/>
+            <a:ext cx="1223065" cy="422275"/>
+          </a:xfrm>
+          <a:prstGeom prst="rect">
+            <a:avLst/>
+          </a:prstGeom>
+        </p:spPr>
+        <p:txBody>
+          <a:bodyPr wrap="square" lIns="91420" tIns="45710" rIns="91420" bIns="45710">
+            <a:spAutoFit/>
+          </a:bodyPr>
+          <a:lstStyle/>
+          <a:p>
+            <a:pPr>
+              <a:lnSpc>
+                <a:spcPct val="150000"/>
+              </a:lnSpc>
+              <a:buNone/>
+            </a:pPr>
+            <a:r>
+              <a:rPr lang="zh-CN" altLang="en-US" sz="1600" dirty="0" smtClean="0">
+                <a:cs typeface="+mn-ea"/>
+                <a:sym typeface="+mn-lt"/>
+              </a:rPr>
+              <a:t>输入动作</a:t>
+            </a:r>
+            <a:endParaRPr lang="en-US" altLang="zh-CN" sz="1600" dirty="0">
+              <a:cs typeface="+mn-ea"/>
+              <a:sym typeface="+mn-lt"/>
+            </a:endParaRPr>
+          </a:p>
+        </p:txBody>
+      </p:sp>
+      <p:sp>
+        <p:nvSpPr>
+          <p:cNvPr id="73" name="Rectangle 99"/>
+          <p:cNvSpPr/>
+          <p:nvPr/>
+        </p:nvSpPr>
+        <p:spPr>
+          <a:xfrm>
+            <a:off x="5552184" y="5147383"/>
+            <a:ext cx="1848221" cy="791607"/>
+          </a:xfrm>
+          <a:prstGeom prst="rect">
+            <a:avLst/>
+          </a:prstGeom>
+        </p:spPr>
+        <p:txBody>
+          <a:bodyPr wrap="square" lIns="91420" tIns="45710" rIns="91420" bIns="45710">
+            <a:spAutoFit/>
+          </a:bodyPr>
+          <a:lstStyle/>
+          <a:p>
+            <a:pPr>
+              <a:lnSpc>
+                <a:spcPct val="150000"/>
+              </a:lnSpc>
+              <a:buNone/>
+            </a:pPr>
+            <a:r>
+              <a:rPr lang="zh-CN" altLang="en-US" sz="1600" dirty="0" smtClean="0">
+                <a:cs typeface="+mn-ea"/>
+                <a:sym typeface="+mn-lt"/>
+              </a:rPr>
+              <a:t>获取当前状态和奖励经验池存储</a:t>
+            </a:r>
+            <a:endParaRPr lang="en-US" altLang="zh-CN" sz="1600" dirty="0">
+              <a:cs typeface="+mn-ea"/>
+              <a:sym typeface="+mn-lt"/>
+            </a:endParaRPr>
+          </a:p>
+        </p:txBody>
+      </p:sp>
+      <p:sp>
+        <p:nvSpPr>
+          <p:cNvPr id="74" name="Rectangle 99"/>
+          <p:cNvSpPr/>
+          <p:nvPr/>
+        </p:nvSpPr>
+        <p:spPr>
+          <a:xfrm>
+            <a:off x="8375933" y="5277622"/>
+            <a:ext cx="1230311" cy="422275"/>
+          </a:xfrm>
+          <a:prstGeom prst="rect">
+            <a:avLst/>
+          </a:prstGeom>
+        </p:spPr>
+        <p:txBody>
+          <a:bodyPr wrap="square" lIns="91420" tIns="45710" rIns="91420" bIns="45710">
+            <a:spAutoFit/>
+          </a:bodyPr>
+          <a:lstStyle/>
+          <a:p>
+            <a:pPr>
+              <a:lnSpc>
+                <a:spcPct val="150000"/>
+              </a:lnSpc>
+              <a:buNone/>
+            </a:pPr>
+            <a:r>
+              <a:rPr lang="zh-CN" altLang="en-US" sz="1600" dirty="0" smtClean="0">
+                <a:cs typeface="+mn-ea"/>
+                <a:sym typeface="+mn-lt"/>
+              </a:rPr>
+              <a:t>训练</a:t>
+            </a:r>
+            <a:endParaRPr lang="en-US" altLang="zh-CN" sz="1600" dirty="0">
+              <a:cs typeface="+mn-ea"/>
+              <a:sym typeface="+mn-lt"/>
+            </a:endParaRPr>
+          </a:p>
+        </p:txBody>
+      </p:sp>
+      <p:sp>
+        <p:nvSpPr>
+          <p:cNvPr id="75" name="箭头: 右 4119"/>
+          <p:cNvSpPr/>
+          <p:nvPr/>
+        </p:nvSpPr>
+        <p:spPr>
+          <a:xfrm>
+            <a:off x="2175714" y="5439540"/>
+            <a:ext cx="627707" cy="213447"/>
+          </a:xfrm>
+          <a:prstGeom prst="rightArrow">
+            <a:avLst/>
+          </a:prstGeom>
+          <a:solidFill>
+            <a:schemeClr val="accent1"/>
+          </a:solidFill>
+          <a:ln>
+            <a:noFill/>
+          </a:ln>
+        </p:spPr>
+        <p:style>
+          <a:lnRef idx="2">
+            <a:schemeClr val="accent1">
+              <a:shade val="50000"/>
+            </a:schemeClr>
+          </a:lnRef>
+          <a:fillRef idx="1">
+            <a:schemeClr val="accent1"/>
+          </a:fillRef>
+          <a:effectRef idx="0">
+            <a:schemeClr val="accent1"/>
+          </a:effectRef>
+          <a:fontRef idx="minor">
+            <a:schemeClr val="lt1"/>
+          </a:fontRef>
+        </p:style>
+        <p:txBody>
+          <a:bodyPr lIns="121917" tIns="60958" rIns="121917" bIns="60958" rtlCol="0" anchor="ctr"/>
+          <a:lstStyle/>
+          <a:p>
+            <a:pPr algn="ctr"/>
+            <a:endParaRPr lang="zh-CN" altLang="en-US" dirty="0"/>
+          </a:p>
+        </p:txBody>
+      </p:sp>
+      <p:sp>
+        <p:nvSpPr>
+          <p:cNvPr id="76" name="箭头: 右 4120"/>
+          <p:cNvSpPr/>
+          <p:nvPr/>
+        </p:nvSpPr>
+        <p:spPr>
+          <a:xfrm>
+            <a:off x="4646665" y="5408572"/>
+            <a:ext cx="627707" cy="213447"/>
+          </a:xfrm>
+          <a:prstGeom prst="rightArrow">
+            <a:avLst/>
+          </a:prstGeom>
+          <a:solidFill>
+            <a:schemeClr val="accent1"/>
+          </a:solidFill>
+          <a:ln>
+            <a:noFill/>
+          </a:ln>
+        </p:spPr>
+        <p:style>
+          <a:lnRef idx="2">
+            <a:schemeClr val="accent1">
+              <a:shade val="50000"/>
+            </a:schemeClr>
+          </a:lnRef>
+          <a:fillRef idx="1">
+            <a:schemeClr val="accent1"/>
+          </a:fillRef>
+          <a:effectRef idx="0">
+            <a:schemeClr val="accent1"/>
+          </a:effectRef>
+          <a:fontRef idx="minor">
+            <a:schemeClr val="lt1"/>
+          </a:fontRef>
+        </p:style>
+        <p:txBody>
+          <a:bodyPr lIns="121917" tIns="60958" rIns="121917" bIns="60958" rtlCol="0" anchor="ctr"/>
+          <a:lstStyle/>
+          <a:p>
+            <a:pPr algn="ctr"/>
+            <a:endParaRPr lang="zh-CN" altLang="en-US" dirty="0"/>
+          </a:p>
+        </p:txBody>
+      </p:sp>
+      <p:sp>
+        <p:nvSpPr>
+          <p:cNvPr id="77" name="箭头: 右 4121"/>
+          <p:cNvSpPr/>
+          <p:nvPr/>
+        </p:nvSpPr>
+        <p:spPr>
+          <a:xfrm>
+            <a:off x="7477289" y="5437122"/>
+            <a:ext cx="627707" cy="213447"/>
+          </a:xfrm>
+          <a:prstGeom prst="rightArrow">
+            <a:avLst/>
+          </a:prstGeom>
+          <a:solidFill>
+            <a:schemeClr val="accent1"/>
+          </a:solidFill>
+          <a:ln>
+            <a:noFill/>
+          </a:ln>
+        </p:spPr>
+        <p:style>
+          <a:lnRef idx="2">
+            <a:schemeClr val="accent1">
+              <a:shade val="50000"/>
+            </a:schemeClr>
+          </a:lnRef>
+          <a:fillRef idx="1">
+            <a:schemeClr val="accent1"/>
+          </a:fillRef>
+          <a:effectRef idx="0">
+            <a:schemeClr val="accent1"/>
+          </a:effectRef>
+          <a:fontRef idx="minor">
+            <a:schemeClr val="lt1"/>
+          </a:fontRef>
+        </p:style>
+        <p:txBody>
+          <a:bodyPr lIns="121917" tIns="60958" rIns="121917" bIns="60958" rtlCol="0" anchor="ctr"/>
+          <a:lstStyle/>
+          <a:p>
+            <a:pPr algn="ctr"/>
+            <a:endParaRPr lang="zh-CN" altLang="en-US" dirty="0"/>
+          </a:p>
+        </p:txBody>
+      </p:sp>
+      <p:sp>
+        <p:nvSpPr>
+          <p:cNvPr id="42" name="箭头: 右 4118"/>
+          <p:cNvSpPr/>
+          <p:nvPr/>
+        </p:nvSpPr>
+        <p:spPr>
+          <a:xfrm rot="5400000">
+            <a:off x="8655280" y="1798268"/>
+            <a:ext cx="464543" cy="299905"/>
+          </a:xfrm>
+          <a:prstGeom prst="rightArrow">
+            <a:avLst/>
+          </a:prstGeom>
+          <a:solidFill>
+            <a:schemeClr val="accent1"/>
+          </a:solidFill>
+          <a:ln>
+            <a:noFill/>
+          </a:ln>
+        </p:spPr>
+        <p:style>
+          <a:lnRef idx="2">
+            <a:schemeClr val="accent1">
+              <a:shade val="50000"/>
+            </a:schemeClr>
+          </a:lnRef>
+          <a:fillRef idx="1">
+            <a:schemeClr val="accent1"/>
+          </a:fillRef>
+          <a:effectRef idx="0">
+            <a:schemeClr val="accent1"/>
+          </a:effectRef>
+          <a:fontRef idx="minor">
+            <a:schemeClr val="lt1"/>
+          </a:fontRef>
+        </p:style>
+        <p:txBody>
+          <a:bodyPr lIns="121917" tIns="60958" rIns="121917" bIns="60958" rtlCol="0" anchor="ctr"/>
+          <a:lstStyle/>
+          <a:p>
+            <a:pPr algn="ctr"/>
+            <a:endParaRPr lang="zh-CN" altLang="en-US" dirty="0"/>
+          </a:p>
+        </p:txBody>
+      </p:sp>
+      <p:sp>
+        <p:nvSpPr>
+          <p:cNvPr id="45" name="Rectangle 99"/>
+          <p:cNvSpPr/>
+          <p:nvPr/>
+        </p:nvSpPr>
+        <p:spPr>
+          <a:xfrm>
+            <a:off x="7982816" y="2245334"/>
+            <a:ext cx="1817676" cy="338534"/>
+          </a:xfrm>
+          <a:prstGeom prst="rect">
+            <a:avLst/>
+          </a:prstGeom>
+        </p:spPr>
+        <p:txBody>
+          <a:bodyPr wrap="square" lIns="91420" tIns="45710" rIns="91420" bIns="45710">
+            <a:spAutoFit/>
+          </a:bodyPr>
+          <a:lstStyle/>
+          <a:p>
+            <a:pPr>
+              <a:buNone/>
+            </a:pPr>
+            <a:r>
+              <a:rPr lang="zh-CN" altLang="en-US" sz="1600" dirty="0" smtClean="0">
+                <a:cs typeface="+mn-ea"/>
+                <a:sym typeface="+mn-lt"/>
+              </a:rPr>
+              <a:t>计算</a:t>
+            </a:r>
+            <a:r>
+              <a:rPr lang="zh-CN" altLang="en-US" sz="1600" dirty="0" smtClean="0">
+                <a:cs typeface="+mn-ea"/>
+                <a:sym typeface="+mn-lt"/>
+              </a:rPr>
+              <a:t>腐蚀速率</a:t>
+            </a:r>
+            <a:endParaRPr lang="en-US" altLang="zh-CN" sz="1600" dirty="0">
+              <a:cs typeface="+mn-ea"/>
+              <a:sym typeface="+mn-lt"/>
             </a:endParaRPr>
           </a:p>
         </p:txBody>
@@ -21832,43 +18910,107 @@
               </a:spcAft>
             </a:pPr>
             <a:r>
-              <a:rPr lang="zh-CN" altLang="en-US" b="1" dirty="0"/>
+              <a:rPr lang="zh-CN" altLang="en-US" b="1" dirty="0">
+                <a:latin typeface="宋体" pitchFamily="2" charset="-122"/>
+                <a:ea typeface="宋体" pitchFamily="2" charset="-122"/>
+              </a:rPr>
               <a:t>对溶解</a:t>
             </a:r>
             <a:r>
-              <a:rPr lang="en-US" altLang="zh-CN" b="1" dirty="0"/>
+              <a:rPr lang="en-US" altLang="zh-CN" b="1" dirty="0">
+                <a:latin typeface="宋体" pitchFamily="2" charset="-122"/>
+                <a:ea typeface="宋体" pitchFamily="2" charset="-122"/>
+              </a:rPr>
               <a:t>-</a:t>
             </a:r>
             <a:r>
-              <a:rPr lang="zh-CN" altLang="en-US" b="1" dirty="0"/>
+              <a:rPr lang="zh-CN" altLang="en-US" b="1" dirty="0">
+                <a:latin typeface="宋体" pitchFamily="2" charset="-122"/>
+                <a:ea typeface="宋体" pitchFamily="2" charset="-122"/>
+              </a:rPr>
               <a:t>电离</a:t>
             </a:r>
             <a:r>
-              <a:rPr lang="en-US" altLang="zh-CN" b="1" dirty="0"/>
+              <a:rPr lang="en-US" altLang="zh-CN" b="1" dirty="0">
+                <a:latin typeface="宋体" pitchFamily="2" charset="-122"/>
+                <a:ea typeface="宋体" pitchFamily="2" charset="-122"/>
+              </a:rPr>
               <a:t>-</a:t>
             </a:r>
             <a:r>
-              <a:rPr lang="zh-CN" altLang="en-US" b="1" dirty="0"/>
-              <a:t>沉积模型进行代码层面描述，其中包括  ：可能反应方程式以及对应</a:t>
-            </a:r>
-            <a:r>
-              <a:rPr lang="en-US" altLang="zh-CN" b="1" dirty="0"/>
+              <a:rPr lang="zh-CN" altLang="en-US" b="1" dirty="0">
+                <a:latin typeface="宋体" pitchFamily="2" charset="-122"/>
+                <a:ea typeface="宋体" pitchFamily="2" charset="-122"/>
+              </a:rPr>
+              <a:t>沉积模型进行代码层面描述，其中包括 </a:t>
+            </a:r>
+            <a:r>
+              <a:rPr lang="en-US" altLang="zh-CN" b="1" dirty="0" smtClean="0">
+                <a:latin typeface="宋体" pitchFamily="2" charset="-122"/>
+                <a:ea typeface="宋体" pitchFamily="2" charset="-122"/>
+              </a:rPr>
+              <a:t>:</a:t>
+            </a:r>
+            <a:r>
+              <a:rPr lang="zh-CN" altLang="en-US" b="1" dirty="0" smtClean="0">
+                <a:latin typeface="宋体" pitchFamily="2" charset="-122"/>
+                <a:ea typeface="宋体" pitchFamily="2" charset="-122"/>
+              </a:rPr>
+              <a:t>可能</a:t>
+            </a:r>
+            <a:r>
+              <a:rPr lang="zh-CN" altLang="en-US" b="1" dirty="0">
+                <a:latin typeface="宋体" pitchFamily="2" charset="-122"/>
+                <a:ea typeface="宋体" pitchFamily="2" charset="-122"/>
+              </a:rPr>
+              <a:t>反应方程式以及对应</a:t>
+            </a:r>
+            <a:r>
+              <a:rPr lang="en-US" altLang="zh-CN" b="1" dirty="0">
+                <a:latin typeface="宋体" pitchFamily="2" charset="-122"/>
+                <a:ea typeface="宋体" pitchFamily="2" charset="-122"/>
+              </a:rPr>
               <a:t>ksp</a:t>
             </a:r>
             <a:r>
-              <a:rPr lang="zh-CN" altLang="en-US" b="1" dirty="0"/>
+              <a:rPr lang="zh-CN" altLang="en-US" b="1" dirty="0">
+                <a:latin typeface="宋体" pitchFamily="2" charset="-122"/>
+                <a:ea typeface="宋体" pitchFamily="2" charset="-122"/>
+              </a:rPr>
               <a:t> </a:t>
             </a:r>
             <a:r>
-              <a:rPr lang="en-US" altLang="zh-CN" b="1" dirty="0"/>
+              <a:rPr lang="en-US" altLang="zh-CN" b="1" dirty="0">
+                <a:latin typeface="宋体" pitchFamily="2" charset="-122"/>
+                <a:ea typeface="宋体" pitchFamily="2" charset="-122"/>
+              </a:rPr>
               <a:t>,</a:t>
             </a:r>
             <a:r>
-              <a:rPr lang="zh-CN" altLang="en-US" b="1" dirty="0"/>
-              <a:t>找出对应平衡电位，计算腐蚀电位 ，计算电流密度，计算溶解层数  ，计算溶解电流密度</a:t>
-            </a:r>
-            <a:r>
               <a:rPr lang="zh-CN" altLang="en-US" b="1" dirty="0">
+                <a:latin typeface="宋体" pitchFamily="2" charset="-122"/>
+                <a:ea typeface="宋体" pitchFamily="2" charset="-122"/>
+              </a:rPr>
+              <a:t>找出对应平衡电位，计算腐蚀电位 ，计算电流密度，计算溶解层数 </a:t>
+            </a:r>
+            <a:r>
+              <a:rPr lang="zh-CN" altLang="en-US" b="1" dirty="0" smtClean="0">
+                <a:latin typeface="宋体" pitchFamily="2" charset="-122"/>
+                <a:ea typeface="宋体" pitchFamily="2" charset="-122"/>
+              </a:rPr>
+              <a:t>，</a:t>
+            </a:r>
+            <a:r>
+              <a:rPr lang="zh-CN" altLang="en-US" b="1" dirty="0">
+                <a:latin typeface="宋体" pitchFamily="2" charset="-122"/>
+                <a:ea typeface="宋体" pitchFamily="2" charset="-122"/>
+              </a:rPr>
+              <a:t>计算溶解电流密度</a:t>
+            </a:r>
+            <a:r>
+              <a:rPr lang="zh-CN" altLang="en-US" b="1" dirty="0">
+                <a:latin typeface="宋体" pitchFamily="2" charset="-122"/>
+                <a:ea typeface="宋体" pitchFamily="2" charset="-122"/>
                 <a:sym typeface="+mn-lt"/>
               </a:rPr>
               <a:t>，对未溶解金属重新计算并校正腐蚀电位，校正溶解电流密度，计算腐蚀速率</a:t>
@@ -22394,13 +19536,17 @@
               <a:buChar char="p"/>
             </a:pPr>
             <a:r>
-              <a:rPr lang="zh-CN" altLang="en-US" sz="2100" b="1" dirty="0">
+              <a:rPr lang="zh-CN" altLang="en-US" b="1" dirty="0">
+                <a:latin typeface="宋体" pitchFamily="2" charset="-122"/>
+                <a:ea typeface="宋体" pitchFamily="2" charset="-122"/>
                 <a:cs typeface="+mn-ea"/>
                 <a:sym typeface="+mn-lt"/>
               </a:rPr>
               <a:t>在新模型中需要进行腐蚀电位计算，其中我们需要计算阴极反应的电流和阳极反应电流从而计算腐蚀电位</a:t>
             </a:r>
-            <a:endParaRPr lang="en-US" altLang="zh-CN" sz="2100" b="1" dirty="0">
+            <a:endParaRPr lang="en-US" altLang="zh-CN" b="1" dirty="0">
+              <a:latin typeface="宋体" pitchFamily="2" charset="-122"/>
+              <a:ea typeface="宋体" pitchFamily="2" charset="-122"/>
               <a:cs typeface="+mn-ea"/>
               <a:sym typeface="+mn-lt"/>
             </a:endParaRPr>
